--- a/WebProgramlamayaGiriş.pptx
+++ b/WebProgramlamayaGiriş.pptx
@@ -74,6 +74,14 @@
     <p:sldId id="323" r:id="rId68"/>
     <p:sldId id="324" r:id="rId69"/>
     <p:sldId id="265" r:id="rId70"/>
+    <p:sldId id="325" r:id="rId71"/>
+    <p:sldId id="326" r:id="rId72"/>
+    <p:sldId id="327" r:id="rId73"/>
+    <p:sldId id="328" r:id="rId74"/>
+    <p:sldId id="329" r:id="rId75"/>
+    <p:sldId id="330" r:id="rId76"/>
+    <p:sldId id="331" r:id="rId77"/>
+    <p:sldId id="332" r:id="rId78"/>
   </p:sldIdLst>
   <p:sldSz cx="12192000" cy="6858000"/>
   <p:notesSz cx="6858000" cy="9144000"/>
@@ -511,7 +519,7 @@
           <a:p>
             <a:fld id="{63A1C593-65D0-4073-BCC9-577B9352EA97}" type="datetimeFigureOut">
               <a:rPr lang="en-US" smtClean="0"/>
-              <a:t>5/20/2022</a:t>
+              <a:t>5/29/2022</a:t>
             </a:fld>
             <a:endParaRPr lang="en-US"/>
           </a:p>
@@ -835,7 +843,7 @@
           <a:p>
             <a:fld id="{63A1C593-65D0-4073-BCC9-577B9352EA97}" type="datetimeFigureOut">
               <a:rPr lang="en-US" smtClean="0"/>
-              <a:t>5/20/2022</a:t>
+              <a:t>5/29/2022</a:t>
             </a:fld>
             <a:endParaRPr lang="en-US"/>
           </a:p>
@@ -1083,7 +1091,7 @@
           <a:p>
             <a:fld id="{63A1C593-65D0-4073-BCC9-577B9352EA97}" type="datetimeFigureOut">
               <a:rPr lang="en-US" smtClean="0"/>
-              <a:t>5/20/2022</a:t>
+              <a:t>5/29/2022</a:t>
             </a:fld>
             <a:endParaRPr lang="en-US"/>
           </a:p>
@@ -1422,7 +1430,7 @@
           <a:p>
             <a:fld id="{63A1C593-65D0-4073-BCC9-577B9352EA97}" type="datetimeFigureOut">
               <a:rPr lang="en-US" smtClean="0"/>
-              <a:t>5/20/2022</a:t>
+              <a:t>5/29/2022</a:t>
             </a:fld>
             <a:endParaRPr lang="en-US"/>
           </a:p>
@@ -1769,7 +1777,7 @@
           <a:p>
             <a:fld id="{63A1C593-65D0-4073-BCC9-577B9352EA97}" type="datetimeFigureOut">
               <a:rPr lang="en-US" smtClean="0"/>
-              <a:t>5/20/2022</a:t>
+              <a:t>5/29/2022</a:t>
             </a:fld>
             <a:endParaRPr lang="en-US"/>
           </a:p>
@@ -2143,7 +2151,7 @@
           <a:p>
             <a:fld id="{63A1C593-65D0-4073-BCC9-577B9352EA97}" type="datetimeFigureOut">
               <a:rPr lang="en-US" smtClean="0"/>
-              <a:t>5/20/2022</a:t>
+              <a:t>5/29/2022</a:t>
             </a:fld>
             <a:endParaRPr lang="en-US"/>
           </a:p>
@@ -2613,7 +2621,7 @@
           <a:p>
             <a:fld id="{63A1C593-65D0-4073-BCC9-577B9352EA97}" type="datetimeFigureOut">
               <a:rPr lang="en-US" smtClean="0"/>
-              <a:t>5/20/2022</a:t>
+              <a:t>5/29/2022</a:t>
             </a:fld>
             <a:endParaRPr lang="en-US"/>
           </a:p>
@@ -2818,7 +2826,7 @@
           <a:p>
             <a:fld id="{63A1C593-65D0-4073-BCC9-577B9352EA97}" type="datetimeFigureOut">
               <a:rPr lang="en-US" smtClean="0"/>
-              <a:t>5/20/2022</a:t>
+              <a:t>5/29/2022</a:t>
             </a:fld>
             <a:endParaRPr lang="en-US"/>
           </a:p>
@@ -3029,7 +3037,7 @@
           <a:p>
             <a:fld id="{63A1C593-65D0-4073-BCC9-577B9352EA97}" type="datetimeFigureOut">
               <a:rPr lang="en-US" smtClean="0"/>
-              <a:t>5/20/2022</a:t>
+              <a:t>5/29/2022</a:t>
             </a:fld>
             <a:endParaRPr lang="en-US"/>
           </a:p>
@@ -3261,7 +3269,7 @@
           <a:p>
             <a:fld id="{63A1C593-65D0-4073-BCC9-577B9352EA97}" type="datetimeFigureOut">
               <a:rPr lang="en-US" smtClean="0"/>
-              <a:t>5/20/2022</a:t>
+              <a:t>5/29/2022</a:t>
             </a:fld>
             <a:endParaRPr lang="en-US"/>
           </a:p>
@@ -3509,7 +3517,7 @@
           <a:p>
             <a:fld id="{63A1C593-65D0-4073-BCC9-577B9352EA97}" type="datetimeFigureOut">
               <a:rPr lang="en-US" smtClean="0"/>
-              <a:t>5/20/2022</a:t>
+              <a:t>5/29/2022</a:t>
             </a:fld>
             <a:endParaRPr lang="en-US"/>
           </a:p>
@@ -3807,7 +3815,7 @@
           <a:p>
             <a:fld id="{63A1C593-65D0-4073-BCC9-577B9352EA97}" type="datetimeFigureOut">
               <a:rPr lang="en-US" smtClean="0"/>
-              <a:t>5/20/2022</a:t>
+              <a:t>5/29/2022</a:t>
             </a:fld>
             <a:endParaRPr lang="en-US"/>
           </a:p>
@@ -4201,7 +4209,7 @@
           <a:p>
             <a:fld id="{63A1C593-65D0-4073-BCC9-577B9352EA97}" type="datetimeFigureOut">
               <a:rPr lang="en-US" smtClean="0"/>
-              <a:t>5/20/2022</a:t>
+              <a:t>5/29/2022</a:t>
             </a:fld>
             <a:endParaRPr lang="en-US"/>
           </a:p>
@@ -4350,7 +4358,7 @@
           <a:p>
             <a:fld id="{63A1C593-65D0-4073-BCC9-577B9352EA97}" type="datetimeFigureOut">
               <a:rPr lang="en-US" smtClean="0"/>
-              <a:t>5/20/2022</a:t>
+              <a:t>5/29/2022</a:t>
             </a:fld>
             <a:endParaRPr lang="en-US"/>
           </a:p>
@@ -4476,7 +4484,7 @@
           <a:p>
             <a:fld id="{63A1C593-65D0-4073-BCC9-577B9352EA97}" type="datetimeFigureOut">
               <a:rPr lang="en-US" smtClean="0"/>
-              <a:t>5/20/2022</a:t>
+              <a:t>5/29/2022</a:t>
             </a:fld>
             <a:endParaRPr lang="en-US"/>
           </a:p>
@@ -4731,7 +4739,7 @@
           <a:p>
             <a:fld id="{63A1C593-65D0-4073-BCC9-577B9352EA97}" type="datetimeFigureOut">
               <a:rPr lang="en-US" smtClean="0"/>
-              <a:t>5/20/2022</a:t>
+              <a:t>5/29/2022</a:t>
             </a:fld>
             <a:endParaRPr lang="en-US"/>
           </a:p>
@@ -5046,7 +5054,7 @@
           <a:p>
             <a:fld id="{63A1C593-65D0-4073-BCC9-577B9352EA97}" type="datetimeFigureOut">
               <a:rPr lang="en-US" smtClean="0"/>
-              <a:t>5/20/2022</a:t>
+              <a:t>5/29/2022</a:t>
             </a:fld>
             <a:endParaRPr lang="en-US"/>
           </a:p>
@@ -5397,7 +5405,7 @@
           <a:p>
             <a:fld id="{63A1C593-65D0-4073-BCC9-577B9352EA97}" type="datetimeFigureOut">
               <a:rPr lang="en-US" smtClean="0"/>
-              <a:t>5/20/2022</a:t>
+              <a:t>5/29/2022</a:t>
             </a:fld>
             <a:endParaRPr lang="en-US"/>
           </a:p>
@@ -23843,6 +23851,7597 @@
 </p:sld>
 </file>
 
+<file path=ppt/slides/slide70.xml><?xml version="1.0" encoding="utf-8"?>
+<p:sld xmlns:a="http://schemas.openxmlformats.org/drawingml/2006/main" xmlns:r="http://schemas.openxmlformats.org/officeDocument/2006/relationships" xmlns:p="http://schemas.openxmlformats.org/presentationml/2006/main">
+  <p:cSld>
+    <p:spTree>
+      <p:nvGrpSpPr>
+        <p:cNvPr id="1" name=""/>
+        <p:cNvGrpSpPr/>
+        <p:nvPr/>
+      </p:nvGrpSpPr>
+      <p:grpSpPr>
+        <a:xfrm>
+          <a:off x="0" y="0"/>
+          <a:ext cx="0" cy="0"/>
+          <a:chOff x="0" y="0"/>
+          <a:chExt cx="0" cy="0"/>
+        </a:xfrm>
+      </p:grpSpPr>
+      <p:sp>
+        <p:nvSpPr>
+          <p:cNvPr id="2" name="Başlık 1">
+            <a:extLst>
+              <a:ext uri="{FF2B5EF4-FFF2-40B4-BE49-F238E27FC236}">
+                <a16:creationId xmlns:a16="http://schemas.microsoft.com/office/drawing/2014/main" id="{D5905D80-78F1-41C7-98F7-8DC7F50029B2}"/>
+              </a:ext>
+            </a:extLst>
+          </p:cNvPr>
+          <p:cNvSpPr>
+            <a:spLocks noGrp="1"/>
+          </p:cNvSpPr>
+          <p:nvPr>
+            <p:ph type="title"/>
+          </p:nvPr>
+        </p:nvSpPr>
+        <p:spPr/>
+        <p:txBody>
+          <a:bodyPr/>
+          <a:lstStyle/>
+          <a:p>
+            <a:r>
+              <a:rPr lang="tr-TR" dirty="0"/>
+              <a:t>Örnek Sorular</a:t>
+            </a:r>
+          </a:p>
+        </p:txBody>
+      </p:sp>
+      <p:sp>
+        <p:nvSpPr>
+          <p:cNvPr id="3" name="İçerik Yer Tutucusu 2">
+            <a:extLst>
+              <a:ext uri="{FF2B5EF4-FFF2-40B4-BE49-F238E27FC236}">
+                <a16:creationId xmlns:a16="http://schemas.microsoft.com/office/drawing/2014/main" id="{E7F31583-7E15-4A32-AC3D-EF85AEB1AEBD}"/>
+              </a:ext>
+            </a:extLst>
+          </p:cNvPr>
+          <p:cNvSpPr>
+            <a:spLocks noGrp="1"/>
+          </p:cNvSpPr>
+          <p:nvPr>
+            <p:ph idx="1"/>
+          </p:nvPr>
+        </p:nvSpPr>
+        <p:spPr/>
+        <p:txBody>
+          <a:bodyPr/>
+          <a:lstStyle/>
+          <a:p>
+            <a:r>
+              <a:rPr lang="tr-TR" dirty="0"/>
+              <a:t>Bir </a:t>
+            </a:r>
+            <a:r>
+              <a:rPr lang="tr-TR" dirty="0" err="1"/>
+              <a:t>input</a:t>
+            </a:r>
+            <a:r>
+              <a:rPr lang="tr-TR" dirty="0"/>
+              <a:t> </a:t>
+            </a:r>
+            <a:r>
+              <a:rPr lang="tr-TR" dirty="0" err="1"/>
+              <a:t>text</a:t>
+            </a:r>
+            <a:r>
+              <a:rPr lang="tr-TR" dirty="0"/>
+              <a:t> alanı, </a:t>
+            </a:r>
+            <a:r>
+              <a:rPr lang="tr-TR" dirty="0" err="1"/>
+              <a:t>input</a:t>
+            </a:r>
+            <a:r>
+              <a:rPr lang="tr-TR" dirty="0"/>
+              <a:t> un </a:t>
+            </a:r>
+            <a:r>
+              <a:rPr lang="tr-TR" dirty="0" err="1"/>
+              <a:t>label</a:t>
+            </a:r>
+            <a:r>
+              <a:rPr lang="tr-TR" dirty="0"/>
+              <a:t> alanı ve bir buton olsun. Sayı girildikten sonra butona basınca asal olup olmadığını bir başka </a:t>
+            </a:r>
+            <a:r>
+              <a:rPr lang="tr-TR" dirty="0" err="1"/>
+              <a:t>label</a:t>
+            </a:r>
+            <a:r>
+              <a:rPr lang="tr-TR" dirty="0"/>
+              <a:t> da yazdırınız. </a:t>
+            </a:r>
+            <a:r>
+              <a:rPr lang="tr-TR" dirty="0" err="1"/>
+              <a:t>Javascript,Html,CSS</a:t>
+            </a:r>
+            <a:r>
+              <a:rPr lang="tr-TR" dirty="0"/>
+              <a:t> kullanılacak.</a:t>
+            </a:r>
+          </a:p>
+          <a:p>
+            <a:r>
+              <a:rPr lang="tr-TR" dirty="0"/>
+              <a:t>Bir </a:t>
+            </a:r>
+            <a:r>
+              <a:rPr lang="tr-TR" dirty="0" err="1"/>
+              <a:t>input</a:t>
+            </a:r>
+            <a:r>
+              <a:rPr lang="tr-TR" dirty="0"/>
+              <a:t> </a:t>
+            </a:r>
+            <a:r>
+              <a:rPr lang="tr-TR" dirty="0" err="1"/>
+              <a:t>text</a:t>
+            </a:r>
+            <a:r>
+              <a:rPr lang="tr-TR" dirty="0"/>
+              <a:t> alanı, </a:t>
+            </a:r>
+            <a:r>
+              <a:rPr lang="tr-TR" dirty="0" err="1"/>
+              <a:t>input</a:t>
+            </a:r>
+            <a:r>
+              <a:rPr lang="tr-TR" dirty="0"/>
+              <a:t> un </a:t>
+            </a:r>
+            <a:r>
+              <a:rPr lang="tr-TR" dirty="0" err="1"/>
+              <a:t>label</a:t>
+            </a:r>
+            <a:r>
+              <a:rPr lang="tr-TR" dirty="0"/>
+              <a:t> alanı ve bir buton olsun. Sayı girildikten sonra butona basınca girilen sayının çarpım tablosu gösterilsin. Girilen sayı 10 dan büyük ve 1 den küçükse </a:t>
+            </a:r>
+            <a:r>
+              <a:rPr lang="tr-TR" dirty="0" err="1"/>
+              <a:t>alert</a:t>
+            </a:r>
+            <a:r>
+              <a:rPr lang="tr-TR" dirty="0"/>
+              <a:t> mesajı ile uyarılsın.</a:t>
+            </a:r>
+          </a:p>
+        </p:txBody>
+      </p:sp>
+    </p:spTree>
+    <p:extLst>
+      <p:ext uri="{BB962C8B-B14F-4D97-AF65-F5344CB8AC3E}">
+        <p14:creationId xmlns:p14="http://schemas.microsoft.com/office/powerpoint/2010/main" val="3799862074"/>
+      </p:ext>
+    </p:extLst>
+  </p:cSld>
+  <p:clrMapOvr>
+    <a:masterClrMapping/>
+  </p:clrMapOvr>
+</p:sld>
+</file>
+
+<file path=ppt/slides/slide71.xml><?xml version="1.0" encoding="utf-8"?>
+<p:sld xmlns:a="http://schemas.openxmlformats.org/drawingml/2006/main" xmlns:r="http://schemas.openxmlformats.org/officeDocument/2006/relationships" xmlns:p="http://schemas.openxmlformats.org/presentationml/2006/main">
+  <p:cSld>
+    <p:spTree>
+      <p:nvGrpSpPr>
+        <p:cNvPr id="1" name=""/>
+        <p:cNvGrpSpPr/>
+        <p:nvPr/>
+      </p:nvGrpSpPr>
+      <p:grpSpPr>
+        <a:xfrm>
+          <a:off x="0" y="0"/>
+          <a:ext cx="0" cy="0"/>
+          <a:chOff x="0" y="0"/>
+          <a:chExt cx="0" cy="0"/>
+        </a:xfrm>
+      </p:grpSpPr>
+      <p:sp>
+        <p:nvSpPr>
+          <p:cNvPr id="2" name="Başlık 1">
+            <a:extLst>
+              <a:ext uri="{FF2B5EF4-FFF2-40B4-BE49-F238E27FC236}">
+                <a16:creationId xmlns:a16="http://schemas.microsoft.com/office/drawing/2014/main" id="{511B97BD-7BE5-4895-8B72-BC0A19549CC9}"/>
+              </a:ext>
+            </a:extLst>
+          </p:cNvPr>
+          <p:cNvSpPr>
+            <a:spLocks noGrp="1"/>
+          </p:cNvSpPr>
+          <p:nvPr>
+            <p:ph type="title"/>
+          </p:nvPr>
+        </p:nvSpPr>
+        <p:spPr/>
+        <p:txBody>
+          <a:bodyPr/>
+          <a:lstStyle/>
+          <a:p>
+            <a:endParaRPr lang="tr-TR"/>
+          </a:p>
+        </p:txBody>
+      </p:sp>
+      <p:sp>
+        <p:nvSpPr>
+          <p:cNvPr id="3" name="İçerik Yer Tutucusu 2">
+            <a:extLst>
+              <a:ext uri="{FF2B5EF4-FFF2-40B4-BE49-F238E27FC236}">
+                <a16:creationId xmlns:a16="http://schemas.microsoft.com/office/drawing/2014/main" id="{5FC30D71-4DD4-43EF-B197-7B658DF414E5}"/>
+              </a:ext>
+            </a:extLst>
+          </p:cNvPr>
+          <p:cNvSpPr>
+            <a:spLocks noGrp="1"/>
+          </p:cNvSpPr>
+          <p:nvPr>
+            <p:ph idx="1"/>
+          </p:nvPr>
+        </p:nvSpPr>
+        <p:spPr/>
+        <p:txBody>
+          <a:bodyPr>
+            <a:normAutofit lnSpcReduction="10000"/>
+          </a:bodyPr>
+          <a:lstStyle/>
+          <a:p>
+            <a:r>
+              <a:rPr lang="tr-TR" dirty="0"/>
+              <a:t>Bir </a:t>
+            </a:r>
+            <a:r>
+              <a:rPr lang="tr-TR" dirty="0" err="1"/>
+              <a:t>input</a:t>
+            </a:r>
+            <a:r>
+              <a:rPr lang="tr-TR" dirty="0"/>
+              <a:t> alanı olsun. Kullanıcıdan arkada üretilen </a:t>
+            </a:r>
+            <a:r>
+              <a:rPr lang="tr-TR" dirty="0" err="1"/>
+              <a:t>random</a:t>
+            </a:r>
+            <a:r>
+              <a:rPr lang="tr-TR" dirty="0"/>
+              <a:t> </a:t>
+            </a:r>
+            <a:r>
+              <a:rPr lang="tr-TR" dirty="0" err="1"/>
+              <a:t>sayi</a:t>
+            </a:r>
+            <a:r>
+              <a:rPr lang="tr-TR" dirty="0"/>
+              <a:t> tahmin </a:t>
+            </a:r>
+            <a:r>
+              <a:rPr lang="tr-TR"/>
+              <a:t>etmeye çalışsın.</a:t>
+            </a:r>
+            <a:endParaRPr lang="tr-TR" dirty="0"/>
+          </a:p>
+          <a:p>
+            <a:r>
+              <a:rPr kumimoji="0" lang="tr-TR" altLang="tr-TR" sz="2400" b="0" i="0" u="none" strike="noStrike" cap="none" normalizeH="0" baseline="0" dirty="0" err="1">
+                <a:ln>
+                  <a:noFill/>
+                </a:ln>
+                <a:solidFill>
+                  <a:srgbClr val="C678DD"/>
+                </a:solidFill>
+                <a:effectLst/>
+                <a:highlight>
+                  <a:srgbClr val="000000"/>
+                </a:highlight>
+                <a:latin typeface="droid sans mono"/>
+              </a:rPr>
+              <a:t>const</a:t>
+            </a:r>
+            <a:r>
+              <a:rPr kumimoji="0" lang="tr-TR" altLang="tr-TR" sz="2400" b="0" i="0" u="none" strike="noStrike" cap="none" normalizeH="0" baseline="0" dirty="0">
+                <a:ln>
+                  <a:noFill/>
+                </a:ln>
+                <a:solidFill>
+                  <a:srgbClr val="D3D3D3"/>
+                </a:solidFill>
+                <a:effectLst/>
+                <a:highlight>
+                  <a:srgbClr val="000000"/>
+                </a:highlight>
+                <a:latin typeface="droid sans mono"/>
+              </a:rPr>
+              <a:t> </a:t>
+            </a:r>
+            <a:r>
+              <a:rPr kumimoji="0" lang="tr-TR" altLang="tr-TR" sz="2400" b="0" i="0" u="none" strike="noStrike" cap="none" normalizeH="0" baseline="0" dirty="0" err="1">
+                <a:ln>
+                  <a:noFill/>
+                </a:ln>
+                <a:solidFill>
+                  <a:srgbClr val="D3D3D3"/>
+                </a:solidFill>
+                <a:effectLst/>
+                <a:highlight>
+                  <a:srgbClr val="000000"/>
+                </a:highlight>
+                <a:latin typeface="droid sans mono"/>
+              </a:rPr>
+              <a:t>random</a:t>
+            </a:r>
+            <a:r>
+              <a:rPr kumimoji="0" lang="tr-TR" altLang="tr-TR" sz="2400" b="0" i="0" u="none" strike="noStrike" cap="none" normalizeH="0" baseline="0" dirty="0">
+                <a:ln>
+                  <a:noFill/>
+                </a:ln>
+                <a:solidFill>
+                  <a:srgbClr val="D3D3D3"/>
+                </a:solidFill>
+                <a:effectLst/>
+                <a:highlight>
+                  <a:srgbClr val="000000"/>
+                </a:highlight>
+                <a:latin typeface="droid sans mono"/>
+              </a:rPr>
+              <a:t> = </a:t>
+            </a:r>
+            <a:r>
+              <a:rPr kumimoji="0" lang="tr-TR" altLang="tr-TR" sz="2400" b="0" i="0" u="none" strike="noStrike" cap="none" normalizeH="0" baseline="0" dirty="0" err="1">
+                <a:ln>
+                  <a:noFill/>
+                </a:ln>
+                <a:solidFill>
+                  <a:srgbClr val="E6C07B"/>
+                </a:solidFill>
+                <a:effectLst/>
+                <a:highlight>
+                  <a:srgbClr val="000000"/>
+                </a:highlight>
+                <a:latin typeface="droid sans mono"/>
+              </a:rPr>
+              <a:t>Math</a:t>
+            </a:r>
+            <a:r>
+              <a:rPr kumimoji="0" lang="tr-TR" altLang="tr-TR" sz="2400" b="0" i="0" u="none" strike="noStrike" cap="none" normalizeH="0" baseline="0" dirty="0" err="1">
+                <a:ln>
+                  <a:noFill/>
+                </a:ln>
+                <a:solidFill>
+                  <a:srgbClr val="D3D3D3"/>
+                </a:solidFill>
+                <a:effectLst/>
+                <a:highlight>
+                  <a:srgbClr val="000000"/>
+                </a:highlight>
+                <a:latin typeface="droid sans mono"/>
+              </a:rPr>
+              <a:t>.floor</a:t>
+            </a:r>
+            <a:r>
+              <a:rPr kumimoji="0" lang="tr-TR" altLang="tr-TR" sz="2400" b="0" i="0" u="none" strike="noStrike" cap="none" normalizeH="0" baseline="0" dirty="0">
+                <a:ln>
+                  <a:noFill/>
+                </a:ln>
+                <a:solidFill>
+                  <a:srgbClr val="D3D3D3"/>
+                </a:solidFill>
+                <a:effectLst/>
+                <a:highlight>
+                  <a:srgbClr val="000000"/>
+                </a:highlight>
+                <a:latin typeface="droid sans mono"/>
+              </a:rPr>
+              <a:t>(</a:t>
+            </a:r>
+            <a:r>
+              <a:rPr kumimoji="0" lang="tr-TR" altLang="tr-TR" sz="2400" b="0" i="0" u="none" strike="noStrike" cap="none" normalizeH="0" baseline="0" dirty="0" err="1">
+                <a:ln>
+                  <a:noFill/>
+                </a:ln>
+                <a:solidFill>
+                  <a:srgbClr val="E6C07B"/>
+                </a:solidFill>
+                <a:effectLst/>
+                <a:highlight>
+                  <a:srgbClr val="000000"/>
+                </a:highlight>
+                <a:latin typeface="droid sans mono"/>
+              </a:rPr>
+              <a:t>Math</a:t>
+            </a:r>
+            <a:r>
+              <a:rPr kumimoji="0" lang="tr-TR" altLang="tr-TR" sz="2400" b="0" i="0" u="none" strike="noStrike" cap="none" normalizeH="0" baseline="0" dirty="0" err="1">
+                <a:ln>
+                  <a:noFill/>
+                </a:ln>
+                <a:solidFill>
+                  <a:srgbClr val="D3D3D3"/>
+                </a:solidFill>
+                <a:effectLst/>
+                <a:highlight>
+                  <a:srgbClr val="000000"/>
+                </a:highlight>
+                <a:latin typeface="droid sans mono"/>
+              </a:rPr>
+              <a:t>.random</a:t>
+            </a:r>
+            <a:r>
+              <a:rPr kumimoji="0" lang="tr-TR" altLang="tr-TR" sz="2400" b="0" i="0" u="none" strike="noStrike" cap="none" normalizeH="0" baseline="0" dirty="0">
+                <a:ln>
+                  <a:noFill/>
+                </a:ln>
+                <a:solidFill>
+                  <a:srgbClr val="D3D3D3"/>
+                </a:solidFill>
+                <a:effectLst/>
+                <a:highlight>
+                  <a:srgbClr val="000000"/>
+                </a:highlight>
+                <a:latin typeface="droid sans mono"/>
+              </a:rPr>
+              <a:t>() * </a:t>
+            </a:r>
+            <a:r>
+              <a:rPr kumimoji="0" lang="tr-TR" altLang="tr-TR" sz="2400" b="0" i="0" u="none" strike="noStrike" cap="none" normalizeH="0" baseline="0" dirty="0">
+                <a:ln>
+                  <a:noFill/>
+                </a:ln>
+                <a:solidFill>
+                  <a:srgbClr val="D19A66"/>
+                </a:solidFill>
+                <a:effectLst/>
+                <a:highlight>
+                  <a:srgbClr val="000000"/>
+                </a:highlight>
+                <a:latin typeface="droid sans mono"/>
+              </a:rPr>
+              <a:t>10</a:t>
+            </a:r>
+            <a:r>
+              <a:rPr kumimoji="0" lang="tr-TR" altLang="tr-TR" sz="2400" b="0" i="0" u="none" strike="noStrike" cap="none" normalizeH="0" baseline="0" dirty="0">
+                <a:ln>
+                  <a:noFill/>
+                </a:ln>
+                <a:solidFill>
+                  <a:srgbClr val="D3D3D3"/>
+                </a:solidFill>
+                <a:effectLst/>
+                <a:highlight>
+                  <a:srgbClr val="000000"/>
+                </a:highlight>
+                <a:latin typeface="droid sans mono"/>
+              </a:rPr>
+              <a:t>) + </a:t>
+            </a:r>
+            <a:r>
+              <a:rPr kumimoji="0" lang="tr-TR" altLang="tr-TR" sz="2400" b="0" i="0" u="none" strike="noStrike" cap="none" normalizeH="0" baseline="0" dirty="0">
+                <a:ln>
+                  <a:noFill/>
+                </a:ln>
+                <a:solidFill>
+                  <a:srgbClr val="D19A66"/>
+                </a:solidFill>
+                <a:effectLst/>
+                <a:highlight>
+                  <a:srgbClr val="000000"/>
+                </a:highlight>
+                <a:latin typeface="droid sans mono"/>
+              </a:rPr>
+              <a:t>1</a:t>
+            </a:r>
+            <a:r>
+              <a:rPr kumimoji="0" lang="tr-TR" altLang="tr-TR" sz="2400" b="0" i="0" u="none" strike="noStrike" cap="none" normalizeH="0" baseline="0" dirty="0">
+                <a:ln>
+                  <a:noFill/>
+                </a:ln>
+                <a:solidFill>
+                  <a:srgbClr val="D3D3D3"/>
+                </a:solidFill>
+                <a:effectLst/>
+                <a:highlight>
+                  <a:srgbClr val="000000"/>
+                </a:highlight>
+                <a:latin typeface="droid sans mono"/>
+              </a:rPr>
+              <a:t>;</a:t>
+            </a:r>
+            <a:r>
+              <a:rPr kumimoji="0" lang="tr-TR" altLang="tr-TR" sz="1800" b="0" i="0" u="none" strike="noStrike" cap="none" normalizeH="0" baseline="0" dirty="0">
+                <a:ln>
+                  <a:noFill/>
+                </a:ln>
+                <a:solidFill>
+                  <a:schemeClr val="tx1"/>
+                </a:solidFill>
+                <a:effectLst/>
+                <a:highlight>
+                  <a:srgbClr val="000000"/>
+                </a:highlight>
+              </a:rPr>
+              <a:t> </a:t>
+            </a:r>
+            <a:endParaRPr kumimoji="0" lang="tr-TR" altLang="tr-TR" sz="4800" b="0" i="0" u="none" strike="noStrike" cap="none" normalizeH="0" baseline="0" dirty="0">
+              <a:ln>
+                <a:noFill/>
+              </a:ln>
+              <a:solidFill>
+                <a:schemeClr val="tx1"/>
+              </a:solidFill>
+              <a:effectLst/>
+              <a:highlight>
+                <a:srgbClr val="000000"/>
+              </a:highlight>
+              <a:latin typeface="Arial" panose="020B0604020202020204" pitchFamily="34" charset="0"/>
+            </a:endParaRPr>
+          </a:p>
+          <a:p>
+            <a:endParaRPr lang="tr-TR" dirty="0"/>
+          </a:p>
+          <a:p>
+            <a:r>
+              <a:rPr lang="tr-TR" dirty="0"/>
+              <a:t>Girilen </a:t>
+            </a:r>
+            <a:r>
+              <a:rPr lang="tr-TR" dirty="0" err="1"/>
+              <a:t>String</a:t>
+            </a:r>
+            <a:r>
+              <a:rPr lang="tr-TR" dirty="0"/>
+              <a:t> i tersine çeviren kodu yazınız.</a:t>
+            </a:r>
+          </a:p>
+          <a:p>
+            <a:endParaRPr lang="tr-TR" dirty="0"/>
+          </a:p>
+          <a:p>
+            <a:r>
+              <a:rPr lang="tr-TR" dirty="0"/>
+              <a:t>İçinde bulunan sayfanın </a:t>
+            </a:r>
+            <a:r>
+              <a:rPr lang="tr-TR" dirty="0" err="1"/>
+              <a:t>url</a:t>
+            </a:r>
+            <a:r>
+              <a:rPr lang="tr-TR" dirty="0"/>
+              <a:t> ini yazdıran kodu yazınız.</a:t>
+            </a:r>
+          </a:p>
+        </p:txBody>
+      </p:sp>
+    </p:spTree>
+    <p:extLst>
+      <p:ext uri="{BB962C8B-B14F-4D97-AF65-F5344CB8AC3E}">
+        <p14:creationId xmlns:p14="http://schemas.microsoft.com/office/powerpoint/2010/main" val="3711885704"/>
+      </p:ext>
+    </p:extLst>
+  </p:cSld>
+  <p:clrMapOvr>
+    <a:masterClrMapping/>
+  </p:clrMapOvr>
+</p:sld>
+</file>
+
+<file path=ppt/slides/slide72.xml><?xml version="1.0" encoding="utf-8"?>
+<p:sld xmlns:a="http://schemas.openxmlformats.org/drawingml/2006/main" xmlns:r="http://schemas.openxmlformats.org/officeDocument/2006/relationships" xmlns:p="http://schemas.openxmlformats.org/presentationml/2006/main">
+  <p:cSld>
+    <p:spTree>
+      <p:nvGrpSpPr>
+        <p:cNvPr id="1" name=""/>
+        <p:cNvGrpSpPr/>
+        <p:nvPr/>
+      </p:nvGrpSpPr>
+      <p:grpSpPr>
+        <a:xfrm>
+          <a:off x="0" y="0"/>
+          <a:ext cx="0" cy="0"/>
+          <a:chOff x="0" y="0"/>
+          <a:chExt cx="0" cy="0"/>
+        </a:xfrm>
+      </p:grpSpPr>
+      <p:sp>
+        <p:nvSpPr>
+          <p:cNvPr id="2" name="Başlık 1">
+            <a:extLst>
+              <a:ext uri="{FF2B5EF4-FFF2-40B4-BE49-F238E27FC236}">
+                <a16:creationId xmlns:a16="http://schemas.microsoft.com/office/drawing/2014/main" id="{99FAB383-4B69-4072-934D-114556EC4016}"/>
+              </a:ext>
+            </a:extLst>
+          </p:cNvPr>
+          <p:cNvSpPr>
+            <a:spLocks noGrp="1"/>
+          </p:cNvSpPr>
+          <p:nvPr>
+            <p:ph type="title"/>
+          </p:nvPr>
+        </p:nvSpPr>
+        <p:spPr/>
+        <p:txBody>
+          <a:bodyPr/>
+          <a:lstStyle/>
+          <a:p>
+            <a:endParaRPr lang="tr-TR"/>
+          </a:p>
+        </p:txBody>
+      </p:sp>
+      <p:sp>
+        <p:nvSpPr>
+          <p:cNvPr id="3" name="İçerik Yer Tutucusu 2">
+            <a:extLst>
+              <a:ext uri="{FF2B5EF4-FFF2-40B4-BE49-F238E27FC236}">
+                <a16:creationId xmlns:a16="http://schemas.microsoft.com/office/drawing/2014/main" id="{0FA54800-B9A4-4729-A7DC-27D1ACA9C33B}"/>
+              </a:ext>
+            </a:extLst>
+          </p:cNvPr>
+          <p:cNvSpPr>
+            <a:spLocks noGrp="1"/>
+          </p:cNvSpPr>
+          <p:nvPr>
+            <p:ph idx="1"/>
+          </p:nvPr>
+        </p:nvSpPr>
+        <p:spPr/>
+        <p:txBody>
+          <a:bodyPr/>
+          <a:lstStyle/>
+          <a:p>
+            <a:r>
+              <a:rPr lang="tr-TR" dirty="0"/>
+              <a:t>İki data alınız. Aldığınız datayı tabloya ekleyecek </a:t>
+            </a:r>
+            <a:r>
+              <a:rPr lang="tr-TR" dirty="0" err="1"/>
+              <a:t>jquery</a:t>
+            </a:r>
+            <a:r>
+              <a:rPr lang="tr-TR" dirty="0"/>
+              <a:t> kodunu yazınız.</a:t>
+            </a:r>
+          </a:p>
+        </p:txBody>
+      </p:sp>
+    </p:spTree>
+    <p:extLst>
+      <p:ext uri="{BB962C8B-B14F-4D97-AF65-F5344CB8AC3E}">
+        <p14:creationId xmlns:p14="http://schemas.microsoft.com/office/powerpoint/2010/main" val="4245038702"/>
+      </p:ext>
+    </p:extLst>
+  </p:cSld>
+  <p:clrMapOvr>
+    <a:masterClrMapping/>
+  </p:clrMapOvr>
+</p:sld>
+</file>
+
+<file path=ppt/slides/slide73.xml><?xml version="1.0" encoding="utf-8"?>
+<p:sld xmlns:a="http://schemas.openxmlformats.org/drawingml/2006/main" xmlns:r="http://schemas.openxmlformats.org/officeDocument/2006/relationships" xmlns:p="http://schemas.openxmlformats.org/presentationml/2006/main">
+  <p:cSld>
+    <p:spTree>
+      <p:nvGrpSpPr>
+        <p:cNvPr id="1" name=""/>
+        <p:cNvGrpSpPr/>
+        <p:nvPr/>
+      </p:nvGrpSpPr>
+      <p:grpSpPr>
+        <a:xfrm>
+          <a:off x="0" y="0"/>
+          <a:ext cx="0" cy="0"/>
+          <a:chOff x="0" y="0"/>
+          <a:chExt cx="0" cy="0"/>
+        </a:xfrm>
+      </p:grpSpPr>
+      <p:sp>
+        <p:nvSpPr>
+          <p:cNvPr id="3" name="İçerik Yer Tutucusu 2">
+            <a:extLst>
+              <a:ext uri="{FF2B5EF4-FFF2-40B4-BE49-F238E27FC236}">
+                <a16:creationId xmlns:a16="http://schemas.microsoft.com/office/drawing/2014/main" id="{847E75DF-D152-442A-8DB8-EAF91BC45E5B}"/>
+              </a:ext>
+            </a:extLst>
+          </p:cNvPr>
+          <p:cNvSpPr>
+            <a:spLocks noGrp="1"/>
+          </p:cNvSpPr>
+          <p:nvPr>
+            <p:ph idx="1"/>
+          </p:nvPr>
+        </p:nvSpPr>
+        <p:spPr>
+          <a:xfrm>
+            <a:off x="1295401" y="704675"/>
+            <a:ext cx="9601196" cy="5171193"/>
+          </a:xfrm>
+        </p:spPr>
+        <p:txBody>
+          <a:bodyPr>
+            <a:normAutofit fontScale="55000" lnSpcReduction="20000"/>
+          </a:bodyPr>
+          <a:lstStyle/>
+          <a:p>
+            <a:pPr marL="0" marR="0" lvl="0" indent="0" algn="l" defTabSz="914400" rtl="0" eaLnBrk="0" fontAlgn="base" latinLnBrk="0" hangingPunct="0">
+              <a:lnSpc>
+                <a:spcPct val="100000"/>
+              </a:lnSpc>
+              <a:spcBef>
+                <a:spcPct val="0"/>
+              </a:spcBef>
+              <a:spcAft>
+                <a:spcPct val="0"/>
+              </a:spcAft>
+              <a:buClrTx/>
+              <a:buSzTx/>
+              <a:buFontTx/>
+              <a:buNone/>
+              <a:tabLst/>
+            </a:pPr>
+            <a:r>
+              <a:rPr kumimoji="0" lang="tr-TR" altLang="tr-TR" sz="2400" b="0" i="0" u="none" strike="noStrike" cap="none" normalizeH="0" baseline="0" dirty="0">
+                <a:ln>
+                  <a:noFill/>
+                </a:ln>
+                <a:solidFill>
+                  <a:srgbClr val="000000"/>
+                </a:solidFill>
+                <a:effectLst/>
+                <a:latin typeface="Consolas" panose="020B0609020204030204" pitchFamily="49" charset="0"/>
+              </a:rPr>
+              <a:t>&lt;!DOCTYPE html&gt;</a:t>
+            </a:r>
+            <a:endParaRPr kumimoji="0" lang="tr-TR" altLang="tr-TR" sz="1400" b="0" i="0" u="none" strike="noStrike" cap="none" normalizeH="0" baseline="0" dirty="0">
+              <a:ln>
+                <a:noFill/>
+              </a:ln>
+              <a:solidFill>
+                <a:schemeClr val="tx1"/>
+              </a:solidFill>
+              <a:effectLst/>
+            </a:endParaRPr>
+          </a:p>
+          <a:p>
+            <a:pPr marL="0" marR="0" lvl="0" indent="0" algn="l" defTabSz="914400" rtl="0" eaLnBrk="0" fontAlgn="base" latinLnBrk="0" hangingPunct="0">
+              <a:lnSpc>
+                <a:spcPct val="100000"/>
+              </a:lnSpc>
+              <a:spcBef>
+                <a:spcPct val="0"/>
+              </a:spcBef>
+              <a:spcAft>
+                <a:spcPct val="0"/>
+              </a:spcAft>
+              <a:buClrTx/>
+              <a:buSzTx/>
+              <a:buFontTx/>
+              <a:buNone/>
+              <a:tabLst/>
+            </a:pPr>
+            <a:r>
+              <a:rPr kumimoji="0" lang="tr-TR" altLang="tr-TR" sz="2400" b="0" i="0" u="none" strike="noStrike" cap="none" normalizeH="0" baseline="0" dirty="0">
+                <a:ln>
+                  <a:noFill/>
+                </a:ln>
+                <a:solidFill>
+                  <a:srgbClr val="000000"/>
+                </a:solidFill>
+                <a:effectLst/>
+                <a:latin typeface="Consolas" panose="020B0609020204030204" pitchFamily="49" charset="0"/>
+              </a:rPr>
+              <a:t>&lt;</a:t>
+            </a:r>
+            <a:r>
+              <a:rPr kumimoji="0" lang="tr-TR" altLang="tr-TR" sz="2400" b="1" i="0" u="none" strike="noStrike" cap="none" normalizeH="0" baseline="0" dirty="0">
+                <a:ln>
+                  <a:noFill/>
+                </a:ln>
+                <a:solidFill>
+                  <a:srgbClr val="006699"/>
+                </a:solidFill>
+                <a:effectLst/>
+                <a:latin typeface="Consolas" panose="020B0609020204030204" pitchFamily="49" charset="0"/>
+              </a:rPr>
+              <a:t>html</a:t>
+            </a:r>
+            <a:r>
+              <a:rPr kumimoji="0" lang="tr-TR" altLang="tr-TR" sz="2400" b="0" i="0" u="none" strike="noStrike" cap="none" normalizeH="0" baseline="0" dirty="0">
+                <a:ln>
+                  <a:noFill/>
+                </a:ln>
+                <a:solidFill>
+                  <a:srgbClr val="000000"/>
+                </a:solidFill>
+                <a:effectLst/>
+                <a:latin typeface="Consolas" panose="020B0609020204030204" pitchFamily="49" charset="0"/>
+              </a:rPr>
+              <a:t>&gt;</a:t>
+            </a:r>
+            <a:endParaRPr kumimoji="0" lang="tr-TR" altLang="tr-TR" sz="1400" b="0" i="0" u="none" strike="noStrike" cap="none" normalizeH="0" baseline="0" dirty="0">
+              <a:ln>
+                <a:noFill/>
+              </a:ln>
+              <a:solidFill>
+                <a:schemeClr val="tx1"/>
+              </a:solidFill>
+              <a:effectLst/>
+            </a:endParaRPr>
+          </a:p>
+          <a:p>
+            <a:pPr marL="0" marR="0" lvl="0" indent="0" algn="l" defTabSz="914400" rtl="0" eaLnBrk="0" fontAlgn="base" latinLnBrk="0" hangingPunct="0">
+              <a:lnSpc>
+                <a:spcPct val="100000"/>
+              </a:lnSpc>
+              <a:spcBef>
+                <a:spcPct val="0"/>
+              </a:spcBef>
+              <a:spcAft>
+                <a:spcPct val="0"/>
+              </a:spcAft>
+              <a:buClrTx/>
+              <a:buSzTx/>
+              <a:buFontTx/>
+              <a:buNone/>
+              <a:tabLst/>
+            </a:pPr>
+            <a:r>
+              <a:rPr kumimoji="0" lang="tr-TR" altLang="tr-TR" sz="2400" b="0" i="0" u="none" strike="noStrike" cap="none" normalizeH="0" baseline="0" dirty="0">
+                <a:ln>
+                  <a:noFill/>
+                </a:ln>
+                <a:solidFill>
+                  <a:srgbClr val="273239"/>
+                </a:solidFill>
+                <a:effectLst/>
+                <a:latin typeface="Consolas" panose="020B0609020204030204" pitchFamily="49" charset="0"/>
+              </a:rPr>
+              <a:t> </a:t>
+            </a:r>
+            <a:r>
+              <a:rPr kumimoji="0" lang="tr-TR" altLang="tr-TR" sz="1400" b="0" i="0" u="none" strike="noStrike" cap="none" normalizeH="0" baseline="0" dirty="0">
+                <a:ln>
+                  <a:noFill/>
+                </a:ln>
+                <a:solidFill>
+                  <a:srgbClr val="273239"/>
+                </a:solidFill>
+                <a:effectLst/>
+                <a:latin typeface="Consolas" panose="020B0609020204030204" pitchFamily="49" charset="0"/>
+              </a:rPr>
+              <a:t> </a:t>
+            </a:r>
+            <a:endParaRPr kumimoji="0" lang="tr-TR" altLang="tr-TR" sz="4000" b="0" i="0" u="none" strike="noStrike" cap="none" normalizeH="0" baseline="0" dirty="0">
+              <a:ln>
+                <a:noFill/>
+              </a:ln>
+              <a:solidFill>
+                <a:schemeClr val="tx1"/>
+              </a:solidFill>
+              <a:effectLst/>
+            </a:endParaRPr>
+          </a:p>
+          <a:p>
+            <a:pPr marL="0" marR="0" lvl="0" indent="0" algn="l" defTabSz="914400" rtl="0" eaLnBrk="0" fontAlgn="base" latinLnBrk="0" hangingPunct="0">
+              <a:lnSpc>
+                <a:spcPct val="100000"/>
+              </a:lnSpc>
+              <a:spcBef>
+                <a:spcPct val="0"/>
+              </a:spcBef>
+              <a:spcAft>
+                <a:spcPct val="0"/>
+              </a:spcAft>
+              <a:buClrTx/>
+              <a:buSzTx/>
+              <a:buFontTx/>
+              <a:buNone/>
+              <a:tabLst/>
+            </a:pPr>
+            <a:r>
+              <a:rPr kumimoji="0" lang="tr-TR" altLang="tr-TR" sz="2400" b="0" i="0" u="none" strike="noStrike" cap="none" normalizeH="0" baseline="0" dirty="0">
+                <a:ln>
+                  <a:noFill/>
+                </a:ln>
+                <a:solidFill>
+                  <a:srgbClr val="000000"/>
+                </a:solidFill>
+                <a:effectLst/>
+                <a:latin typeface="Consolas" panose="020B0609020204030204" pitchFamily="49" charset="0"/>
+              </a:rPr>
+              <a:t>&lt;</a:t>
+            </a:r>
+            <a:r>
+              <a:rPr kumimoji="0" lang="tr-TR" altLang="tr-TR" sz="2400" b="1" i="0" u="none" strike="noStrike" cap="none" normalizeH="0" baseline="0" dirty="0" err="1">
+                <a:ln>
+                  <a:noFill/>
+                </a:ln>
+                <a:solidFill>
+                  <a:srgbClr val="006699"/>
+                </a:solidFill>
+                <a:effectLst/>
+                <a:latin typeface="Consolas" panose="020B0609020204030204" pitchFamily="49" charset="0"/>
+              </a:rPr>
+              <a:t>head</a:t>
+            </a:r>
+            <a:r>
+              <a:rPr kumimoji="0" lang="tr-TR" altLang="tr-TR" sz="2400" b="0" i="0" u="none" strike="noStrike" cap="none" normalizeH="0" baseline="0" dirty="0">
+                <a:ln>
+                  <a:noFill/>
+                </a:ln>
+                <a:solidFill>
+                  <a:srgbClr val="000000"/>
+                </a:solidFill>
+                <a:effectLst/>
+                <a:latin typeface="Consolas" panose="020B0609020204030204" pitchFamily="49" charset="0"/>
+              </a:rPr>
+              <a:t>&gt;</a:t>
+            </a:r>
+            <a:endParaRPr kumimoji="0" lang="tr-TR" altLang="tr-TR" sz="1400" b="0" i="0" u="none" strike="noStrike" cap="none" normalizeH="0" baseline="0" dirty="0">
+              <a:ln>
+                <a:noFill/>
+              </a:ln>
+              <a:solidFill>
+                <a:schemeClr val="tx1"/>
+              </a:solidFill>
+              <a:effectLst/>
+            </a:endParaRPr>
+          </a:p>
+          <a:p>
+            <a:pPr marL="0" marR="0" lvl="0" indent="0" algn="l" defTabSz="914400" rtl="0" eaLnBrk="0" fontAlgn="base" latinLnBrk="0" hangingPunct="0">
+              <a:lnSpc>
+                <a:spcPct val="100000"/>
+              </a:lnSpc>
+              <a:spcBef>
+                <a:spcPct val="0"/>
+              </a:spcBef>
+              <a:spcAft>
+                <a:spcPct val="0"/>
+              </a:spcAft>
+              <a:buClrTx/>
+              <a:buSzTx/>
+              <a:buFontTx/>
+              <a:buNone/>
+              <a:tabLst/>
+            </a:pPr>
+            <a:r>
+              <a:rPr kumimoji="0" lang="tr-TR" altLang="tr-TR" sz="2400" b="0" i="0" u="none" strike="noStrike" cap="none" normalizeH="0" baseline="0" dirty="0">
+                <a:ln>
+                  <a:noFill/>
+                </a:ln>
+                <a:solidFill>
+                  <a:srgbClr val="273239"/>
+                </a:solidFill>
+                <a:effectLst/>
+                <a:latin typeface="Consolas" panose="020B0609020204030204" pitchFamily="49" charset="0"/>
+              </a:rPr>
+              <a:t>    </a:t>
+            </a:r>
+            <a:r>
+              <a:rPr kumimoji="0" lang="tr-TR" altLang="tr-TR" sz="2400" b="0" i="0" u="none" strike="noStrike" cap="none" normalizeH="0" baseline="0" dirty="0">
+                <a:ln>
+                  <a:noFill/>
+                </a:ln>
+                <a:solidFill>
+                  <a:srgbClr val="000000"/>
+                </a:solidFill>
+                <a:effectLst/>
+                <a:latin typeface="Consolas" panose="020B0609020204030204" pitchFamily="49" charset="0"/>
+              </a:rPr>
+              <a:t>&lt;</a:t>
+            </a:r>
+            <a:r>
+              <a:rPr kumimoji="0" lang="tr-TR" altLang="tr-TR" sz="2400" b="1" i="0" u="none" strike="noStrike" cap="none" normalizeH="0" baseline="0" dirty="0" err="1">
+                <a:ln>
+                  <a:noFill/>
+                </a:ln>
+                <a:solidFill>
+                  <a:srgbClr val="006699"/>
+                </a:solidFill>
+                <a:effectLst/>
+                <a:latin typeface="Consolas" panose="020B0609020204030204" pitchFamily="49" charset="0"/>
+              </a:rPr>
+              <a:t>title</a:t>
+            </a:r>
+            <a:r>
+              <a:rPr kumimoji="0" lang="tr-TR" altLang="tr-TR" sz="2400" b="0" i="0" u="none" strike="noStrike" cap="none" normalizeH="0" baseline="0" dirty="0">
+                <a:ln>
+                  <a:noFill/>
+                </a:ln>
+                <a:solidFill>
+                  <a:srgbClr val="000000"/>
+                </a:solidFill>
+                <a:effectLst/>
+                <a:latin typeface="Consolas" panose="020B0609020204030204" pitchFamily="49" charset="0"/>
+              </a:rPr>
+              <a:t>&gt;</a:t>
+            </a:r>
+            <a:endParaRPr kumimoji="0" lang="tr-TR" altLang="tr-TR" sz="1400" b="0" i="0" u="none" strike="noStrike" cap="none" normalizeH="0" baseline="0" dirty="0">
+              <a:ln>
+                <a:noFill/>
+              </a:ln>
+              <a:solidFill>
+                <a:schemeClr val="tx1"/>
+              </a:solidFill>
+              <a:effectLst/>
+            </a:endParaRPr>
+          </a:p>
+          <a:p>
+            <a:pPr marL="0" marR="0" lvl="0" indent="0" algn="l" defTabSz="914400" rtl="0" eaLnBrk="0" fontAlgn="base" latinLnBrk="0" hangingPunct="0">
+              <a:lnSpc>
+                <a:spcPct val="100000"/>
+              </a:lnSpc>
+              <a:spcBef>
+                <a:spcPct val="0"/>
+              </a:spcBef>
+              <a:spcAft>
+                <a:spcPct val="0"/>
+              </a:spcAft>
+              <a:buClrTx/>
+              <a:buSzTx/>
+              <a:buFontTx/>
+              <a:buNone/>
+              <a:tabLst/>
+            </a:pPr>
+            <a:r>
+              <a:rPr kumimoji="0" lang="tr-TR" altLang="tr-TR" sz="2400" b="0" i="0" u="none" strike="noStrike" cap="none" normalizeH="0" baseline="0" dirty="0">
+                <a:ln>
+                  <a:noFill/>
+                </a:ln>
+                <a:solidFill>
+                  <a:srgbClr val="273239"/>
+                </a:solidFill>
+                <a:effectLst/>
+                <a:latin typeface="Consolas" panose="020B0609020204030204" pitchFamily="49" charset="0"/>
+              </a:rPr>
+              <a:t>        </a:t>
+            </a:r>
+            <a:r>
+              <a:rPr kumimoji="0" lang="tr-TR" altLang="tr-TR" sz="2400" b="0" i="0" u="none" strike="noStrike" cap="none" normalizeH="0" baseline="0" dirty="0">
+                <a:ln>
+                  <a:noFill/>
+                </a:ln>
+                <a:solidFill>
+                  <a:srgbClr val="000000"/>
+                </a:solidFill>
+                <a:effectLst/>
+                <a:latin typeface="Consolas" panose="020B0609020204030204" pitchFamily="49" charset="0"/>
+              </a:rPr>
+              <a:t>How </a:t>
+            </a:r>
+            <a:r>
+              <a:rPr kumimoji="0" lang="tr-TR" altLang="tr-TR" sz="2400" b="0" i="0" u="none" strike="noStrike" cap="none" normalizeH="0" baseline="0" dirty="0" err="1">
+                <a:ln>
+                  <a:noFill/>
+                </a:ln>
+                <a:solidFill>
+                  <a:srgbClr val="000000"/>
+                </a:solidFill>
+                <a:effectLst/>
+                <a:latin typeface="Consolas" panose="020B0609020204030204" pitchFamily="49" charset="0"/>
+              </a:rPr>
+              <a:t>to</a:t>
+            </a:r>
+            <a:r>
+              <a:rPr kumimoji="0" lang="tr-TR" altLang="tr-TR" sz="2400" b="0" i="0" u="none" strike="noStrike" cap="none" normalizeH="0" baseline="0" dirty="0">
+                <a:ln>
+                  <a:noFill/>
+                </a:ln>
+                <a:solidFill>
+                  <a:srgbClr val="000000"/>
+                </a:solidFill>
+                <a:effectLst/>
+                <a:latin typeface="Consolas" panose="020B0609020204030204" pitchFamily="49" charset="0"/>
+              </a:rPr>
+              <a:t> </a:t>
+            </a:r>
+            <a:r>
+              <a:rPr kumimoji="0" lang="tr-TR" altLang="tr-TR" sz="2400" b="0" i="0" u="none" strike="noStrike" cap="none" normalizeH="0" baseline="0" dirty="0" err="1">
+                <a:ln>
+                  <a:noFill/>
+                </a:ln>
+                <a:solidFill>
+                  <a:srgbClr val="000000"/>
+                </a:solidFill>
+                <a:effectLst/>
+                <a:latin typeface="Consolas" panose="020B0609020204030204" pitchFamily="49" charset="0"/>
+              </a:rPr>
+              <a:t>add</a:t>
+            </a:r>
+            <a:r>
+              <a:rPr kumimoji="0" lang="tr-TR" altLang="tr-TR" sz="2400" b="0" i="0" u="none" strike="noStrike" cap="none" normalizeH="0" baseline="0" dirty="0">
+                <a:ln>
+                  <a:noFill/>
+                </a:ln>
+                <a:solidFill>
+                  <a:srgbClr val="000000"/>
+                </a:solidFill>
+                <a:effectLst/>
+                <a:latin typeface="Consolas" panose="020B0609020204030204" pitchFamily="49" charset="0"/>
+              </a:rPr>
+              <a:t> </a:t>
+            </a:r>
+            <a:r>
+              <a:rPr kumimoji="0" lang="tr-TR" altLang="tr-TR" sz="2400" b="0" i="0" u="none" strike="noStrike" cap="none" normalizeH="0" baseline="0" dirty="0" err="1">
+                <a:ln>
+                  <a:noFill/>
+                </a:ln>
+                <a:solidFill>
+                  <a:srgbClr val="000000"/>
+                </a:solidFill>
+                <a:effectLst/>
+                <a:latin typeface="Consolas" panose="020B0609020204030204" pitchFamily="49" charset="0"/>
+              </a:rPr>
+              <a:t>table</a:t>
+            </a:r>
+            <a:r>
+              <a:rPr kumimoji="0" lang="tr-TR" altLang="tr-TR" sz="2400" b="0" i="0" u="none" strike="noStrike" cap="none" normalizeH="0" baseline="0" dirty="0">
+                <a:ln>
+                  <a:noFill/>
+                </a:ln>
+                <a:solidFill>
+                  <a:srgbClr val="000000"/>
+                </a:solidFill>
+                <a:effectLst/>
+                <a:latin typeface="Consolas" panose="020B0609020204030204" pitchFamily="49" charset="0"/>
+              </a:rPr>
+              <a:t> </a:t>
+            </a:r>
+            <a:r>
+              <a:rPr kumimoji="0" lang="tr-TR" altLang="tr-TR" sz="2400" b="0" i="0" u="none" strike="noStrike" cap="none" normalizeH="0" baseline="0" dirty="0" err="1">
+                <a:ln>
+                  <a:noFill/>
+                </a:ln>
+                <a:solidFill>
+                  <a:srgbClr val="000000"/>
+                </a:solidFill>
+                <a:effectLst/>
+                <a:latin typeface="Consolas" panose="020B0609020204030204" pitchFamily="49" charset="0"/>
+              </a:rPr>
+              <a:t>row</a:t>
+            </a:r>
+            <a:r>
+              <a:rPr kumimoji="0" lang="tr-TR" altLang="tr-TR" sz="2400" b="0" i="0" u="none" strike="noStrike" cap="none" normalizeH="0" baseline="0" dirty="0">
+                <a:ln>
+                  <a:noFill/>
+                </a:ln>
+                <a:solidFill>
+                  <a:srgbClr val="000000"/>
+                </a:solidFill>
+                <a:effectLst/>
+                <a:latin typeface="Consolas" panose="020B0609020204030204" pitchFamily="49" charset="0"/>
+              </a:rPr>
+              <a:t> in </a:t>
+            </a:r>
+            <a:r>
+              <a:rPr kumimoji="0" lang="tr-TR" altLang="tr-TR" sz="2400" b="0" i="0" u="none" strike="noStrike" cap="none" normalizeH="0" baseline="0" dirty="0" err="1">
+                <a:ln>
+                  <a:noFill/>
+                </a:ln>
+                <a:solidFill>
+                  <a:srgbClr val="000000"/>
+                </a:solidFill>
+                <a:effectLst/>
+                <a:latin typeface="Consolas" panose="020B0609020204030204" pitchFamily="49" charset="0"/>
+              </a:rPr>
+              <a:t>jQuery</a:t>
+            </a:r>
+            <a:r>
+              <a:rPr kumimoji="0" lang="tr-TR" altLang="tr-TR" sz="2400" b="0" i="0" u="none" strike="noStrike" cap="none" normalizeH="0" baseline="0" dirty="0">
+                <a:ln>
+                  <a:noFill/>
+                </a:ln>
+                <a:solidFill>
+                  <a:srgbClr val="000000"/>
+                </a:solidFill>
+                <a:effectLst/>
+                <a:latin typeface="Consolas" panose="020B0609020204030204" pitchFamily="49" charset="0"/>
+              </a:rPr>
+              <a:t>?</a:t>
+            </a:r>
+            <a:endParaRPr kumimoji="0" lang="tr-TR" altLang="tr-TR" sz="1400" b="0" i="0" u="none" strike="noStrike" cap="none" normalizeH="0" baseline="0" dirty="0">
+              <a:ln>
+                <a:noFill/>
+              </a:ln>
+              <a:solidFill>
+                <a:schemeClr val="tx1"/>
+              </a:solidFill>
+              <a:effectLst/>
+            </a:endParaRPr>
+          </a:p>
+          <a:p>
+            <a:pPr marL="0" marR="0" lvl="0" indent="0" algn="l" defTabSz="914400" rtl="0" eaLnBrk="0" fontAlgn="base" latinLnBrk="0" hangingPunct="0">
+              <a:lnSpc>
+                <a:spcPct val="100000"/>
+              </a:lnSpc>
+              <a:spcBef>
+                <a:spcPct val="0"/>
+              </a:spcBef>
+              <a:spcAft>
+                <a:spcPct val="0"/>
+              </a:spcAft>
+              <a:buClrTx/>
+              <a:buSzTx/>
+              <a:buFontTx/>
+              <a:buNone/>
+              <a:tabLst/>
+            </a:pPr>
+            <a:r>
+              <a:rPr kumimoji="0" lang="tr-TR" altLang="tr-TR" sz="2400" b="0" i="0" u="none" strike="noStrike" cap="none" normalizeH="0" baseline="0" dirty="0">
+                <a:ln>
+                  <a:noFill/>
+                </a:ln>
+                <a:solidFill>
+                  <a:srgbClr val="273239"/>
+                </a:solidFill>
+                <a:effectLst/>
+                <a:latin typeface="Consolas" panose="020B0609020204030204" pitchFamily="49" charset="0"/>
+              </a:rPr>
+              <a:t>    </a:t>
+            </a:r>
+            <a:r>
+              <a:rPr kumimoji="0" lang="tr-TR" altLang="tr-TR" sz="2400" b="0" i="0" u="none" strike="noStrike" cap="none" normalizeH="0" baseline="0" dirty="0">
+                <a:ln>
+                  <a:noFill/>
+                </a:ln>
+                <a:solidFill>
+                  <a:srgbClr val="000000"/>
+                </a:solidFill>
+                <a:effectLst/>
+                <a:latin typeface="Consolas" panose="020B0609020204030204" pitchFamily="49" charset="0"/>
+              </a:rPr>
+              <a:t>&lt;/</a:t>
+            </a:r>
+            <a:r>
+              <a:rPr kumimoji="0" lang="tr-TR" altLang="tr-TR" sz="2400" b="1" i="0" u="none" strike="noStrike" cap="none" normalizeH="0" baseline="0" dirty="0" err="1">
+                <a:ln>
+                  <a:noFill/>
+                </a:ln>
+                <a:solidFill>
+                  <a:srgbClr val="006699"/>
+                </a:solidFill>
+                <a:effectLst/>
+                <a:latin typeface="Consolas" panose="020B0609020204030204" pitchFamily="49" charset="0"/>
+              </a:rPr>
+              <a:t>title</a:t>
+            </a:r>
+            <a:r>
+              <a:rPr kumimoji="0" lang="tr-TR" altLang="tr-TR" sz="2400" b="0" i="0" u="none" strike="noStrike" cap="none" normalizeH="0" baseline="0" dirty="0">
+                <a:ln>
+                  <a:noFill/>
+                </a:ln>
+                <a:solidFill>
+                  <a:srgbClr val="000000"/>
+                </a:solidFill>
+                <a:effectLst/>
+                <a:latin typeface="Consolas" panose="020B0609020204030204" pitchFamily="49" charset="0"/>
+              </a:rPr>
+              <a:t>&gt;</a:t>
+            </a:r>
+            <a:endParaRPr kumimoji="0" lang="tr-TR" altLang="tr-TR" sz="1400" b="0" i="0" u="none" strike="noStrike" cap="none" normalizeH="0" baseline="0" dirty="0">
+              <a:ln>
+                <a:noFill/>
+              </a:ln>
+              <a:solidFill>
+                <a:schemeClr val="tx1"/>
+              </a:solidFill>
+              <a:effectLst/>
+            </a:endParaRPr>
+          </a:p>
+          <a:p>
+            <a:pPr marL="0" marR="0" lvl="0" indent="0" algn="l" defTabSz="914400" rtl="0" eaLnBrk="0" fontAlgn="base" latinLnBrk="0" hangingPunct="0">
+              <a:lnSpc>
+                <a:spcPct val="100000"/>
+              </a:lnSpc>
+              <a:spcBef>
+                <a:spcPct val="0"/>
+              </a:spcBef>
+              <a:spcAft>
+                <a:spcPct val="0"/>
+              </a:spcAft>
+              <a:buClrTx/>
+              <a:buSzTx/>
+              <a:buFontTx/>
+              <a:buNone/>
+              <a:tabLst/>
+            </a:pPr>
+            <a:r>
+              <a:rPr kumimoji="0" lang="tr-TR" altLang="tr-TR" sz="2400" b="0" i="0" u="none" strike="noStrike" cap="none" normalizeH="0" baseline="0" dirty="0">
+                <a:ln>
+                  <a:noFill/>
+                </a:ln>
+                <a:solidFill>
+                  <a:srgbClr val="273239"/>
+                </a:solidFill>
+                <a:effectLst/>
+                <a:latin typeface="Consolas" panose="020B0609020204030204" pitchFamily="49" charset="0"/>
+              </a:rPr>
+              <a:t>     </a:t>
+            </a:r>
+            <a:r>
+              <a:rPr kumimoji="0" lang="tr-TR" altLang="tr-TR" sz="1400" b="0" i="0" u="none" strike="noStrike" cap="none" normalizeH="0" baseline="0" dirty="0">
+                <a:ln>
+                  <a:noFill/>
+                </a:ln>
+                <a:solidFill>
+                  <a:srgbClr val="273239"/>
+                </a:solidFill>
+                <a:effectLst/>
+                <a:latin typeface="Consolas" panose="020B0609020204030204" pitchFamily="49" charset="0"/>
+              </a:rPr>
+              <a:t> </a:t>
+            </a:r>
+            <a:endParaRPr kumimoji="0" lang="tr-TR" altLang="tr-TR" sz="4000" b="0" i="0" u="none" strike="noStrike" cap="none" normalizeH="0" baseline="0" dirty="0">
+              <a:ln>
+                <a:noFill/>
+              </a:ln>
+              <a:solidFill>
+                <a:schemeClr val="tx1"/>
+              </a:solidFill>
+              <a:effectLst/>
+            </a:endParaRPr>
+          </a:p>
+          <a:p>
+            <a:pPr marL="0" marR="0" lvl="0" indent="0" algn="l" defTabSz="914400" rtl="0" eaLnBrk="0" fontAlgn="base" latinLnBrk="0" hangingPunct="0">
+              <a:lnSpc>
+                <a:spcPct val="100000"/>
+              </a:lnSpc>
+              <a:spcBef>
+                <a:spcPct val="0"/>
+              </a:spcBef>
+              <a:spcAft>
+                <a:spcPct val="0"/>
+              </a:spcAft>
+              <a:buClrTx/>
+              <a:buSzTx/>
+              <a:buFontTx/>
+              <a:buNone/>
+              <a:tabLst/>
+            </a:pPr>
+            <a:r>
+              <a:rPr kumimoji="0" lang="tr-TR" altLang="tr-TR" sz="2400" b="0" i="0" u="none" strike="noStrike" cap="none" normalizeH="0" baseline="0" dirty="0">
+                <a:ln>
+                  <a:noFill/>
+                </a:ln>
+                <a:solidFill>
+                  <a:srgbClr val="273239"/>
+                </a:solidFill>
+                <a:effectLst/>
+                <a:latin typeface="Consolas" panose="020B0609020204030204" pitchFamily="49" charset="0"/>
+              </a:rPr>
+              <a:t>    </a:t>
+            </a:r>
+            <a:r>
+              <a:rPr kumimoji="0" lang="tr-TR" altLang="tr-TR" sz="2400" b="0" i="0" u="none" strike="noStrike" cap="none" normalizeH="0" baseline="0" dirty="0">
+                <a:ln>
+                  <a:noFill/>
+                </a:ln>
+                <a:solidFill>
+                  <a:srgbClr val="000000"/>
+                </a:solidFill>
+                <a:effectLst/>
+                <a:latin typeface="Consolas" panose="020B0609020204030204" pitchFamily="49" charset="0"/>
+              </a:rPr>
+              <a:t>&lt;</a:t>
+            </a:r>
+            <a:r>
+              <a:rPr kumimoji="0" lang="tr-TR" altLang="tr-TR" sz="2400" b="1" i="0" u="none" strike="noStrike" cap="none" normalizeH="0" baseline="0" dirty="0" err="1">
+                <a:ln>
+                  <a:noFill/>
+                </a:ln>
+                <a:solidFill>
+                  <a:srgbClr val="006699"/>
+                </a:solidFill>
+                <a:effectLst/>
+                <a:latin typeface="Consolas" panose="020B0609020204030204" pitchFamily="49" charset="0"/>
+              </a:rPr>
+              <a:t>script</a:t>
+            </a:r>
+            <a:r>
+              <a:rPr kumimoji="0" lang="tr-TR" altLang="tr-TR" sz="1400" b="0" i="0" u="none" strike="noStrike" cap="none" normalizeH="0" baseline="0" dirty="0">
+                <a:ln>
+                  <a:noFill/>
+                </a:ln>
+                <a:solidFill>
+                  <a:srgbClr val="273239"/>
+                </a:solidFill>
+                <a:effectLst/>
+                <a:latin typeface="Consolas" panose="020B0609020204030204" pitchFamily="49" charset="0"/>
+              </a:rPr>
+              <a:t> </a:t>
+            </a:r>
+            <a:r>
+              <a:rPr kumimoji="0" lang="tr-TR" altLang="tr-TR" sz="2400" b="0" i="0" u="none" strike="noStrike" cap="none" normalizeH="0" baseline="0" dirty="0" err="1">
+                <a:ln>
+                  <a:noFill/>
+                </a:ln>
+                <a:solidFill>
+                  <a:srgbClr val="808080"/>
+                </a:solidFill>
+                <a:effectLst/>
+                <a:latin typeface="Consolas" panose="020B0609020204030204" pitchFamily="49" charset="0"/>
+              </a:rPr>
+              <a:t>src</a:t>
+            </a:r>
+            <a:r>
+              <a:rPr kumimoji="0" lang="tr-TR" altLang="tr-TR" sz="2400" b="0" i="0" u="none" strike="noStrike" cap="none" normalizeH="0" baseline="0" dirty="0">
+                <a:ln>
+                  <a:noFill/>
+                </a:ln>
+                <a:solidFill>
+                  <a:srgbClr val="000000"/>
+                </a:solidFill>
+                <a:effectLst/>
+                <a:latin typeface="Consolas" panose="020B0609020204030204" pitchFamily="49" charset="0"/>
+              </a:rPr>
+              <a:t>=</a:t>
+            </a:r>
+            <a:endParaRPr kumimoji="0" lang="tr-TR" altLang="tr-TR" sz="1400" b="0" i="0" u="none" strike="noStrike" cap="none" normalizeH="0" baseline="0" dirty="0">
+              <a:ln>
+                <a:noFill/>
+              </a:ln>
+              <a:solidFill>
+                <a:schemeClr val="tx1"/>
+              </a:solidFill>
+              <a:effectLst/>
+            </a:endParaRPr>
+          </a:p>
+          <a:p>
+            <a:pPr marL="0" marR="0" lvl="0" indent="0" algn="l" defTabSz="914400" rtl="0" eaLnBrk="0" fontAlgn="base" latinLnBrk="0" hangingPunct="0">
+              <a:lnSpc>
+                <a:spcPct val="100000"/>
+              </a:lnSpc>
+              <a:spcBef>
+                <a:spcPct val="0"/>
+              </a:spcBef>
+              <a:spcAft>
+                <a:spcPct val="0"/>
+              </a:spcAft>
+              <a:buClrTx/>
+              <a:buSzTx/>
+              <a:buFontTx/>
+              <a:buNone/>
+              <a:tabLst/>
+            </a:pPr>
+            <a:r>
+              <a:rPr kumimoji="0" lang="tr-TR" altLang="tr-TR" sz="2400" b="0" i="0" u="none" strike="noStrike" cap="none" normalizeH="0" baseline="0" dirty="0">
+                <a:ln>
+                  <a:noFill/>
+                </a:ln>
+                <a:solidFill>
+                  <a:srgbClr val="0000FF"/>
+                </a:solidFill>
+                <a:effectLst/>
+                <a:latin typeface="Consolas" panose="020B0609020204030204" pitchFamily="49" charset="0"/>
+              </a:rPr>
+              <a:t>"</a:t>
+            </a:r>
+            <a:r>
+              <a:rPr kumimoji="0" lang="tr-TR" altLang="tr-TR" sz="2400" b="0" i="0" u="sng" strike="noStrike" cap="none" normalizeH="0" baseline="0" dirty="0">
+                <a:ln>
+                  <a:noFill/>
+                </a:ln>
+                <a:solidFill>
+                  <a:srgbClr val="0000FF"/>
+                </a:solidFill>
+                <a:effectLst/>
+                <a:latin typeface="Consolas" panose="020B0609020204030204" pitchFamily="49" charset="0"/>
+                <a:hlinkClick r:id="rId2"/>
+              </a:rPr>
+              <a:t>https://ajax.googleapis.com/ajax/libs/jquery/3.3.1/jquery.min.js</a:t>
+            </a:r>
+            <a:r>
+              <a:rPr kumimoji="0" lang="tr-TR" altLang="tr-TR" sz="2400" b="0" i="0" u="none" strike="noStrike" cap="none" normalizeH="0" baseline="0" dirty="0">
+                <a:ln>
+                  <a:noFill/>
+                </a:ln>
+                <a:solidFill>
+                  <a:srgbClr val="0000FF"/>
+                </a:solidFill>
+                <a:effectLst/>
+                <a:latin typeface="Consolas" panose="020B0609020204030204" pitchFamily="49" charset="0"/>
+              </a:rPr>
+              <a:t>"</a:t>
+            </a:r>
+            <a:r>
+              <a:rPr kumimoji="0" lang="tr-TR" altLang="tr-TR" sz="2400" b="0" i="0" u="none" strike="noStrike" cap="none" normalizeH="0" baseline="0" dirty="0">
+                <a:ln>
+                  <a:noFill/>
+                </a:ln>
+                <a:solidFill>
+                  <a:srgbClr val="000000"/>
+                </a:solidFill>
+                <a:effectLst/>
+                <a:latin typeface="Consolas" panose="020B0609020204030204" pitchFamily="49" charset="0"/>
+              </a:rPr>
+              <a:t>&gt;</a:t>
+            </a:r>
+            <a:endParaRPr kumimoji="0" lang="tr-TR" altLang="tr-TR" sz="1400" b="0" i="0" u="none" strike="noStrike" cap="none" normalizeH="0" baseline="0" dirty="0">
+              <a:ln>
+                <a:noFill/>
+              </a:ln>
+              <a:solidFill>
+                <a:schemeClr val="tx1"/>
+              </a:solidFill>
+              <a:effectLst/>
+            </a:endParaRPr>
+          </a:p>
+          <a:p>
+            <a:pPr marL="0" marR="0" lvl="0" indent="0" algn="l" defTabSz="914400" rtl="0" eaLnBrk="0" fontAlgn="base" latinLnBrk="0" hangingPunct="0">
+              <a:lnSpc>
+                <a:spcPct val="100000"/>
+              </a:lnSpc>
+              <a:spcBef>
+                <a:spcPct val="0"/>
+              </a:spcBef>
+              <a:spcAft>
+                <a:spcPct val="0"/>
+              </a:spcAft>
+              <a:buClrTx/>
+              <a:buSzTx/>
+              <a:buFontTx/>
+              <a:buNone/>
+              <a:tabLst/>
+            </a:pPr>
+            <a:r>
+              <a:rPr kumimoji="0" lang="tr-TR" altLang="tr-TR" sz="2400" b="0" i="0" u="none" strike="noStrike" cap="none" normalizeH="0" baseline="0" dirty="0">
+                <a:ln>
+                  <a:noFill/>
+                </a:ln>
+                <a:solidFill>
+                  <a:srgbClr val="273239"/>
+                </a:solidFill>
+                <a:effectLst/>
+                <a:latin typeface="Consolas" panose="020B0609020204030204" pitchFamily="49" charset="0"/>
+              </a:rPr>
+              <a:t>    </a:t>
+            </a:r>
+            <a:r>
+              <a:rPr kumimoji="0" lang="tr-TR" altLang="tr-TR" sz="2400" b="0" i="0" u="none" strike="noStrike" cap="none" normalizeH="0" baseline="0" dirty="0">
+                <a:ln>
+                  <a:noFill/>
+                </a:ln>
+                <a:solidFill>
+                  <a:srgbClr val="000000"/>
+                </a:solidFill>
+                <a:effectLst/>
+                <a:latin typeface="Consolas" panose="020B0609020204030204" pitchFamily="49" charset="0"/>
+              </a:rPr>
+              <a:t>&lt;/</a:t>
+            </a:r>
+            <a:r>
+              <a:rPr kumimoji="0" lang="tr-TR" altLang="tr-TR" sz="2400" b="1" i="0" u="none" strike="noStrike" cap="none" normalizeH="0" baseline="0" dirty="0" err="1">
+                <a:ln>
+                  <a:noFill/>
+                </a:ln>
+                <a:solidFill>
+                  <a:srgbClr val="006699"/>
+                </a:solidFill>
+                <a:effectLst/>
+                <a:latin typeface="Consolas" panose="020B0609020204030204" pitchFamily="49" charset="0"/>
+              </a:rPr>
+              <a:t>script</a:t>
+            </a:r>
+            <a:r>
+              <a:rPr kumimoji="0" lang="tr-TR" altLang="tr-TR" sz="2400" b="0" i="0" u="none" strike="noStrike" cap="none" normalizeH="0" baseline="0" dirty="0">
+                <a:ln>
+                  <a:noFill/>
+                </a:ln>
+                <a:solidFill>
+                  <a:srgbClr val="000000"/>
+                </a:solidFill>
+                <a:effectLst/>
+                <a:latin typeface="Consolas" panose="020B0609020204030204" pitchFamily="49" charset="0"/>
+              </a:rPr>
+              <a:t>&gt;</a:t>
+            </a:r>
+            <a:endParaRPr kumimoji="0" lang="tr-TR" altLang="tr-TR" sz="1400" b="0" i="0" u="none" strike="noStrike" cap="none" normalizeH="0" baseline="0" dirty="0">
+              <a:ln>
+                <a:noFill/>
+              </a:ln>
+              <a:solidFill>
+                <a:schemeClr val="tx1"/>
+              </a:solidFill>
+              <a:effectLst/>
+            </a:endParaRPr>
+          </a:p>
+          <a:p>
+            <a:pPr marL="0" marR="0" lvl="0" indent="0" algn="l" defTabSz="914400" rtl="0" eaLnBrk="0" fontAlgn="base" latinLnBrk="0" hangingPunct="0">
+              <a:lnSpc>
+                <a:spcPct val="100000"/>
+              </a:lnSpc>
+              <a:spcBef>
+                <a:spcPct val="0"/>
+              </a:spcBef>
+              <a:spcAft>
+                <a:spcPct val="0"/>
+              </a:spcAft>
+              <a:buClrTx/>
+              <a:buSzTx/>
+              <a:buFontTx/>
+              <a:buNone/>
+              <a:tabLst/>
+            </a:pPr>
+            <a:r>
+              <a:rPr kumimoji="0" lang="tr-TR" altLang="tr-TR" sz="2400" b="0" i="0" u="none" strike="noStrike" cap="none" normalizeH="0" baseline="0" dirty="0">
+                <a:ln>
+                  <a:noFill/>
+                </a:ln>
+                <a:solidFill>
+                  <a:srgbClr val="273239"/>
+                </a:solidFill>
+                <a:effectLst/>
+                <a:latin typeface="Consolas" panose="020B0609020204030204" pitchFamily="49" charset="0"/>
+              </a:rPr>
+              <a:t>     </a:t>
+            </a:r>
+            <a:r>
+              <a:rPr kumimoji="0" lang="tr-TR" altLang="tr-TR" sz="1400" b="0" i="0" u="none" strike="noStrike" cap="none" normalizeH="0" baseline="0" dirty="0">
+                <a:ln>
+                  <a:noFill/>
+                </a:ln>
+                <a:solidFill>
+                  <a:srgbClr val="273239"/>
+                </a:solidFill>
+                <a:effectLst/>
+                <a:latin typeface="Consolas" panose="020B0609020204030204" pitchFamily="49" charset="0"/>
+              </a:rPr>
+              <a:t> </a:t>
+            </a:r>
+            <a:endParaRPr kumimoji="0" lang="tr-TR" altLang="tr-TR" sz="4000" b="0" i="0" u="none" strike="noStrike" cap="none" normalizeH="0" baseline="0" dirty="0">
+              <a:ln>
+                <a:noFill/>
+              </a:ln>
+              <a:solidFill>
+                <a:schemeClr val="tx1"/>
+              </a:solidFill>
+              <a:effectLst/>
+            </a:endParaRPr>
+          </a:p>
+          <a:p>
+            <a:pPr marL="0" marR="0" lvl="0" indent="0" algn="l" defTabSz="914400" rtl="0" eaLnBrk="0" fontAlgn="base" latinLnBrk="0" hangingPunct="0">
+              <a:lnSpc>
+                <a:spcPct val="100000"/>
+              </a:lnSpc>
+              <a:spcBef>
+                <a:spcPct val="0"/>
+              </a:spcBef>
+              <a:spcAft>
+                <a:spcPct val="0"/>
+              </a:spcAft>
+              <a:buClrTx/>
+              <a:buSzTx/>
+              <a:buFontTx/>
+              <a:buNone/>
+              <a:tabLst/>
+            </a:pPr>
+            <a:r>
+              <a:rPr kumimoji="0" lang="tr-TR" altLang="tr-TR" sz="2400" b="0" i="0" u="none" strike="noStrike" cap="none" normalizeH="0" baseline="0" dirty="0">
+                <a:ln>
+                  <a:noFill/>
+                </a:ln>
+                <a:solidFill>
+                  <a:srgbClr val="273239"/>
+                </a:solidFill>
+                <a:effectLst/>
+                <a:latin typeface="Consolas" panose="020B0609020204030204" pitchFamily="49" charset="0"/>
+              </a:rPr>
+              <a:t>    </a:t>
+            </a:r>
+            <a:r>
+              <a:rPr kumimoji="0" lang="tr-TR" altLang="tr-TR" sz="2400" b="0" i="0" u="none" strike="noStrike" cap="none" normalizeH="0" baseline="0" dirty="0">
+                <a:ln>
+                  <a:noFill/>
+                </a:ln>
+                <a:solidFill>
+                  <a:srgbClr val="000000"/>
+                </a:solidFill>
+                <a:effectLst/>
+                <a:latin typeface="Consolas" panose="020B0609020204030204" pitchFamily="49" charset="0"/>
+              </a:rPr>
+              <a:t>&lt;</a:t>
+            </a:r>
+            <a:r>
+              <a:rPr kumimoji="0" lang="tr-TR" altLang="tr-TR" sz="2400" b="1" i="0" u="none" strike="noStrike" cap="none" normalizeH="0" baseline="0" dirty="0" err="1">
+                <a:ln>
+                  <a:noFill/>
+                </a:ln>
+                <a:solidFill>
+                  <a:srgbClr val="006699"/>
+                </a:solidFill>
+                <a:effectLst/>
+                <a:latin typeface="Consolas" panose="020B0609020204030204" pitchFamily="49" charset="0"/>
+              </a:rPr>
+              <a:t>style</a:t>
+            </a:r>
+            <a:r>
+              <a:rPr kumimoji="0" lang="tr-TR" altLang="tr-TR" sz="2400" b="0" i="0" u="none" strike="noStrike" cap="none" normalizeH="0" baseline="0" dirty="0">
+                <a:ln>
+                  <a:noFill/>
+                </a:ln>
+                <a:solidFill>
+                  <a:srgbClr val="000000"/>
+                </a:solidFill>
+                <a:effectLst/>
+                <a:latin typeface="Consolas" panose="020B0609020204030204" pitchFamily="49" charset="0"/>
+              </a:rPr>
+              <a:t>&gt;</a:t>
+            </a:r>
+            <a:endParaRPr kumimoji="0" lang="tr-TR" altLang="tr-TR" sz="1400" b="0" i="0" u="none" strike="noStrike" cap="none" normalizeH="0" baseline="0" dirty="0">
+              <a:ln>
+                <a:noFill/>
+              </a:ln>
+              <a:solidFill>
+                <a:schemeClr val="tx1"/>
+              </a:solidFill>
+              <a:effectLst/>
+            </a:endParaRPr>
+          </a:p>
+          <a:p>
+            <a:pPr marL="0" marR="0" lvl="0" indent="0" algn="l" defTabSz="914400" rtl="0" eaLnBrk="0" fontAlgn="base" latinLnBrk="0" hangingPunct="0">
+              <a:lnSpc>
+                <a:spcPct val="100000"/>
+              </a:lnSpc>
+              <a:spcBef>
+                <a:spcPct val="0"/>
+              </a:spcBef>
+              <a:spcAft>
+                <a:spcPct val="0"/>
+              </a:spcAft>
+              <a:buClrTx/>
+              <a:buSzTx/>
+              <a:buFontTx/>
+              <a:buNone/>
+              <a:tabLst/>
+            </a:pPr>
+            <a:r>
+              <a:rPr kumimoji="0" lang="tr-TR" altLang="tr-TR" sz="2400" b="0" i="0" u="none" strike="noStrike" cap="none" normalizeH="0" baseline="0" dirty="0">
+                <a:ln>
+                  <a:noFill/>
+                </a:ln>
+                <a:solidFill>
+                  <a:srgbClr val="273239"/>
+                </a:solidFill>
+                <a:effectLst/>
+                <a:latin typeface="Consolas" panose="020B0609020204030204" pitchFamily="49" charset="0"/>
+              </a:rPr>
+              <a:t>        </a:t>
+            </a:r>
+            <a:r>
+              <a:rPr kumimoji="0" lang="tr-TR" altLang="tr-TR" sz="2400" b="0" i="0" u="none" strike="noStrike" cap="none" normalizeH="0" baseline="0" dirty="0" err="1">
+                <a:ln>
+                  <a:noFill/>
+                </a:ln>
+                <a:solidFill>
+                  <a:srgbClr val="000000"/>
+                </a:solidFill>
+                <a:effectLst/>
+                <a:latin typeface="Consolas" panose="020B0609020204030204" pitchFamily="49" charset="0"/>
+              </a:rPr>
+              <a:t>table</a:t>
+            </a:r>
+            <a:r>
+              <a:rPr kumimoji="0" lang="tr-TR" altLang="tr-TR" sz="2400" b="0" i="0" u="none" strike="noStrike" cap="none" normalizeH="0" baseline="0" dirty="0">
+                <a:ln>
+                  <a:noFill/>
+                </a:ln>
+                <a:solidFill>
+                  <a:srgbClr val="000000"/>
+                </a:solidFill>
+                <a:effectLst/>
+                <a:latin typeface="Consolas" panose="020B0609020204030204" pitchFamily="49" charset="0"/>
+              </a:rPr>
+              <a:t> {</a:t>
+            </a:r>
+            <a:endParaRPr kumimoji="0" lang="tr-TR" altLang="tr-TR" sz="1400" b="0" i="0" u="none" strike="noStrike" cap="none" normalizeH="0" baseline="0" dirty="0">
+              <a:ln>
+                <a:noFill/>
+              </a:ln>
+              <a:solidFill>
+                <a:schemeClr val="tx1"/>
+              </a:solidFill>
+              <a:effectLst/>
+            </a:endParaRPr>
+          </a:p>
+          <a:p>
+            <a:pPr marL="0" marR="0" lvl="0" indent="0" algn="l" defTabSz="914400" rtl="0" eaLnBrk="0" fontAlgn="base" latinLnBrk="0" hangingPunct="0">
+              <a:lnSpc>
+                <a:spcPct val="100000"/>
+              </a:lnSpc>
+              <a:spcBef>
+                <a:spcPct val="0"/>
+              </a:spcBef>
+              <a:spcAft>
+                <a:spcPct val="0"/>
+              </a:spcAft>
+              <a:buClrTx/>
+              <a:buSzTx/>
+              <a:buFontTx/>
+              <a:buNone/>
+              <a:tabLst/>
+            </a:pPr>
+            <a:r>
+              <a:rPr kumimoji="0" lang="tr-TR" altLang="tr-TR" sz="2400" b="0" i="0" u="none" strike="noStrike" cap="none" normalizeH="0" baseline="0" dirty="0">
+                <a:ln>
+                  <a:noFill/>
+                </a:ln>
+                <a:solidFill>
+                  <a:srgbClr val="273239"/>
+                </a:solidFill>
+                <a:effectLst/>
+                <a:latin typeface="Consolas" panose="020B0609020204030204" pitchFamily="49" charset="0"/>
+              </a:rPr>
+              <a:t>            </a:t>
+            </a:r>
+            <a:r>
+              <a:rPr kumimoji="0" lang="tr-TR" altLang="tr-TR" sz="2400" b="0" i="0" u="none" strike="noStrike" cap="none" normalizeH="0" baseline="0" dirty="0" err="1">
+                <a:ln>
+                  <a:noFill/>
+                </a:ln>
+                <a:solidFill>
+                  <a:srgbClr val="000000"/>
+                </a:solidFill>
+                <a:effectLst/>
+                <a:latin typeface="Consolas" panose="020B0609020204030204" pitchFamily="49" charset="0"/>
+              </a:rPr>
+              <a:t>margin</a:t>
+            </a:r>
+            <a:r>
+              <a:rPr kumimoji="0" lang="tr-TR" altLang="tr-TR" sz="2400" b="0" i="0" u="none" strike="noStrike" cap="none" normalizeH="0" baseline="0" dirty="0">
+                <a:ln>
+                  <a:noFill/>
+                </a:ln>
+                <a:solidFill>
+                  <a:srgbClr val="000000"/>
+                </a:solidFill>
+                <a:effectLst/>
+                <a:latin typeface="Consolas" panose="020B0609020204030204" pitchFamily="49" charset="0"/>
+              </a:rPr>
+              <a:t>: 25px 0;</a:t>
+            </a:r>
+            <a:endParaRPr kumimoji="0" lang="tr-TR" altLang="tr-TR" sz="1400" b="0" i="0" u="none" strike="noStrike" cap="none" normalizeH="0" baseline="0" dirty="0">
+              <a:ln>
+                <a:noFill/>
+              </a:ln>
+              <a:solidFill>
+                <a:schemeClr val="tx1"/>
+              </a:solidFill>
+              <a:effectLst/>
+            </a:endParaRPr>
+          </a:p>
+          <a:p>
+            <a:pPr marL="0" marR="0" lvl="0" indent="0" algn="l" defTabSz="914400" rtl="0" eaLnBrk="0" fontAlgn="base" latinLnBrk="0" hangingPunct="0">
+              <a:lnSpc>
+                <a:spcPct val="100000"/>
+              </a:lnSpc>
+              <a:spcBef>
+                <a:spcPct val="0"/>
+              </a:spcBef>
+              <a:spcAft>
+                <a:spcPct val="0"/>
+              </a:spcAft>
+              <a:buClrTx/>
+              <a:buSzTx/>
+              <a:buFontTx/>
+              <a:buNone/>
+              <a:tabLst/>
+            </a:pPr>
+            <a:r>
+              <a:rPr kumimoji="0" lang="tr-TR" altLang="tr-TR" sz="2400" b="0" i="0" u="none" strike="noStrike" cap="none" normalizeH="0" baseline="0" dirty="0">
+                <a:ln>
+                  <a:noFill/>
+                </a:ln>
+                <a:solidFill>
+                  <a:srgbClr val="273239"/>
+                </a:solidFill>
+                <a:effectLst/>
+                <a:latin typeface="Consolas" panose="020B0609020204030204" pitchFamily="49" charset="0"/>
+              </a:rPr>
+              <a:t>            </a:t>
+            </a:r>
+            <a:r>
+              <a:rPr kumimoji="0" lang="tr-TR" altLang="tr-TR" sz="2400" b="0" i="0" u="none" strike="noStrike" cap="none" normalizeH="0" baseline="0" dirty="0" err="1">
+                <a:ln>
+                  <a:noFill/>
+                </a:ln>
+                <a:solidFill>
+                  <a:srgbClr val="000000"/>
+                </a:solidFill>
+                <a:effectLst/>
+                <a:latin typeface="Consolas" panose="020B0609020204030204" pitchFamily="49" charset="0"/>
+              </a:rPr>
+              <a:t>width</a:t>
+            </a:r>
+            <a:r>
+              <a:rPr kumimoji="0" lang="tr-TR" altLang="tr-TR" sz="2400" b="0" i="0" u="none" strike="noStrike" cap="none" normalizeH="0" baseline="0" dirty="0">
+                <a:ln>
+                  <a:noFill/>
+                </a:ln>
+                <a:solidFill>
+                  <a:srgbClr val="000000"/>
+                </a:solidFill>
+                <a:effectLst/>
+                <a:latin typeface="Consolas" panose="020B0609020204030204" pitchFamily="49" charset="0"/>
+              </a:rPr>
+              <a:t>: 200px;</a:t>
+            </a:r>
+            <a:endParaRPr kumimoji="0" lang="tr-TR" altLang="tr-TR" sz="1400" b="0" i="0" u="none" strike="noStrike" cap="none" normalizeH="0" baseline="0" dirty="0">
+              <a:ln>
+                <a:noFill/>
+              </a:ln>
+              <a:solidFill>
+                <a:schemeClr val="tx1"/>
+              </a:solidFill>
+              <a:effectLst/>
+            </a:endParaRPr>
+          </a:p>
+          <a:p>
+            <a:pPr marL="0" marR="0" lvl="0" indent="0" algn="l" defTabSz="914400" rtl="0" eaLnBrk="0" fontAlgn="base" latinLnBrk="0" hangingPunct="0">
+              <a:lnSpc>
+                <a:spcPct val="100000"/>
+              </a:lnSpc>
+              <a:spcBef>
+                <a:spcPct val="0"/>
+              </a:spcBef>
+              <a:spcAft>
+                <a:spcPct val="0"/>
+              </a:spcAft>
+              <a:buClrTx/>
+              <a:buSzTx/>
+              <a:buFontTx/>
+              <a:buNone/>
+              <a:tabLst/>
+            </a:pPr>
+            <a:r>
+              <a:rPr kumimoji="0" lang="tr-TR" altLang="tr-TR" sz="2400" b="0" i="0" u="none" strike="noStrike" cap="none" normalizeH="0" baseline="0" dirty="0">
+                <a:ln>
+                  <a:noFill/>
+                </a:ln>
+                <a:solidFill>
+                  <a:srgbClr val="273239"/>
+                </a:solidFill>
+                <a:effectLst/>
+                <a:latin typeface="Consolas" panose="020B0609020204030204" pitchFamily="49" charset="0"/>
+              </a:rPr>
+              <a:t>        </a:t>
+            </a:r>
+            <a:r>
+              <a:rPr kumimoji="0" lang="tr-TR" altLang="tr-TR" sz="2400" b="0" i="0" u="none" strike="noStrike" cap="none" normalizeH="0" baseline="0" dirty="0">
+                <a:ln>
+                  <a:noFill/>
+                </a:ln>
+                <a:solidFill>
+                  <a:srgbClr val="000000"/>
+                </a:solidFill>
+                <a:effectLst/>
+                <a:latin typeface="Consolas" panose="020B0609020204030204" pitchFamily="49" charset="0"/>
+              </a:rPr>
+              <a:t>}</a:t>
+            </a:r>
+            <a:endParaRPr kumimoji="0" lang="tr-TR" altLang="tr-TR" sz="1400" b="0" i="0" u="none" strike="noStrike" cap="none" normalizeH="0" baseline="0" dirty="0">
+              <a:ln>
+                <a:noFill/>
+              </a:ln>
+              <a:solidFill>
+                <a:schemeClr val="tx1"/>
+              </a:solidFill>
+              <a:effectLst/>
+            </a:endParaRPr>
+          </a:p>
+          <a:p>
+            <a:pPr marL="0" marR="0" lvl="0" indent="0" algn="l" defTabSz="914400" rtl="0" eaLnBrk="0" fontAlgn="base" latinLnBrk="0" hangingPunct="0">
+              <a:lnSpc>
+                <a:spcPct val="100000"/>
+              </a:lnSpc>
+              <a:spcBef>
+                <a:spcPct val="0"/>
+              </a:spcBef>
+              <a:spcAft>
+                <a:spcPct val="0"/>
+              </a:spcAft>
+              <a:buClrTx/>
+              <a:buSzTx/>
+              <a:buFontTx/>
+              <a:buNone/>
+              <a:tabLst/>
+            </a:pPr>
+            <a:r>
+              <a:rPr kumimoji="0" lang="tr-TR" altLang="tr-TR" sz="2400" b="0" i="0" u="none" strike="noStrike" cap="none" normalizeH="0" baseline="0" dirty="0">
+                <a:ln>
+                  <a:noFill/>
+                </a:ln>
+                <a:solidFill>
+                  <a:srgbClr val="273239"/>
+                </a:solidFill>
+                <a:effectLst/>
+                <a:latin typeface="Consolas" panose="020B0609020204030204" pitchFamily="49" charset="0"/>
+              </a:rPr>
+              <a:t> </a:t>
+            </a:r>
+            <a:r>
+              <a:rPr kumimoji="0" lang="tr-TR" altLang="tr-TR" sz="1400" b="0" i="0" u="none" strike="noStrike" cap="none" normalizeH="0" baseline="0" dirty="0">
+                <a:ln>
+                  <a:noFill/>
+                </a:ln>
+                <a:solidFill>
+                  <a:srgbClr val="273239"/>
+                </a:solidFill>
+                <a:effectLst/>
+                <a:latin typeface="Consolas" panose="020B0609020204030204" pitchFamily="49" charset="0"/>
+              </a:rPr>
+              <a:t> </a:t>
+            </a:r>
+            <a:endParaRPr kumimoji="0" lang="tr-TR" altLang="tr-TR" sz="4000" b="0" i="0" u="none" strike="noStrike" cap="none" normalizeH="0" baseline="0" dirty="0">
+              <a:ln>
+                <a:noFill/>
+              </a:ln>
+              <a:solidFill>
+                <a:schemeClr val="tx1"/>
+              </a:solidFill>
+              <a:effectLst/>
+            </a:endParaRPr>
+          </a:p>
+          <a:p>
+            <a:pPr marL="0" marR="0" lvl="0" indent="0" algn="l" defTabSz="914400" rtl="0" eaLnBrk="0" fontAlgn="base" latinLnBrk="0" hangingPunct="0">
+              <a:lnSpc>
+                <a:spcPct val="100000"/>
+              </a:lnSpc>
+              <a:spcBef>
+                <a:spcPct val="0"/>
+              </a:spcBef>
+              <a:spcAft>
+                <a:spcPct val="0"/>
+              </a:spcAft>
+              <a:buClrTx/>
+              <a:buSzTx/>
+              <a:buFontTx/>
+              <a:buNone/>
+              <a:tabLst/>
+            </a:pPr>
+            <a:r>
+              <a:rPr kumimoji="0" lang="tr-TR" altLang="tr-TR" sz="2400" b="0" i="0" u="none" strike="noStrike" cap="none" normalizeH="0" baseline="0" dirty="0">
+                <a:ln>
+                  <a:noFill/>
+                </a:ln>
+                <a:solidFill>
+                  <a:srgbClr val="273239"/>
+                </a:solidFill>
+                <a:effectLst/>
+                <a:latin typeface="Consolas" panose="020B0609020204030204" pitchFamily="49" charset="0"/>
+              </a:rPr>
+              <a:t>        </a:t>
+            </a:r>
+            <a:r>
+              <a:rPr kumimoji="0" lang="tr-TR" altLang="tr-TR" sz="2400" b="0" i="0" u="none" strike="noStrike" cap="none" normalizeH="0" baseline="0" dirty="0" err="1">
+                <a:ln>
+                  <a:noFill/>
+                </a:ln>
+                <a:solidFill>
+                  <a:srgbClr val="000000"/>
+                </a:solidFill>
+                <a:effectLst/>
+                <a:latin typeface="Consolas" panose="020B0609020204030204" pitchFamily="49" charset="0"/>
+              </a:rPr>
+              <a:t>table</a:t>
+            </a:r>
+            <a:r>
+              <a:rPr kumimoji="0" lang="tr-TR" altLang="tr-TR" sz="2400" b="0" i="0" u="none" strike="noStrike" cap="none" normalizeH="0" baseline="0" dirty="0">
+                <a:ln>
+                  <a:noFill/>
+                </a:ln>
+                <a:solidFill>
+                  <a:srgbClr val="000000"/>
+                </a:solidFill>
+                <a:effectLst/>
+                <a:latin typeface="Consolas" panose="020B0609020204030204" pitchFamily="49" charset="0"/>
+              </a:rPr>
+              <a:t> </a:t>
+            </a:r>
+            <a:r>
+              <a:rPr kumimoji="0" lang="tr-TR" altLang="tr-TR" sz="2400" b="0" i="0" u="none" strike="noStrike" cap="none" normalizeH="0" baseline="0" dirty="0" err="1">
+                <a:ln>
+                  <a:noFill/>
+                </a:ln>
+                <a:solidFill>
+                  <a:srgbClr val="000000"/>
+                </a:solidFill>
+                <a:effectLst/>
+                <a:latin typeface="Consolas" panose="020B0609020204030204" pitchFamily="49" charset="0"/>
+              </a:rPr>
+              <a:t>th</a:t>
+            </a:r>
+            <a:r>
+              <a:rPr kumimoji="0" lang="tr-TR" altLang="tr-TR" sz="2400" b="0" i="0" u="none" strike="noStrike" cap="none" normalizeH="0" baseline="0" dirty="0">
+                <a:ln>
+                  <a:noFill/>
+                </a:ln>
+                <a:solidFill>
+                  <a:srgbClr val="000000"/>
+                </a:solidFill>
+                <a:effectLst/>
+                <a:latin typeface="Consolas" panose="020B0609020204030204" pitchFamily="49" charset="0"/>
+              </a:rPr>
+              <a:t>, </a:t>
+            </a:r>
+            <a:r>
+              <a:rPr kumimoji="0" lang="tr-TR" altLang="tr-TR" sz="2400" b="0" i="0" u="none" strike="noStrike" cap="none" normalizeH="0" baseline="0" dirty="0" err="1">
+                <a:ln>
+                  <a:noFill/>
+                </a:ln>
+                <a:solidFill>
+                  <a:srgbClr val="000000"/>
+                </a:solidFill>
+                <a:effectLst/>
+                <a:latin typeface="Consolas" panose="020B0609020204030204" pitchFamily="49" charset="0"/>
+              </a:rPr>
+              <a:t>table</a:t>
+            </a:r>
+            <a:r>
+              <a:rPr kumimoji="0" lang="tr-TR" altLang="tr-TR" sz="2400" b="0" i="0" u="none" strike="noStrike" cap="none" normalizeH="0" baseline="0" dirty="0">
+                <a:ln>
+                  <a:noFill/>
+                </a:ln>
+                <a:solidFill>
+                  <a:srgbClr val="000000"/>
+                </a:solidFill>
+                <a:effectLst/>
+                <a:latin typeface="Consolas" panose="020B0609020204030204" pitchFamily="49" charset="0"/>
+              </a:rPr>
+              <a:t> </a:t>
+            </a:r>
+            <a:r>
+              <a:rPr kumimoji="0" lang="tr-TR" altLang="tr-TR" sz="2400" b="0" i="0" u="none" strike="noStrike" cap="none" normalizeH="0" baseline="0" dirty="0" err="1">
+                <a:ln>
+                  <a:noFill/>
+                </a:ln>
+                <a:solidFill>
+                  <a:srgbClr val="000000"/>
+                </a:solidFill>
+                <a:effectLst/>
+                <a:latin typeface="Consolas" panose="020B0609020204030204" pitchFamily="49" charset="0"/>
+              </a:rPr>
+              <a:t>td</a:t>
+            </a:r>
+            <a:r>
+              <a:rPr kumimoji="0" lang="tr-TR" altLang="tr-TR" sz="2400" b="0" i="0" u="none" strike="noStrike" cap="none" normalizeH="0" baseline="0" dirty="0">
+                <a:ln>
+                  <a:noFill/>
+                </a:ln>
+                <a:solidFill>
+                  <a:srgbClr val="000000"/>
+                </a:solidFill>
+                <a:effectLst/>
+                <a:latin typeface="Consolas" panose="020B0609020204030204" pitchFamily="49" charset="0"/>
+              </a:rPr>
+              <a:t> {</a:t>
+            </a:r>
+            <a:endParaRPr kumimoji="0" lang="tr-TR" altLang="tr-TR" sz="1400" b="0" i="0" u="none" strike="noStrike" cap="none" normalizeH="0" baseline="0" dirty="0">
+              <a:ln>
+                <a:noFill/>
+              </a:ln>
+              <a:solidFill>
+                <a:schemeClr val="tx1"/>
+              </a:solidFill>
+              <a:effectLst/>
+            </a:endParaRPr>
+          </a:p>
+          <a:p>
+            <a:pPr marL="0" marR="0" lvl="0" indent="0" algn="l" defTabSz="914400" rtl="0" eaLnBrk="0" fontAlgn="base" latinLnBrk="0" hangingPunct="0">
+              <a:lnSpc>
+                <a:spcPct val="100000"/>
+              </a:lnSpc>
+              <a:spcBef>
+                <a:spcPct val="0"/>
+              </a:spcBef>
+              <a:spcAft>
+                <a:spcPct val="0"/>
+              </a:spcAft>
+              <a:buClrTx/>
+              <a:buSzTx/>
+              <a:buFontTx/>
+              <a:buNone/>
+              <a:tabLst/>
+            </a:pPr>
+            <a:r>
+              <a:rPr kumimoji="0" lang="tr-TR" altLang="tr-TR" sz="2400" b="0" i="0" u="none" strike="noStrike" cap="none" normalizeH="0" baseline="0" dirty="0">
+                <a:ln>
+                  <a:noFill/>
+                </a:ln>
+                <a:solidFill>
+                  <a:srgbClr val="273239"/>
+                </a:solidFill>
+                <a:effectLst/>
+                <a:latin typeface="Consolas" panose="020B0609020204030204" pitchFamily="49" charset="0"/>
+              </a:rPr>
+              <a:t>            </a:t>
+            </a:r>
+            <a:r>
+              <a:rPr kumimoji="0" lang="tr-TR" altLang="tr-TR" sz="2400" b="0" i="0" u="none" strike="noStrike" cap="none" normalizeH="0" baseline="0" dirty="0" err="1">
+                <a:ln>
+                  <a:noFill/>
+                </a:ln>
+                <a:solidFill>
+                  <a:srgbClr val="000000"/>
+                </a:solidFill>
+                <a:effectLst/>
+                <a:latin typeface="Consolas" panose="020B0609020204030204" pitchFamily="49" charset="0"/>
+              </a:rPr>
+              <a:t>padding</a:t>
+            </a:r>
+            <a:r>
+              <a:rPr kumimoji="0" lang="tr-TR" altLang="tr-TR" sz="2400" b="0" i="0" u="none" strike="noStrike" cap="none" normalizeH="0" baseline="0" dirty="0">
+                <a:ln>
+                  <a:noFill/>
+                </a:ln>
+                <a:solidFill>
+                  <a:srgbClr val="000000"/>
+                </a:solidFill>
+                <a:effectLst/>
+                <a:latin typeface="Consolas" panose="020B0609020204030204" pitchFamily="49" charset="0"/>
+              </a:rPr>
+              <a:t>: 10px;</a:t>
+            </a:r>
+            <a:endParaRPr kumimoji="0" lang="tr-TR" altLang="tr-TR" sz="1400" b="0" i="0" u="none" strike="noStrike" cap="none" normalizeH="0" baseline="0" dirty="0">
+              <a:ln>
+                <a:noFill/>
+              </a:ln>
+              <a:solidFill>
+                <a:schemeClr val="tx1"/>
+              </a:solidFill>
+              <a:effectLst/>
+            </a:endParaRPr>
+          </a:p>
+          <a:p>
+            <a:pPr marL="0" marR="0" lvl="0" indent="0" algn="l" defTabSz="914400" rtl="0" eaLnBrk="0" fontAlgn="base" latinLnBrk="0" hangingPunct="0">
+              <a:lnSpc>
+                <a:spcPct val="100000"/>
+              </a:lnSpc>
+              <a:spcBef>
+                <a:spcPct val="0"/>
+              </a:spcBef>
+              <a:spcAft>
+                <a:spcPct val="0"/>
+              </a:spcAft>
+              <a:buClrTx/>
+              <a:buSzTx/>
+              <a:buFontTx/>
+              <a:buNone/>
+              <a:tabLst/>
+            </a:pPr>
+            <a:r>
+              <a:rPr kumimoji="0" lang="tr-TR" altLang="tr-TR" sz="2400" b="0" i="0" u="none" strike="noStrike" cap="none" normalizeH="0" baseline="0" dirty="0">
+                <a:ln>
+                  <a:noFill/>
+                </a:ln>
+                <a:solidFill>
+                  <a:srgbClr val="273239"/>
+                </a:solidFill>
+                <a:effectLst/>
+                <a:latin typeface="Consolas" panose="020B0609020204030204" pitchFamily="49" charset="0"/>
+              </a:rPr>
+              <a:t>            </a:t>
+            </a:r>
+            <a:r>
+              <a:rPr kumimoji="0" lang="tr-TR" altLang="tr-TR" sz="2400" b="0" i="0" u="none" strike="noStrike" cap="none" normalizeH="0" baseline="0" dirty="0" err="1">
+                <a:ln>
+                  <a:noFill/>
+                </a:ln>
+                <a:solidFill>
+                  <a:srgbClr val="000000"/>
+                </a:solidFill>
+                <a:effectLst/>
+                <a:latin typeface="Consolas" panose="020B0609020204030204" pitchFamily="49" charset="0"/>
+              </a:rPr>
+              <a:t>text-align</a:t>
+            </a:r>
+            <a:r>
+              <a:rPr kumimoji="0" lang="tr-TR" altLang="tr-TR" sz="2400" b="0" i="0" u="none" strike="noStrike" cap="none" normalizeH="0" baseline="0" dirty="0">
+                <a:ln>
+                  <a:noFill/>
+                </a:ln>
+                <a:solidFill>
+                  <a:srgbClr val="000000"/>
+                </a:solidFill>
+                <a:effectLst/>
+                <a:latin typeface="Consolas" panose="020B0609020204030204" pitchFamily="49" charset="0"/>
+              </a:rPr>
+              <a:t>: </a:t>
+            </a:r>
+            <a:r>
+              <a:rPr kumimoji="0" lang="tr-TR" altLang="tr-TR" sz="2400" b="0" i="0" u="none" strike="noStrike" cap="none" normalizeH="0" baseline="0" dirty="0" err="1">
+                <a:ln>
+                  <a:noFill/>
+                </a:ln>
+                <a:solidFill>
+                  <a:srgbClr val="000000"/>
+                </a:solidFill>
+                <a:effectLst/>
+                <a:latin typeface="Consolas" panose="020B0609020204030204" pitchFamily="49" charset="0"/>
+              </a:rPr>
+              <a:t>center</a:t>
+            </a:r>
+            <a:r>
+              <a:rPr kumimoji="0" lang="tr-TR" altLang="tr-TR" sz="2400" b="0" i="0" u="none" strike="noStrike" cap="none" normalizeH="0" baseline="0" dirty="0">
+                <a:ln>
+                  <a:noFill/>
+                </a:ln>
+                <a:solidFill>
+                  <a:srgbClr val="000000"/>
+                </a:solidFill>
+                <a:effectLst/>
+                <a:latin typeface="Consolas" panose="020B0609020204030204" pitchFamily="49" charset="0"/>
+              </a:rPr>
+              <a:t>;</a:t>
+            </a:r>
+            <a:endParaRPr kumimoji="0" lang="tr-TR" altLang="tr-TR" sz="1400" b="0" i="0" u="none" strike="noStrike" cap="none" normalizeH="0" baseline="0" dirty="0">
+              <a:ln>
+                <a:noFill/>
+              </a:ln>
+              <a:solidFill>
+                <a:schemeClr val="tx1"/>
+              </a:solidFill>
+              <a:effectLst/>
+            </a:endParaRPr>
+          </a:p>
+          <a:p>
+            <a:pPr marL="0" marR="0" lvl="0" indent="0" algn="l" defTabSz="914400" rtl="0" eaLnBrk="0" fontAlgn="base" latinLnBrk="0" hangingPunct="0">
+              <a:lnSpc>
+                <a:spcPct val="100000"/>
+              </a:lnSpc>
+              <a:spcBef>
+                <a:spcPct val="0"/>
+              </a:spcBef>
+              <a:spcAft>
+                <a:spcPct val="0"/>
+              </a:spcAft>
+              <a:buClrTx/>
+              <a:buSzTx/>
+              <a:buFontTx/>
+              <a:buNone/>
+              <a:tabLst/>
+            </a:pPr>
+            <a:r>
+              <a:rPr kumimoji="0" lang="tr-TR" altLang="tr-TR" sz="2400" b="0" i="0" u="none" strike="noStrike" cap="none" normalizeH="0" baseline="0" dirty="0">
+                <a:ln>
+                  <a:noFill/>
+                </a:ln>
+                <a:solidFill>
+                  <a:srgbClr val="273239"/>
+                </a:solidFill>
+                <a:effectLst/>
+                <a:latin typeface="Consolas" panose="020B0609020204030204" pitchFamily="49" charset="0"/>
+              </a:rPr>
+              <a:t>        </a:t>
+            </a:r>
+            <a:r>
+              <a:rPr kumimoji="0" lang="tr-TR" altLang="tr-TR" sz="2400" b="0" i="0" u="none" strike="noStrike" cap="none" normalizeH="0" baseline="0" dirty="0">
+                <a:ln>
+                  <a:noFill/>
+                </a:ln>
+                <a:solidFill>
+                  <a:srgbClr val="000000"/>
+                </a:solidFill>
+                <a:effectLst/>
+                <a:latin typeface="Consolas" panose="020B0609020204030204" pitchFamily="49" charset="0"/>
+              </a:rPr>
+              <a:t>}</a:t>
+            </a:r>
+            <a:endParaRPr kumimoji="0" lang="tr-TR" altLang="tr-TR" sz="1400" b="0" i="0" u="none" strike="noStrike" cap="none" normalizeH="0" baseline="0" dirty="0">
+              <a:ln>
+                <a:noFill/>
+              </a:ln>
+              <a:solidFill>
+                <a:schemeClr val="tx1"/>
+              </a:solidFill>
+              <a:effectLst/>
+            </a:endParaRPr>
+          </a:p>
+          <a:p>
+            <a:pPr marL="0" marR="0" lvl="0" indent="0" algn="l" defTabSz="914400" rtl="0" eaLnBrk="0" fontAlgn="base" latinLnBrk="0" hangingPunct="0">
+              <a:lnSpc>
+                <a:spcPct val="100000"/>
+              </a:lnSpc>
+              <a:spcBef>
+                <a:spcPct val="0"/>
+              </a:spcBef>
+              <a:spcAft>
+                <a:spcPct val="0"/>
+              </a:spcAft>
+              <a:buClrTx/>
+              <a:buSzTx/>
+              <a:buFontTx/>
+              <a:buNone/>
+              <a:tabLst/>
+            </a:pPr>
+            <a:r>
+              <a:rPr kumimoji="0" lang="tr-TR" altLang="tr-TR" sz="2400" b="0" i="0" u="none" strike="noStrike" cap="none" normalizeH="0" baseline="0" dirty="0">
+                <a:ln>
+                  <a:noFill/>
+                </a:ln>
+                <a:solidFill>
+                  <a:srgbClr val="273239"/>
+                </a:solidFill>
+                <a:effectLst/>
+                <a:latin typeface="Consolas" panose="020B0609020204030204" pitchFamily="49" charset="0"/>
+              </a:rPr>
+              <a:t> </a:t>
+            </a:r>
+            <a:r>
+              <a:rPr kumimoji="0" lang="tr-TR" altLang="tr-TR" sz="1400" b="0" i="0" u="none" strike="noStrike" cap="none" normalizeH="0" baseline="0" dirty="0">
+                <a:ln>
+                  <a:noFill/>
+                </a:ln>
+                <a:solidFill>
+                  <a:srgbClr val="273239"/>
+                </a:solidFill>
+                <a:effectLst/>
+                <a:latin typeface="Consolas" panose="020B0609020204030204" pitchFamily="49" charset="0"/>
+              </a:rPr>
+              <a:t> </a:t>
+            </a:r>
+            <a:endParaRPr kumimoji="0" lang="tr-TR" altLang="tr-TR" sz="4000" b="0" i="0" u="none" strike="noStrike" cap="none" normalizeH="0" baseline="0" dirty="0">
+              <a:ln>
+                <a:noFill/>
+              </a:ln>
+              <a:solidFill>
+                <a:schemeClr val="tx1"/>
+              </a:solidFill>
+              <a:effectLst/>
+            </a:endParaRPr>
+          </a:p>
+          <a:p>
+            <a:pPr marL="0" marR="0" lvl="0" indent="0" algn="l" defTabSz="914400" rtl="0" eaLnBrk="0" fontAlgn="base" latinLnBrk="0" hangingPunct="0">
+              <a:lnSpc>
+                <a:spcPct val="100000"/>
+              </a:lnSpc>
+              <a:spcBef>
+                <a:spcPct val="0"/>
+              </a:spcBef>
+              <a:spcAft>
+                <a:spcPct val="0"/>
+              </a:spcAft>
+              <a:buClrTx/>
+              <a:buSzTx/>
+              <a:buFontTx/>
+              <a:buNone/>
+              <a:tabLst/>
+            </a:pPr>
+            <a:r>
+              <a:rPr kumimoji="0" lang="tr-TR" altLang="tr-TR" sz="2400" b="0" i="0" u="none" strike="noStrike" cap="none" normalizeH="0" baseline="0" dirty="0">
+                <a:ln>
+                  <a:noFill/>
+                </a:ln>
+                <a:solidFill>
+                  <a:srgbClr val="273239"/>
+                </a:solidFill>
+                <a:effectLst/>
+                <a:latin typeface="Consolas" panose="020B0609020204030204" pitchFamily="49" charset="0"/>
+              </a:rPr>
+              <a:t>        </a:t>
+            </a:r>
+            <a:r>
+              <a:rPr kumimoji="0" lang="tr-TR" altLang="tr-TR" sz="2400" b="0" i="0" u="none" strike="noStrike" cap="none" normalizeH="0" baseline="0" dirty="0" err="1">
+                <a:ln>
+                  <a:noFill/>
+                </a:ln>
+                <a:solidFill>
+                  <a:srgbClr val="000000"/>
+                </a:solidFill>
+                <a:effectLst/>
+                <a:latin typeface="Consolas" panose="020B0609020204030204" pitchFamily="49" charset="0"/>
+              </a:rPr>
+              <a:t>table</a:t>
+            </a:r>
+            <a:r>
+              <a:rPr kumimoji="0" lang="tr-TR" altLang="tr-TR" sz="2400" b="0" i="0" u="none" strike="noStrike" cap="none" normalizeH="0" baseline="0" dirty="0">
+                <a:ln>
+                  <a:noFill/>
+                </a:ln>
+                <a:solidFill>
+                  <a:srgbClr val="000000"/>
+                </a:solidFill>
+                <a:effectLst/>
+                <a:latin typeface="Consolas" panose="020B0609020204030204" pitchFamily="49" charset="0"/>
+              </a:rPr>
+              <a:t>, </a:t>
+            </a:r>
+            <a:r>
+              <a:rPr kumimoji="0" lang="tr-TR" altLang="tr-TR" sz="2400" b="0" i="0" u="none" strike="noStrike" cap="none" normalizeH="0" baseline="0" dirty="0" err="1">
+                <a:ln>
+                  <a:noFill/>
+                </a:ln>
+                <a:solidFill>
+                  <a:srgbClr val="000000"/>
+                </a:solidFill>
+                <a:effectLst/>
+                <a:latin typeface="Consolas" panose="020B0609020204030204" pitchFamily="49" charset="0"/>
+              </a:rPr>
+              <a:t>th</a:t>
+            </a:r>
+            <a:r>
+              <a:rPr kumimoji="0" lang="tr-TR" altLang="tr-TR" sz="2400" b="0" i="0" u="none" strike="noStrike" cap="none" normalizeH="0" baseline="0" dirty="0">
+                <a:ln>
+                  <a:noFill/>
+                </a:ln>
+                <a:solidFill>
+                  <a:srgbClr val="000000"/>
+                </a:solidFill>
+                <a:effectLst/>
+                <a:latin typeface="Consolas" panose="020B0609020204030204" pitchFamily="49" charset="0"/>
+              </a:rPr>
+              <a:t>, </a:t>
+            </a:r>
+            <a:r>
+              <a:rPr kumimoji="0" lang="tr-TR" altLang="tr-TR" sz="2400" b="0" i="0" u="none" strike="noStrike" cap="none" normalizeH="0" baseline="0" dirty="0" err="1">
+                <a:ln>
+                  <a:noFill/>
+                </a:ln>
+                <a:solidFill>
+                  <a:srgbClr val="000000"/>
+                </a:solidFill>
+                <a:effectLst/>
+                <a:latin typeface="Consolas" panose="020B0609020204030204" pitchFamily="49" charset="0"/>
+              </a:rPr>
+              <a:t>td</a:t>
+            </a:r>
+            <a:r>
+              <a:rPr kumimoji="0" lang="tr-TR" altLang="tr-TR" sz="2400" b="0" i="0" u="none" strike="noStrike" cap="none" normalizeH="0" baseline="0" dirty="0">
+                <a:ln>
+                  <a:noFill/>
+                </a:ln>
+                <a:solidFill>
+                  <a:srgbClr val="000000"/>
+                </a:solidFill>
+                <a:effectLst/>
+                <a:latin typeface="Consolas" panose="020B0609020204030204" pitchFamily="49" charset="0"/>
+              </a:rPr>
+              <a:t> {</a:t>
+            </a:r>
+            <a:endParaRPr kumimoji="0" lang="tr-TR" altLang="tr-TR" sz="1400" b="0" i="0" u="none" strike="noStrike" cap="none" normalizeH="0" baseline="0" dirty="0">
+              <a:ln>
+                <a:noFill/>
+              </a:ln>
+              <a:solidFill>
+                <a:schemeClr val="tx1"/>
+              </a:solidFill>
+              <a:effectLst/>
+            </a:endParaRPr>
+          </a:p>
+          <a:p>
+            <a:pPr marL="0" marR="0" lvl="0" indent="0" algn="l" defTabSz="914400" rtl="0" eaLnBrk="0" fontAlgn="base" latinLnBrk="0" hangingPunct="0">
+              <a:lnSpc>
+                <a:spcPct val="100000"/>
+              </a:lnSpc>
+              <a:spcBef>
+                <a:spcPct val="0"/>
+              </a:spcBef>
+              <a:spcAft>
+                <a:spcPct val="0"/>
+              </a:spcAft>
+              <a:buClrTx/>
+              <a:buSzTx/>
+              <a:buFontTx/>
+              <a:buNone/>
+              <a:tabLst/>
+            </a:pPr>
+            <a:r>
+              <a:rPr kumimoji="0" lang="tr-TR" altLang="tr-TR" sz="2400" b="0" i="0" u="none" strike="noStrike" cap="none" normalizeH="0" baseline="0" dirty="0">
+                <a:ln>
+                  <a:noFill/>
+                </a:ln>
+                <a:solidFill>
+                  <a:srgbClr val="273239"/>
+                </a:solidFill>
+                <a:effectLst/>
+                <a:latin typeface="Consolas" panose="020B0609020204030204" pitchFamily="49" charset="0"/>
+              </a:rPr>
+              <a:t>            </a:t>
+            </a:r>
+            <a:r>
+              <a:rPr kumimoji="0" lang="tr-TR" altLang="tr-TR" sz="2400" b="0" i="0" u="none" strike="noStrike" cap="none" normalizeH="0" baseline="0" dirty="0" err="1">
+                <a:ln>
+                  <a:noFill/>
+                </a:ln>
+                <a:solidFill>
+                  <a:srgbClr val="000000"/>
+                </a:solidFill>
+                <a:effectLst/>
+                <a:latin typeface="Consolas" panose="020B0609020204030204" pitchFamily="49" charset="0"/>
+              </a:rPr>
+              <a:t>border</a:t>
+            </a:r>
+            <a:r>
+              <a:rPr kumimoji="0" lang="tr-TR" altLang="tr-TR" sz="2400" b="0" i="0" u="none" strike="noStrike" cap="none" normalizeH="0" baseline="0" dirty="0">
+                <a:ln>
+                  <a:noFill/>
+                </a:ln>
+                <a:solidFill>
+                  <a:srgbClr val="000000"/>
+                </a:solidFill>
+                <a:effectLst/>
+                <a:latin typeface="Consolas" panose="020B0609020204030204" pitchFamily="49" charset="0"/>
+              </a:rPr>
+              <a:t>: 1px </a:t>
+            </a:r>
+            <a:r>
+              <a:rPr kumimoji="0" lang="tr-TR" altLang="tr-TR" sz="2400" b="0" i="0" u="none" strike="noStrike" cap="none" normalizeH="0" baseline="0" dirty="0" err="1">
+                <a:ln>
+                  <a:noFill/>
+                </a:ln>
+                <a:solidFill>
+                  <a:srgbClr val="000000"/>
+                </a:solidFill>
+                <a:effectLst/>
+                <a:latin typeface="Consolas" panose="020B0609020204030204" pitchFamily="49" charset="0"/>
+              </a:rPr>
+              <a:t>solid</a:t>
+            </a:r>
+            <a:r>
+              <a:rPr kumimoji="0" lang="tr-TR" altLang="tr-TR" sz="2400" b="0" i="0" u="none" strike="noStrike" cap="none" normalizeH="0" baseline="0" dirty="0">
+                <a:ln>
+                  <a:noFill/>
+                </a:ln>
+                <a:solidFill>
+                  <a:srgbClr val="000000"/>
+                </a:solidFill>
+                <a:effectLst/>
+                <a:latin typeface="Consolas" panose="020B0609020204030204" pitchFamily="49" charset="0"/>
+              </a:rPr>
+              <a:t>;</a:t>
+            </a:r>
+            <a:endParaRPr kumimoji="0" lang="tr-TR" altLang="tr-TR" sz="1400" b="0" i="0" u="none" strike="noStrike" cap="none" normalizeH="0" baseline="0" dirty="0">
+              <a:ln>
+                <a:noFill/>
+              </a:ln>
+              <a:solidFill>
+                <a:schemeClr val="tx1"/>
+              </a:solidFill>
+              <a:effectLst/>
+            </a:endParaRPr>
+          </a:p>
+          <a:p>
+            <a:pPr marL="0" marR="0" lvl="0" indent="0" algn="l" defTabSz="914400" rtl="0" eaLnBrk="0" fontAlgn="base" latinLnBrk="0" hangingPunct="0">
+              <a:lnSpc>
+                <a:spcPct val="100000"/>
+              </a:lnSpc>
+              <a:spcBef>
+                <a:spcPct val="0"/>
+              </a:spcBef>
+              <a:spcAft>
+                <a:spcPct val="0"/>
+              </a:spcAft>
+              <a:buClrTx/>
+              <a:buSzTx/>
+              <a:buFontTx/>
+              <a:buNone/>
+              <a:tabLst/>
+            </a:pPr>
+            <a:r>
+              <a:rPr kumimoji="0" lang="tr-TR" altLang="tr-TR" sz="2400" b="0" i="0" u="none" strike="noStrike" cap="none" normalizeH="0" baseline="0" dirty="0">
+                <a:ln>
+                  <a:noFill/>
+                </a:ln>
+                <a:solidFill>
+                  <a:srgbClr val="273239"/>
+                </a:solidFill>
+                <a:effectLst/>
+                <a:latin typeface="Consolas" panose="020B0609020204030204" pitchFamily="49" charset="0"/>
+              </a:rPr>
+              <a:t>        </a:t>
+            </a:r>
+            <a:r>
+              <a:rPr kumimoji="0" lang="tr-TR" altLang="tr-TR" sz="2400" b="0" i="0" u="none" strike="noStrike" cap="none" normalizeH="0" baseline="0" dirty="0">
+                <a:ln>
+                  <a:noFill/>
+                </a:ln>
+                <a:solidFill>
+                  <a:srgbClr val="000000"/>
+                </a:solidFill>
+                <a:effectLst/>
+                <a:latin typeface="Consolas" panose="020B0609020204030204" pitchFamily="49" charset="0"/>
+              </a:rPr>
+              <a:t>}</a:t>
+            </a:r>
+            <a:endParaRPr kumimoji="0" lang="tr-TR" altLang="tr-TR" sz="1400" b="0" i="0" u="none" strike="noStrike" cap="none" normalizeH="0" baseline="0" dirty="0">
+              <a:ln>
+                <a:noFill/>
+              </a:ln>
+              <a:solidFill>
+                <a:schemeClr val="tx1"/>
+              </a:solidFill>
+              <a:effectLst/>
+            </a:endParaRPr>
+          </a:p>
+          <a:p>
+            <a:pPr marL="0" marR="0" lvl="0" indent="0" algn="l" defTabSz="914400" rtl="0" eaLnBrk="0" fontAlgn="base" latinLnBrk="0" hangingPunct="0">
+              <a:lnSpc>
+                <a:spcPct val="100000"/>
+              </a:lnSpc>
+              <a:spcBef>
+                <a:spcPct val="0"/>
+              </a:spcBef>
+              <a:spcAft>
+                <a:spcPct val="0"/>
+              </a:spcAft>
+              <a:buClrTx/>
+              <a:buSzTx/>
+              <a:buFontTx/>
+              <a:buNone/>
+              <a:tabLst/>
+            </a:pPr>
+            <a:r>
+              <a:rPr kumimoji="0" lang="tr-TR" altLang="tr-TR" sz="2400" b="0" i="0" u="none" strike="noStrike" cap="none" normalizeH="0" baseline="0" dirty="0">
+                <a:ln>
+                  <a:noFill/>
+                </a:ln>
+                <a:solidFill>
+                  <a:srgbClr val="273239"/>
+                </a:solidFill>
+                <a:effectLst/>
+                <a:latin typeface="Consolas" panose="020B0609020204030204" pitchFamily="49" charset="0"/>
+              </a:rPr>
+              <a:t>    </a:t>
+            </a:r>
+            <a:r>
+              <a:rPr kumimoji="0" lang="tr-TR" altLang="tr-TR" sz="2400" b="0" i="0" u="none" strike="noStrike" cap="none" normalizeH="0" baseline="0" dirty="0">
+                <a:ln>
+                  <a:noFill/>
+                </a:ln>
+                <a:solidFill>
+                  <a:srgbClr val="000000"/>
+                </a:solidFill>
+                <a:effectLst/>
+                <a:latin typeface="Consolas" panose="020B0609020204030204" pitchFamily="49" charset="0"/>
+              </a:rPr>
+              <a:t>&lt;/</a:t>
+            </a:r>
+            <a:r>
+              <a:rPr kumimoji="0" lang="tr-TR" altLang="tr-TR" sz="2400" b="1" i="0" u="none" strike="noStrike" cap="none" normalizeH="0" baseline="0" dirty="0" err="1">
+                <a:ln>
+                  <a:noFill/>
+                </a:ln>
+                <a:solidFill>
+                  <a:srgbClr val="006699"/>
+                </a:solidFill>
+                <a:effectLst/>
+                <a:latin typeface="Consolas" panose="020B0609020204030204" pitchFamily="49" charset="0"/>
+              </a:rPr>
+              <a:t>style</a:t>
+            </a:r>
+            <a:r>
+              <a:rPr kumimoji="0" lang="tr-TR" altLang="tr-TR" sz="2400" b="0" i="0" u="none" strike="noStrike" cap="none" normalizeH="0" baseline="0" dirty="0">
+                <a:ln>
+                  <a:noFill/>
+                </a:ln>
+                <a:solidFill>
+                  <a:srgbClr val="000000"/>
+                </a:solidFill>
+                <a:effectLst/>
+                <a:latin typeface="Consolas" panose="020B0609020204030204" pitchFamily="49" charset="0"/>
+              </a:rPr>
+              <a:t>&gt;</a:t>
+            </a:r>
+            <a:endParaRPr kumimoji="0" lang="tr-TR" altLang="tr-TR" sz="1400" b="0" i="0" u="none" strike="noStrike" cap="none" normalizeH="0" baseline="0" dirty="0">
+              <a:ln>
+                <a:noFill/>
+              </a:ln>
+              <a:solidFill>
+                <a:schemeClr val="tx1"/>
+              </a:solidFill>
+              <a:effectLst/>
+            </a:endParaRPr>
+          </a:p>
+          <a:p>
+            <a:pPr marL="0" marR="0" lvl="0" indent="0" algn="l" defTabSz="914400" rtl="0" eaLnBrk="0" fontAlgn="base" latinLnBrk="0" hangingPunct="0">
+              <a:lnSpc>
+                <a:spcPct val="100000"/>
+              </a:lnSpc>
+              <a:spcBef>
+                <a:spcPct val="0"/>
+              </a:spcBef>
+              <a:spcAft>
+                <a:spcPct val="0"/>
+              </a:spcAft>
+              <a:buClrTx/>
+              <a:buSzTx/>
+              <a:buFontTx/>
+              <a:buNone/>
+              <a:tabLst/>
+            </a:pPr>
+            <a:r>
+              <a:rPr kumimoji="0" lang="tr-TR" altLang="tr-TR" sz="2400" b="0" i="0" u="none" strike="noStrike" cap="none" normalizeH="0" baseline="0" dirty="0">
+                <a:ln>
+                  <a:noFill/>
+                </a:ln>
+                <a:solidFill>
+                  <a:srgbClr val="000000"/>
+                </a:solidFill>
+                <a:effectLst/>
+                <a:latin typeface="Consolas" panose="020B0609020204030204" pitchFamily="49" charset="0"/>
+              </a:rPr>
+              <a:t>&lt;/</a:t>
+            </a:r>
+            <a:r>
+              <a:rPr kumimoji="0" lang="tr-TR" altLang="tr-TR" sz="2400" b="1" i="0" u="none" strike="noStrike" cap="none" normalizeH="0" baseline="0" dirty="0" err="1">
+                <a:ln>
+                  <a:noFill/>
+                </a:ln>
+                <a:solidFill>
+                  <a:srgbClr val="006699"/>
+                </a:solidFill>
+                <a:effectLst/>
+                <a:latin typeface="Consolas" panose="020B0609020204030204" pitchFamily="49" charset="0"/>
+              </a:rPr>
+              <a:t>head</a:t>
+            </a:r>
+            <a:r>
+              <a:rPr kumimoji="0" lang="tr-TR" altLang="tr-TR" sz="2400" b="0" i="0" u="none" strike="noStrike" cap="none" normalizeH="0" baseline="0" dirty="0">
+                <a:ln>
+                  <a:noFill/>
+                </a:ln>
+                <a:solidFill>
+                  <a:srgbClr val="000000"/>
+                </a:solidFill>
+                <a:effectLst/>
+                <a:latin typeface="Consolas" panose="020B0609020204030204" pitchFamily="49" charset="0"/>
+              </a:rPr>
+              <a:t>&gt;</a:t>
+            </a:r>
+            <a:endParaRPr kumimoji="0" lang="tr-TR" altLang="tr-TR" sz="1400" b="0" i="0" u="none" strike="noStrike" cap="none" normalizeH="0" baseline="0" dirty="0">
+              <a:ln>
+                <a:noFill/>
+              </a:ln>
+              <a:solidFill>
+                <a:schemeClr val="tx1"/>
+              </a:solidFill>
+              <a:effectLst/>
+            </a:endParaRPr>
+          </a:p>
+          <a:p>
+            <a:endParaRPr lang="tr-TR" dirty="0"/>
+          </a:p>
+          <a:p>
+            <a:endParaRPr lang="tr-TR" dirty="0"/>
+          </a:p>
+        </p:txBody>
+      </p:sp>
+    </p:spTree>
+    <p:extLst>
+      <p:ext uri="{BB962C8B-B14F-4D97-AF65-F5344CB8AC3E}">
+        <p14:creationId xmlns:p14="http://schemas.microsoft.com/office/powerpoint/2010/main" val="4052404535"/>
+      </p:ext>
+    </p:extLst>
+  </p:cSld>
+  <p:clrMapOvr>
+    <a:masterClrMapping/>
+  </p:clrMapOvr>
+</p:sld>
+</file>
+
+<file path=ppt/slides/slide74.xml><?xml version="1.0" encoding="utf-8"?>
+<p:sld xmlns:a="http://schemas.openxmlformats.org/drawingml/2006/main" xmlns:r="http://schemas.openxmlformats.org/officeDocument/2006/relationships" xmlns:p="http://schemas.openxmlformats.org/presentationml/2006/main">
+  <p:cSld>
+    <p:spTree>
+      <p:nvGrpSpPr>
+        <p:cNvPr id="1" name=""/>
+        <p:cNvGrpSpPr/>
+        <p:nvPr/>
+      </p:nvGrpSpPr>
+      <p:grpSpPr>
+        <a:xfrm>
+          <a:off x="0" y="0"/>
+          <a:ext cx="0" cy="0"/>
+          <a:chOff x="0" y="0"/>
+          <a:chExt cx="0" cy="0"/>
+        </a:xfrm>
+      </p:grpSpPr>
+      <p:sp>
+        <p:nvSpPr>
+          <p:cNvPr id="3" name="İçerik Yer Tutucusu 2">
+            <a:extLst>
+              <a:ext uri="{FF2B5EF4-FFF2-40B4-BE49-F238E27FC236}">
+                <a16:creationId xmlns:a16="http://schemas.microsoft.com/office/drawing/2014/main" id="{70614D5D-D566-46F4-A83D-99D7C658539C}"/>
+              </a:ext>
+            </a:extLst>
+          </p:cNvPr>
+          <p:cNvSpPr>
+            <a:spLocks noGrp="1"/>
+          </p:cNvSpPr>
+          <p:nvPr>
+            <p:ph idx="1"/>
+          </p:nvPr>
+        </p:nvSpPr>
+        <p:spPr>
+          <a:xfrm>
+            <a:off x="1295401" y="645952"/>
+            <a:ext cx="9601196" cy="5229916"/>
+          </a:xfrm>
+        </p:spPr>
+        <p:txBody>
+          <a:bodyPr>
+            <a:normAutofit fontScale="32500" lnSpcReduction="20000"/>
+          </a:bodyPr>
+          <a:lstStyle/>
+          <a:p>
+            <a:pPr marL="0" marR="0" lvl="0" indent="0" algn="l" defTabSz="914400" rtl="0" eaLnBrk="0" fontAlgn="base" latinLnBrk="0" hangingPunct="0">
+              <a:lnSpc>
+                <a:spcPct val="100000"/>
+              </a:lnSpc>
+              <a:spcBef>
+                <a:spcPct val="0"/>
+              </a:spcBef>
+              <a:spcAft>
+                <a:spcPct val="0"/>
+              </a:spcAft>
+              <a:buClrTx/>
+              <a:buSzTx/>
+              <a:buFontTx/>
+              <a:buNone/>
+              <a:tabLst/>
+            </a:pPr>
+            <a:r>
+              <a:rPr kumimoji="0" lang="tr-TR" altLang="tr-TR" sz="2400" b="0" i="0" u="none" strike="noStrike" cap="none" normalizeH="0" baseline="0" dirty="0">
+                <a:ln>
+                  <a:noFill/>
+                </a:ln>
+                <a:solidFill>
+                  <a:srgbClr val="273239"/>
+                </a:solidFill>
+                <a:effectLst/>
+                <a:latin typeface="Consolas" panose="020B0609020204030204" pitchFamily="49" charset="0"/>
+              </a:rPr>
+              <a:t> </a:t>
+            </a:r>
+            <a:r>
+              <a:rPr kumimoji="0" lang="tr-TR" altLang="tr-TR" sz="1400" b="0" i="0" u="none" strike="noStrike" cap="none" normalizeH="0" baseline="0" dirty="0">
+                <a:ln>
+                  <a:noFill/>
+                </a:ln>
+                <a:solidFill>
+                  <a:srgbClr val="273239"/>
+                </a:solidFill>
+                <a:effectLst/>
+                <a:latin typeface="Consolas" panose="020B0609020204030204" pitchFamily="49" charset="0"/>
+              </a:rPr>
+              <a:t> </a:t>
+            </a:r>
+            <a:endParaRPr kumimoji="0" lang="tr-TR" altLang="tr-TR" sz="4000" b="0" i="0" u="none" strike="noStrike" cap="none" normalizeH="0" baseline="0" dirty="0">
+              <a:ln>
+                <a:noFill/>
+              </a:ln>
+              <a:solidFill>
+                <a:schemeClr val="tx1"/>
+              </a:solidFill>
+              <a:effectLst/>
+            </a:endParaRPr>
+          </a:p>
+          <a:p>
+            <a:pPr marL="0" marR="0" lvl="0" indent="0" algn="l" defTabSz="914400" rtl="0" eaLnBrk="0" fontAlgn="base" latinLnBrk="0" hangingPunct="0">
+              <a:lnSpc>
+                <a:spcPct val="100000"/>
+              </a:lnSpc>
+              <a:spcBef>
+                <a:spcPct val="0"/>
+              </a:spcBef>
+              <a:spcAft>
+                <a:spcPct val="0"/>
+              </a:spcAft>
+              <a:buClrTx/>
+              <a:buSzTx/>
+              <a:buFontTx/>
+              <a:buNone/>
+              <a:tabLst/>
+            </a:pPr>
+            <a:r>
+              <a:rPr kumimoji="0" lang="tr-TR" altLang="tr-TR" sz="2400" b="0" i="0" u="none" strike="noStrike" cap="none" normalizeH="0" baseline="0" dirty="0">
+                <a:ln>
+                  <a:noFill/>
+                </a:ln>
+                <a:solidFill>
+                  <a:srgbClr val="000000"/>
+                </a:solidFill>
+                <a:effectLst/>
+                <a:latin typeface="Consolas" panose="020B0609020204030204" pitchFamily="49" charset="0"/>
+              </a:rPr>
+              <a:t>&lt;</a:t>
+            </a:r>
+            <a:r>
+              <a:rPr kumimoji="0" lang="tr-TR" altLang="tr-TR" sz="2400" b="1" i="0" u="none" strike="noStrike" cap="none" normalizeH="0" baseline="0" dirty="0">
+                <a:ln>
+                  <a:noFill/>
+                </a:ln>
+                <a:solidFill>
+                  <a:srgbClr val="006699"/>
+                </a:solidFill>
+                <a:effectLst/>
+                <a:latin typeface="Consolas" panose="020B0609020204030204" pitchFamily="49" charset="0"/>
+              </a:rPr>
+              <a:t>body</a:t>
+            </a:r>
+            <a:r>
+              <a:rPr kumimoji="0" lang="tr-TR" altLang="tr-TR" sz="2400" b="0" i="0" u="none" strike="noStrike" cap="none" normalizeH="0" baseline="0" dirty="0">
+                <a:ln>
+                  <a:noFill/>
+                </a:ln>
+                <a:solidFill>
+                  <a:srgbClr val="000000"/>
+                </a:solidFill>
+                <a:effectLst/>
+                <a:latin typeface="Consolas" panose="020B0609020204030204" pitchFamily="49" charset="0"/>
+              </a:rPr>
+              <a:t>&gt;</a:t>
+            </a:r>
+            <a:endParaRPr kumimoji="0" lang="tr-TR" altLang="tr-TR" sz="1400" b="0" i="0" u="none" strike="noStrike" cap="none" normalizeH="0" baseline="0" dirty="0">
+              <a:ln>
+                <a:noFill/>
+              </a:ln>
+              <a:solidFill>
+                <a:schemeClr val="tx1"/>
+              </a:solidFill>
+              <a:effectLst/>
+            </a:endParaRPr>
+          </a:p>
+          <a:p>
+            <a:pPr marL="0" marR="0" lvl="0" indent="0" algn="l" defTabSz="914400" rtl="0" eaLnBrk="0" fontAlgn="base" latinLnBrk="0" hangingPunct="0">
+              <a:lnSpc>
+                <a:spcPct val="100000"/>
+              </a:lnSpc>
+              <a:spcBef>
+                <a:spcPct val="0"/>
+              </a:spcBef>
+              <a:spcAft>
+                <a:spcPct val="0"/>
+              </a:spcAft>
+              <a:buClrTx/>
+              <a:buSzTx/>
+              <a:buFontTx/>
+              <a:buNone/>
+              <a:tabLst/>
+            </a:pPr>
+            <a:r>
+              <a:rPr kumimoji="0" lang="tr-TR" altLang="tr-TR" sz="2400" b="0" i="0" u="none" strike="noStrike" cap="none" normalizeH="0" baseline="0" dirty="0">
+                <a:ln>
+                  <a:noFill/>
+                </a:ln>
+                <a:solidFill>
+                  <a:srgbClr val="273239"/>
+                </a:solidFill>
+                <a:effectLst/>
+                <a:latin typeface="Consolas" panose="020B0609020204030204" pitchFamily="49" charset="0"/>
+              </a:rPr>
+              <a:t>    </a:t>
+            </a:r>
+            <a:r>
+              <a:rPr kumimoji="0" lang="tr-TR" altLang="tr-TR" sz="2400" b="0" i="0" u="none" strike="noStrike" cap="none" normalizeH="0" baseline="0" dirty="0">
+                <a:ln>
+                  <a:noFill/>
+                </a:ln>
+                <a:solidFill>
+                  <a:srgbClr val="000000"/>
+                </a:solidFill>
+                <a:effectLst/>
+                <a:latin typeface="Consolas" panose="020B0609020204030204" pitchFamily="49" charset="0"/>
+              </a:rPr>
+              <a:t>&lt;</a:t>
+            </a:r>
+            <a:r>
+              <a:rPr kumimoji="0" lang="tr-TR" altLang="tr-TR" sz="2400" b="1" i="0" u="none" strike="noStrike" cap="none" normalizeH="0" baseline="0" dirty="0">
+                <a:ln>
+                  <a:noFill/>
+                </a:ln>
+                <a:solidFill>
+                  <a:srgbClr val="006699"/>
+                </a:solidFill>
+                <a:effectLst/>
+                <a:latin typeface="Consolas" panose="020B0609020204030204" pitchFamily="49" charset="0"/>
+              </a:rPr>
+              <a:t>h1</a:t>
+            </a:r>
+            <a:r>
+              <a:rPr kumimoji="0" lang="tr-TR" altLang="tr-TR" sz="1400" b="0" i="0" u="none" strike="noStrike" cap="none" normalizeH="0" baseline="0" dirty="0">
+                <a:ln>
+                  <a:noFill/>
+                </a:ln>
+                <a:solidFill>
+                  <a:srgbClr val="273239"/>
+                </a:solidFill>
+                <a:effectLst/>
+                <a:latin typeface="Consolas" panose="020B0609020204030204" pitchFamily="49" charset="0"/>
+              </a:rPr>
+              <a:t> </a:t>
+            </a:r>
+            <a:r>
+              <a:rPr kumimoji="0" lang="tr-TR" altLang="tr-TR" sz="2400" b="0" i="0" u="none" strike="noStrike" cap="none" normalizeH="0" baseline="0" dirty="0" err="1">
+                <a:ln>
+                  <a:noFill/>
+                </a:ln>
+                <a:solidFill>
+                  <a:srgbClr val="808080"/>
+                </a:solidFill>
+                <a:effectLst/>
+                <a:latin typeface="Consolas" panose="020B0609020204030204" pitchFamily="49" charset="0"/>
+              </a:rPr>
+              <a:t>style</a:t>
+            </a:r>
+            <a:r>
+              <a:rPr kumimoji="0" lang="tr-TR" altLang="tr-TR" sz="2400" b="0" i="0" u="none" strike="noStrike" cap="none" normalizeH="0" baseline="0" dirty="0">
+                <a:ln>
+                  <a:noFill/>
+                </a:ln>
+                <a:solidFill>
+                  <a:srgbClr val="000000"/>
+                </a:solidFill>
+                <a:effectLst/>
+                <a:latin typeface="Consolas" panose="020B0609020204030204" pitchFamily="49" charset="0"/>
+              </a:rPr>
+              <a:t>=</a:t>
+            </a:r>
+            <a:r>
+              <a:rPr kumimoji="0" lang="tr-TR" altLang="tr-TR" sz="2400" b="0" i="0" u="none" strike="noStrike" cap="none" normalizeH="0" baseline="0" dirty="0">
+                <a:ln>
+                  <a:noFill/>
+                </a:ln>
+                <a:solidFill>
+                  <a:srgbClr val="0000FF"/>
+                </a:solidFill>
+                <a:effectLst/>
+                <a:latin typeface="Consolas" panose="020B0609020204030204" pitchFamily="49" charset="0"/>
+              </a:rPr>
+              <a:t>"</a:t>
+            </a:r>
+            <a:r>
+              <a:rPr kumimoji="0" lang="tr-TR" altLang="tr-TR" sz="2400" b="0" i="0" u="none" strike="noStrike" cap="none" normalizeH="0" baseline="0" dirty="0" err="1">
+                <a:ln>
+                  <a:noFill/>
+                </a:ln>
+                <a:solidFill>
+                  <a:srgbClr val="0000FF"/>
+                </a:solidFill>
+                <a:effectLst/>
+                <a:latin typeface="Consolas" panose="020B0609020204030204" pitchFamily="49" charset="0"/>
+              </a:rPr>
+              <a:t>color</a:t>
+            </a:r>
+            <a:r>
+              <a:rPr kumimoji="0" lang="tr-TR" altLang="tr-TR" sz="2400" b="0" i="0" u="none" strike="noStrike" cap="none" normalizeH="0" baseline="0" dirty="0">
+                <a:ln>
+                  <a:noFill/>
+                </a:ln>
+                <a:solidFill>
+                  <a:srgbClr val="0000FF"/>
+                </a:solidFill>
+                <a:effectLst/>
+                <a:latin typeface="Consolas" panose="020B0609020204030204" pitchFamily="49" charset="0"/>
+              </a:rPr>
+              <a:t>: </a:t>
+            </a:r>
+            <a:r>
+              <a:rPr kumimoji="0" lang="tr-TR" altLang="tr-TR" sz="2400" b="0" i="0" u="none" strike="noStrike" cap="none" normalizeH="0" baseline="0" dirty="0" err="1">
+                <a:ln>
+                  <a:noFill/>
+                </a:ln>
+                <a:solidFill>
+                  <a:srgbClr val="0000FF"/>
+                </a:solidFill>
+                <a:effectLst/>
+                <a:latin typeface="Consolas" panose="020B0609020204030204" pitchFamily="49" charset="0"/>
+              </a:rPr>
+              <a:t>green</a:t>
+            </a:r>
+            <a:r>
+              <a:rPr kumimoji="0" lang="tr-TR" altLang="tr-TR" sz="2400" b="0" i="0" u="none" strike="noStrike" cap="none" normalizeH="0" baseline="0" dirty="0">
+                <a:ln>
+                  <a:noFill/>
+                </a:ln>
+                <a:solidFill>
+                  <a:srgbClr val="0000FF"/>
+                </a:solidFill>
+                <a:effectLst/>
+                <a:latin typeface="Consolas" panose="020B0609020204030204" pitchFamily="49" charset="0"/>
+              </a:rPr>
+              <a:t>"</a:t>
+            </a:r>
+            <a:r>
+              <a:rPr kumimoji="0" lang="tr-TR" altLang="tr-TR" sz="2400" b="0" i="0" u="none" strike="noStrike" cap="none" normalizeH="0" baseline="0" dirty="0">
+                <a:ln>
+                  <a:noFill/>
+                </a:ln>
+                <a:solidFill>
+                  <a:srgbClr val="000000"/>
+                </a:solidFill>
+                <a:effectLst/>
+                <a:latin typeface="Consolas" panose="020B0609020204030204" pitchFamily="49" charset="0"/>
+              </a:rPr>
+              <a:t>&gt;</a:t>
+            </a:r>
+            <a:endParaRPr kumimoji="0" lang="tr-TR" altLang="tr-TR" sz="1400" b="0" i="0" u="none" strike="noStrike" cap="none" normalizeH="0" baseline="0" dirty="0">
+              <a:ln>
+                <a:noFill/>
+              </a:ln>
+              <a:solidFill>
+                <a:schemeClr val="tx1"/>
+              </a:solidFill>
+              <a:effectLst/>
+            </a:endParaRPr>
+          </a:p>
+          <a:p>
+            <a:pPr marL="0" marR="0" lvl="0" indent="0" algn="l" defTabSz="914400" rtl="0" eaLnBrk="0" fontAlgn="base" latinLnBrk="0" hangingPunct="0">
+              <a:lnSpc>
+                <a:spcPct val="100000"/>
+              </a:lnSpc>
+              <a:spcBef>
+                <a:spcPct val="0"/>
+              </a:spcBef>
+              <a:spcAft>
+                <a:spcPct val="0"/>
+              </a:spcAft>
+              <a:buClrTx/>
+              <a:buSzTx/>
+              <a:buFontTx/>
+              <a:buNone/>
+              <a:tabLst/>
+            </a:pPr>
+            <a:r>
+              <a:rPr kumimoji="0" lang="tr-TR" altLang="tr-TR" sz="2400" b="0" i="0" u="none" strike="noStrike" cap="none" normalizeH="0" baseline="0" dirty="0">
+                <a:ln>
+                  <a:noFill/>
+                </a:ln>
+                <a:solidFill>
+                  <a:srgbClr val="273239"/>
+                </a:solidFill>
+                <a:effectLst/>
+                <a:latin typeface="Consolas" panose="020B0609020204030204" pitchFamily="49" charset="0"/>
+              </a:rPr>
+              <a:t>        </a:t>
+            </a:r>
+            <a:r>
+              <a:rPr kumimoji="0" lang="tr-TR" altLang="tr-TR" sz="2400" b="0" i="0" u="none" strike="noStrike" cap="none" normalizeH="0" baseline="0" dirty="0" err="1">
+                <a:ln>
+                  <a:noFill/>
+                </a:ln>
+                <a:solidFill>
+                  <a:srgbClr val="000000"/>
+                </a:solidFill>
+                <a:effectLst/>
+                <a:latin typeface="Consolas" panose="020B0609020204030204" pitchFamily="49" charset="0"/>
+              </a:rPr>
+              <a:t>GeeksForGeeks</a:t>
+            </a:r>
+            <a:endParaRPr kumimoji="0" lang="tr-TR" altLang="tr-TR" sz="1400" b="0" i="0" u="none" strike="noStrike" cap="none" normalizeH="0" baseline="0" dirty="0">
+              <a:ln>
+                <a:noFill/>
+              </a:ln>
+              <a:solidFill>
+                <a:schemeClr val="tx1"/>
+              </a:solidFill>
+              <a:effectLst/>
+            </a:endParaRPr>
+          </a:p>
+          <a:p>
+            <a:pPr marL="0" marR="0" lvl="0" indent="0" algn="l" defTabSz="914400" rtl="0" eaLnBrk="0" fontAlgn="base" latinLnBrk="0" hangingPunct="0">
+              <a:lnSpc>
+                <a:spcPct val="100000"/>
+              </a:lnSpc>
+              <a:spcBef>
+                <a:spcPct val="0"/>
+              </a:spcBef>
+              <a:spcAft>
+                <a:spcPct val="0"/>
+              </a:spcAft>
+              <a:buClrTx/>
+              <a:buSzTx/>
+              <a:buFontTx/>
+              <a:buNone/>
+              <a:tabLst/>
+            </a:pPr>
+            <a:r>
+              <a:rPr kumimoji="0" lang="tr-TR" altLang="tr-TR" sz="2400" b="0" i="0" u="none" strike="noStrike" cap="none" normalizeH="0" baseline="0" dirty="0">
+                <a:ln>
+                  <a:noFill/>
+                </a:ln>
+                <a:solidFill>
+                  <a:srgbClr val="273239"/>
+                </a:solidFill>
+                <a:effectLst/>
+                <a:latin typeface="Consolas" panose="020B0609020204030204" pitchFamily="49" charset="0"/>
+              </a:rPr>
+              <a:t>    </a:t>
+            </a:r>
+            <a:r>
+              <a:rPr kumimoji="0" lang="tr-TR" altLang="tr-TR" sz="2400" b="0" i="0" u="none" strike="noStrike" cap="none" normalizeH="0" baseline="0" dirty="0">
+                <a:ln>
+                  <a:noFill/>
+                </a:ln>
+                <a:solidFill>
+                  <a:srgbClr val="000000"/>
+                </a:solidFill>
+                <a:effectLst/>
+                <a:latin typeface="Consolas" panose="020B0609020204030204" pitchFamily="49" charset="0"/>
+              </a:rPr>
+              <a:t>&lt;/</a:t>
+            </a:r>
+            <a:r>
+              <a:rPr kumimoji="0" lang="tr-TR" altLang="tr-TR" sz="2400" b="1" i="0" u="none" strike="noStrike" cap="none" normalizeH="0" baseline="0" dirty="0">
+                <a:ln>
+                  <a:noFill/>
+                </a:ln>
+                <a:solidFill>
+                  <a:srgbClr val="006699"/>
+                </a:solidFill>
+                <a:effectLst/>
+                <a:latin typeface="Consolas" panose="020B0609020204030204" pitchFamily="49" charset="0"/>
+              </a:rPr>
+              <a:t>h1</a:t>
+            </a:r>
+            <a:r>
+              <a:rPr kumimoji="0" lang="tr-TR" altLang="tr-TR" sz="2400" b="0" i="0" u="none" strike="noStrike" cap="none" normalizeH="0" baseline="0" dirty="0">
+                <a:ln>
+                  <a:noFill/>
+                </a:ln>
+                <a:solidFill>
+                  <a:srgbClr val="000000"/>
+                </a:solidFill>
+                <a:effectLst/>
+                <a:latin typeface="Consolas" panose="020B0609020204030204" pitchFamily="49" charset="0"/>
+              </a:rPr>
+              <a:t>&gt;</a:t>
+            </a:r>
+            <a:endParaRPr kumimoji="0" lang="tr-TR" altLang="tr-TR" sz="1400" b="0" i="0" u="none" strike="noStrike" cap="none" normalizeH="0" baseline="0" dirty="0">
+              <a:ln>
+                <a:noFill/>
+              </a:ln>
+              <a:solidFill>
+                <a:schemeClr val="tx1"/>
+              </a:solidFill>
+              <a:effectLst/>
+            </a:endParaRPr>
+          </a:p>
+          <a:p>
+            <a:pPr marL="0" marR="0" lvl="0" indent="0" algn="l" defTabSz="914400" rtl="0" eaLnBrk="0" fontAlgn="base" latinLnBrk="0" hangingPunct="0">
+              <a:lnSpc>
+                <a:spcPct val="100000"/>
+              </a:lnSpc>
+              <a:spcBef>
+                <a:spcPct val="0"/>
+              </a:spcBef>
+              <a:spcAft>
+                <a:spcPct val="0"/>
+              </a:spcAft>
+              <a:buClrTx/>
+              <a:buSzTx/>
+              <a:buFontTx/>
+              <a:buNone/>
+              <a:tabLst/>
+            </a:pPr>
+            <a:r>
+              <a:rPr kumimoji="0" lang="tr-TR" altLang="tr-TR" sz="2400" b="0" i="0" u="none" strike="noStrike" cap="none" normalizeH="0" baseline="0" dirty="0">
+                <a:ln>
+                  <a:noFill/>
+                </a:ln>
+                <a:solidFill>
+                  <a:srgbClr val="273239"/>
+                </a:solidFill>
+                <a:effectLst/>
+                <a:latin typeface="Consolas" panose="020B0609020204030204" pitchFamily="49" charset="0"/>
+              </a:rPr>
+              <a:t>     </a:t>
+            </a:r>
+            <a:r>
+              <a:rPr kumimoji="0" lang="tr-TR" altLang="tr-TR" sz="1400" b="0" i="0" u="none" strike="noStrike" cap="none" normalizeH="0" baseline="0" dirty="0">
+                <a:ln>
+                  <a:noFill/>
+                </a:ln>
+                <a:solidFill>
+                  <a:srgbClr val="273239"/>
+                </a:solidFill>
+                <a:effectLst/>
+                <a:latin typeface="Consolas" panose="020B0609020204030204" pitchFamily="49" charset="0"/>
+              </a:rPr>
+              <a:t> </a:t>
+            </a:r>
+            <a:endParaRPr kumimoji="0" lang="tr-TR" altLang="tr-TR" sz="4000" b="0" i="0" u="none" strike="noStrike" cap="none" normalizeH="0" baseline="0" dirty="0">
+              <a:ln>
+                <a:noFill/>
+              </a:ln>
+              <a:solidFill>
+                <a:schemeClr val="tx1"/>
+              </a:solidFill>
+              <a:effectLst/>
+            </a:endParaRPr>
+          </a:p>
+          <a:p>
+            <a:pPr marL="0" marR="0" lvl="0" indent="0" algn="l" defTabSz="914400" rtl="0" eaLnBrk="0" fontAlgn="base" latinLnBrk="0" hangingPunct="0">
+              <a:lnSpc>
+                <a:spcPct val="100000"/>
+              </a:lnSpc>
+              <a:spcBef>
+                <a:spcPct val="0"/>
+              </a:spcBef>
+              <a:spcAft>
+                <a:spcPct val="0"/>
+              </a:spcAft>
+              <a:buClrTx/>
+              <a:buSzTx/>
+              <a:buFontTx/>
+              <a:buNone/>
+              <a:tabLst/>
+            </a:pPr>
+            <a:r>
+              <a:rPr kumimoji="0" lang="tr-TR" altLang="tr-TR" sz="2400" b="0" i="0" u="none" strike="noStrike" cap="none" normalizeH="0" baseline="0" dirty="0">
+                <a:ln>
+                  <a:noFill/>
+                </a:ln>
+                <a:solidFill>
+                  <a:srgbClr val="273239"/>
+                </a:solidFill>
+                <a:effectLst/>
+                <a:latin typeface="Consolas" panose="020B0609020204030204" pitchFamily="49" charset="0"/>
+              </a:rPr>
+              <a:t>    </a:t>
+            </a:r>
+            <a:r>
+              <a:rPr kumimoji="0" lang="tr-TR" altLang="tr-TR" sz="2400" b="0" i="0" u="none" strike="noStrike" cap="none" normalizeH="0" baseline="0" dirty="0">
+                <a:ln>
+                  <a:noFill/>
+                </a:ln>
+                <a:solidFill>
+                  <a:srgbClr val="000000"/>
+                </a:solidFill>
+                <a:effectLst/>
+                <a:latin typeface="Consolas" panose="020B0609020204030204" pitchFamily="49" charset="0"/>
+              </a:rPr>
+              <a:t>&lt;</a:t>
+            </a:r>
+            <a:r>
+              <a:rPr kumimoji="0" lang="tr-TR" altLang="tr-TR" sz="2400" b="1" i="0" u="none" strike="noStrike" cap="none" normalizeH="0" baseline="0" dirty="0">
+                <a:ln>
+                  <a:noFill/>
+                </a:ln>
+                <a:solidFill>
+                  <a:srgbClr val="006699"/>
+                </a:solidFill>
+                <a:effectLst/>
+                <a:latin typeface="Consolas" panose="020B0609020204030204" pitchFamily="49" charset="0"/>
+              </a:rPr>
+              <a:t>b</a:t>
+            </a:r>
+            <a:r>
+              <a:rPr kumimoji="0" lang="tr-TR" altLang="tr-TR" sz="2400" b="0" i="0" u="none" strike="noStrike" cap="none" normalizeH="0" baseline="0" dirty="0">
+                <a:ln>
+                  <a:noFill/>
+                </a:ln>
+                <a:solidFill>
+                  <a:srgbClr val="000000"/>
+                </a:solidFill>
+                <a:effectLst/>
+                <a:latin typeface="Consolas" panose="020B0609020204030204" pitchFamily="49" charset="0"/>
+              </a:rPr>
+              <a:t>&gt;How </a:t>
+            </a:r>
+            <a:r>
+              <a:rPr kumimoji="0" lang="tr-TR" altLang="tr-TR" sz="2400" b="0" i="0" u="none" strike="noStrike" cap="none" normalizeH="0" baseline="0" dirty="0" err="1">
+                <a:ln>
+                  <a:noFill/>
+                </a:ln>
+                <a:solidFill>
+                  <a:srgbClr val="000000"/>
+                </a:solidFill>
+                <a:effectLst/>
+                <a:latin typeface="Consolas" panose="020B0609020204030204" pitchFamily="49" charset="0"/>
+              </a:rPr>
+              <a:t>to</a:t>
+            </a:r>
+            <a:r>
+              <a:rPr kumimoji="0" lang="tr-TR" altLang="tr-TR" sz="2400" b="0" i="0" u="none" strike="noStrike" cap="none" normalizeH="0" baseline="0" dirty="0">
+                <a:ln>
+                  <a:noFill/>
+                </a:ln>
+                <a:solidFill>
+                  <a:srgbClr val="000000"/>
+                </a:solidFill>
+                <a:effectLst/>
+                <a:latin typeface="Consolas" panose="020B0609020204030204" pitchFamily="49" charset="0"/>
+              </a:rPr>
+              <a:t> </a:t>
+            </a:r>
+            <a:r>
+              <a:rPr kumimoji="0" lang="tr-TR" altLang="tr-TR" sz="2400" b="0" i="0" u="none" strike="noStrike" cap="none" normalizeH="0" baseline="0" dirty="0" err="1">
+                <a:ln>
+                  <a:noFill/>
+                </a:ln>
+                <a:solidFill>
+                  <a:srgbClr val="000000"/>
+                </a:solidFill>
+                <a:effectLst/>
+                <a:latin typeface="Consolas" panose="020B0609020204030204" pitchFamily="49" charset="0"/>
+              </a:rPr>
+              <a:t>add</a:t>
+            </a:r>
+            <a:r>
+              <a:rPr kumimoji="0" lang="tr-TR" altLang="tr-TR" sz="2400" b="0" i="0" u="none" strike="noStrike" cap="none" normalizeH="0" baseline="0" dirty="0">
+                <a:ln>
+                  <a:noFill/>
+                </a:ln>
+                <a:solidFill>
+                  <a:srgbClr val="000000"/>
+                </a:solidFill>
+                <a:effectLst/>
+                <a:latin typeface="Consolas" panose="020B0609020204030204" pitchFamily="49" charset="0"/>
+              </a:rPr>
+              <a:t> </a:t>
+            </a:r>
+            <a:r>
+              <a:rPr kumimoji="0" lang="tr-TR" altLang="tr-TR" sz="2400" b="0" i="0" u="none" strike="noStrike" cap="none" normalizeH="0" baseline="0" dirty="0" err="1">
+                <a:ln>
+                  <a:noFill/>
+                </a:ln>
+                <a:solidFill>
+                  <a:srgbClr val="000000"/>
+                </a:solidFill>
+                <a:effectLst/>
+                <a:latin typeface="Consolas" panose="020B0609020204030204" pitchFamily="49" charset="0"/>
+              </a:rPr>
+              <a:t>table</a:t>
+            </a:r>
+            <a:r>
+              <a:rPr kumimoji="0" lang="tr-TR" altLang="tr-TR" sz="2400" b="0" i="0" u="none" strike="noStrike" cap="none" normalizeH="0" baseline="0" dirty="0">
+                <a:ln>
+                  <a:noFill/>
+                </a:ln>
+                <a:solidFill>
+                  <a:srgbClr val="000000"/>
+                </a:solidFill>
+                <a:effectLst/>
+                <a:latin typeface="Consolas" panose="020B0609020204030204" pitchFamily="49" charset="0"/>
+              </a:rPr>
+              <a:t> </a:t>
+            </a:r>
+            <a:r>
+              <a:rPr kumimoji="0" lang="tr-TR" altLang="tr-TR" sz="2400" b="0" i="0" u="none" strike="noStrike" cap="none" normalizeH="0" baseline="0" dirty="0" err="1">
+                <a:ln>
+                  <a:noFill/>
+                </a:ln>
+                <a:solidFill>
+                  <a:srgbClr val="000000"/>
+                </a:solidFill>
+                <a:effectLst/>
+                <a:latin typeface="Consolas" panose="020B0609020204030204" pitchFamily="49" charset="0"/>
+              </a:rPr>
+              <a:t>row</a:t>
+            </a:r>
+            <a:r>
+              <a:rPr kumimoji="0" lang="tr-TR" altLang="tr-TR" sz="2400" b="0" i="0" u="none" strike="noStrike" cap="none" normalizeH="0" baseline="0" dirty="0">
+                <a:ln>
+                  <a:noFill/>
+                </a:ln>
+                <a:solidFill>
+                  <a:srgbClr val="000000"/>
+                </a:solidFill>
+                <a:effectLst/>
+                <a:latin typeface="Consolas" panose="020B0609020204030204" pitchFamily="49" charset="0"/>
+              </a:rPr>
+              <a:t> in </a:t>
+            </a:r>
+            <a:r>
+              <a:rPr kumimoji="0" lang="tr-TR" altLang="tr-TR" sz="2400" b="0" i="0" u="none" strike="noStrike" cap="none" normalizeH="0" baseline="0" dirty="0" err="1">
+                <a:ln>
+                  <a:noFill/>
+                </a:ln>
+                <a:solidFill>
+                  <a:srgbClr val="000000"/>
+                </a:solidFill>
+                <a:effectLst/>
+                <a:latin typeface="Consolas" panose="020B0609020204030204" pitchFamily="49" charset="0"/>
+              </a:rPr>
+              <a:t>jQuery</a:t>
+            </a:r>
+            <a:r>
+              <a:rPr kumimoji="0" lang="tr-TR" altLang="tr-TR" sz="2400" b="0" i="0" u="none" strike="noStrike" cap="none" normalizeH="0" baseline="0" dirty="0">
+                <a:ln>
+                  <a:noFill/>
+                </a:ln>
+                <a:solidFill>
+                  <a:srgbClr val="000000"/>
+                </a:solidFill>
+                <a:effectLst/>
+                <a:latin typeface="Consolas" panose="020B0609020204030204" pitchFamily="49" charset="0"/>
+              </a:rPr>
+              <a:t>?&lt;/</a:t>
+            </a:r>
+            <a:r>
+              <a:rPr kumimoji="0" lang="tr-TR" altLang="tr-TR" sz="2400" b="1" i="0" u="none" strike="noStrike" cap="none" normalizeH="0" baseline="0" dirty="0">
+                <a:ln>
+                  <a:noFill/>
+                </a:ln>
+                <a:solidFill>
+                  <a:srgbClr val="006699"/>
+                </a:solidFill>
+                <a:effectLst/>
+                <a:latin typeface="Consolas" panose="020B0609020204030204" pitchFamily="49" charset="0"/>
+              </a:rPr>
+              <a:t>b</a:t>
+            </a:r>
+            <a:r>
+              <a:rPr kumimoji="0" lang="tr-TR" altLang="tr-TR" sz="2400" b="0" i="0" u="none" strike="noStrike" cap="none" normalizeH="0" baseline="0" dirty="0">
+                <a:ln>
+                  <a:noFill/>
+                </a:ln>
+                <a:solidFill>
+                  <a:srgbClr val="000000"/>
+                </a:solidFill>
+                <a:effectLst/>
+                <a:latin typeface="Consolas" panose="020B0609020204030204" pitchFamily="49" charset="0"/>
+              </a:rPr>
+              <a:t>&gt;</a:t>
+            </a:r>
+            <a:endParaRPr kumimoji="0" lang="tr-TR" altLang="tr-TR" sz="1400" b="0" i="0" u="none" strike="noStrike" cap="none" normalizeH="0" baseline="0" dirty="0">
+              <a:ln>
+                <a:noFill/>
+              </a:ln>
+              <a:solidFill>
+                <a:schemeClr val="tx1"/>
+              </a:solidFill>
+              <a:effectLst/>
+            </a:endParaRPr>
+          </a:p>
+          <a:p>
+            <a:pPr marL="0" marR="0" lvl="0" indent="0" algn="l" defTabSz="914400" rtl="0" eaLnBrk="0" fontAlgn="base" latinLnBrk="0" hangingPunct="0">
+              <a:lnSpc>
+                <a:spcPct val="100000"/>
+              </a:lnSpc>
+              <a:spcBef>
+                <a:spcPct val="0"/>
+              </a:spcBef>
+              <a:spcAft>
+                <a:spcPct val="0"/>
+              </a:spcAft>
+              <a:buClrTx/>
+              <a:buSzTx/>
+              <a:buFontTx/>
+              <a:buNone/>
+              <a:tabLst/>
+            </a:pPr>
+            <a:r>
+              <a:rPr kumimoji="0" lang="tr-TR" altLang="tr-TR" sz="2400" b="0" i="0" u="none" strike="noStrike" cap="none" normalizeH="0" baseline="0" dirty="0">
+                <a:ln>
+                  <a:noFill/>
+                </a:ln>
+                <a:solidFill>
+                  <a:srgbClr val="273239"/>
+                </a:solidFill>
+                <a:effectLst/>
+                <a:latin typeface="Consolas" panose="020B0609020204030204" pitchFamily="49" charset="0"/>
+              </a:rPr>
+              <a:t>     </a:t>
+            </a:r>
+            <a:r>
+              <a:rPr kumimoji="0" lang="tr-TR" altLang="tr-TR" sz="1400" b="0" i="0" u="none" strike="noStrike" cap="none" normalizeH="0" baseline="0" dirty="0">
+                <a:ln>
+                  <a:noFill/>
+                </a:ln>
+                <a:solidFill>
+                  <a:srgbClr val="273239"/>
+                </a:solidFill>
+                <a:effectLst/>
+                <a:latin typeface="Consolas" panose="020B0609020204030204" pitchFamily="49" charset="0"/>
+              </a:rPr>
+              <a:t> </a:t>
+            </a:r>
+            <a:endParaRPr kumimoji="0" lang="tr-TR" altLang="tr-TR" sz="4000" b="0" i="0" u="none" strike="noStrike" cap="none" normalizeH="0" baseline="0" dirty="0">
+              <a:ln>
+                <a:noFill/>
+              </a:ln>
+              <a:solidFill>
+                <a:schemeClr val="tx1"/>
+              </a:solidFill>
+              <a:effectLst/>
+            </a:endParaRPr>
+          </a:p>
+          <a:p>
+            <a:pPr marL="0" marR="0" lvl="0" indent="0" algn="l" defTabSz="914400" rtl="0" eaLnBrk="0" fontAlgn="base" latinLnBrk="0" hangingPunct="0">
+              <a:lnSpc>
+                <a:spcPct val="100000"/>
+              </a:lnSpc>
+              <a:spcBef>
+                <a:spcPct val="0"/>
+              </a:spcBef>
+              <a:spcAft>
+                <a:spcPct val="0"/>
+              </a:spcAft>
+              <a:buClrTx/>
+              <a:buSzTx/>
+              <a:buFontTx/>
+              <a:buNone/>
+              <a:tabLst/>
+            </a:pPr>
+            <a:r>
+              <a:rPr kumimoji="0" lang="tr-TR" altLang="tr-TR" sz="2400" b="0" i="0" u="none" strike="noStrike" cap="none" normalizeH="0" baseline="0" dirty="0">
+                <a:ln>
+                  <a:noFill/>
+                </a:ln>
+                <a:solidFill>
+                  <a:srgbClr val="273239"/>
+                </a:solidFill>
+                <a:effectLst/>
+                <a:latin typeface="Consolas" panose="020B0609020204030204" pitchFamily="49" charset="0"/>
+              </a:rPr>
+              <a:t>    </a:t>
+            </a:r>
+            <a:r>
+              <a:rPr kumimoji="0" lang="tr-TR" altLang="tr-TR" sz="2400" b="0" i="0" u="none" strike="noStrike" cap="none" normalizeH="0" baseline="0" dirty="0">
+                <a:ln>
+                  <a:noFill/>
+                </a:ln>
+                <a:solidFill>
+                  <a:srgbClr val="000000"/>
+                </a:solidFill>
+                <a:effectLst/>
+                <a:latin typeface="Consolas" panose="020B0609020204030204" pitchFamily="49" charset="0"/>
+              </a:rPr>
+              <a:t>&lt;</a:t>
+            </a:r>
+            <a:r>
+              <a:rPr kumimoji="0" lang="tr-TR" altLang="tr-TR" sz="2400" b="1" i="0" u="none" strike="noStrike" cap="none" normalizeH="0" baseline="0" dirty="0">
+                <a:ln>
+                  <a:noFill/>
+                </a:ln>
+                <a:solidFill>
+                  <a:srgbClr val="006699"/>
+                </a:solidFill>
+                <a:effectLst/>
+                <a:latin typeface="Consolas" panose="020B0609020204030204" pitchFamily="49" charset="0"/>
+              </a:rPr>
+              <a:t>p</a:t>
+            </a:r>
+            <a:r>
+              <a:rPr kumimoji="0" lang="tr-TR" altLang="tr-TR" sz="2400" b="0" i="0" u="none" strike="noStrike" cap="none" normalizeH="0" baseline="0" dirty="0">
+                <a:ln>
+                  <a:noFill/>
+                </a:ln>
+                <a:solidFill>
+                  <a:srgbClr val="000000"/>
+                </a:solidFill>
+                <a:effectLst/>
+                <a:latin typeface="Consolas" panose="020B0609020204030204" pitchFamily="49" charset="0"/>
+              </a:rPr>
+              <a:t>&gt;</a:t>
+            </a:r>
+            <a:endParaRPr kumimoji="0" lang="tr-TR" altLang="tr-TR" sz="1400" b="0" i="0" u="none" strike="noStrike" cap="none" normalizeH="0" baseline="0" dirty="0">
+              <a:ln>
+                <a:noFill/>
+              </a:ln>
+              <a:solidFill>
+                <a:schemeClr val="tx1"/>
+              </a:solidFill>
+              <a:effectLst/>
+            </a:endParaRPr>
+          </a:p>
+          <a:p>
+            <a:pPr marL="0" marR="0" lvl="0" indent="0" algn="l" defTabSz="914400" rtl="0" eaLnBrk="0" fontAlgn="base" latinLnBrk="0" hangingPunct="0">
+              <a:lnSpc>
+                <a:spcPct val="100000"/>
+              </a:lnSpc>
+              <a:spcBef>
+                <a:spcPct val="0"/>
+              </a:spcBef>
+              <a:spcAft>
+                <a:spcPct val="0"/>
+              </a:spcAft>
+              <a:buClrTx/>
+              <a:buSzTx/>
+              <a:buFontTx/>
+              <a:buNone/>
+              <a:tabLst/>
+            </a:pPr>
+            <a:r>
+              <a:rPr kumimoji="0" lang="tr-TR" altLang="tr-TR" sz="2400" b="0" i="0" u="none" strike="noStrike" cap="none" normalizeH="0" baseline="0" dirty="0">
+                <a:ln>
+                  <a:noFill/>
+                </a:ln>
+                <a:solidFill>
+                  <a:srgbClr val="273239"/>
+                </a:solidFill>
+                <a:effectLst/>
+                <a:latin typeface="Consolas" panose="020B0609020204030204" pitchFamily="49" charset="0"/>
+              </a:rPr>
+              <a:t>        </a:t>
+            </a:r>
+            <a:r>
+              <a:rPr kumimoji="0" lang="tr-TR" altLang="tr-TR" sz="2400" b="0" i="0" u="none" strike="noStrike" cap="none" normalizeH="0" baseline="0" dirty="0" err="1">
+                <a:ln>
+                  <a:noFill/>
+                </a:ln>
+                <a:solidFill>
+                  <a:srgbClr val="000000"/>
+                </a:solidFill>
+                <a:effectLst/>
+                <a:latin typeface="Consolas" panose="020B0609020204030204" pitchFamily="49" charset="0"/>
+              </a:rPr>
+              <a:t>Click</a:t>
+            </a:r>
+            <a:r>
+              <a:rPr kumimoji="0" lang="tr-TR" altLang="tr-TR" sz="2400" b="0" i="0" u="none" strike="noStrike" cap="none" normalizeH="0" baseline="0" dirty="0">
+                <a:ln>
+                  <a:noFill/>
+                </a:ln>
+                <a:solidFill>
+                  <a:srgbClr val="000000"/>
+                </a:solidFill>
+                <a:effectLst/>
+                <a:latin typeface="Consolas" panose="020B0609020204030204" pitchFamily="49" charset="0"/>
+              </a:rPr>
+              <a:t> on </a:t>
+            </a:r>
+            <a:r>
+              <a:rPr kumimoji="0" lang="tr-TR" altLang="tr-TR" sz="2400" b="0" i="0" u="none" strike="noStrike" cap="none" normalizeH="0" baseline="0" dirty="0" err="1">
+                <a:ln>
+                  <a:noFill/>
+                </a:ln>
+                <a:solidFill>
+                  <a:srgbClr val="000000"/>
+                </a:solidFill>
+                <a:effectLst/>
+                <a:latin typeface="Consolas" panose="020B0609020204030204" pitchFamily="49" charset="0"/>
+              </a:rPr>
+              <a:t>the</a:t>
+            </a:r>
+            <a:r>
+              <a:rPr kumimoji="0" lang="tr-TR" altLang="tr-TR" sz="2400" b="0" i="0" u="none" strike="noStrike" cap="none" normalizeH="0" baseline="0" dirty="0">
+                <a:ln>
+                  <a:noFill/>
+                </a:ln>
+                <a:solidFill>
+                  <a:srgbClr val="000000"/>
+                </a:solidFill>
+                <a:effectLst/>
+                <a:latin typeface="Consolas" panose="020B0609020204030204" pitchFamily="49" charset="0"/>
+              </a:rPr>
+              <a:t> </a:t>
+            </a:r>
+            <a:r>
+              <a:rPr kumimoji="0" lang="tr-TR" altLang="tr-TR" sz="2400" b="0" i="0" u="none" strike="noStrike" cap="none" normalizeH="0" baseline="0" dirty="0" err="1">
+                <a:ln>
+                  <a:noFill/>
+                </a:ln>
+                <a:solidFill>
+                  <a:srgbClr val="000000"/>
+                </a:solidFill>
+                <a:effectLst/>
+                <a:latin typeface="Consolas" panose="020B0609020204030204" pitchFamily="49" charset="0"/>
+              </a:rPr>
+              <a:t>button</a:t>
+            </a:r>
+            <a:r>
+              <a:rPr kumimoji="0" lang="tr-TR" altLang="tr-TR" sz="2400" b="0" i="0" u="none" strike="noStrike" cap="none" normalizeH="0" baseline="0" dirty="0">
+                <a:ln>
+                  <a:noFill/>
+                </a:ln>
+                <a:solidFill>
+                  <a:srgbClr val="000000"/>
+                </a:solidFill>
+                <a:effectLst/>
+                <a:latin typeface="Consolas" panose="020B0609020204030204" pitchFamily="49" charset="0"/>
+              </a:rPr>
+              <a:t> </a:t>
+            </a:r>
+            <a:r>
+              <a:rPr kumimoji="0" lang="tr-TR" altLang="tr-TR" sz="2400" b="0" i="0" u="none" strike="noStrike" cap="none" normalizeH="0" baseline="0" dirty="0" err="1">
+                <a:ln>
+                  <a:noFill/>
+                </a:ln>
+                <a:solidFill>
+                  <a:srgbClr val="000000"/>
+                </a:solidFill>
+                <a:effectLst/>
+                <a:latin typeface="Consolas" panose="020B0609020204030204" pitchFamily="49" charset="0"/>
+              </a:rPr>
+              <a:t>below</a:t>
+            </a:r>
+            <a:r>
+              <a:rPr kumimoji="0" lang="tr-TR" altLang="tr-TR" sz="2400" b="0" i="0" u="none" strike="noStrike" cap="none" normalizeH="0" baseline="0" dirty="0">
+                <a:ln>
+                  <a:noFill/>
+                </a:ln>
+                <a:solidFill>
+                  <a:srgbClr val="000000"/>
+                </a:solidFill>
+                <a:effectLst/>
+                <a:latin typeface="Consolas" panose="020B0609020204030204" pitchFamily="49" charset="0"/>
+              </a:rPr>
+              <a:t> </a:t>
+            </a:r>
+            <a:r>
+              <a:rPr kumimoji="0" lang="tr-TR" altLang="tr-TR" sz="2400" b="0" i="0" u="none" strike="noStrike" cap="none" normalizeH="0" baseline="0" dirty="0" err="1">
+                <a:ln>
+                  <a:noFill/>
+                </a:ln>
+                <a:solidFill>
+                  <a:srgbClr val="000000"/>
+                </a:solidFill>
+                <a:effectLst/>
+                <a:latin typeface="Consolas" panose="020B0609020204030204" pitchFamily="49" charset="0"/>
+              </a:rPr>
+              <a:t>to</a:t>
+            </a:r>
+            <a:endParaRPr kumimoji="0" lang="tr-TR" altLang="tr-TR" sz="1400" b="0" i="0" u="none" strike="noStrike" cap="none" normalizeH="0" baseline="0" dirty="0">
+              <a:ln>
+                <a:noFill/>
+              </a:ln>
+              <a:solidFill>
+                <a:schemeClr val="tx1"/>
+              </a:solidFill>
+              <a:effectLst/>
+            </a:endParaRPr>
+          </a:p>
+          <a:p>
+            <a:pPr marL="0" marR="0" lvl="0" indent="0" algn="l" defTabSz="914400" rtl="0" eaLnBrk="0" fontAlgn="base" latinLnBrk="0" hangingPunct="0">
+              <a:lnSpc>
+                <a:spcPct val="100000"/>
+              </a:lnSpc>
+              <a:spcBef>
+                <a:spcPct val="0"/>
+              </a:spcBef>
+              <a:spcAft>
+                <a:spcPct val="0"/>
+              </a:spcAft>
+              <a:buClrTx/>
+              <a:buSzTx/>
+              <a:buFontTx/>
+              <a:buNone/>
+              <a:tabLst/>
+            </a:pPr>
+            <a:r>
+              <a:rPr kumimoji="0" lang="tr-TR" altLang="tr-TR" sz="2400" b="0" i="0" u="none" strike="noStrike" cap="none" normalizeH="0" baseline="0" dirty="0">
+                <a:ln>
+                  <a:noFill/>
+                </a:ln>
+                <a:solidFill>
+                  <a:srgbClr val="273239"/>
+                </a:solidFill>
+                <a:effectLst/>
+                <a:latin typeface="Consolas" panose="020B0609020204030204" pitchFamily="49" charset="0"/>
+              </a:rPr>
+              <a:t>        </a:t>
+            </a:r>
+            <a:r>
+              <a:rPr kumimoji="0" lang="tr-TR" altLang="tr-TR" sz="2400" b="0" i="0" u="none" strike="noStrike" cap="none" normalizeH="0" baseline="0" dirty="0" err="1">
+                <a:ln>
+                  <a:noFill/>
+                </a:ln>
+                <a:solidFill>
+                  <a:srgbClr val="000000"/>
+                </a:solidFill>
+                <a:effectLst/>
+                <a:latin typeface="Consolas" panose="020B0609020204030204" pitchFamily="49" charset="0"/>
+              </a:rPr>
+              <a:t>add</a:t>
+            </a:r>
+            <a:r>
+              <a:rPr kumimoji="0" lang="tr-TR" altLang="tr-TR" sz="2400" b="0" i="0" u="none" strike="noStrike" cap="none" normalizeH="0" baseline="0" dirty="0">
+                <a:ln>
+                  <a:noFill/>
+                </a:ln>
+                <a:solidFill>
+                  <a:srgbClr val="000000"/>
+                </a:solidFill>
+                <a:effectLst/>
+                <a:latin typeface="Consolas" panose="020B0609020204030204" pitchFamily="49" charset="0"/>
+              </a:rPr>
+              <a:t> a </a:t>
+            </a:r>
+            <a:r>
+              <a:rPr kumimoji="0" lang="tr-TR" altLang="tr-TR" sz="2400" b="0" i="0" u="none" strike="noStrike" cap="none" normalizeH="0" baseline="0" dirty="0" err="1">
+                <a:ln>
+                  <a:noFill/>
+                </a:ln>
+                <a:solidFill>
+                  <a:srgbClr val="000000"/>
+                </a:solidFill>
+                <a:effectLst/>
+                <a:latin typeface="Consolas" panose="020B0609020204030204" pitchFamily="49" charset="0"/>
+              </a:rPr>
+              <a:t>row</a:t>
+            </a:r>
+            <a:r>
+              <a:rPr kumimoji="0" lang="tr-TR" altLang="tr-TR" sz="2400" b="0" i="0" u="none" strike="noStrike" cap="none" normalizeH="0" baseline="0" dirty="0">
+                <a:ln>
+                  <a:noFill/>
+                </a:ln>
+                <a:solidFill>
+                  <a:srgbClr val="000000"/>
+                </a:solidFill>
+                <a:effectLst/>
+                <a:latin typeface="Consolas" panose="020B0609020204030204" pitchFamily="49" charset="0"/>
+              </a:rPr>
+              <a:t> </a:t>
+            </a:r>
+            <a:r>
+              <a:rPr kumimoji="0" lang="tr-TR" altLang="tr-TR" sz="2400" b="0" i="0" u="none" strike="noStrike" cap="none" normalizeH="0" baseline="0" dirty="0" err="1">
+                <a:ln>
+                  <a:noFill/>
+                </a:ln>
+                <a:solidFill>
+                  <a:srgbClr val="000000"/>
+                </a:solidFill>
+                <a:effectLst/>
+                <a:latin typeface="Consolas" panose="020B0609020204030204" pitchFamily="49" charset="0"/>
+              </a:rPr>
+              <a:t>to</a:t>
+            </a:r>
+            <a:r>
+              <a:rPr kumimoji="0" lang="tr-TR" altLang="tr-TR" sz="2400" b="0" i="0" u="none" strike="noStrike" cap="none" normalizeH="0" baseline="0" dirty="0">
+                <a:ln>
+                  <a:noFill/>
+                </a:ln>
+                <a:solidFill>
+                  <a:srgbClr val="000000"/>
+                </a:solidFill>
+                <a:effectLst/>
+                <a:latin typeface="Consolas" panose="020B0609020204030204" pitchFamily="49" charset="0"/>
+              </a:rPr>
+              <a:t> </a:t>
+            </a:r>
+            <a:r>
+              <a:rPr kumimoji="0" lang="tr-TR" altLang="tr-TR" sz="2400" b="0" i="0" u="none" strike="noStrike" cap="none" normalizeH="0" baseline="0" dirty="0" err="1">
+                <a:ln>
+                  <a:noFill/>
+                </a:ln>
+                <a:solidFill>
+                  <a:srgbClr val="000000"/>
+                </a:solidFill>
+                <a:effectLst/>
+                <a:latin typeface="Consolas" panose="020B0609020204030204" pitchFamily="49" charset="0"/>
+              </a:rPr>
+              <a:t>the</a:t>
+            </a:r>
+            <a:r>
+              <a:rPr kumimoji="0" lang="tr-TR" altLang="tr-TR" sz="2400" b="0" i="0" u="none" strike="noStrike" cap="none" normalizeH="0" baseline="0" dirty="0">
+                <a:ln>
+                  <a:noFill/>
+                </a:ln>
+                <a:solidFill>
+                  <a:srgbClr val="000000"/>
+                </a:solidFill>
+                <a:effectLst/>
+                <a:latin typeface="Consolas" panose="020B0609020204030204" pitchFamily="49" charset="0"/>
+              </a:rPr>
+              <a:t> </a:t>
+            </a:r>
+            <a:r>
+              <a:rPr kumimoji="0" lang="tr-TR" altLang="tr-TR" sz="2400" b="0" i="0" u="none" strike="noStrike" cap="none" normalizeH="0" baseline="0" dirty="0" err="1">
+                <a:ln>
+                  <a:noFill/>
+                </a:ln>
+                <a:solidFill>
+                  <a:srgbClr val="000000"/>
+                </a:solidFill>
+                <a:effectLst/>
+                <a:latin typeface="Consolas" panose="020B0609020204030204" pitchFamily="49" charset="0"/>
+              </a:rPr>
+              <a:t>table</a:t>
+            </a:r>
+            <a:endParaRPr kumimoji="0" lang="tr-TR" altLang="tr-TR" sz="1400" b="0" i="0" u="none" strike="noStrike" cap="none" normalizeH="0" baseline="0" dirty="0">
+              <a:ln>
+                <a:noFill/>
+              </a:ln>
+              <a:solidFill>
+                <a:schemeClr val="tx1"/>
+              </a:solidFill>
+              <a:effectLst/>
+            </a:endParaRPr>
+          </a:p>
+          <a:p>
+            <a:pPr marL="0" marR="0" lvl="0" indent="0" algn="l" defTabSz="914400" rtl="0" eaLnBrk="0" fontAlgn="base" latinLnBrk="0" hangingPunct="0">
+              <a:lnSpc>
+                <a:spcPct val="100000"/>
+              </a:lnSpc>
+              <a:spcBef>
+                <a:spcPct val="0"/>
+              </a:spcBef>
+              <a:spcAft>
+                <a:spcPct val="0"/>
+              </a:spcAft>
+              <a:buClrTx/>
+              <a:buSzTx/>
+              <a:buFontTx/>
+              <a:buNone/>
+              <a:tabLst/>
+            </a:pPr>
+            <a:r>
+              <a:rPr kumimoji="0" lang="tr-TR" altLang="tr-TR" sz="2400" b="0" i="0" u="none" strike="noStrike" cap="none" normalizeH="0" baseline="0" dirty="0">
+                <a:ln>
+                  <a:noFill/>
+                </a:ln>
+                <a:solidFill>
+                  <a:srgbClr val="273239"/>
+                </a:solidFill>
+                <a:effectLst/>
+                <a:latin typeface="Consolas" panose="020B0609020204030204" pitchFamily="49" charset="0"/>
+              </a:rPr>
+              <a:t>    </a:t>
+            </a:r>
+            <a:r>
+              <a:rPr kumimoji="0" lang="tr-TR" altLang="tr-TR" sz="2400" b="0" i="0" u="none" strike="noStrike" cap="none" normalizeH="0" baseline="0" dirty="0">
+                <a:ln>
+                  <a:noFill/>
+                </a:ln>
+                <a:solidFill>
+                  <a:srgbClr val="000000"/>
+                </a:solidFill>
+                <a:effectLst/>
+                <a:latin typeface="Consolas" panose="020B0609020204030204" pitchFamily="49" charset="0"/>
+              </a:rPr>
+              <a:t>&lt;/</a:t>
+            </a:r>
+            <a:r>
+              <a:rPr kumimoji="0" lang="tr-TR" altLang="tr-TR" sz="2400" b="1" i="0" u="none" strike="noStrike" cap="none" normalizeH="0" baseline="0" dirty="0">
+                <a:ln>
+                  <a:noFill/>
+                </a:ln>
+                <a:solidFill>
+                  <a:srgbClr val="006699"/>
+                </a:solidFill>
+                <a:effectLst/>
+                <a:latin typeface="Consolas" panose="020B0609020204030204" pitchFamily="49" charset="0"/>
+              </a:rPr>
+              <a:t>p</a:t>
+            </a:r>
+            <a:r>
+              <a:rPr kumimoji="0" lang="tr-TR" altLang="tr-TR" sz="2400" b="0" i="0" u="none" strike="noStrike" cap="none" normalizeH="0" baseline="0" dirty="0">
+                <a:ln>
+                  <a:noFill/>
+                </a:ln>
+                <a:solidFill>
+                  <a:srgbClr val="000000"/>
+                </a:solidFill>
+                <a:effectLst/>
+                <a:latin typeface="Consolas" panose="020B0609020204030204" pitchFamily="49" charset="0"/>
+              </a:rPr>
+              <a:t>&gt;</a:t>
+            </a:r>
+            <a:endParaRPr kumimoji="0" lang="tr-TR" altLang="tr-TR" sz="1400" b="0" i="0" u="none" strike="noStrike" cap="none" normalizeH="0" baseline="0" dirty="0">
+              <a:ln>
+                <a:noFill/>
+              </a:ln>
+              <a:solidFill>
+                <a:schemeClr val="tx1"/>
+              </a:solidFill>
+              <a:effectLst/>
+            </a:endParaRPr>
+          </a:p>
+          <a:p>
+            <a:pPr marL="0" marR="0" lvl="0" indent="0" algn="l" defTabSz="914400" rtl="0" eaLnBrk="0" fontAlgn="base" latinLnBrk="0" hangingPunct="0">
+              <a:lnSpc>
+                <a:spcPct val="100000"/>
+              </a:lnSpc>
+              <a:spcBef>
+                <a:spcPct val="0"/>
+              </a:spcBef>
+              <a:spcAft>
+                <a:spcPct val="0"/>
+              </a:spcAft>
+              <a:buClrTx/>
+              <a:buSzTx/>
+              <a:buFontTx/>
+              <a:buNone/>
+              <a:tabLst/>
+            </a:pPr>
+            <a:r>
+              <a:rPr kumimoji="0" lang="tr-TR" altLang="tr-TR" sz="2400" b="0" i="0" u="none" strike="noStrike" cap="none" normalizeH="0" baseline="0" dirty="0">
+                <a:ln>
+                  <a:noFill/>
+                </a:ln>
+                <a:solidFill>
+                  <a:srgbClr val="273239"/>
+                </a:solidFill>
+                <a:effectLst/>
+                <a:latin typeface="Consolas" panose="020B0609020204030204" pitchFamily="49" charset="0"/>
+              </a:rPr>
+              <a:t>     </a:t>
+            </a:r>
+            <a:r>
+              <a:rPr kumimoji="0" lang="tr-TR" altLang="tr-TR" sz="1400" b="0" i="0" u="none" strike="noStrike" cap="none" normalizeH="0" baseline="0" dirty="0">
+                <a:ln>
+                  <a:noFill/>
+                </a:ln>
+                <a:solidFill>
+                  <a:srgbClr val="273239"/>
+                </a:solidFill>
+                <a:effectLst/>
+                <a:latin typeface="Consolas" panose="020B0609020204030204" pitchFamily="49" charset="0"/>
+              </a:rPr>
+              <a:t> </a:t>
+            </a:r>
+            <a:endParaRPr kumimoji="0" lang="tr-TR" altLang="tr-TR" sz="4000" b="0" i="0" u="none" strike="noStrike" cap="none" normalizeH="0" baseline="0" dirty="0">
+              <a:ln>
+                <a:noFill/>
+              </a:ln>
+              <a:solidFill>
+                <a:schemeClr val="tx1"/>
+              </a:solidFill>
+              <a:effectLst/>
+            </a:endParaRPr>
+          </a:p>
+          <a:p>
+            <a:pPr marL="0" marR="0" lvl="0" indent="0" algn="l" defTabSz="914400" rtl="0" eaLnBrk="0" fontAlgn="base" latinLnBrk="0" hangingPunct="0">
+              <a:lnSpc>
+                <a:spcPct val="100000"/>
+              </a:lnSpc>
+              <a:spcBef>
+                <a:spcPct val="0"/>
+              </a:spcBef>
+              <a:spcAft>
+                <a:spcPct val="0"/>
+              </a:spcAft>
+              <a:buClrTx/>
+              <a:buSzTx/>
+              <a:buFontTx/>
+              <a:buNone/>
+              <a:tabLst/>
+            </a:pPr>
+            <a:r>
+              <a:rPr kumimoji="0" lang="tr-TR" altLang="tr-TR" sz="2400" b="0" i="0" u="none" strike="noStrike" cap="none" normalizeH="0" baseline="0" dirty="0">
+                <a:ln>
+                  <a:noFill/>
+                </a:ln>
+                <a:solidFill>
+                  <a:srgbClr val="273239"/>
+                </a:solidFill>
+                <a:effectLst/>
+                <a:latin typeface="Consolas" panose="020B0609020204030204" pitchFamily="49" charset="0"/>
+              </a:rPr>
+              <a:t>    </a:t>
+            </a:r>
+            <a:r>
+              <a:rPr kumimoji="0" lang="tr-TR" altLang="tr-TR" sz="2400" b="0" i="0" u="none" strike="noStrike" cap="none" normalizeH="0" baseline="0" dirty="0">
+                <a:ln>
+                  <a:noFill/>
+                </a:ln>
+                <a:solidFill>
+                  <a:srgbClr val="000000"/>
+                </a:solidFill>
+                <a:effectLst/>
+                <a:latin typeface="Consolas" panose="020B0609020204030204" pitchFamily="49" charset="0"/>
+              </a:rPr>
+              <a:t>&lt;</a:t>
+            </a:r>
+            <a:r>
+              <a:rPr kumimoji="0" lang="tr-TR" altLang="tr-TR" sz="2400" b="1" i="0" u="none" strike="noStrike" cap="none" normalizeH="0" baseline="0" dirty="0" err="1">
+                <a:ln>
+                  <a:noFill/>
+                </a:ln>
+                <a:solidFill>
+                  <a:srgbClr val="006699"/>
+                </a:solidFill>
+                <a:effectLst/>
+                <a:latin typeface="Consolas" panose="020B0609020204030204" pitchFamily="49" charset="0"/>
+              </a:rPr>
+              <a:t>button</a:t>
+            </a:r>
+            <a:r>
+              <a:rPr kumimoji="0" lang="tr-TR" altLang="tr-TR" sz="1400" b="0" i="0" u="none" strike="noStrike" cap="none" normalizeH="0" baseline="0" dirty="0">
+                <a:ln>
+                  <a:noFill/>
+                </a:ln>
+                <a:solidFill>
+                  <a:srgbClr val="273239"/>
+                </a:solidFill>
+                <a:effectLst/>
+                <a:latin typeface="Consolas" panose="020B0609020204030204" pitchFamily="49" charset="0"/>
+              </a:rPr>
+              <a:t> </a:t>
+            </a:r>
+            <a:r>
+              <a:rPr kumimoji="0" lang="tr-TR" altLang="tr-TR" sz="2400" b="0" i="0" u="none" strike="noStrike" cap="none" normalizeH="0" baseline="0" dirty="0" err="1">
+                <a:ln>
+                  <a:noFill/>
+                </a:ln>
+                <a:solidFill>
+                  <a:srgbClr val="808080"/>
+                </a:solidFill>
+                <a:effectLst/>
+                <a:latin typeface="Consolas" panose="020B0609020204030204" pitchFamily="49" charset="0"/>
+              </a:rPr>
+              <a:t>class</a:t>
+            </a:r>
+            <a:r>
+              <a:rPr kumimoji="0" lang="tr-TR" altLang="tr-TR" sz="2400" b="0" i="0" u="none" strike="noStrike" cap="none" normalizeH="0" baseline="0" dirty="0">
+                <a:ln>
+                  <a:noFill/>
+                </a:ln>
+                <a:solidFill>
+                  <a:srgbClr val="000000"/>
+                </a:solidFill>
+                <a:effectLst/>
+                <a:latin typeface="Consolas" panose="020B0609020204030204" pitchFamily="49" charset="0"/>
+              </a:rPr>
+              <a:t>=</a:t>
+            </a:r>
+            <a:r>
+              <a:rPr kumimoji="0" lang="tr-TR" altLang="tr-TR" sz="2400" b="0" i="0" u="none" strike="noStrike" cap="none" normalizeH="0" baseline="0" dirty="0">
+                <a:ln>
+                  <a:noFill/>
+                </a:ln>
+                <a:solidFill>
+                  <a:srgbClr val="0000FF"/>
+                </a:solidFill>
+                <a:effectLst/>
+                <a:latin typeface="Consolas" panose="020B0609020204030204" pitchFamily="49" charset="0"/>
+              </a:rPr>
+              <a:t>"</a:t>
+            </a:r>
+            <a:r>
+              <a:rPr kumimoji="0" lang="tr-TR" altLang="tr-TR" sz="2400" b="0" i="0" u="none" strike="noStrike" cap="none" normalizeH="0" baseline="0" dirty="0" err="1">
+                <a:ln>
+                  <a:noFill/>
+                </a:ln>
+                <a:solidFill>
+                  <a:srgbClr val="0000FF"/>
+                </a:solidFill>
+                <a:effectLst/>
+                <a:latin typeface="Consolas" panose="020B0609020204030204" pitchFamily="49" charset="0"/>
+              </a:rPr>
+              <a:t>add-row</a:t>
+            </a:r>
+            <a:r>
+              <a:rPr kumimoji="0" lang="tr-TR" altLang="tr-TR" sz="2400" b="0" i="0" u="none" strike="noStrike" cap="none" normalizeH="0" baseline="0" dirty="0">
+                <a:ln>
+                  <a:noFill/>
+                </a:ln>
+                <a:solidFill>
+                  <a:srgbClr val="0000FF"/>
+                </a:solidFill>
+                <a:effectLst/>
+                <a:latin typeface="Consolas" panose="020B0609020204030204" pitchFamily="49" charset="0"/>
+              </a:rPr>
+              <a:t>"</a:t>
+            </a:r>
+            <a:r>
+              <a:rPr kumimoji="0" lang="tr-TR" altLang="tr-TR" sz="2400" b="0" i="0" u="none" strike="noStrike" cap="none" normalizeH="0" baseline="0" dirty="0">
+                <a:ln>
+                  <a:noFill/>
+                </a:ln>
+                <a:solidFill>
+                  <a:srgbClr val="000000"/>
+                </a:solidFill>
+                <a:effectLst/>
+                <a:latin typeface="Consolas" panose="020B0609020204030204" pitchFamily="49" charset="0"/>
+              </a:rPr>
+              <a:t>&gt;</a:t>
+            </a:r>
+            <a:endParaRPr kumimoji="0" lang="tr-TR" altLang="tr-TR" sz="1400" b="0" i="0" u="none" strike="noStrike" cap="none" normalizeH="0" baseline="0" dirty="0">
+              <a:ln>
+                <a:noFill/>
+              </a:ln>
+              <a:solidFill>
+                <a:schemeClr val="tx1"/>
+              </a:solidFill>
+              <a:effectLst/>
+            </a:endParaRPr>
+          </a:p>
+          <a:p>
+            <a:pPr marL="0" marR="0" lvl="0" indent="0" algn="l" defTabSz="914400" rtl="0" eaLnBrk="0" fontAlgn="base" latinLnBrk="0" hangingPunct="0">
+              <a:lnSpc>
+                <a:spcPct val="100000"/>
+              </a:lnSpc>
+              <a:spcBef>
+                <a:spcPct val="0"/>
+              </a:spcBef>
+              <a:spcAft>
+                <a:spcPct val="0"/>
+              </a:spcAft>
+              <a:buClrTx/>
+              <a:buSzTx/>
+              <a:buFontTx/>
+              <a:buNone/>
+              <a:tabLst/>
+            </a:pPr>
+            <a:r>
+              <a:rPr kumimoji="0" lang="tr-TR" altLang="tr-TR" sz="2400" b="0" i="0" u="none" strike="noStrike" cap="none" normalizeH="0" baseline="0" dirty="0">
+                <a:ln>
+                  <a:noFill/>
+                </a:ln>
+                <a:solidFill>
+                  <a:srgbClr val="273239"/>
+                </a:solidFill>
+                <a:effectLst/>
+                <a:latin typeface="Consolas" panose="020B0609020204030204" pitchFamily="49" charset="0"/>
+              </a:rPr>
+              <a:t>        </a:t>
+            </a:r>
+            <a:r>
+              <a:rPr kumimoji="0" lang="tr-TR" altLang="tr-TR" sz="2400" b="0" i="0" u="none" strike="noStrike" cap="none" normalizeH="0" baseline="0" dirty="0" err="1">
+                <a:ln>
+                  <a:noFill/>
+                </a:ln>
+                <a:solidFill>
+                  <a:srgbClr val="000000"/>
+                </a:solidFill>
+                <a:effectLst/>
+                <a:latin typeface="Consolas" panose="020B0609020204030204" pitchFamily="49" charset="0"/>
+              </a:rPr>
+              <a:t>Add</a:t>
+            </a:r>
+            <a:r>
+              <a:rPr kumimoji="0" lang="tr-TR" altLang="tr-TR" sz="2400" b="0" i="0" u="none" strike="noStrike" cap="none" normalizeH="0" baseline="0" dirty="0">
+                <a:ln>
+                  <a:noFill/>
+                </a:ln>
+                <a:solidFill>
+                  <a:srgbClr val="000000"/>
+                </a:solidFill>
+                <a:effectLst/>
+                <a:latin typeface="Consolas" panose="020B0609020204030204" pitchFamily="49" charset="0"/>
+              </a:rPr>
+              <a:t> </a:t>
+            </a:r>
+            <a:r>
+              <a:rPr kumimoji="0" lang="tr-TR" altLang="tr-TR" sz="2400" b="0" i="0" u="none" strike="noStrike" cap="none" normalizeH="0" baseline="0" dirty="0" err="1">
+                <a:ln>
+                  <a:noFill/>
+                </a:ln>
+                <a:solidFill>
+                  <a:srgbClr val="000000"/>
+                </a:solidFill>
+                <a:effectLst/>
+                <a:latin typeface="Consolas" panose="020B0609020204030204" pitchFamily="49" charset="0"/>
+              </a:rPr>
+              <a:t>row</a:t>
+            </a:r>
+            <a:endParaRPr kumimoji="0" lang="tr-TR" altLang="tr-TR" sz="1400" b="0" i="0" u="none" strike="noStrike" cap="none" normalizeH="0" baseline="0" dirty="0">
+              <a:ln>
+                <a:noFill/>
+              </a:ln>
+              <a:solidFill>
+                <a:schemeClr val="tx1"/>
+              </a:solidFill>
+              <a:effectLst/>
+            </a:endParaRPr>
+          </a:p>
+          <a:p>
+            <a:pPr marL="0" marR="0" lvl="0" indent="0" algn="l" defTabSz="914400" rtl="0" eaLnBrk="0" fontAlgn="base" latinLnBrk="0" hangingPunct="0">
+              <a:lnSpc>
+                <a:spcPct val="100000"/>
+              </a:lnSpc>
+              <a:spcBef>
+                <a:spcPct val="0"/>
+              </a:spcBef>
+              <a:spcAft>
+                <a:spcPct val="0"/>
+              </a:spcAft>
+              <a:buClrTx/>
+              <a:buSzTx/>
+              <a:buFontTx/>
+              <a:buNone/>
+              <a:tabLst/>
+            </a:pPr>
+            <a:r>
+              <a:rPr kumimoji="0" lang="tr-TR" altLang="tr-TR" sz="2400" b="0" i="0" u="none" strike="noStrike" cap="none" normalizeH="0" baseline="0" dirty="0">
+                <a:ln>
+                  <a:noFill/>
+                </a:ln>
+                <a:solidFill>
+                  <a:srgbClr val="273239"/>
+                </a:solidFill>
+                <a:effectLst/>
+                <a:latin typeface="Consolas" panose="020B0609020204030204" pitchFamily="49" charset="0"/>
+              </a:rPr>
+              <a:t>    </a:t>
+            </a:r>
+            <a:r>
+              <a:rPr kumimoji="0" lang="tr-TR" altLang="tr-TR" sz="2400" b="0" i="0" u="none" strike="noStrike" cap="none" normalizeH="0" baseline="0" dirty="0">
+                <a:ln>
+                  <a:noFill/>
+                </a:ln>
+                <a:solidFill>
+                  <a:srgbClr val="000000"/>
+                </a:solidFill>
+                <a:effectLst/>
+                <a:latin typeface="Consolas" panose="020B0609020204030204" pitchFamily="49" charset="0"/>
+              </a:rPr>
+              <a:t>&lt;/</a:t>
+            </a:r>
+            <a:r>
+              <a:rPr kumimoji="0" lang="tr-TR" altLang="tr-TR" sz="2400" b="1" i="0" u="none" strike="noStrike" cap="none" normalizeH="0" baseline="0" dirty="0" err="1">
+                <a:ln>
+                  <a:noFill/>
+                </a:ln>
+                <a:solidFill>
+                  <a:srgbClr val="006699"/>
+                </a:solidFill>
+                <a:effectLst/>
+                <a:latin typeface="Consolas" panose="020B0609020204030204" pitchFamily="49" charset="0"/>
+              </a:rPr>
+              <a:t>button</a:t>
+            </a:r>
+            <a:r>
+              <a:rPr kumimoji="0" lang="tr-TR" altLang="tr-TR" sz="2400" b="0" i="0" u="none" strike="noStrike" cap="none" normalizeH="0" baseline="0" dirty="0">
+                <a:ln>
+                  <a:noFill/>
+                </a:ln>
+                <a:solidFill>
+                  <a:srgbClr val="000000"/>
+                </a:solidFill>
+                <a:effectLst/>
+                <a:latin typeface="Consolas" panose="020B0609020204030204" pitchFamily="49" charset="0"/>
+              </a:rPr>
+              <a:t>&gt;</a:t>
+            </a:r>
+            <a:endParaRPr kumimoji="0" lang="tr-TR" altLang="tr-TR" sz="1400" b="0" i="0" u="none" strike="noStrike" cap="none" normalizeH="0" baseline="0" dirty="0">
+              <a:ln>
+                <a:noFill/>
+              </a:ln>
+              <a:solidFill>
+                <a:schemeClr val="tx1"/>
+              </a:solidFill>
+              <a:effectLst/>
+            </a:endParaRPr>
+          </a:p>
+          <a:p>
+            <a:pPr marL="0" marR="0" lvl="0" indent="0" algn="l" defTabSz="914400" rtl="0" eaLnBrk="0" fontAlgn="base" latinLnBrk="0" hangingPunct="0">
+              <a:lnSpc>
+                <a:spcPct val="100000"/>
+              </a:lnSpc>
+              <a:spcBef>
+                <a:spcPct val="0"/>
+              </a:spcBef>
+              <a:spcAft>
+                <a:spcPct val="0"/>
+              </a:spcAft>
+              <a:buClrTx/>
+              <a:buSzTx/>
+              <a:buFontTx/>
+              <a:buNone/>
+              <a:tabLst/>
+            </a:pPr>
+            <a:r>
+              <a:rPr kumimoji="0" lang="tr-TR" altLang="tr-TR" sz="2400" b="0" i="0" u="none" strike="noStrike" cap="none" normalizeH="0" baseline="0" dirty="0">
+                <a:ln>
+                  <a:noFill/>
+                </a:ln>
+                <a:solidFill>
+                  <a:srgbClr val="273239"/>
+                </a:solidFill>
+                <a:effectLst/>
+                <a:latin typeface="Consolas" panose="020B0609020204030204" pitchFamily="49" charset="0"/>
+              </a:rPr>
+              <a:t>     </a:t>
+            </a:r>
+            <a:r>
+              <a:rPr kumimoji="0" lang="tr-TR" altLang="tr-TR" sz="1400" b="0" i="0" u="none" strike="noStrike" cap="none" normalizeH="0" baseline="0" dirty="0">
+                <a:ln>
+                  <a:noFill/>
+                </a:ln>
+                <a:solidFill>
+                  <a:srgbClr val="273239"/>
+                </a:solidFill>
+                <a:effectLst/>
+                <a:latin typeface="Consolas" panose="020B0609020204030204" pitchFamily="49" charset="0"/>
+              </a:rPr>
+              <a:t> </a:t>
+            </a:r>
+            <a:endParaRPr kumimoji="0" lang="tr-TR" altLang="tr-TR" sz="4000" b="0" i="0" u="none" strike="noStrike" cap="none" normalizeH="0" baseline="0" dirty="0">
+              <a:ln>
+                <a:noFill/>
+              </a:ln>
+              <a:solidFill>
+                <a:schemeClr val="tx1"/>
+              </a:solidFill>
+              <a:effectLst/>
+            </a:endParaRPr>
+          </a:p>
+          <a:p>
+            <a:pPr marL="0" marR="0" lvl="0" indent="0" algn="l" defTabSz="914400" rtl="0" eaLnBrk="0" fontAlgn="base" latinLnBrk="0" hangingPunct="0">
+              <a:lnSpc>
+                <a:spcPct val="100000"/>
+              </a:lnSpc>
+              <a:spcBef>
+                <a:spcPct val="0"/>
+              </a:spcBef>
+              <a:spcAft>
+                <a:spcPct val="0"/>
+              </a:spcAft>
+              <a:buClrTx/>
+              <a:buSzTx/>
+              <a:buFontTx/>
+              <a:buNone/>
+              <a:tabLst/>
+            </a:pPr>
+            <a:r>
+              <a:rPr kumimoji="0" lang="tr-TR" altLang="tr-TR" sz="2400" b="0" i="0" u="none" strike="noStrike" cap="none" normalizeH="0" baseline="0" dirty="0">
+                <a:ln>
+                  <a:noFill/>
+                </a:ln>
+                <a:solidFill>
+                  <a:srgbClr val="273239"/>
+                </a:solidFill>
+                <a:effectLst/>
+                <a:latin typeface="Consolas" panose="020B0609020204030204" pitchFamily="49" charset="0"/>
+              </a:rPr>
+              <a:t>    </a:t>
+            </a:r>
+            <a:r>
+              <a:rPr kumimoji="0" lang="tr-TR" altLang="tr-TR" sz="2400" b="0" i="0" u="none" strike="noStrike" cap="none" normalizeH="0" baseline="0" dirty="0">
+                <a:ln>
+                  <a:noFill/>
+                </a:ln>
+                <a:solidFill>
+                  <a:srgbClr val="000000"/>
+                </a:solidFill>
+                <a:effectLst/>
+                <a:latin typeface="Consolas" panose="020B0609020204030204" pitchFamily="49" charset="0"/>
+              </a:rPr>
+              <a:t>&lt;</a:t>
+            </a:r>
+            <a:r>
+              <a:rPr kumimoji="0" lang="tr-TR" altLang="tr-TR" sz="2400" b="1" i="0" u="none" strike="noStrike" cap="none" normalizeH="0" baseline="0" dirty="0" err="1">
+                <a:ln>
+                  <a:noFill/>
+                </a:ln>
+                <a:solidFill>
+                  <a:srgbClr val="006699"/>
+                </a:solidFill>
+                <a:effectLst/>
+                <a:latin typeface="Consolas" panose="020B0609020204030204" pitchFamily="49" charset="0"/>
+              </a:rPr>
+              <a:t>table</a:t>
+            </a:r>
+            <a:r>
+              <a:rPr kumimoji="0" lang="tr-TR" altLang="tr-TR" sz="2400" b="0" i="0" u="none" strike="noStrike" cap="none" normalizeH="0" baseline="0" dirty="0">
+                <a:ln>
+                  <a:noFill/>
+                </a:ln>
+                <a:solidFill>
+                  <a:srgbClr val="000000"/>
+                </a:solidFill>
+                <a:effectLst/>
+                <a:latin typeface="Consolas" panose="020B0609020204030204" pitchFamily="49" charset="0"/>
+              </a:rPr>
+              <a:t>&gt;</a:t>
+            </a:r>
+            <a:endParaRPr kumimoji="0" lang="tr-TR" altLang="tr-TR" sz="1400" b="0" i="0" u="none" strike="noStrike" cap="none" normalizeH="0" baseline="0" dirty="0">
+              <a:ln>
+                <a:noFill/>
+              </a:ln>
+              <a:solidFill>
+                <a:schemeClr val="tx1"/>
+              </a:solidFill>
+              <a:effectLst/>
+            </a:endParaRPr>
+          </a:p>
+          <a:p>
+            <a:pPr marL="0" marR="0" lvl="0" indent="0" algn="l" defTabSz="914400" rtl="0" eaLnBrk="0" fontAlgn="base" latinLnBrk="0" hangingPunct="0">
+              <a:lnSpc>
+                <a:spcPct val="100000"/>
+              </a:lnSpc>
+              <a:spcBef>
+                <a:spcPct val="0"/>
+              </a:spcBef>
+              <a:spcAft>
+                <a:spcPct val="0"/>
+              </a:spcAft>
+              <a:buClrTx/>
+              <a:buSzTx/>
+              <a:buFontTx/>
+              <a:buNone/>
+              <a:tabLst/>
+            </a:pPr>
+            <a:r>
+              <a:rPr kumimoji="0" lang="tr-TR" altLang="tr-TR" sz="2400" b="0" i="0" u="none" strike="noStrike" cap="none" normalizeH="0" baseline="0" dirty="0">
+                <a:ln>
+                  <a:noFill/>
+                </a:ln>
+                <a:solidFill>
+                  <a:srgbClr val="273239"/>
+                </a:solidFill>
+                <a:effectLst/>
+                <a:latin typeface="Consolas" panose="020B0609020204030204" pitchFamily="49" charset="0"/>
+              </a:rPr>
+              <a:t>        </a:t>
+            </a:r>
+            <a:r>
+              <a:rPr kumimoji="0" lang="tr-TR" altLang="tr-TR" sz="2400" b="0" i="0" u="none" strike="noStrike" cap="none" normalizeH="0" baseline="0" dirty="0">
+                <a:ln>
+                  <a:noFill/>
+                </a:ln>
+                <a:solidFill>
+                  <a:srgbClr val="000000"/>
+                </a:solidFill>
+                <a:effectLst/>
+                <a:latin typeface="Consolas" panose="020B0609020204030204" pitchFamily="49" charset="0"/>
+              </a:rPr>
+              <a:t>&lt;</a:t>
+            </a:r>
+            <a:r>
+              <a:rPr kumimoji="0" lang="tr-TR" altLang="tr-TR" sz="2400" b="1" i="0" u="none" strike="noStrike" cap="none" normalizeH="0" baseline="0" dirty="0" err="1">
+                <a:ln>
+                  <a:noFill/>
+                </a:ln>
+                <a:solidFill>
+                  <a:srgbClr val="006699"/>
+                </a:solidFill>
+                <a:effectLst/>
+                <a:latin typeface="Consolas" panose="020B0609020204030204" pitchFamily="49" charset="0"/>
+              </a:rPr>
+              <a:t>thead</a:t>
+            </a:r>
+            <a:r>
+              <a:rPr kumimoji="0" lang="tr-TR" altLang="tr-TR" sz="2400" b="0" i="0" u="none" strike="noStrike" cap="none" normalizeH="0" baseline="0" dirty="0">
+                <a:ln>
+                  <a:noFill/>
+                </a:ln>
+                <a:solidFill>
+                  <a:srgbClr val="000000"/>
+                </a:solidFill>
+                <a:effectLst/>
+                <a:latin typeface="Consolas" panose="020B0609020204030204" pitchFamily="49" charset="0"/>
+              </a:rPr>
+              <a:t>&gt;</a:t>
+            </a:r>
+            <a:endParaRPr kumimoji="0" lang="tr-TR" altLang="tr-TR" sz="1400" b="0" i="0" u="none" strike="noStrike" cap="none" normalizeH="0" baseline="0" dirty="0">
+              <a:ln>
+                <a:noFill/>
+              </a:ln>
+              <a:solidFill>
+                <a:schemeClr val="tx1"/>
+              </a:solidFill>
+              <a:effectLst/>
+            </a:endParaRPr>
+          </a:p>
+          <a:p>
+            <a:pPr marL="0" marR="0" lvl="0" indent="0" algn="l" defTabSz="914400" rtl="0" eaLnBrk="0" fontAlgn="base" latinLnBrk="0" hangingPunct="0">
+              <a:lnSpc>
+                <a:spcPct val="100000"/>
+              </a:lnSpc>
+              <a:spcBef>
+                <a:spcPct val="0"/>
+              </a:spcBef>
+              <a:spcAft>
+                <a:spcPct val="0"/>
+              </a:spcAft>
+              <a:buClrTx/>
+              <a:buSzTx/>
+              <a:buFontTx/>
+              <a:buNone/>
+              <a:tabLst/>
+            </a:pPr>
+            <a:r>
+              <a:rPr kumimoji="0" lang="tr-TR" altLang="tr-TR" sz="2400" b="0" i="0" u="none" strike="noStrike" cap="none" normalizeH="0" baseline="0" dirty="0">
+                <a:ln>
+                  <a:noFill/>
+                </a:ln>
+                <a:solidFill>
+                  <a:srgbClr val="273239"/>
+                </a:solidFill>
+                <a:effectLst/>
+                <a:latin typeface="Consolas" panose="020B0609020204030204" pitchFamily="49" charset="0"/>
+              </a:rPr>
+              <a:t>            </a:t>
+            </a:r>
+            <a:r>
+              <a:rPr kumimoji="0" lang="tr-TR" altLang="tr-TR" sz="2400" b="0" i="0" u="none" strike="noStrike" cap="none" normalizeH="0" baseline="0" dirty="0">
+                <a:ln>
+                  <a:noFill/>
+                </a:ln>
+                <a:solidFill>
+                  <a:srgbClr val="000000"/>
+                </a:solidFill>
+                <a:effectLst/>
+                <a:latin typeface="Consolas" panose="020B0609020204030204" pitchFamily="49" charset="0"/>
+              </a:rPr>
+              <a:t>&lt;</a:t>
+            </a:r>
+            <a:r>
+              <a:rPr kumimoji="0" lang="tr-TR" altLang="tr-TR" sz="2400" b="1" i="0" u="none" strike="noStrike" cap="none" normalizeH="0" baseline="0" dirty="0">
+                <a:ln>
+                  <a:noFill/>
+                </a:ln>
+                <a:solidFill>
+                  <a:srgbClr val="006699"/>
+                </a:solidFill>
+                <a:effectLst/>
+                <a:latin typeface="Consolas" panose="020B0609020204030204" pitchFamily="49" charset="0"/>
+              </a:rPr>
+              <a:t>tr</a:t>
+            </a:r>
+            <a:r>
+              <a:rPr kumimoji="0" lang="tr-TR" altLang="tr-TR" sz="2400" b="0" i="0" u="none" strike="noStrike" cap="none" normalizeH="0" baseline="0" dirty="0">
+                <a:ln>
+                  <a:noFill/>
+                </a:ln>
+                <a:solidFill>
+                  <a:srgbClr val="000000"/>
+                </a:solidFill>
+                <a:effectLst/>
+                <a:latin typeface="Consolas" panose="020B0609020204030204" pitchFamily="49" charset="0"/>
+              </a:rPr>
+              <a:t>&gt;</a:t>
+            </a:r>
+            <a:endParaRPr kumimoji="0" lang="tr-TR" altLang="tr-TR" sz="1400" b="0" i="0" u="none" strike="noStrike" cap="none" normalizeH="0" baseline="0" dirty="0">
+              <a:ln>
+                <a:noFill/>
+              </a:ln>
+              <a:solidFill>
+                <a:schemeClr val="tx1"/>
+              </a:solidFill>
+              <a:effectLst/>
+            </a:endParaRPr>
+          </a:p>
+          <a:p>
+            <a:pPr marL="0" marR="0" lvl="0" indent="0" algn="l" defTabSz="914400" rtl="0" eaLnBrk="0" fontAlgn="base" latinLnBrk="0" hangingPunct="0">
+              <a:lnSpc>
+                <a:spcPct val="100000"/>
+              </a:lnSpc>
+              <a:spcBef>
+                <a:spcPct val="0"/>
+              </a:spcBef>
+              <a:spcAft>
+                <a:spcPct val="0"/>
+              </a:spcAft>
+              <a:buClrTx/>
+              <a:buSzTx/>
+              <a:buFontTx/>
+              <a:buNone/>
+              <a:tabLst/>
+            </a:pPr>
+            <a:r>
+              <a:rPr kumimoji="0" lang="tr-TR" altLang="tr-TR" sz="2400" b="0" i="0" u="none" strike="noStrike" cap="none" normalizeH="0" baseline="0" dirty="0">
+                <a:ln>
+                  <a:noFill/>
+                </a:ln>
+                <a:solidFill>
+                  <a:srgbClr val="273239"/>
+                </a:solidFill>
+                <a:effectLst/>
+                <a:latin typeface="Consolas" panose="020B0609020204030204" pitchFamily="49" charset="0"/>
+              </a:rPr>
+              <a:t>                </a:t>
+            </a:r>
+            <a:r>
+              <a:rPr kumimoji="0" lang="tr-TR" altLang="tr-TR" sz="2400" b="0" i="0" u="none" strike="noStrike" cap="none" normalizeH="0" baseline="0" dirty="0">
+                <a:ln>
+                  <a:noFill/>
+                </a:ln>
+                <a:solidFill>
+                  <a:srgbClr val="000000"/>
+                </a:solidFill>
+                <a:effectLst/>
+                <a:latin typeface="Consolas" panose="020B0609020204030204" pitchFamily="49" charset="0"/>
+              </a:rPr>
+              <a:t>&lt;</a:t>
+            </a:r>
+            <a:r>
+              <a:rPr kumimoji="0" lang="tr-TR" altLang="tr-TR" sz="2400" b="1" i="0" u="none" strike="noStrike" cap="none" normalizeH="0" baseline="0" dirty="0" err="1">
+                <a:ln>
+                  <a:noFill/>
+                </a:ln>
+                <a:solidFill>
+                  <a:srgbClr val="006699"/>
+                </a:solidFill>
+                <a:effectLst/>
+                <a:latin typeface="Consolas" panose="020B0609020204030204" pitchFamily="49" charset="0"/>
+              </a:rPr>
+              <a:t>th</a:t>
+            </a:r>
+            <a:r>
+              <a:rPr kumimoji="0" lang="tr-TR" altLang="tr-TR" sz="2400" b="0" i="0" u="none" strike="noStrike" cap="none" normalizeH="0" baseline="0" dirty="0">
+                <a:ln>
+                  <a:noFill/>
+                </a:ln>
+                <a:solidFill>
+                  <a:srgbClr val="000000"/>
+                </a:solidFill>
+                <a:effectLst/>
+                <a:latin typeface="Consolas" panose="020B0609020204030204" pitchFamily="49" charset="0"/>
+              </a:rPr>
+              <a:t>&gt;</a:t>
+            </a:r>
+            <a:r>
+              <a:rPr kumimoji="0" lang="tr-TR" altLang="tr-TR" sz="2400" b="0" i="0" u="none" strike="noStrike" cap="none" normalizeH="0" baseline="0" dirty="0" err="1">
+                <a:ln>
+                  <a:noFill/>
+                </a:ln>
+                <a:solidFill>
+                  <a:srgbClr val="000000"/>
+                </a:solidFill>
+                <a:effectLst/>
+                <a:latin typeface="Consolas" panose="020B0609020204030204" pitchFamily="49" charset="0"/>
+              </a:rPr>
+              <a:t>Rows</a:t>
+            </a:r>
+            <a:r>
+              <a:rPr kumimoji="0" lang="tr-TR" altLang="tr-TR" sz="2400" b="0" i="0" u="none" strike="noStrike" cap="none" normalizeH="0" baseline="0" dirty="0">
+                <a:ln>
+                  <a:noFill/>
+                </a:ln>
+                <a:solidFill>
+                  <a:srgbClr val="000000"/>
+                </a:solidFill>
+                <a:effectLst/>
+                <a:latin typeface="Consolas" panose="020B0609020204030204" pitchFamily="49" charset="0"/>
+              </a:rPr>
+              <a:t>&lt;/</a:t>
+            </a:r>
+            <a:r>
+              <a:rPr kumimoji="0" lang="tr-TR" altLang="tr-TR" sz="2400" b="1" i="0" u="none" strike="noStrike" cap="none" normalizeH="0" baseline="0" dirty="0" err="1">
+                <a:ln>
+                  <a:noFill/>
+                </a:ln>
+                <a:solidFill>
+                  <a:srgbClr val="006699"/>
+                </a:solidFill>
+                <a:effectLst/>
+                <a:latin typeface="Consolas" panose="020B0609020204030204" pitchFamily="49" charset="0"/>
+              </a:rPr>
+              <a:t>th</a:t>
+            </a:r>
+            <a:r>
+              <a:rPr kumimoji="0" lang="tr-TR" altLang="tr-TR" sz="2400" b="0" i="0" u="none" strike="noStrike" cap="none" normalizeH="0" baseline="0" dirty="0">
+                <a:ln>
+                  <a:noFill/>
+                </a:ln>
+                <a:solidFill>
+                  <a:srgbClr val="000000"/>
+                </a:solidFill>
+                <a:effectLst/>
+                <a:latin typeface="Consolas" panose="020B0609020204030204" pitchFamily="49" charset="0"/>
+              </a:rPr>
+              <a:t>&gt;</a:t>
+            </a:r>
+            <a:endParaRPr kumimoji="0" lang="tr-TR" altLang="tr-TR" sz="1400" b="0" i="0" u="none" strike="noStrike" cap="none" normalizeH="0" baseline="0" dirty="0">
+              <a:ln>
+                <a:noFill/>
+              </a:ln>
+              <a:solidFill>
+                <a:schemeClr val="tx1"/>
+              </a:solidFill>
+              <a:effectLst/>
+            </a:endParaRPr>
+          </a:p>
+          <a:p>
+            <a:pPr marL="0" marR="0" lvl="0" indent="0" algn="l" defTabSz="914400" rtl="0" eaLnBrk="0" fontAlgn="base" latinLnBrk="0" hangingPunct="0">
+              <a:lnSpc>
+                <a:spcPct val="100000"/>
+              </a:lnSpc>
+              <a:spcBef>
+                <a:spcPct val="0"/>
+              </a:spcBef>
+              <a:spcAft>
+                <a:spcPct val="0"/>
+              </a:spcAft>
+              <a:buClrTx/>
+              <a:buSzTx/>
+              <a:buFontTx/>
+              <a:buNone/>
+              <a:tabLst/>
+            </a:pPr>
+            <a:r>
+              <a:rPr kumimoji="0" lang="tr-TR" altLang="tr-TR" sz="2400" b="0" i="0" u="none" strike="noStrike" cap="none" normalizeH="0" baseline="0" dirty="0">
+                <a:ln>
+                  <a:noFill/>
+                </a:ln>
+                <a:solidFill>
+                  <a:srgbClr val="273239"/>
+                </a:solidFill>
+                <a:effectLst/>
+                <a:latin typeface="Consolas" panose="020B0609020204030204" pitchFamily="49" charset="0"/>
+              </a:rPr>
+              <a:t>            </a:t>
+            </a:r>
+            <a:r>
+              <a:rPr kumimoji="0" lang="tr-TR" altLang="tr-TR" sz="2400" b="0" i="0" u="none" strike="noStrike" cap="none" normalizeH="0" baseline="0" dirty="0">
+                <a:ln>
+                  <a:noFill/>
+                </a:ln>
+                <a:solidFill>
+                  <a:srgbClr val="000000"/>
+                </a:solidFill>
+                <a:effectLst/>
+                <a:latin typeface="Consolas" panose="020B0609020204030204" pitchFamily="49" charset="0"/>
+              </a:rPr>
+              <a:t>&lt;/</a:t>
+            </a:r>
+            <a:r>
+              <a:rPr kumimoji="0" lang="tr-TR" altLang="tr-TR" sz="2400" b="1" i="0" u="none" strike="noStrike" cap="none" normalizeH="0" baseline="0" dirty="0">
+                <a:ln>
+                  <a:noFill/>
+                </a:ln>
+                <a:solidFill>
+                  <a:srgbClr val="006699"/>
+                </a:solidFill>
+                <a:effectLst/>
+                <a:latin typeface="Consolas" panose="020B0609020204030204" pitchFamily="49" charset="0"/>
+              </a:rPr>
+              <a:t>tr</a:t>
+            </a:r>
+            <a:r>
+              <a:rPr kumimoji="0" lang="tr-TR" altLang="tr-TR" sz="2400" b="0" i="0" u="none" strike="noStrike" cap="none" normalizeH="0" baseline="0" dirty="0">
+                <a:ln>
+                  <a:noFill/>
+                </a:ln>
+                <a:solidFill>
+                  <a:srgbClr val="000000"/>
+                </a:solidFill>
+                <a:effectLst/>
+                <a:latin typeface="Consolas" panose="020B0609020204030204" pitchFamily="49" charset="0"/>
+              </a:rPr>
+              <a:t>&gt;</a:t>
+            </a:r>
+            <a:endParaRPr kumimoji="0" lang="tr-TR" altLang="tr-TR" sz="1400" b="0" i="0" u="none" strike="noStrike" cap="none" normalizeH="0" baseline="0" dirty="0">
+              <a:ln>
+                <a:noFill/>
+              </a:ln>
+              <a:solidFill>
+                <a:schemeClr val="tx1"/>
+              </a:solidFill>
+              <a:effectLst/>
+            </a:endParaRPr>
+          </a:p>
+          <a:p>
+            <a:pPr marL="0" marR="0" lvl="0" indent="0" algn="l" defTabSz="914400" rtl="0" eaLnBrk="0" fontAlgn="base" latinLnBrk="0" hangingPunct="0">
+              <a:lnSpc>
+                <a:spcPct val="100000"/>
+              </a:lnSpc>
+              <a:spcBef>
+                <a:spcPct val="0"/>
+              </a:spcBef>
+              <a:spcAft>
+                <a:spcPct val="0"/>
+              </a:spcAft>
+              <a:buClrTx/>
+              <a:buSzTx/>
+              <a:buFontTx/>
+              <a:buNone/>
+              <a:tabLst/>
+            </a:pPr>
+            <a:r>
+              <a:rPr kumimoji="0" lang="tr-TR" altLang="tr-TR" sz="2400" b="0" i="0" u="none" strike="noStrike" cap="none" normalizeH="0" baseline="0" dirty="0">
+                <a:ln>
+                  <a:noFill/>
+                </a:ln>
+                <a:solidFill>
+                  <a:srgbClr val="273239"/>
+                </a:solidFill>
+                <a:effectLst/>
+                <a:latin typeface="Consolas" panose="020B0609020204030204" pitchFamily="49" charset="0"/>
+              </a:rPr>
+              <a:t>        </a:t>
+            </a:r>
+            <a:r>
+              <a:rPr kumimoji="0" lang="tr-TR" altLang="tr-TR" sz="2400" b="0" i="0" u="none" strike="noStrike" cap="none" normalizeH="0" baseline="0" dirty="0">
+                <a:ln>
+                  <a:noFill/>
+                </a:ln>
+                <a:solidFill>
+                  <a:srgbClr val="000000"/>
+                </a:solidFill>
+                <a:effectLst/>
+                <a:latin typeface="Consolas" panose="020B0609020204030204" pitchFamily="49" charset="0"/>
+              </a:rPr>
+              <a:t>&lt;/</a:t>
+            </a:r>
+            <a:r>
+              <a:rPr kumimoji="0" lang="tr-TR" altLang="tr-TR" sz="2400" b="1" i="0" u="none" strike="noStrike" cap="none" normalizeH="0" baseline="0" dirty="0" err="1">
+                <a:ln>
+                  <a:noFill/>
+                </a:ln>
+                <a:solidFill>
+                  <a:srgbClr val="006699"/>
+                </a:solidFill>
+                <a:effectLst/>
+                <a:latin typeface="Consolas" panose="020B0609020204030204" pitchFamily="49" charset="0"/>
+              </a:rPr>
+              <a:t>thead</a:t>
+            </a:r>
+            <a:r>
+              <a:rPr kumimoji="0" lang="tr-TR" altLang="tr-TR" sz="2400" b="0" i="0" u="none" strike="noStrike" cap="none" normalizeH="0" baseline="0" dirty="0">
+                <a:ln>
+                  <a:noFill/>
+                </a:ln>
+                <a:solidFill>
+                  <a:srgbClr val="000000"/>
+                </a:solidFill>
+                <a:effectLst/>
+                <a:latin typeface="Consolas" panose="020B0609020204030204" pitchFamily="49" charset="0"/>
+              </a:rPr>
+              <a:t>&gt;</a:t>
+            </a:r>
+            <a:endParaRPr kumimoji="0" lang="tr-TR" altLang="tr-TR" sz="1400" b="0" i="0" u="none" strike="noStrike" cap="none" normalizeH="0" baseline="0" dirty="0">
+              <a:ln>
+                <a:noFill/>
+              </a:ln>
+              <a:solidFill>
+                <a:schemeClr val="tx1"/>
+              </a:solidFill>
+              <a:effectLst/>
+            </a:endParaRPr>
+          </a:p>
+          <a:p>
+            <a:pPr marL="0" marR="0" lvl="0" indent="0" algn="l" defTabSz="914400" rtl="0" eaLnBrk="0" fontAlgn="base" latinLnBrk="0" hangingPunct="0">
+              <a:lnSpc>
+                <a:spcPct val="100000"/>
+              </a:lnSpc>
+              <a:spcBef>
+                <a:spcPct val="0"/>
+              </a:spcBef>
+              <a:spcAft>
+                <a:spcPct val="0"/>
+              </a:spcAft>
+              <a:buClrTx/>
+              <a:buSzTx/>
+              <a:buFontTx/>
+              <a:buNone/>
+              <a:tabLst/>
+            </a:pPr>
+            <a:r>
+              <a:rPr kumimoji="0" lang="tr-TR" altLang="tr-TR" sz="2400" b="0" i="0" u="none" strike="noStrike" cap="none" normalizeH="0" baseline="0" dirty="0">
+                <a:ln>
+                  <a:noFill/>
+                </a:ln>
+                <a:solidFill>
+                  <a:srgbClr val="273239"/>
+                </a:solidFill>
+                <a:effectLst/>
+                <a:latin typeface="Consolas" panose="020B0609020204030204" pitchFamily="49" charset="0"/>
+              </a:rPr>
+              <a:t>        </a:t>
+            </a:r>
+            <a:r>
+              <a:rPr kumimoji="0" lang="tr-TR" altLang="tr-TR" sz="2400" b="0" i="0" u="none" strike="noStrike" cap="none" normalizeH="0" baseline="0" dirty="0">
+                <a:ln>
+                  <a:noFill/>
+                </a:ln>
+                <a:solidFill>
+                  <a:srgbClr val="000000"/>
+                </a:solidFill>
+                <a:effectLst/>
+                <a:latin typeface="Consolas" panose="020B0609020204030204" pitchFamily="49" charset="0"/>
+              </a:rPr>
+              <a:t>&lt;</a:t>
+            </a:r>
+            <a:r>
+              <a:rPr kumimoji="0" lang="tr-TR" altLang="tr-TR" sz="2400" b="1" i="0" u="none" strike="noStrike" cap="none" normalizeH="0" baseline="0" dirty="0" err="1">
+                <a:ln>
+                  <a:noFill/>
+                </a:ln>
+                <a:solidFill>
+                  <a:srgbClr val="006699"/>
+                </a:solidFill>
+                <a:effectLst/>
+                <a:latin typeface="Consolas" panose="020B0609020204030204" pitchFamily="49" charset="0"/>
+              </a:rPr>
+              <a:t>tbody</a:t>
+            </a:r>
+            <a:r>
+              <a:rPr kumimoji="0" lang="tr-TR" altLang="tr-TR" sz="2400" b="0" i="0" u="none" strike="noStrike" cap="none" normalizeH="0" baseline="0" dirty="0">
+                <a:ln>
+                  <a:noFill/>
+                </a:ln>
+                <a:solidFill>
+                  <a:srgbClr val="000000"/>
+                </a:solidFill>
+                <a:effectLst/>
+                <a:latin typeface="Consolas" panose="020B0609020204030204" pitchFamily="49" charset="0"/>
+              </a:rPr>
+              <a:t>&gt;</a:t>
+            </a:r>
+            <a:endParaRPr kumimoji="0" lang="tr-TR" altLang="tr-TR" sz="1400" b="0" i="0" u="none" strike="noStrike" cap="none" normalizeH="0" baseline="0" dirty="0">
+              <a:ln>
+                <a:noFill/>
+              </a:ln>
+              <a:solidFill>
+                <a:schemeClr val="tx1"/>
+              </a:solidFill>
+              <a:effectLst/>
+            </a:endParaRPr>
+          </a:p>
+          <a:p>
+            <a:pPr marL="0" marR="0" lvl="0" indent="0" algn="l" defTabSz="914400" rtl="0" eaLnBrk="0" fontAlgn="base" latinLnBrk="0" hangingPunct="0">
+              <a:lnSpc>
+                <a:spcPct val="100000"/>
+              </a:lnSpc>
+              <a:spcBef>
+                <a:spcPct val="0"/>
+              </a:spcBef>
+              <a:spcAft>
+                <a:spcPct val="0"/>
+              </a:spcAft>
+              <a:buClrTx/>
+              <a:buSzTx/>
+              <a:buFontTx/>
+              <a:buNone/>
+              <a:tabLst/>
+            </a:pPr>
+            <a:r>
+              <a:rPr kumimoji="0" lang="tr-TR" altLang="tr-TR" sz="2400" b="0" i="0" u="none" strike="noStrike" cap="none" normalizeH="0" baseline="0" dirty="0">
+                <a:ln>
+                  <a:noFill/>
+                </a:ln>
+                <a:solidFill>
+                  <a:srgbClr val="273239"/>
+                </a:solidFill>
+                <a:effectLst/>
+                <a:latin typeface="Consolas" panose="020B0609020204030204" pitchFamily="49" charset="0"/>
+              </a:rPr>
+              <a:t>            </a:t>
+            </a:r>
+            <a:r>
+              <a:rPr kumimoji="0" lang="tr-TR" altLang="tr-TR" sz="2400" b="0" i="0" u="none" strike="noStrike" cap="none" normalizeH="0" baseline="0" dirty="0">
+                <a:ln>
+                  <a:noFill/>
+                </a:ln>
+                <a:solidFill>
+                  <a:srgbClr val="000000"/>
+                </a:solidFill>
+                <a:effectLst/>
+                <a:latin typeface="Consolas" panose="020B0609020204030204" pitchFamily="49" charset="0"/>
+              </a:rPr>
+              <a:t>&lt;</a:t>
+            </a:r>
+            <a:r>
+              <a:rPr kumimoji="0" lang="tr-TR" altLang="tr-TR" sz="2400" b="1" i="0" u="none" strike="noStrike" cap="none" normalizeH="0" baseline="0" dirty="0">
+                <a:ln>
+                  <a:noFill/>
+                </a:ln>
+                <a:solidFill>
+                  <a:srgbClr val="006699"/>
+                </a:solidFill>
+                <a:effectLst/>
+                <a:latin typeface="Consolas" panose="020B0609020204030204" pitchFamily="49" charset="0"/>
+              </a:rPr>
+              <a:t>tr</a:t>
+            </a:r>
+            <a:r>
+              <a:rPr kumimoji="0" lang="tr-TR" altLang="tr-TR" sz="2400" b="0" i="0" u="none" strike="noStrike" cap="none" normalizeH="0" baseline="0" dirty="0">
+                <a:ln>
+                  <a:noFill/>
+                </a:ln>
+                <a:solidFill>
+                  <a:srgbClr val="000000"/>
+                </a:solidFill>
+                <a:effectLst/>
+                <a:latin typeface="Consolas" panose="020B0609020204030204" pitchFamily="49" charset="0"/>
+              </a:rPr>
+              <a:t>&gt;</a:t>
+            </a:r>
+            <a:endParaRPr kumimoji="0" lang="tr-TR" altLang="tr-TR" sz="1400" b="0" i="0" u="none" strike="noStrike" cap="none" normalizeH="0" baseline="0" dirty="0">
+              <a:ln>
+                <a:noFill/>
+              </a:ln>
+              <a:solidFill>
+                <a:schemeClr val="tx1"/>
+              </a:solidFill>
+              <a:effectLst/>
+            </a:endParaRPr>
+          </a:p>
+          <a:p>
+            <a:pPr marL="0" marR="0" lvl="0" indent="0" algn="l" defTabSz="914400" rtl="0" eaLnBrk="0" fontAlgn="base" latinLnBrk="0" hangingPunct="0">
+              <a:lnSpc>
+                <a:spcPct val="100000"/>
+              </a:lnSpc>
+              <a:spcBef>
+                <a:spcPct val="0"/>
+              </a:spcBef>
+              <a:spcAft>
+                <a:spcPct val="0"/>
+              </a:spcAft>
+              <a:buClrTx/>
+              <a:buSzTx/>
+              <a:buFontTx/>
+              <a:buNone/>
+              <a:tabLst/>
+            </a:pPr>
+            <a:r>
+              <a:rPr kumimoji="0" lang="tr-TR" altLang="tr-TR" sz="2400" b="0" i="0" u="none" strike="noStrike" cap="none" normalizeH="0" baseline="0" dirty="0">
+                <a:ln>
+                  <a:noFill/>
+                </a:ln>
+                <a:solidFill>
+                  <a:srgbClr val="273239"/>
+                </a:solidFill>
+                <a:effectLst/>
+                <a:latin typeface="Consolas" panose="020B0609020204030204" pitchFamily="49" charset="0"/>
+              </a:rPr>
+              <a:t>                </a:t>
+            </a:r>
+            <a:r>
+              <a:rPr kumimoji="0" lang="tr-TR" altLang="tr-TR" sz="2400" b="0" i="0" u="none" strike="noStrike" cap="none" normalizeH="0" baseline="0" dirty="0">
+                <a:ln>
+                  <a:noFill/>
+                </a:ln>
+                <a:solidFill>
+                  <a:srgbClr val="000000"/>
+                </a:solidFill>
+                <a:effectLst/>
+                <a:latin typeface="Consolas" panose="020B0609020204030204" pitchFamily="49" charset="0"/>
+              </a:rPr>
+              <a:t>&lt;</a:t>
+            </a:r>
+            <a:r>
+              <a:rPr kumimoji="0" lang="tr-TR" altLang="tr-TR" sz="2400" b="1" i="0" u="none" strike="noStrike" cap="none" normalizeH="0" baseline="0" dirty="0" err="1">
+                <a:ln>
+                  <a:noFill/>
+                </a:ln>
+                <a:solidFill>
+                  <a:srgbClr val="006699"/>
+                </a:solidFill>
+                <a:effectLst/>
+                <a:latin typeface="Consolas" panose="020B0609020204030204" pitchFamily="49" charset="0"/>
+              </a:rPr>
+              <a:t>td</a:t>
+            </a:r>
+            <a:r>
+              <a:rPr kumimoji="0" lang="tr-TR" altLang="tr-TR" sz="2400" b="0" i="0" u="none" strike="noStrike" cap="none" normalizeH="0" baseline="0" dirty="0">
+                <a:ln>
+                  <a:noFill/>
+                </a:ln>
+                <a:solidFill>
+                  <a:srgbClr val="000000"/>
+                </a:solidFill>
+                <a:effectLst/>
+                <a:latin typeface="Consolas" panose="020B0609020204030204" pitchFamily="49" charset="0"/>
+              </a:rPr>
+              <a:t>&gt;</a:t>
+            </a:r>
+            <a:r>
+              <a:rPr kumimoji="0" lang="tr-TR" altLang="tr-TR" sz="2400" b="0" i="0" u="none" strike="noStrike" cap="none" normalizeH="0" baseline="0" dirty="0" err="1">
+                <a:ln>
+                  <a:noFill/>
+                </a:ln>
+                <a:solidFill>
+                  <a:srgbClr val="000000"/>
+                </a:solidFill>
+                <a:effectLst/>
+                <a:latin typeface="Consolas" panose="020B0609020204030204" pitchFamily="49" charset="0"/>
+              </a:rPr>
+              <a:t>This</a:t>
+            </a:r>
+            <a:r>
+              <a:rPr kumimoji="0" lang="tr-TR" altLang="tr-TR" sz="2400" b="0" i="0" u="none" strike="noStrike" cap="none" normalizeH="0" baseline="0" dirty="0">
+                <a:ln>
+                  <a:noFill/>
+                </a:ln>
+                <a:solidFill>
+                  <a:srgbClr val="000000"/>
+                </a:solidFill>
+                <a:effectLst/>
+                <a:latin typeface="Consolas" panose="020B0609020204030204" pitchFamily="49" charset="0"/>
+              </a:rPr>
+              <a:t> is </a:t>
+            </a:r>
+            <a:r>
+              <a:rPr kumimoji="0" lang="tr-TR" altLang="tr-TR" sz="2400" b="0" i="0" u="none" strike="noStrike" cap="none" normalizeH="0" baseline="0" dirty="0" err="1">
+                <a:ln>
+                  <a:noFill/>
+                </a:ln>
+                <a:solidFill>
+                  <a:srgbClr val="000000"/>
+                </a:solidFill>
+                <a:effectLst/>
+                <a:latin typeface="Consolas" panose="020B0609020204030204" pitchFamily="49" charset="0"/>
+              </a:rPr>
+              <a:t>row</a:t>
+            </a:r>
+            <a:r>
+              <a:rPr kumimoji="0" lang="tr-TR" altLang="tr-TR" sz="2400" b="0" i="0" u="none" strike="noStrike" cap="none" normalizeH="0" baseline="0" dirty="0">
+                <a:ln>
+                  <a:noFill/>
+                </a:ln>
+                <a:solidFill>
+                  <a:srgbClr val="000000"/>
+                </a:solidFill>
+                <a:effectLst/>
+                <a:latin typeface="Consolas" panose="020B0609020204030204" pitchFamily="49" charset="0"/>
+              </a:rPr>
+              <a:t> 0&lt;/</a:t>
+            </a:r>
+            <a:r>
+              <a:rPr kumimoji="0" lang="tr-TR" altLang="tr-TR" sz="2400" b="1" i="0" u="none" strike="noStrike" cap="none" normalizeH="0" baseline="0" dirty="0" err="1">
+                <a:ln>
+                  <a:noFill/>
+                </a:ln>
+                <a:solidFill>
+                  <a:srgbClr val="006699"/>
+                </a:solidFill>
+                <a:effectLst/>
+                <a:latin typeface="Consolas" panose="020B0609020204030204" pitchFamily="49" charset="0"/>
+              </a:rPr>
+              <a:t>td</a:t>
+            </a:r>
+            <a:r>
+              <a:rPr kumimoji="0" lang="tr-TR" altLang="tr-TR" sz="2400" b="0" i="0" u="none" strike="noStrike" cap="none" normalizeH="0" baseline="0" dirty="0">
+                <a:ln>
+                  <a:noFill/>
+                </a:ln>
+                <a:solidFill>
+                  <a:srgbClr val="000000"/>
+                </a:solidFill>
+                <a:effectLst/>
+                <a:latin typeface="Consolas" panose="020B0609020204030204" pitchFamily="49" charset="0"/>
+              </a:rPr>
+              <a:t>&gt;</a:t>
+            </a:r>
+            <a:endParaRPr kumimoji="0" lang="tr-TR" altLang="tr-TR" sz="1400" b="0" i="0" u="none" strike="noStrike" cap="none" normalizeH="0" baseline="0" dirty="0">
+              <a:ln>
+                <a:noFill/>
+              </a:ln>
+              <a:solidFill>
+                <a:schemeClr val="tx1"/>
+              </a:solidFill>
+              <a:effectLst/>
+            </a:endParaRPr>
+          </a:p>
+          <a:p>
+            <a:pPr marL="0" marR="0" lvl="0" indent="0" algn="l" defTabSz="914400" rtl="0" eaLnBrk="0" fontAlgn="base" latinLnBrk="0" hangingPunct="0">
+              <a:lnSpc>
+                <a:spcPct val="100000"/>
+              </a:lnSpc>
+              <a:spcBef>
+                <a:spcPct val="0"/>
+              </a:spcBef>
+              <a:spcAft>
+                <a:spcPct val="0"/>
+              </a:spcAft>
+              <a:buClrTx/>
+              <a:buSzTx/>
+              <a:buFontTx/>
+              <a:buNone/>
+              <a:tabLst/>
+            </a:pPr>
+            <a:r>
+              <a:rPr kumimoji="0" lang="tr-TR" altLang="tr-TR" sz="2400" b="0" i="0" u="none" strike="noStrike" cap="none" normalizeH="0" baseline="0" dirty="0">
+                <a:ln>
+                  <a:noFill/>
+                </a:ln>
+                <a:solidFill>
+                  <a:srgbClr val="273239"/>
+                </a:solidFill>
+                <a:effectLst/>
+                <a:latin typeface="Consolas" panose="020B0609020204030204" pitchFamily="49" charset="0"/>
+              </a:rPr>
+              <a:t>            </a:t>
+            </a:r>
+            <a:r>
+              <a:rPr kumimoji="0" lang="tr-TR" altLang="tr-TR" sz="2400" b="0" i="0" u="none" strike="noStrike" cap="none" normalizeH="0" baseline="0" dirty="0">
+                <a:ln>
+                  <a:noFill/>
+                </a:ln>
+                <a:solidFill>
+                  <a:srgbClr val="000000"/>
+                </a:solidFill>
+                <a:effectLst/>
+                <a:latin typeface="Consolas" panose="020B0609020204030204" pitchFamily="49" charset="0"/>
+              </a:rPr>
+              <a:t>&lt;/</a:t>
+            </a:r>
+            <a:r>
+              <a:rPr kumimoji="0" lang="tr-TR" altLang="tr-TR" sz="2400" b="1" i="0" u="none" strike="noStrike" cap="none" normalizeH="0" baseline="0" dirty="0">
+                <a:ln>
+                  <a:noFill/>
+                </a:ln>
+                <a:solidFill>
+                  <a:srgbClr val="006699"/>
+                </a:solidFill>
+                <a:effectLst/>
+                <a:latin typeface="Consolas" panose="020B0609020204030204" pitchFamily="49" charset="0"/>
+              </a:rPr>
+              <a:t>tr</a:t>
+            </a:r>
+            <a:r>
+              <a:rPr kumimoji="0" lang="tr-TR" altLang="tr-TR" sz="2400" b="0" i="0" u="none" strike="noStrike" cap="none" normalizeH="0" baseline="0" dirty="0">
+                <a:ln>
+                  <a:noFill/>
+                </a:ln>
+                <a:solidFill>
+                  <a:srgbClr val="000000"/>
+                </a:solidFill>
+                <a:effectLst/>
+                <a:latin typeface="Consolas" panose="020B0609020204030204" pitchFamily="49" charset="0"/>
+              </a:rPr>
+              <a:t>&gt;</a:t>
+            </a:r>
+            <a:endParaRPr kumimoji="0" lang="tr-TR" altLang="tr-TR" sz="1400" b="0" i="0" u="none" strike="noStrike" cap="none" normalizeH="0" baseline="0" dirty="0">
+              <a:ln>
+                <a:noFill/>
+              </a:ln>
+              <a:solidFill>
+                <a:schemeClr val="tx1"/>
+              </a:solidFill>
+              <a:effectLst/>
+            </a:endParaRPr>
+          </a:p>
+          <a:p>
+            <a:pPr marL="0" marR="0" lvl="0" indent="0" algn="l" defTabSz="914400" rtl="0" eaLnBrk="0" fontAlgn="base" latinLnBrk="0" hangingPunct="0">
+              <a:lnSpc>
+                <a:spcPct val="100000"/>
+              </a:lnSpc>
+              <a:spcBef>
+                <a:spcPct val="0"/>
+              </a:spcBef>
+              <a:spcAft>
+                <a:spcPct val="0"/>
+              </a:spcAft>
+              <a:buClrTx/>
+              <a:buSzTx/>
+              <a:buFontTx/>
+              <a:buNone/>
+              <a:tabLst/>
+            </a:pPr>
+            <a:r>
+              <a:rPr kumimoji="0" lang="tr-TR" altLang="tr-TR" sz="2400" b="0" i="0" u="none" strike="noStrike" cap="none" normalizeH="0" baseline="0" dirty="0">
+                <a:ln>
+                  <a:noFill/>
+                </a:ln>
+                <a:solidFill>
+                  <a:srgbClr val="273239"/>
+                </a:solidFill>
+                <a:effectLst/>
+                <a:latin typeface="Consolas" panose="020B0609020204030204" pitchFamily="49" charset="0"/>
+              </a:rPr>
+              <a:t>        </a:t>
+            </a:r>
+            <a:r>
+              <a:rPr kumimoji="0" lang="tr-TR" altLang="tr-TR" sz="2400" b="0" i="0" u="none" strike="noStrike" cap="none" normalizeH="0" baseline="0" dirty="0">
+                <a:ln>
+                  <a:noFill/>
+                </a:ln>
+                <a:solidFill>
+                  <a:srgbClr val="000000"/>
+                </a:solidFill>
+                <a:effectLst/>
+                <a:latin typeface="Consolas" panose="020B0609020204030204" pitchFamily="49" charset="0"/>
+              </a:rPr>
+              <a:t>&lt;/</a:t>
+            </a:r>
+            <a:r>
+              <a:rPr kumimoji="0" lang="tr-TR" altLang="tr-TR" sz="2400" b="1" i="0" u="none" strike="noStrike" cap="none" normalizeH="0" baseline="0" dirty="0" err="1">
+                <a:ln>
+                  <a:noFill/>
+                </a:ln>
+                <a:solidFill>
+                  <a:srgbClr val="006699"/>
+                </a:solidFill>
+                <a:effectLst/>
+                <a:latin typeface="Consolas" panose="020B0609020204030204" pitchFamily="49" charset="0"/>
+              </a:rPr>
+              <a:t>tbody</a:t>
+            </a:r>
+            <a:r>
+              <a:rPr kumimoji="0" lang="tr-TR" altLang="tr-TR" sz="2400" b="0" i="0" u="none" strike="noStrike" cap="none" normalizeH="0" baseline="0" dirty="0">
+                <a:ln>
+                  <a:noFill/>
+                </a:ln>
+                <a:solidFill>
+                  <a:srgbClr val="000000"/>
+                </a:solidFill>
+                <a:effectLst/>
+                <a:latin typeface="Consolas" panose="020B0609020204030204" pitchFamily="49" charset="0"/>
+              </a:rPr>
+              <a:t>&gt;</a:t>
+            </a:r>
+            <a:endParaRPr kumimoji="0" lang="tr-TR" altLang="tr-TR" sz="1400" b="0" i="0" u="none" strike="noStrike" cap="none" normalizeH="0" baseline="0" dirty="0">
+              <a:ln>
+                <a:noFill/>
+              </a:ln>
+              <a:solidFill>
+                <a:schemeClr val="tx1"/>
+              </a:solidFill>
+              <a:effectLst/>
+            </a:endParaRPr>
+          </a:p>
+          <a:p>
+            <a:pPr marL="0" marR="0" lvl="0" indent="0" algn="l" defTabSz="914400" rtl="0" eaLnBrk="0" fontAlgn="base" latinLnBrk="0" hangingPunct="0">
+              <a:lnSpc>
+                <a:spcPct val="100000"/>
+              </a:lnSpc>
+              <a:spcBef>
+                <a:spcPct val="0"/>
+              </a:spcBef>
+              <a:spcAft>
+                <a:spcPct val="0"/>
+              </a:spcAft>
+              <a:buClrTx/>
+              <a:buSzTx/>
+              <a:buFontTx/>
+              <a:buNone/>
+              <a:tabLst/>
+            </a:pPr>
+            <a:r>
+              <a:rPr kumimoji="0" lang="tr-TR" altLang="tr-TR" sz="2400" b="0" i="0" u="none" strike="noStrike" cap="none" normalizeH="0" baseline="0" dirty="0">
+                <a:ln>
+                  <a:noFill/>
+                </a:ln>
+                <a:solidFill>
+                  <a:srgbClr val="273239"/>
+                </a:solidFill>
+                <a:effectLst/>
+                <a:latin typeface="Consolas" panose="020B0609020204030204" pitchFamily="49" charset="0"/>
+              </a:rPr>
+              <a:t>    </a:t>
+            </a:r>
+            <a:r>
+              <a:rPr kumimoji="0" lang="tr-TR" altLang="tr-TR" sz="2400" b="0" i="0" u="none" strike="noStrike" cap="none" normalizeH="0" baseline="0" dirty="0">
+                <a:ln>
+                  <a:noFill/>
+                </a:ln>
+                <a:solidFill>
+                  <a:srgbClr val="000000"/>
+                </a:solidFill>
+                <a:effectLst/>
+                <a:latin typeface="Consolas" panose="020B0609020204030204" pitchFamily="49" charset="0"/>
+              </a:rPr>
+              <a:t>&lt;/</a:t>
+            </a:r>
+            <a:r>
+              <a:rPr kumimoji="0" lang="tr-TR" altLang="tr-TR" sz="2400" b="1" i="0" u="none" strike="noStrike" cap="none" normalizeH="0" baseline="0" dirty="0" err="1">
+                <a:ln>
+                  <a:noFill/>
+                </a:ln>
+                <a:solidFill>
+                  <a:srgbClr val="006699"/>
+                </a:solidFill>
+                <a:effectLst/>
+                <a:latin typeface="Consolas" panose="020B0609020204030204" pitchFamily="49" charset="0"/>
+              </a:rPr>
+              <a:t>table</a:t>
+            </a:r>
+            <a:r>
+              <a:rPr kumimoji="0" lang="tr-TR" altLang="tr-TR" sz="2400" b="0" i="0" u="none" strike="noStrike" cap="none" normalizeH="0" baseline="0" dirty="0">
+                <a:ln>
+                  <a:noFill/>
+                </a:ln>
+                <a:solidFill>
+                  <a:srgbClr val="000000"/>
+                </a:solidFill>
+                <a:effectLst/>
+                <a:latin typeface="Consolas" panose="020B0609020204030204" pitchFamily="49" charset="0"/>
+              </a:rPr>
+              <a:t>&gt;</a:t>
+            </a:r>
+            <a:endParaRPr kumimoji="0" lang="tr-TR" altLang="tr-TR" sz="1400" b="0" i="0" u="none" strike="noStrike" cap="none" normalizeH="0" baseline="0" dirty="0">
+              <a:ln>
+                <a:noFill/>
+              </a:ln>
+              <a:solidFill>
+                <a:schemeClr val="tx1"/>
+              </a:solidFill>
+              <a:effectLst/>
+            </a:endParaRPr>
+          </a:p>
+          <a:p>
+            <a:pPr marL="0" marR="0" lvl="0" indent="0" algn="l" defTabSz="914400" rtl="0" eaLnBrk="0" fontAlgn="base" latinLnBrk="0" hangingPunct="0">
+              <a:lnSpc>
+                <a:spcPct val="100000"/>
+              </a:lnSpc>
+              <a:spcBef>
+                <a:spcPct val="0"/>
+              </a:spcBef>
+              <a:spcAft>
+                <a:spcPct val="0"/>
+              </a:spcAft>
+              <a:buClrTx/>
+              <a:buSzTx/>
+              <a:buFontTx/>
+              <a:buNone/>
+              <a:tabLst/>
+            </a:pPr>
+            <a:r>
+              <a:rPr kumimoji="0" lang="tr-TR" altLang="tr-TR" sz="2400" b="0" i="0" u="none" strike="noStrike" cap="none" normalizeH="0" baseline="0" dirty="0">
+                <a:ln>
+                  <a:noFill/>
+                </a:ln>
+                <a:solidFill>
+                  <a:srgbClr val="273239"/>
+                </a:solidFill>
+                <a:effectLst/>
+                <a:latin typeface="Consolas" panose="020B0609020204030204" pitchFamily="49" charset="0"/>
+              </a:rPr>
+              <a:t>     </a:t>
+            </a:r>
+            <a:r>
+              <a:rPr kumimoji="0" lang="tr-TR" altLang="tr-TR" sz="1400" b="0" i="0" u="none" strike="noStrike" cap="none" normalizeH="0" baseline="0" dirty="0">
+                <a:ln>
+                  <a:noFill/>
+                </a:ln>
+                <a:solidFill>
+                  <a:srgbClr val="273239"/>
+                </a:solidFill>
+                <a:effectLst/>
+                <a:latin typeface="Consolas" panose="020B0609020204030204" pitchFamily="49" charset="0"/>
+              </a:rPr>
+              <a:t> </a:t>
+            </a:r>
+            <a:endParaRPr kumimoji="0" lang="tr-TR" altLang="tr-TR" sz="4000" b="0" i="0" u="none" strike="noStrike" cap="none" normalizeH="0" baseline="0" dirty="0">
+              <a:ln>
+                <a:noFill/>
+              </a:ln>
+              <a:solidFill>
+                <a:schemeClr val="tx1"/>
+              </a:solidFill>
+              <a:effectLst/>
+            </a:endParaRPr>
+          </a:p>
+          <a:p>
+            <a:pPr marL="0" marR="0" lvl="0" indent="0" algn="l" defTabSz="914400" rtl="0" eaLnBrk="0" fontAlgn="base" latinLnBrk="0" hangingPunct="0">
+              <a:lnSpc>
+                <a:spcPct val="100000"/>
+              </a:lnSpc>
+              <a:spcBef>
+                <a:spcPct val="0"/>
+              </a:spcBef>
+              <a:spcAft>
+                <a:spcPct val="0"/>
+              </a:spcAft>
+              <a:buClrTx/>
+              <a:buSzTx/>
+              <a:buFontTx/>
+              <a:buNone/>
+              <a:tabLst/>
+            </a:pPr>
+            <a:r>
+              <a:rPr kumimoji="0" lang="tr-TR" altLang="tr-TR" sz="2400" b="0" i="0" u="none" strike="noStrike" cap="none" normalizeH="0" baseline="0" dirty="0">
+                <a:ln>
+                  <a:noFill/>
+                </a:ln>
+                <a:solidFill>
+                  <a:srgbClr val="273239"/>
+                </a:solidFill>
+                <a:effectLst/>
+                <a:latin typeface="Consolas" panose="020B0609020204030204" pitchFamily="49" charset="0"/>
+              </a:rPr>
+              <a:t>    </a:t>
+            </a:r>
+            <a:r>
+              <a:rPr kumimoji="0" lang="tr-TR" altLang="tr-TR" sz="2400" b="0" i="0" u="none" strike="noStrike" cap="none" normalizeH="0" baseline="0" dirty="0">
+                <a:ln>
+                  <a:noFill/>
+                </a:ln>
+                <a:solidFill>
+                  <a:srgbClr val="008200"/>
+                </a:solidFill>
+                <a:effectLst/>
+                <a:latin typeface="Consolas" panose="020B0609020204030204" pitchFamily="49" charset="0"/>
+              </a:rPr>
+              <a:t>&lt;!-- </a:t>
+            </a:r>
+            <a:r>
+              <a:rPr kumimoji="0" lang="tr-TR" altLang="tr-TR" sz="2400" b="0" i="0" u="none" strike="noStrike" cap="none" normalizeH="0" baseline="0" dirty="0" err="1">
+                <a:ln>
+                  <a:noFill/>
+                </a:ln>
+                <a:solidFill>
+                  <a:srgbClr val="008200"/>
+                </a:solidFill>
+                <a:effectLst/>
+                <a:latin typeface="Consolas" panose="020B0609020204030204" pitchFamily="49" charset="0"/>
+              </a:rPr>
+              <a:t>Script</a:t>
+            </a:r>
+            <a:r>
+              <a:rPr kumimoji="0" lang="tr-TR" altLang="tr-TR" sz="2400" b="0" i="0" u="none" strike="noStrike" cap="none" normalizeH="0" baseline="0" dirty="0">
+                <a:ln>
+                  <a:noFill/>
+                </a:ln>
+                <a:solidFill>
+                  <a:srgbClr val="008200"/>
+                </a:solidFill>
+                <a:effectLst/>
+                <a:latin typeface="Consolas" panose="020B0609020204030204" pitchFamily="49" charset="0"/>
+              </a:rPr>
+              <a:t> </a:t>
+            </a:r>
+            <a:r>
+              <a:rPr kumimoji="0" lang="tr-TR" altLang="tr-TR" sz="2400" b="0" i="0" u="none" strike="noStrike" cap="none" normalizeH="0" baseline="0" dirty="0" err="1">
+                <a:ln>
+                  <a:noFill/>
+                </a:ln>
+                <a:solidFill>
+                  <a:srgbClr val="008200"/>
+                </a:solidFill>
+                <a:effectLst/>
+                <a:latin typeface="Consolas" panose="020B0609020204030204" pitchFamily="49" charset="0"/>
+              </a:rPr>
+              <a:t>to</a:t>
+            </a:r>
+            <a:r>
+              <a:rPr kumimoji="0" lang="tr-TR" altLang="tr-TR" sz="2400" b="0" i="0" u="none" strike="noStrike" cap="none" normalizeH="0" baseline="0" dirty="0">
+                <a:ln>
+                  <a:noFill/>
+                </a:ln>
+                <a:solidFill>
+                  <a:srgbClr val="008200"/>
+                </a:solidFill>
+                <a:effectLst/>
+                <a:latin typeface="Consolas" panose="020B0609020204030204" pitchFamily="49" charset="0"/>
+              </a:rPr>
+              <a:t> </a:t>
+            </a:r>
+            <a:r>
+              <a:rPr kumimoji="0" lang="tr-TR" altLang="tr-TR" sz="2400" b="0" i="0" u="none" strike="noStrike" cap="none" normalizeH="0" baseline="0" dirty="0" err="1">
+                <a:ln>
+                  <a:noFill/>
+                </a:ln>
+                <a:solidFill>
+                  <a:srgbClr val="008200"/>
+                </a:solidFill>
+                <a:effectLst/>
+                <a:latin typeface="Consolas" panose="020B0609020204030204" pitchFamily="49" charset="0"/>
+              </a:rPr>
+              <a:t>add</a:t>
+            </a:r>
+            <a:r>
+              <a:rPr kumimoji="0" lang="tr-TR" altLang="tr-TR" sz="2400" b="0" i="0" u="none" strike="noStrike" cap="none" normalizeH="0" baseline="0" dirty="0">
+                <a:ln>
+                  <a:noFill/>
+                </a:ln>
+                <a:solidFill>
+                  <a:srgbClr val="008200"/>
+                </a:solidFill>
+                <a:effectLst/>
+                <a:latin typeface="Consolas" panose="020B0609020204030204" pitchFamily="49" charset="0"/>
+              </a:rPr>
+              <a:t> </a:t>
+            </a:r>
+            <a:r>
+              <a:rPr kumimoji="0" lang="tr-TR" altLang="tr-TR" sz="2400" b="0" i="0" u="none" strike="noStrike" cap="none" normalizeH="0" baseline="0" dirty="0" err="1">
+                <a:ln>
+                  <a:noFill/>
+                </a:ln>
+                <a:solidFill>
+                  <a:srgbClr val="008200"/>
+                </a:solidFill>
+                <a:effectLst/>
+                <a:latin typeface="Consolas" panose="020B0609020204030204" pitchFamily="49" charset="0"/>
+              </a:rPr>
+              <a:t>table</a:t>
+            </a:r>
+            <a:r>
+              <a:rPr kumimoji="0" lang="tr-TR" altLang="tr-TR" sz="2400" b="0" i="0" u="none" strike="noStrike" cap="none" normalizeH="0" baseline="0" dirty="0">
+                <a:ln>
+                  <a:noFill/>
+                </a:ln>
+                <a:solidFill>
+                  <a:srgbClr val="008200"/>
+                </a:solidFill>
+                <a:effectLst/>
+                <a:latin typeface="Consolas" panose="020B0609020204030204" pitchFamily="49" charset="0"/>
+              </a:rPr>
+              <a:t> </a:t>
+            </a:r>
+            <a:r>
+              <a:rPr kumimoji="0" lang="tr-TR" altLang="tr-TR" sz="2400" b="0" i="0" u="none" strike="noStrike" cap="none" normalizeH="0" baseline="0" dirty="0" err="1">
+                <a:ln>
+                  <a:noFill/>
+                </a:ln>
+                <a:solidFill>
+                  <a:srgbClr val="008200"/>
+                </a:solidFill>
+                <a:effectLst/>
+                <a:latin typeface="Consolas" panose="020B0609020204030204" pitchFamily="49" charset="0"/>
+              </a:rPr>
+              <a:t>row</a:t>
+            </a:r>
+            <a:r>
+              <a:rPr kumimoji="0" lang="tr-TR" altLang="tr-TR" sz="2400" b="0" i="0" u="none" strike="noStrike" cap="none" normalizeH="0" baseline="0" dirty="0">
+                <a:ln>
+                  <a:noFill/>
+                </a:ln>
+                <a:solidFill>
+                  <a:srgbClr val="008200"/>
+                </a:solidFill>
+                <a:effectLst/>
+                <a:latin typeface="Consolas" panose="020B0609020204030204" pitchFamily="49" charset="0"/>
+              </a:rPr>
+              <a:t> --&gt;</a:t>
+            </a:r>
+            <a:endParaRPr kumimoji="0" lang="tr-TR" altLang="tr-TR" sz="1400" b="0" i="0" u="none" strike="noStrike" cap="none" normalizeH="0" baseline="0" dirty="0">
+              <a:ln>
+                <a:noFill/>
+              </a:ln>
+              <a:solidFill>
+                <a:schemeClr val="tx1"/>
+              </a:solidFill>
+              <a:effectLst/>
+            </a:endParaRPr>
+          </a:p>
+          <a:p>
+            <a:pPr marL="0" marR="0" lvl="0" indent="0" algn="l" defTabSz="914400" rtl="0" eaLnBrk="0" fontAlgn="base" latinLnBrk="0" hangingPunct="0">
+              <a:lnSpc>
+                <a:spcPct val="100000"/>
+              </a:lnSpc>
+              <a:spcBef>
+                <a:spcPct val="0"/>
+              </a:spcBef>
+              <a:spcAft>
+                <a:spcPct val="0"/>
+              </a:spcAft>
+              <a:buClrTx/>
+              <a:buSzTx/>
+              <a:buFontTx/>
+              <a:buNone/>
+              <a:tabLst/>
+            </a:pPr>
+            <a:r>
+              <a:rPr kumimoji="0" lang="tr-TR" altLang="tr-TR" sz="2400" b="0" i="0" u="none" strike="noStrike" cap="none" normalizeH="0" baseline="0" dirty="0">
+                <a:ln>
+                  <a:noFill/>
+                </a:ln>
+                <a:solidFill>
+                  <a:srgbClr val="273239"/>
+                </a:solidFill>
+                <a:effectLst/>
+                <a:latin typeface="Consolas" panose="020B0609020204030204" pitchFamily="49" charset="0"/>
+              </a:rPr>
+              <a:t>    </a:t>
+            </a:r>
+            <a:r>
+              <a:rPr kumimoji="0" lang="tr-TR" altLang="tr-TR" sz="2400" b="0" i="0" u="none" strike="noStrike" cap="none" normalizeH="0" baseline="0" dirty="0">
+                <a:ln>
+                  <a:noFill/>
+                </a:ln>
+                <a:solidFill>
+                  <a:srgbClr val="000000"/>
+                </a:solidFill>
+                <a:effectLst/>
+                <a:latin typeface="Consolas" panose="020B0609020204030204" pitchFamily="49" charset="0"/>
+              </a:rPr>
+              <a:t>&lt;</a:t>
+            </a:r>
+            <a:r>
+              <a:rPr kumimoji="0" lang="tr-TR" altLang="tr-TR" sz="2400" b="1" i="0" u="none" strike="noStrike" cap="none" normalizeH="0" baseline="0" dirty="0" err="1">
+                <a:ln>
+                  <a:noFill/>
+                </a:ln>
+                <a:solidFill>
+                  <a:srgbClr val="006699"/>
+                </a:solidFill>
+                <a:effectLst/>
+                <a:latin typeface="Consolas" panose="020B0609020204030204" pitchFamily="49" charset="0"/>
+              </a:rPr>
+              <a:t>script</a:t>
+            </a:r>
+            <a:r>
+              <a:rPr kumimoji="0" lang="tr-TR" altLang="tr-TR" sz="2400" b="0" i="0" u="none" strike="noStrike" cap="none" normalizeH="0" baseline="0" dirty="0">
+                <a:ln>
+                  <a:noFill/>
+                </a:ln>
+                <a:solidFill>
+                  <a:srgbClr val="000000"/>
+                </a:solidFill>
+                <a:effectLst/>
+                <a:latin typeface="Consolas" panose="020B0609020204030204" pitchFamily="49" charset="0"/>
+              </a:rPr>
+              <a:t>&gt;</a:t>
+            </a:r>
+            <a:endParaRPr kumimoji="0" lang="tr-TR" altLang="tr-TR" sz="1400" b="0" i="0" u="none" strike="noStrike" cap="none" normalizeH="0" baseline="0" dirty="0">
+              <a:ln>
+                <a:noFill/>
+              </a:ln>
+              <a:solidFill>
+                <a:schemeClr val="tx1"/>
+              </a:solidFill>
+              <a:effectLst/>
+            </a:endParaRPr>
+          </a:p>
+          <a:p>
+            <a:pPr marL="0" marR="0" lvl="0" indent="0" algn="l" defTabSz="914400" rtl="0" eaLnBrk="0" fontAlgn="base" latinLnBrk="0" hangingPunct="0">
+              <a:lnSpc>
+                <a:spcPct val="100000"/>
+              </a:lnSpc>
+              <a:spcBef>
+                <a:spcPct val="0"/>
+              </a:spcBef>
+              <a:spcAft>
+                <a:spcPct val="0"/>
+              </a:spcAft>
+              <a:buClrTx/>
+              <a:buSzTx/>
+              <a:buFontTx/>
+              <a:buNone/>
+              <a:tabLst/>
+            </a:pPr>
+            <a:r>
+              <a:rPr kumimoji="0" lang="tr-TR" altLang="tr-TR" sz="2400" b="0" i="0" u="none" strike="noStrike" cap="none" normalizeH="0" baseline="0" dirty="0">
+                <a:ln>
+                  <a:noFill/>
+                </a:ln>
+                <a:solidFill>
+                  <a:srgbClr val="273239"/>
+                </a:solidFill>
+                <a:effectLst/>
+                <a:latin typeface="Consolas" panose="020B0609020204030204" pitchFamily="49" charset="0"/>
+              </a:rPr>
+              <a:t>        </a:t>
+            </a:r>
+            <a:r>
+              <a:rPr kumimoji="0" lang="tr-TR" altLang="tr-TR" sz="2400" b="0" i="0" u="none" strike="noStrike" cap="none" normalizeH="0" baseline="0" dirty="0" err="1">
+                <a:ln>
+                  <a:noFill/>
+                </a:ln>
+                <a:solidFill>
+                  <a:srgbClr val="000000"/>
+                </a:solidFill>
+                <a:effectLst/>
+                <a:latin typeface="Consolas" panose="020B0609020204030204" pitchFamily="49" charset="0"/>
+              </a:rPr>
+              <a:t>let</a:t>
+            </a:r>
+            <a:r>
+              <a:rPr kumimoji="0" lang="tr-TR" altLang="tr-TR" sz="2400" b="0" i="0" u="none" strike="noStrike" cap="none" normalizeH="0" baseline="0" dirty="0">
+                <a:ln>
+                  <a:noFill/>
+                </a:ln>
+                <a:solidFill>
+                  <a:srgbClr val="000000"/>
+                </a:solidFill>
+                <a:effectLst/>
+                <a:latin typeface="Consolas" panose="020B0609020204030204" pitchFamily="49" charset="0"/>
+              </a:rPr>
+              <a:t> </a:t>
+            </a:r>
+            <a:r>
+              <a:rPr kumimoji="0" lang="tr-TR" altLang="tr-TR" sz="2400" b="0" i="0" u="none" strike="noStrike" cap="none" normalizeH="0" baseline="0" dirty="0" err="1">
+                <a:ln>
+                  <a:noFill/>
+                </a:ln>
+                <a:solidFill>
+                  <a:srgbClr val="000000"/>
+                </a:solidFill>
+                <a:effectLst/>
+                <a:latin typeface="Consolas" panose="020B0609020204030204" pitchFamily="49" charset="0"/>
+              </a:rPr>
+              <a:t>lineNo</a:t>
+            </a:r>
+            <a:r>
+              <a:rPr kumimoji="0" lang="tr-TR" altLang="tr-TR" sz="2400" b="0" i="0" u="none" strike="noStrike" cap="none" normalizeH="0" baseline="0" dirty="0">
+                <a:ln>
+                  <a:noFill/>
+                </a:ln>
+                <a:solidFill>
+                  <a:srgbClr val="000000"/>
+                </a:solidFill>
+                <a:effectLst/>
+                <a:latin typeface="Consolas" panose="020B0609020204030204" pitchFamily="49" charset="0"/>
+              </a:rPr>
+              <a:t> = 1;</a:t>
+            </a:r>
+            <a:endParaRPr kumimoji="0" lang="tr-TR" altLang="tr-TR" sz="1400" b="0" i="0" u="none" strike="noStrike" cap="none" normalizeH="0" baseline="0" dirty="0">
+              <a:ln>
+                <a:noFill/>
+              </a:ln>
+              <a:solidFill>
+                <a:schemeClr val="tx1"/>
+              </a:solidFill>
+              <a:effectLst/>
+            </a:endParaRPr>
+          </a:p>
+          <a:p>
+            <a:pPr marL="0" marR="0" lvl="0" indent="0" algn="l" defTabSz="914400" rtl="0" eaLnBrk="0" fontAlgn="base" latinLnBrk="0" hangingPunct="0">
+              <a:lnSpc>
+                <a:spcPct val="100000"/>
+              </a:lnSpc>
+              <a:spcBef>
+                <a:spcPct val="0"/>
+              </a:spcBef>
+              <a:spcAft>
+                <a:spcPct val="0"/>
+              </a:spcAft>
+              <a:buClrTx/>
+              <a:buSzTx/>
+              <a:buFontTx/>
+              <a:buNone/>
+              <a:tabLst/>
+            </a:pPr>
+            <a:r>
+              <a:rPr kumimoji="0" lang="tr-TR" altLang="tr-TR" sz="2400" b="0" i="0" u="none" strike="noStrike" cap="none" normalizeH="0" baseline="0" dirty="0">
+                <a:ln>
+                  <a:noFill/>
+                </a:ln>
+                <a:solidFill>
+                  <a:srgbClr val="273239"/>
+                </a:solidFill>
+                <a:effectLst/>
+                <a:latin typeface="Consolas" panose="020B0609020204030204" pitchFamily="49" charset="0"/>
+              </a:rPr>
+              <a:t>        </a:t>
+            </a:r>
+            <a:r>
+              <a:rPr kumimoji="0" lang="tr-TR" altLang="tr-TR" sz="2400" b="0" i="0" u="none" strike="noStrike" cap="none" normalizeH="0" baseline="0" dirty="0">
+                <a:ln>
+                  <a:noFill/>
+                </a:ln>
+                <a:solidFill>
+                  <a:srgbClr val="000000"/>
+                </a:solidFill>
+                <a:effectLst/>
+                <a:latin typeface="Consolas" panose="020B0609020204030204" pitchFamily="49" charset="0"/>
+              </a:rPr>
+              <a:t>$(</a:t>
+            </a:r>
+            <a:r>
+              <a:rPr kumimoji="0" lang="tr-TR" altLang="tr-TR" sz="2400" b="0" i="0" u="none" strike="noStrike" cap="none" normalizeH="0" baseline="0" dirty="0" err="1">
+                <a:ln>
+                  <a:noFill/>
+                </a:ln>
+                <a:solidFill>
+                  <a:srgbClr val="000000"/>
+                </a:solidFill>
+                <a:effectLst/>
+                <a:latin typeface="Consolas" panose="020B0609020204030204" pitchFamily="49" charset="0"/>
+              </a:rPr>
+              <a:t>document</a:t>
+            </a:r>
+            <a:r>
+              <a:rPr kumimoji="0" lang="tr-TR" altLang="tr-TR" sz="2400" b="0" i="0" u="none" strike="noStrike" cap="none" normalizeH="0" baseline="0" dirty="0">
+                <a:ln>
+                  <a:noFill/>
+                </a:ln>
+                <a:solidFill>
+                  <a:srgbClr val="000000"/>
+                </a:solidFill>
+                <a:effectLst/>
+                <a:latin typeface="Consolas" panose="020B0609020204030204" pitchFamily="49" charset="0"/>
+              </a:rPr>
+              <a:t>).</a:t>
+            </a:r>
+            <a:r>
+              <a:rPr kumimoji="0" lang="tr-TR" altLang="tr-TR" sz="2400" b="0" i="0" u="none" strike="noStrike" cap="none" normalizeH="0" baseline="0" dirty="0" err="1">
+                <a:ln>
+                  <a:noFill/>
+                </a:ln>
+                <a:solidFill>
+                  <a:srgbClr val="000000"/>
+                </a:solidFill>
+                <a:effectLst/>
+                <a:latin typeface="Consolas" panose="020B0609020204030204" pitchFamily="49" charset="0"/>
+              </a:rPr>
+              <a:t>ready</a:t>
+            </a:r>
+            <a:r>
+              <a:rPr kumimoji="0" lang="tr-TR" altLang="tr-TR" sz="2400" b="0" i="0" u="none" strike="noStrike" cap="none" normalizeH="0" baseline="0" dirty="0">
+                <a:ln>
+                  <a:noFill/>
+                </a:ln>
+                <a:solidFill>
+                  <a:srgbClr val="000000"/>
+                </a:solidFill>
+                <a:effectLst/>
+                <a:latin typeface="Consolas" panose="020B0609020204030204" pitchFamily="49" charset="0"/>
+              </a:rPr>
+              <a:t>(</a:t>
+            </a:r>
+            <a:r>
+              <a:rPr kumimoji="0" lang="tr-TR" altLang="tr-TR" sz="2400" b="0" i="0" u="none" strike="noStrike" cap="none" normalizeH="0" baseline="0" dirty="0" err="1">
+                <a:ln>
+                  <a:noFill/>
+                </a:ln>
+                <a:solidFill>
+                  <a:srgbClr val="000000"/>
+                </a:solidFill>
+                <a:effectLst/>
+                <a:latin typeface="Consolas" panose="020B0609020204030204" pitchFamily="49" charset="0"/>
+              </a:rPr>
+              <a:t>function</a:t>
+            </a:r>
+            <a:r>
+              <a:rPr kumimoji="0" lang="tr-TR" altLang="tr-TR" sz="2400" b="0" i="0" u="none" strike="noStrike" cap="none" normalizeH="0" baseline="0" dirty="0">
+                <a:ln>
+                  <a:noFill/>
+                </a:ln>
+                <a:solidFill>
+                  <a:srgbClr val="000000"/>
+                </a:solidFill>
+                <a:effectLst/>
+                <a:latin typeface="Consolas" panose="020B0609020204030204" pitchFamily="49" charset="0"/>
+              </a:rPr>
+              <a:t> () {</a:t>
+            </a:r>
+            <a:endParaRPr kumimoji="0" lang="tr-TR" altLang="tr-TR" sz="1400" b="0" i="0" u="none" strike="noStrike" cap="none" normalizeH="0" baseline="0" dirty="0">
+              <a:ln>
+                <a:noFill/>
+              </a:ln>
+              <a:solidFill>
+                <a:schemeClr val="tx1"/>
+              </a:solidFill>
+              <a:effectLst/>
+            </a:endParaRPr>
+          </a:p>
+          <a:p>
+            <a:pPr marL="0" marR="0" lvl="0" indent="0" algn="l" defTabSz="914400" rtl="0" eaLnBrk="0" fontAlgn="base" latinLnBrk="0" hangingPunct="0">
+              <a:lnSpc>
+                <a:spcPct val="100000"/>
+              </a:lnSpc>
+              <a:spcBef>
+                <a:spcPct val="0"/>
+              </a:spcBef>
+              <a:spcAft>
+                <a:spcPct val="0"/>
+              </a:spcAft>
+              <a:buClrTx/>
+              <a:buSzTx/>
+              <a:buFontTx/>
+              <a:buNone/>
+              <a:tabLst/>
+            </a:pPr>
+            <a:r>
+              <a:rPr kumimoji="0" lang="tr-TR" altLang="tr-TR" sz="2400" b="0" i="0" u="none" strike="noStrike" cap="none" normalizeH="0" baseline="0" dirty="0">
+                <a:ln>
+                  <a:noFill/>
+                </a:ln>
+                <a:solidFill>
+                  <a:srgbClr val="273239"/>
+                </a:solidFill>
+                <a:effectLst/>
+                <a:latin typeface="Consolas" panose="020B0609020204030204" pitchFamily="49" charset="0"/>
+              </a:rPr>
+              <a:t>            </a:t>
+            </a:r>
+            <a:r>
+              <a:rPr kumimoji="0" lang="tr-TR" altLang="tr-TR" sz="2400" b="0" i="0" u="none" strike="noStrike" cap="none" normalizeH="0" baseline="0" dirty="0">
+                <a:ln>
+                  <a:noFill/>
+                </a:ln>
+                <a:solidFill>
+                  <a:srgbClr val="000000"/>
+                </a:solidFill>
+                <a:effectLst/>
+                <a:latin typeface="Consolas" panose="020B0609020204030204" pitchFamily="49" charset="0"/>
+              </a:rPr>
+              <a:t>$(".</a:t>
+            </a:r>
+            <a:r>
+              <a:rPr kumimoji="0" lang="tr-TR" altLang="tr-TR" sz="2400" b="0" i="0" u="none" strike="noStrike" cap="none" normalizeH="0" baseline="0" dirty="0" err="1">
+                <a:ln>
+                  <a:noFill/>
+                </a:ln>
+                <a:solidFill>
+                  <a:srgbClr val="000000"/>
+                </a:solidFill>
+                <a:effectLst/>
+                <a:latin typeface="Consolas" panose="020B0609020204030204" pitchFamily="49" charset="0"/>
+              </a:rPr>
+              <a:t>add-row</a:t>
+            </a:r>
+            <a:r>
+              <a:rPr kumimoji="0" lang="tr-TR" altLang="tr-TR" sz="2400" b="0" i="0" u="none" strike="noStrike" cap="none" normalizeH="0" baseline="0" dirty="0">
+                <a:ln>
+                  <a:noFill/>
+                </a:ln>
+                <a:solidFill>
+                  <a:srgbClr val="000000"/>
+                </a:solidFill>
+                <a:effectLst/>
+                <a:latin typeface="Consolas" panose="020B0609020204030204" pitchFamily="49" charset="0"/>
+              </a:rPr>
+              <a:t>").</a:t>
+            </a:r>
+            <a:r>
+              <a:rPr kumimoji="0" lang="tr-TR" altLang="tr-TR" sz="2400" b="0" i="0" u="none" strike="noStrike" cap="none" normalizeH="0" baseline="0" dirty="0" err="1">
+                <a:ln>
+                  <a:noFill/>
+                </a:ln>
+                <a:solidFill>
+                  <a:srgbClr val="000000"/>
+                </a:solidFill>
+                <a:effectLst/>
+                <a:latin typeface="Consolas" panose="020B0609020204030204" pitchFamily="49" charset="0"/>
+              </a:rPr>
+              <a:t>click</a:t>
+            </a:r>
+            <a:r>
+              <a:rPr kumimoji="0" lang="tr-TR" altLang="tr-TR" sz="2400" b="0" i="0" u="none" strike="noStrike" cap="none" normalizeH="0" baseline="0" dirty="0">
+                <a:ln>
+                  <a:noFill/>
+                </a:ln>
+                <a:solidFill>
+                  <a:srgbClr val="000000"/>
+                </a:solidFill>
+                <a:effectLst/>
+                <a:latin typeface="Consolas" panose="020B0609020204030204" pitchFamily="49" charset="0"/>
+              </a:rPr>
+              <a:t>(</a:t>
+            </a:r>
+            <a:r>
+              <a:rPr kumimoji="0" lang="tr-TR" altLang="tr-TR" sz="2400" b="0" i="0" u="none" strike="noStrike" cap="none" normalizeH="0" baseline="0" dirty="0" err="1">
+                <a:ln>
+                  <a:noFill/>
+                </a:ln>
+                <a:solidFill>
+                  <a:srgbClr val="000000"/>
+                </a:solidFill>
+                <a:effectLst/>
+                <a:latin typeface="Consolas" panose="020B0609020204030204" pitchFamily="49" charset="0"/>
+              </a:rPr>
+              <a:t>function</a:t>
+            </a:r>
+            <a:r>
+              <a:rPr kumimoji="0" lang="tr-TR" altLang="tr-TR" sz="2400" b="0" i="0" u="none" strike="noStrike" cap="none" normalizeH="0" baseline="0" dirty="0">
+                <a:ln>
+                  <a:noFill/>
+                </a:ln>
+                <a:solidFill>
+                  <a:srgbClr val="000000"/>
+                </a:solidFill>
+                <a:effectLst/>
+                <a:latin typeface="Consolas" panose="020B0609020204030204" pitchFamily="49" charset="0"/>
+              </a:rPr>
+              <a:t> () {</a:t>
+            </a:r>
+            <a:endParaRPr kumimoji="0" lang="tr-TR" altLang="tr-TR" sz="1400" b="0" i="0" u="none" strike="noStrike" cap="none" normalizeH="0" baseline="0" dirty="0">
+              <a:ln>
+                <a:noFill/>
+              </a:ln>
+              <a:solidFill>
+                <a:schemeClr val="tx1"/>
+              </a:solidFill>
+              <a:effectLst/>
+            </a:endParaRPr>
+          </a:p>
+          <a:p>
+            <a:pPr marL="0" marR="0" lvl="0" indent="0" algn="l" defTabSz="914400" rtl="0" eaLnBrk="0" fontAlgn="base" latinLnBrk="0" hangingPunct="0">
+              <a:lnSpc>
+                <a:spcPct val="100000"/>
+              </a:lnSpc>
+              <a:spcBef>
+                <a:spcPct val="0"/>
+              </a:spcBef>
+              <a:spcAft>
+                <a:spcPct val="0"/>
+              </a:spcAft>
+              <a:buClrTx/>
+              <a:buSzTx/>
+              <a:buFontTx/>
+              <a:buNone/>
+              <a:tabLst/>
+            </a:pPr>
+            <a:r>
+              <a:rPr kumimoji="0" lang="tr-TR" altLang="tr-TR" sz="2400" b="0" i="0" u="none" strike="noStrike" cap="none" normalizeH="0" baseline="0" dirty="0">
+                <a:ln>
+                  <a:noFill/>
+                </a:ln>
+                <a:solidFill>
+                  <a:srgbClr val="273239"/>
+                </a:solidFill>
+                <a:effectLst/>
+                <a:latin typeface="Consolas" panose="020B0609020204030204" pitchFamily="49" charset="0"/>
+              </a:rPr>
+              <a:t>                </a:t>
+            </a:r>
+            <a:r>
+              <a:rPr kumimoji="0" lang="tr-TR" altLang="tr-TR" sz="2400" b="0" i="0" u="none" strike="noStrike" cap="none" normalizeH="0" baseline="0" dirty="0" err="1">
+                <a:ln>
+                  <a:noFill/>
+                </a:ln>
+                <a:solidFill>
+                  <a:srgbClr val="000000"/>
+                </a:solidFill>
+                <a:effectLst/>
+                <a:latin typeface="Consolas" panose="020B0609020204030204" pitchFamily="49" charset="0"/>
+              </a:rPr>
+              <a:t>markup</a:t>
+            </a:r>
+            <a:r>
+              <a:rPr kumimoji="0" lang="tr-TR" altLang="tr-TR" sz="2400" b="0" i="0" u="none" strike="noStrike" cap="none" normalizeH="0" baseline="0" dirty="0">
+                <a:ln>
+                  <a:noFill/>
+                </a:ln>
+                <a:solidFill>
+                  <a:srgbClr val="000000"/>
+                </a:solidFill>
+                <a:effectLst/>
+                <a:latin typeface="Consolas" panose="020B0609020204030204" pitchFamily="49" charset="0"/>
+              </a:rPr>
+              <a:t> = "&lt;</a:t>
+            </a:r>
+            <a:r>
+              <a:rPr kumimoji="0" lang="tr-TR" altLang="tr-TR" sz="2400" b="1" i="0" u="none" strike="noStrike" cap="none" normalizeH="0" baseline="0" dirty="0">
+                <a:ln>
+                  <a:noFill/>
+                </a:ln>
+                <a:solidFill>
+                  <a:srgbClr val="006699"/>
+                </a:solidFill>
+                <a:effectLst/>
+                <a:latin typeface="Consolas" panose="020B0609020204030204" pitchFamily="49" charset="0"/>
+              </a:rPr>
+              <a:t>tr</a:t>
+            </a:r>
+            <a:r>
+              <a:rPr kumimoji="0" lang="tr-TR" altLang="tr-TR" sz="2400" b="0" i="0" u="none" strike="noStrike" cap="none" normalizeH="0" baseline="0" dirty="0">
+                <a:ln>
+                  <a:noFill/>
+                </a:ln>
+                <a:solidFill>
+                  <a:srgbClr val="000000"/>
+                </a:solidFill>
+                <a:effectLst/>
+                <a:latin typeface="Consolas" panose="020B0609020204030204" pitchFamily="49" charset="0"/>
+              </a:rPr>
+              <a:t>&gt;&lt;</a:t>
+            </a:r>
+            <a:r>
+              <a:rPr kumimoji="0" lang="tr-TR" altLang="tr-TR" sz="2400" b="1" i="0" u="none" strike="noStrike" cap="none" normalizeH="0" baseline="0" dirty="0" err="1">
+                <a:ln>
+                  <a:noFill/>
+                </a:ln>
+                <a:solidFill>
+                  <a:srgbClr val="006699"/>
+                </a:solidFill>
+                <a:effectLst/>
+                <a:latin typeface="Consolas" panose="020B0609020204030204" pitchFamily="49" charset="0"/>
+              </a:rPr>
+              <a:t>td</a:t>
+            </a:r>
+            <a:r>
+              <a:rPr kumimoji="0" lang="tr-TR" altLang="tr-TR" sz="2400" b="0" i="0" u="none" strike="noStrike" cap="none" normalizeH="0" baseline="0" dirty="0">
+                <a:ln>
+                  <a:noFill/>
+                </a:ln>
+                <a:solidFill>
+                  <a:srgbClr val="000000"/>
+                </a:solidFill>
+                <a:effectLst/>
+                <a:latin typeface="Consolas" panose="020B0609020204030204" pitchFamily="49" charset="0"/>
+              </a:rPr>
+              <a:t>&gt;</a:t>
+            </a:r>
+            <a:r>
+              <a:rPr kumimoji="0" lang="tr-TR" altLang="tr-TR" sz="2400" b="0" i="0" u="none" strike="noStrike" cap="none" normalizeH="0" baseline="0" dirty="0" err="1">
+                <a:ln>
+                  <a:noFill/>
+                </a:ln>
+                <a:solidFill>
+                  <a:srgbClr val="000000"/>
+                </a:solidFill>
+                <a:effectLst/>
+                <a:latin typeface="Consolas" panose="020B0609020204030204" pitchFamily="49" charset="0"/>
+              </a:rPr>
+              <a:t>This</a:t>
+            </a:r>
+            <a:r>
+              <a:rPr kumimoji="0" lang="tr-TR" altLang="tr-TR" sz="2400" b="0" i="0" u="none" strike="noStrike" cap="none" normalizeH="0" baseline="0" dirty="0">
+                <a:ln>
+                  <a:noFill/>
+                </a:ln>
+                <a:solidFill>
+                  <a:srgbClr val="000000"/>
+                </a:solidFill>
+                <a:effectLst/>
+                <a:latin typeface="Consolas" panose="020B0609020204030204" pitchFamily="49" charset="0"/>
+              </a:rPr>
+              <a:t> is </a:t>
+            </a:r>
+            <a:r>
+              <a:rPr kumimoji="0" lang="tr-TR" altLang="tr-TR" sz="2400" b="0" i="0" u="none" strike="noStrike" cap="none" normalizeH="0" baseline="0" dirty="0" err="1">
+                <a:ln>
+                  <a:noFill/>
+                </a:ln>
+                <a:solidFill>
+                  <a:srgbClr val="000000"/>
+                </a:solidFill>
+                <a:effectLst/>
+                <a:latin typeface="Consolas" panose="020B0609020204030204" pitchFamily="49" charset="0"/>
+              </a:rPr>
+              <a:t>row</a:t>
+            </a:r>
+            <a:r>
+              <a:rPr kumimoji="0" lang="tr-TR" altLang="tr-TR" sz="2400" b="0" i="0" u="none" strike="noStrike" cap="none" normalizeH="0" baseline="0" dirty="0">
+                <a:ln>
+                  <a:noFill/>
+                </a:ln>
+                <a:solidFill>
+                  <a:srgbClr val="000000"/>
+                </a:solidFill>
+                <a:effectLst/>
+                <a:latin typeface="Consolas" panose="020B0609020204030204" pitchFamily="49" charset="0"/>
+              </a:rPr>
+              <a:t> " </a:t>
+            </a:r>
+            <a:endParaRPr kumimoji="0" lang="tr-TR" altLang="tr-TR" sz="1400" b="0" i="0" u="none" strike="noStrike" cap="none" normalizeH="0" baseline="0" dirty="0">
+              <a:ln>
+                <a:noFill/>
+              </a:ln>
+              <a:solidFill>
+                <a:schemeClr val="tx1"/>
+              </a:solidFill>
+              <a:effectLst/>
+            </a:endParaRPr>
+          </a:p>
+          <a:p>
+            <a:pPr marL="0" marR="0" lvl="0" indent="0" algn="l" defTabSz="914400" rtl="0" eaLnBrk="0" fontAlgn="base" latinLnBrk="0" hangingPunct="0">
+              <a:lnSpc>
+                <a:spcPct val="100000"/>
+              </a:lnSpc>
+              <a:spcBef>
+                <a:spcPct val="0"/>
+              </a:spcBef>
+              <a:spcAft>
+                <a:spcPct val="0"/>
+              </a:spcAft>
+              <a:buClrTx/>
+              <a:buSzTx/>
+              <a:buFontTx/>
+              <a:buNone/>
+              <a:tabLst/>
+            </a:pPr>
+            <a:r>
+              <a:rPr kumimoji="0" lang="tr-TR" altLang="tr-TR" sz="2400" b="0" i="0" u="none" strike="noStrike" cap="none" normalizeH="0" baseline="0" dirty="0">
+                <a:ln>
+                  <a:noFill/>
+                </a:ln>
+                <a:solidFill>
+                  <a:srgbClr val="273239"/>
+                </a:solidFill>
+                <a:effectLst/>
+                <a:latin typeface="Consolas" panose="020B0609020204030204" pitchFamily="49" charset="0"/>
+              </a:rPr>
+              <a:t>                    </a:t>
+            </a:r>
+            <a:r>
+              <a:rPr kumimoji="0" lang="tr-TR" altLang="tr-TR" sz="2400" b="0" i="0" u="none" strike="noStrike" cap="none" normalizeH="0" baseline="0" dirty="0">
+                <a:ln>
+                  <a:noFill/>
+                </a:ln>
+                <a:solidFill>
+                  <a:srgbClr val="000000"/>
+                </a:solidFill>
+                <a:effectLst/>
+                <a:latin typeface="Consolas" panose="020B0609020204030204" pitchFamily="49" charset="0"/>
+              </a:rPr>
+              <a:t>+ </a:t>
+            </a:r>
+            <a:r>
+              <a:rPr kumimoji="0" lang="tr-TR" altLang="tr-TR" sz="2400" b="0" i="0" u="none" strike="noStrike" cap="none" normalizeH="0" baseline="0" dirty="0" err="1">
+                <a:ln>
+                  <a:noFill/>
+                </a:ln>
+                <a:solidFill>
+                  <a:srgbClr val="000000"/>
+                </a:solidFill>
+                <a:effectLst/>
+                <a:latin typeface="Consolas" panose="020B0609020204030204" pitchFamily="49" charset="0"/>
+              </a:rPr>
+              <a:t>lineNo</a:t>
+            </a:r>
+            <a:r>
+              <a:rPr kumimoji="0" lang="tr-TR" altLang="tr-TR" sz="2400" b="0" i="0" u="none" strike="noStrike" cap="none" normalizeH="0" baseline="0" dirty="0">
+                <a:ln>
+                  <a:noFill/>
+                </a:ln>
+                <a:solidFill>
+                  <a:srgbClr val="000000"/>
+                </a:solidFill>
+                <a:effectLst/>
+                <a:latin typeface="Consolas" panose="020B0609020204030204" pitchFamily="49" charset="0"/>
+              </a:rPr>
+              <a:t> + "&lt;/</a:t>
+            </a:r>
+            <a:r>
+              <a:rPr kumimoji="0" lang="tr-TR" altLang="tr-TR" sz="2400" b="1" i="0" u="none" strike="noStrike" cap="none" normalizeH="0" baseline="0" dirty="0" err="1">
+                <a:ln>
+                  <a:noFill/>
+                </a:ln>
+                <a:solidFill>
+                  <a:srgbClr val="006699"/>
+                </a:solidFill>
+                <a:effectLst/>
+                <a:latin typeface="Consolas" panose="020B0609020204030204" pitchFamily="49" charset="0"/>
+              </a:rPr>
+              <a:t>td</a:t>
+            </a:r>
+            <a:r>
+              <a:rPr kumimoji="0" lang="tr-TR" altLang="tr-TR" sz="2400" b="0" i="0" u="none" strike="noStrike" cap="none" normalizeH="0" baseline="0" dirty="0">
+                <a:ln>
+                  <a:noFill/>
+                </a:ln>
+                <a:solidFill>
+                  <a:srgbClr val="000000"/>
+                </a:solidFill>
+                <a:effectLst/>
+                <a:latin typeface="Consolas" panose="020B0609020204030204" pitchFamily="49" charset="0"/>
+              </a:rPr>
+              <a:t>&gt;&lt;/</a:t>
+            </a:r>
+            <a:r>
+              <a:rPr kumimoji="0" lang="tr-TR" altLang="tr-TR" sz="2400" b="1" i="0" u="none" strike="noStrike" cap="none" normalizeH="0" baseline="0" dirty="0">
+                <a:ln>
+                  <a:noFill/>
+                </a:ln>
+                <a:solidFill>
+                  <a:srgbClr val="006699"/>
+                </a:solidFill>
+                <a:effectLst/>
+                <a:latin typeface="Consolas" panose="020B0609020204030204" pitchFamily="49" charset="0"/>
+              </a:rPr>
+              <a:t>tr</a:t>
+            </a:r>
+            <a:r>
+              <a:rPr kumimoji="0" lang="tr-TR" altLang="tr-TR" sz="2400" b="0" i="0" u="none" strike="noStrike" cap="none" normalizeH="0" baseline="0" dirty="0">
+                <a:ln>
+                  <a:noFill/>
+                </a:ln>
+                <a:solidFill>
+                  <a:srgbClr val="000000"/>
+                </a:solidFill>
+                <a:effectLst/>
+                <a:latin typeface="Consolas" panose="020B0609020204030204" pitchFamily="49" charset="0"/>
+              </a:rPr>
+              <a:t>&gt;";</a:t>
+            </a:r>
+            <a:endParaRPr kumimoji="0" lang="tr-TR" altLang="tr-TR" sz="1400" b="0" i="0" u="none" strike="noStrike" cap="none" normalizeH="0" baseline="0" dirty="0">
+              <a:ln>
+                <a:noFill/>
+              </a:ln>
+              <a:solidFill>
+                <a:schemeClr val="tx1"/>
+              </a:solidFill>
+              <a:effectLst/>
+            </a:endParaRPr>
+          </a:p>
+          <a:p>
+            <a:pPr marL="0" marR="0" lvl="0" indent="0" algn="l" defTabSz="914400" rtl="0" eaLnBrk="0" fontAlgn="base" latinLnBrk="0" hangingPunct="0">
+              <a:lnSpc>
+                <a:spcPct val="100000"/>
+              </a:lnSpc>
+              <a:spcBef>
+                <a:spcPct val="0"/>
+              </a:spcBef>
+              <a:spcAft>
+                <a:spcPct val="0"/>
+              </a:spcAft>
+              <a:buClrTx/>
+              <a:buSzTx/>
+              <a:buFontTx/>
+              <a:buNone/>
+              <a:tabLst/>
+            </a:pPr>
+            <a:r>
+              <a:rPr kumimoji="0" lang="tr-TR" altLang="tr-TR" sz="2400" b="0" i="0" u="none" strike="noStrike" cap="none" normalizeH="0" baseline="0" dirty="0">
+                <a:ln>
+                  <a:noFill/>
+                </a:ln>
+                <a:solidFill>
+                  <a:srgbClr val="273239"/>
+                </a:solidFill>
+                <a:effectLst/>
+                <a:latin typeface="Consolas" panose="020B0609020204030204" pitchFamily="49" charset="0"/>
+              </a:rPr>
+              <a:t>                </a:t>
+            </a:r>
+            <a:r>
+              <a:rPr kumimoji="0" lang="tr-TR" altLang="tr-TR" sz="2400" b="0" i="0" u="none" strike="noStrike" cap="none" normalizeH="0" baseline="0" dirty="0" err="1">
+                <a:ln>
+                  <a:noFill/>
+                </a:ln>
+                <a:solidFill>
+                  <a:srgbClr val="000000"/>
+                </a:solidFill>
+                <a:effectLst/>
+                <a:latin typeface="Consolas" panose="020B0609020204030204" pitchFamily="49" charset="0"/>
+              </a:rPr>
+              <a:t>tableBody</a:t>
+            </a:r>
+            <a:r>
+              <a:rPr kumimoji="0" lang="tr-TR" altLang="tr-TR" sz="2400" b="0" i="0" u="none" strike="noStrike" cap="none" normalizeH="0" baseline="0" dirty="0">
+                <a:ln>
+                  <a:noFill/>
+                </a:ln>
+                <a:solidFill>
+                  <a:srgbClr val="000000"/>
+                </a:solidFill>
+                <a:effectLst/>
+                <a:latin typeface="Consolas" panose="020B0609020204030204" pitchFamily="49" charset="0"/>
+              </a:rPr>
+              <a:t> = $("</a:t>
+            </a:r>
+            <a:r>
+              <a:rPr kumimoji="0" lang="tr-TR" altLang="tr-TR" sz="2400" b="0" i="0" u="none" strike="noStrike" cap="none" normalizeH="0" baseline="0" dirty="0" err="1">
+                <a:ln>
+                  <a:noFill/>
+                </a:ln>
+                <a:solidFill>
+                  <a:srgbClr val="000000"/>
+                </a:solidFill>
+                <a:effectLst/>
+                <a:latin typeface="Consolas" panose="020B0609020204030204" pitchFamily="49" charset="0"/>
+              </a:rPr>
+              <a:t>table</a:t>
+            </a:r>
+            <a:r>
+              <a:rPr kumimoji="0" lang="tr-TR" altLang="tr-TR" sz="2400" b="0" i="0" u="none" strike="noStrike" cap="none" normalizeH="0" baseline="0" dirty="0">
+                <a:ln>
+                  <a:noFill/>
+                </a:ln>
+                <a:solidFill>
+                  <a:srgbClr val="000000"/>
+                </a:solidFill>
+                <a:effectLst/>
+                <a:latin typeface="Consolas" panose="020B0609020204030204" pitchFamily="49" charset="0"/>
+              </a:rPr>
+              <a:t> </a:t>
+            </a:r>
+            <a:r>
+              <a:rPr kumimoji="0" lang="tr-TR" altLang="tr-TR" sz="2400" b="0" i="0" u="none" strike="noStrike" cap="none" normalizeH="0" baseline="0" dirty="0" err="1">
+                <a:ln>
+                  <a:noFill/>
+                </a:ln>
+                <a:solidFill>
+                  <a:srgbClr val="000000"/>
+                </a:solidFill>
+                <a:effectLst/>
+                <a:latin typeface="Consolas" panose="020B0609020204030204" pitchFamily="49" charset="0"/>
+              </a:rPr>
+              <a:t>tbody</a:t>
+            </a:r>
+            <a:r>
+              <a:rPr kumimoji="0" lang="tr-TR" altLang="tr-TR" sz="2400" b="0" i="0" u="none" strike="noStrike" cap="none" normalizeH="0" baseline="0" dirty="0">
+                <a:ln>
+                  <a:noFill/>
+                </a:ln>
+                <a:solidFill>
+                  <a:srgbClr val="000000"/>
+                </a:solidFill>
+                <a:effectLst/>
+                <a:latin typeface="Consolas" panose="020B0609020204030204" pitchFamily="49" charset="0"/>
+              </a:rPr>
+              <a:t>");</a:t>
+            </a:r>
+            <a:endParaRPr kumimoji="0" lang="tr-TR" altLang="tr-TR" sz="1400" b="0" i="0" u="none" strike="noStrike" cap="none" normalizeH="0" baseline="0" dirty="0">
+              <a:ln>
+                <a:noFill/>
+              </a:ln>
+              <a:solidFill>
+                <a:schemeClr val="tx1"/>
+              </a:solidFill>
+              <a:effectLst/>
+            </a:endParaRPr>
+          </a:p>
+          <a:p>
+            <a:pPr marL="0" marR="0" lvl="0" indent="0" algn="l" defTabSz="914400" rtl="0" eaLnBrk="0" fontAlgn="base" latinLnBrk="0" hangingPunct="0">
+              <a:lnSpc>
+                <a:spcPct val="100000"/>
+              </a:lnSpc>
+              <a:spcBef>
+                <a:spcPct val="0"/>
+              </a:spcBef>
+              <a:spcAft>
+                <a:spcPct val="0"/>
+              </a:spcAft>
+              <a:buClrTx/>
+              <a:buSzTx/>
+              <a:buFontTx/>
+              <a:buNone/>
+              <a:tabLst/>
+            </a:pPr>
+            <a:r>
+              <a:rPr kumimoji="0" lang="tr-TR" altLang="tr-TR" sz="2400" b="0" i="0" u="none" strike="noStrike" cap="none" normalizeH="0" baseline="0" dirty="0">
+                <a:ln>
+                  <a:noFill/>
+                </a:ln>
+                <a:solidFill>
+                  <a:srgbClr val="273239"/>
+                </a:solidFill>
+                <a:effectLst/>
+                <a:latin typeface="Consolas" panose="020B0609020204030204" pitchFamily="49" charset="0"/>
+              </a:rPr>
+              <a:t>                </a:t>
+            </a:r>
+            <a:r>
+              <a:rPr kumimoji="0" lang="tr-TR" altLang="tr-TR" sz="2400" b="0" i="0" u="none" strike="noStrike" cap="none" normalizeH="0" baseline="0" dirty="0" err="1">
+                <a:ln>
+                  <a:noFill/>
+                </a:ln>
+                <a:solidFill>
+                  <a:srgbClr val="000000"/>
+                </a:solidFill>
+                <a:effectLst/>
+                <a:latin typeface="Consolas" panose="020B0609020204030204" pitchFamily="49" charset="0"/>
+              </a:rPr>
+              <a:t>tableBody.append</a:t>
+            </a:r>
+            <a:r>
+              <a:rPr kumimoji="0" lang="tr-TR" altLang="tr-TR" sz="2400" b="0" i="0" u="none" strike="noStrike" cap="none" normalizeH="0" baseline="0" dirty="0">
+                <a:ln>
+                  <a:noFill/>
+                </a:ln>
+                <a:solidFill>
+                  <a:srgbClr val="000000"/>
+                </a:solidFill>
+                <a:effectLst/>
+                <a:latin typeface="Consolas" panose="020B0609020204030204" pitchFamily="49" charset="0"/>
+              </a:rPr>
+              <a:t>(</a:t>
+            </a:r>
+            <a:r>
+              <a:rPr kumimoji="0" lang="tr-TR" altLang="tr-TR" sz="2400" b="0" i="0" u="none" strike="noStrike" cap="none" normalizeH="0" baseline="0" dirty="0" err="1">
+                <a:ln>
+                  <a:noFill/>
+                </a:ln>
+                <a:solidFill>
+                  <a:srgbClr val="000000"/>
+                </a:solidFill>
+                <a:effectLst/>
+                <a:latin typeface="Consolas" panose="020B0609020204030204" pitchFamily="49" charset="0"/>
+              </a:rPr>
+              <a:t>markup</a:t>
+            </a:r>
+            <a:r>
+              <a:rPr kumimoji="0" lang="tr-TR" altLang="tr-TR" sz="2400" b="0" i="0" u="none" strike="noStrike" cap="none" normalizeH="0" baseline="0" dirty="0">
+                <a:ln>
+                  <a:noFill/>
+                </a:ln>
+                <a:solidFill>
+                  <a:srgbClr val="000000"/>
+                </a:solidFill>
+                <a:effectLst/>
+                <a:latin typeface="Consolas" panose="020B0609020204030204" pitchFamily="49" charset="0"/>
+              </a:rPr>
+              <a:t>);</a:t>
+            </a:r>
+            <a:endParaRPr kumimoji="0" lang="tr-TR" altLang="tr-TR" sz="1400" b="0" i="0" u="none" strike="noStrike" cap="none" normalizeH="0" baseline="0" dirty="0">
+              <a:ln>
+                <a:noFill/>
+              </a:ln>
+              <a:solidFill>
+                <a:schemeClr val="tx1"/>
+              </a:solidFill>
+              <a:effectLst/>
+            </a:endParaRPr>
+          </a:p>
+          <a:p>
+            <a:pPr marL="0" marR="0" lvl="0" indent="0" algn="l" defTabSz="914400" rtl="0" eaLnBrk="0" fontAlgn="base" latinLnBrk="0" hangingPunct="0">
+              <a:lnSpc>
+                <a:spcPct val="100000"/>
+              </a:lnSpc>
+              <a:spcBef>
+                <a:spcPct val="0"/>
+              </a:spcBef>
+              <a:spcAft>
+                <a:spcPct val="0"/>
+              </a:spcAft>
+              <a:buClrTx/>
+              <a:buSzTx/>
+              <a:buFontTx/>
+              <a:buNone/>
+              <a:tabLst/>
+            </a:pPr>
+            <a:r>
+              <a:rPr kumimoji="0" lang="tr-TR" altLang="tr-TR" sz="2400" b="0" i="0" u="none" strike="noStrike" cap="none" normalizeH="0" baseline="0" dirty="0">
+                <a:ln>
+                  <a:noFill/>
+                </a:ln>
+                <a:solidFill>
+                  <a:srgbClr val="273239"/>
+                </a:solidFill>
+                <a:effectLst/>
+                <a:latin typeface="Consolas" panose="020B0609020204030204" pitchFamily="49" charset="0"/>
+              </a:rPr>
+              <a:t>                </a:t>
+            </a:r>
+            <a:r>
+              <a:rPr kumimoji="0" lang="tr-TR" altLang="tr-TR" sz="2400" b="0" i="0" u="none" strike="noStrike" cap="none" normalizeH="0" baseline="0" dirty="0" err="1">
+                <a:ln>
+                  <a:noFill/>
+                </a:ln>
+                <a:solidFill>
+                  <a:srgbClr val="000000"/>
+                </a:solidFill>
+                <a:effectLst/>
+                <a:latin typeface="Consolas" panose="020B0609020204030204" pitchFamily="49" charset="0"/>
+              </a:rPr>
+              <a:t>lineNo</a:t>
+            </a:r>
+            <a:r>
+              <a:rPr kumimoji="0" lang="tr-TR" altLang="tr-TR" sz="2400" b="0" i="0" u="none" strike="noStrike" cap="none" normalizeH="0" baseline="0" dirty="0">
+                <a:ln>
+                  <a:noFill/>
+                </a:ln>
+                <a:solidFill>
+                  <a:srgbClr val="000000"/>
+                </a:solidFill>
+                <a:effectLst/>
+                <a:latin typeface="Consolas" panose="020B0609020204030204" pitchFamily="49" charset="0"/>
+              </a:rPr>
+              <a:t>++;</a:t>
+            </a:r>
+            <a:endParaRPr kumimoji="0" lang="tr-TR" altLang="tr-TR" sz="1400" b="0" i="0" u="none" strike="noStrike" cap="none" normalizeH="0" baseline="0" dirty="0">
+              <a:ln>
+                <a:noFill/>
+              </a:ln>
+              <a:solidFill>
+                <a:schemeClr val="tx1"/>
+              </a:solidFill>
+              <a:effectLst/>
+            </a:endParaRPr>
+          </a:p>
+          <a:p>
+            <a:pPr marL="0" marR="0" lvl="0" indent="0" algn="l" defTabSz="914400" rtl="0" eaLnBrk="0" fontAlgn="base" latinLnBrk="0" hangingPunct="0">
+              <a:lnSpc>
+                <a:spcPct val="100000"/>
+              </a:lnSpc>
+              <a:spcBef>
+                <a:spcPct val="0"/>
+              </a:spcBef>
+              <a:spcAft>
+                <a:spcPct val="0"/>
+              </a:spcAft>
+              <a:buClrTx/>
+              <a:buSzTx/>
+              <a:buFontTx/>
+              <a:buNone/>
+              <a:tabLst/>
+            </a:pPr>
+            <a:r>
+              <a:rPr kumimoji="0" lang="tr-TR" altLang="tr-TR" sz="2400" b="0" i="0" u="none" strike="noStrike" cap="none" normalizeH="0" baseline="0" dirty="0">
+                <a:ln>
+                  <a:noFill/>
+                </a:ln>
+                <a:solidFill>
+                  <a:srgbClr val="273239"/>
+                </a:solidFill>
+                <a:effectLst/>
+                <a:latin typeface="Consolas" panose="020B0609020204030204" pitchFamily="49" charset="0"/>
+              </a:rPr>
+              <a:t>            </a:t>
+            </a:r>
+            <a:r>
+              <a:rPr kumimoji="0" lang="tr-TR" altLang="tr-TR" sz="2400" b="0" i="0" u="none" strike="noStrike" cap="none" normalizeH="0" baseline="0" dirty="0">
+                <a:ln>
+                  <a:noFill/>
+                </a:ln>
+                <a:solidFill>
+                  <a:srgbClr val="000000"/>
+                </a:solidFill>
+                <a:effectLst/>
+                <a:latin typeface="Consolas" panose="020B0609020204030204" pitchFamily="49" charset="0"/>
+              </a:rPr>
+              <a:t>});</a:t>
+            </a:r>
+            <a:endParaRPr kumimoji="0" lang="tr-TR" altLang="tr-TR" sz="1400" b="0" i="0" u="none" strike="noStrike" cap="none" normalizeH="0" baseline="0" dirty="0">
+              <a:ln>
+                <a:noFill/>
+              </a:ln>
+              <a:solidFill>
+                <a:schemeClr val="tx1"/>
+              </a:solidFill>
+              <a:effectLst/>
+            </a:endParaRPr>
+          </a:p>
+          <a:p>
+            <a:pPr marL="0" marR="0" lvl="0" indent="0" algn="l" defTabSz="914400" rtl="0" eaLnBrk="0" fontAlgn="base" latinLnBrk="0" hangingPunct="0">
+              <a:lnSpc>
+                <a:spcPct val="100000"/>
+              </a:lnSpc>
+              <a:spcBef>
+                <a:spcPct val="0"/>
+              </a:spcBef>
+              <a:spcAft>
+                <a:spcPct val="0"/>
+              </a:spcAft>
+              <a:buClrTx/>
+              <a:buSzTx/>
+              <a:buFontTx/>
+              <a:buNone/>
+              <a:tabLst/>
+            </a:pPr>
+            <a:r>
+              <a:rPr kumimoji="0" lang="tr-TR" altLang="tr-TR" sz="2400" b="0" i="0" u="none" strike="noStrike" cap="none" normalizeH="0" baseline="0" dirty="0">
+                <a:ln>
+                  <a:noFill/>
+                </a:ln>
+                <a:solidFill>
+                  <a:srgbClr val="273239"/>
+                </a:solidFill>
+                <a:effectLst/>
+                <a:latin typeface="Consolas" panose="020B0609020204030204" pitchFamily="49" charset="0"/>
+              </a:rPr>
+              <a:t>        </a:t>
+            </a:r>
+            <a:r>
+              <a:rPr kumimoji="0" lang="tr-TR" altLang="tr-TR" sz="2400" b="0" i="0" u="none" strike="noStrike" cap="none" normalizeH="0" baseline="0" dirty="0">
+                <a:ln>
+                  <a:noFill/>
+                </a:ln>
+                <a:solidFill>
+                  <a:srgbClr val="000000"/>
+                </a:solidFill>
+                <a:effectLst/>
+                <a:latin typeface="Consolas" panose="020B0609020204030204" pitchFamily="49" charset="0"/>
+              </a:rPr>
+              <a:t>}); </a:t>
+            </a:r>
+            <a:endParaRPr kumimoji="0" lang="tr-TR" altLang="tr-TR" sz="1400" b="0" i="0" u="none" strike="noStrike" cap="none" normalizeH="0" baseline="0" dirty="0">
+              <a:ln>
+                <a:noFill/>
+              </a:ln>
+              <a:solidFill>
+                <a:schemeClr val="tx1"/>
+              </a:solidFill>
+              <a:effectLst/>
+            </a:endParaRPr>
+          </a:p>
+          <a:p>
+            <a:pPr marL="0" marR="0" lvl="0" indent="0" algn="l" defTabSz="914400" rtl="0" eaLnBrk="0" fontAlgn="base" latinLnBrk="0" hangingPunct="0">
+              <a:lnSpc>
+                <a:spcPct val="100000"/>
+              </a:lnSpc>
+              <a:spcBef>
+                <a:spcPct val="0"/>
+              </a:spcBef>
+              <a:spcAft>
+                <a:spcPct val="0"/>
+              </a:spcAft>
+              <a:buClrTx/>
+              <a:buSzTx/>
+              <a:buFontTx/>
+              <a:buNone/>
+              <a:tabLst/>
+            </a:pPr>
+            <a:r>
+              <a:rPr kumimoji="0" lang="tr-TR" altLang="tr-TR" sz="2400" b="0" i="0" u="none" strike="noStrike" cap="none" normalizeH="0" baseline="0" dirty="0">
+                <a:ln>
+                  <a:noFill/>
+                </a:ln>
+                <a:solidFill>
+                  <a:srgbClr val="273239"/>
+                </a:solidFill>
+                <a:effectLst/>
+                <a:latin typeface="Consolas" panose="020B0609020204030204" pitchFamily="49" charset="0"/>
+              </a:rPr>
+              <a:t>    </a:t>
+            </a:r>
+            <a:r>
+              <a:rPr kumimoji="0" lang="tr-TR" altLang="tr-TR" sz="2400" b="0" i="0" u="none" strike="noStrike" cap="none" normalizeH="0" baseline="0" dirty="0">
+                <a:ln>
+                  <a:noFill/>
+                </a:ln>
+                <a:solidFill>
+                  <a:srgbClr val="000000"/>
+                </a:solidFill>
+                <a:effectLst/>
+                <a:latin typeface="Consolas" panose="020B0609020204030204" pitchFamily="49" charset="0"/>
+              </a:rPr>
+              <a:t>&lt;/</a:t>
+            </a:r>
+            <a:r>
+              <a:rPr kumimoji="0" lang="tr-TR" altLang="tr-TR" sz="2400" b="1" i="0" u="none" strike="noStrike" cap="none" normalizeH="0" baseline="0" dirty="0" err="1">
+                <a:ln>
+                  <a:noFill/>
+                </a:ln>
+                <a:solidFill>
+                  <a:srgbClr val="006699"/>
+                </a:solidFill>
+                <a:effectLst/>
+                <a:latin typeface="Consolas" panose="020B0609020204030204" pitchFamily="49" charset="0"/>
+              </a:rPr>
+              <a:t>script</a:t>
+            </a:r>
+            <a:r>
+              <a:rPr kumimoji="0" lang="tr-TR" altLang="tr-TR" sz="2400" b="0" i="0" u="none" strike="noStrike" cap="none" normalizeH="0" baseline="0" dirty="0">
+                <a:ln>
+                  <a:noFill/>
+                </a:ln>
+                <a:solidFill>
+                  <a:srgbClr val="000000"/>
+                </a:solidFill>
+                <a:effectLst/>
+                <a:latin typeface="Consolas" panose="020B0609020204030204" pitchFamily="49" charset="0"/>
+              </a:rPr>
+              <a:t>&gt;</a:t>
+            </a:r>
+            <a:endParaRPr kumimoji="0" lang="tr-TR" altLang="tr-TR" sz="1400" b="0" i="0" u="none" strike="noStrike" cap="none" normalizeH="0" baseline="0" dirty="0">
+              <a:ln>
+                <a:noFill/>
+              </a:ln>
+              <a:solidFill>
+                <a:schemeClr val="tx1"/>
+              </a:solidFill>
+              <a:effectLst/>
+            </a:endParaRPr>
+          </a:p>
+          <a:p>
+            <a:pPr marL="0" marR="0" lvl="0" indent="0" algn="l" defTabSz="914400" rtl="0" eaLnBrk="0" fontAlgn="base" latinLnBrk="0" hangingPunct="0">
+              <a:lnSpc>
+                <a:spcPct val="100000"/>
+              </a:lnSpc>
+              <a:spcBef>
+                <a:spcPct val="0"/>
+              </a:spcBef>
+              <a:spcAft>
+                <a:spcPct val="0"/>
+              </a:spcAft>
+              <a:buClrTx/>
+              <a:buSzTx/>
+              <a:buFontTx/>
+              <a:buNone/>
+              <a:tabLst/>
+            </a:pPr>
+            <a:r>
+              <a:rPr kumimoji="0" lang="tr-TR" altLang="tr-TR" sz="2400" b="0" i="0" u="none" strike="noStrike" cap="none" normalizeH="0" baseline="0" dirty="0">
+                <a:ln>
+                  <a:noFill/>
+                </a:ln>
+                <a:solidFill>
+                  <a:srgbClr val="000000"/>
+                </a:solidFill>
+                <a:effectLst/>
+                <a:latin typeface="Consolas" panose="020B0609020204030204" pitchFamily="49" charset="0"/>
+              </a:rPr>
+              <a:t>&lt;/</a:t>
+            </a:r>
+            <a:r>
+              <a:rPr kumimoji="0" lang="tr-TR" altLang="tr-TR" sz="2400" b="1" i="0" u="none" strike="noStrike" cap="none" normalizeH="0" baseline="0" dirty="0">
+                <a:ln>
+                  <a:noFill/>
+                </a:ln>
+                <a:solidFill>
+                  <a:srgbClr val="006699"/>
+                </a:solidFill>
+                <a:effectLst/>
+                <a:latin typeface="Consolas" panose="020B0609020204030204" pitchFamily="49" charset="0"/>
+              </a:rPr>
+              <a:t>body</a:t>
+            </a:r>
+            <a:r>
+              <a:rPr kumimoji="0" lang="tr-TR" altLang="tr-TR" sz="2400" b="0" i="0" u="none" strike="noStrike" cap="none" normalizeH="0" baseline="0" dirty="0">
+                <a:ln>
+                  <a:noFill/>
+                </a:ln>
+                <a:solidFill>
+                  <a:srgbClr val="000000"/>
+                </a:solidFill>
+                <a:effectLst/>
+                <a:latin typeface="Consolas" panose="020B0609020204030204" pitchFamily="49" charset="0"/>
+              </a:rPr>
+              <a:t>&gt;</a:t>
+            </a:r>
+            <a:endParaRPr kumimoji="0" lang="tr-TR" altLang="tr-TR" sz="1400" b="0" i="0" u="none" strike="noStrike" cap="none" normalizeH="0" baseline="0" dirty="0">
+              <a:ln>
+                <a:noFill/>
+              </a:ln>
+              <a:solidFill>
+                <a:schemeClr val="tx1"/>
+              </a:solidFill>
+              <a:effectLst/>
+            </a:endParaRPr>
+          </a:p>
+          <a:p>
+            <a:pPr marL="0" marR="0" lvl="0" indent="0" algn="l" defTabSz="914400" rtl="0" eaLnBrk="0" fontAlgn="base" latinLnBrk="0" hangingPunct="0">
+              <a:lnSpc>
+                <a:spcPct val="100000"/>
+              </a:lnSpc>
+              <a:spcBef>
+                <a:spcPct val="0"/>
+              </a:spcBef>
+              <a:spcAft>
+                <a:spcPct val="0"/>
+              </a:spcAft>
+              <a:buClrTx/>
+              <a:buSzTx/>
+              <a:buFontTx/>
+              <a:buNone/>
+              <a:tabLst/>
+            </a:pPr>
+            <a:r>
+              <a:rPr kumimoji="0" lang="tr-TR" altLang="tr-TR" sz="2400" b="0" i="0" u="none" strike="noStrike" cap="none" normalizeH="0" baseline="0" dirty="0">
+                <a:ln>
+                  <a:noFill/>
+                </a:ln>
+                <a:solidFill>
+                  <a:srgbClr val="000000"/>
+                </a:solidFill>
+                <a:effectLst/>
+                <a:latin typeface="Consolas" panose="020B0609020204030204" pitchFamily="49" charset="0"/>
+              </a:rPr>
+              <a:t>&lt;/</a:t>
+            </a:r>
+            <a:r>
+              <a:rPr kumimoji="0" lang="tr-TR" altLang="tr-TR" sz="2400" b="1" i="0" u="none" strike="noStrike" cap="none" normalizeH="0" baseline="0" dirty="0">
+                <a:ln>
+                  <a:noFill/>
+                </a:ln>
+                <a:solidFill>
+                  <a:srgbClr val="006699"/>
+                </a:solidFill>
+                <a:effectLst/>
+                <a:latin typeface="Consolas" panose="020B0609020204030204" pitchFamily="49" charset="0"/>
+              </a:rPr>
+              <a:t>html</a:t>
+            </a:r>
+            <a:r>
+              <a:rPr kumimoji="0" lang="tr-TR" altLang="tr-TR" sz="2400" b="0" i="0" u="none" strike="noStrike" cap="none" normalizeH="0" baseline="0" dirty="0">
+                <a:ln>
+                  <a:noFill/>
+                </a:ln>
+                <a:solidFill>
+                  <a:srgbClr val="000000"/>
+                </a:solidFill>
+                <a:effectLst/>
+                <a:latin typeface="Consolas" panose="020B0609020204030204" pitchFamily="49" charset="0"/>
+              </a:rPr>
+              <a:t>&gt; </a:t>
+            </a:r>
+            <a:endParaRPr kumimoji="0" lang="tr-TR" altLang="tr-TR" sz="4000" b="0" i="0" u="none" strike="noStrike" cap="none" normalizeH="0" baseline="0" dirty="0">
+              <a:ln>
+                <a:noFill/>
+              </a:ln>
+              <a:solidFill>
+                <a:schemeClr val="tx1"/>
+              </a:solidFill>
+              <a:effectLst/>
+              <a:latin typeface="Arial" panose="020B0604020202020204" pitchFamily="34" charset="0"/>
+            </a:endParaRPr>
+          </a:p>
+          <a:p>
+            <a:endParaRPr lang="tr-TR" dirty="0"/>
+          </a:p>
+        </p:txBody>
+      </p:sp>
+    </p:spTree>
+    <p:extLst>
+      <p:ext uri="{BB962C8B-B14F-4D97-AF65-F5344CB8AC3E}">
+        <p14:creationId xmlns:p14="http://schemas.microsoft.com/office/powerpoint/2010/main" val="3857507436"/>
+      </p:ext>
+    </p:extLst>
+  </p:cSld>
+  <p:clrMapOvr>
+    <a:masterClrMapping/>
+  </p:clrMapOvr>
+</p:sld>
+</file>
+
+<file path=ppt/slides/slide75.xml><?xml version="1.0" encoding="utf-8"?>
+<p:sld xmlns:a="http://schemas.openxmlformats.org/drawingml/2006/main" xmlns:r="http://schemas.openxmlformats.org/officeDocument/2006/relationships" xmlns:p="http://schemas.openxmlformats.org/presentationml/2006/main">
+  <p:cSld>
+    <p:spTree>
+      <p:nvGrpSpPr>
+        <p:cNvPr id="1" name=""/>
+        <p:cNvGrpSpPr/>
+        <p:nvPr/>
+      </p:nvGrpSpPr>
+      <p:grpSpPr>
+        <a:xfrm>
+          <a:off x="0" y="0"/>
+          <a:ext cx="0" cy="0"/>
+          <a:chOff x="0" y="0"/>
+          <a:chExt cx="0" cy="0"/>
+        </a:xfrm>
+      </p:grpSpPr>
+      <p:sp>
+        <p:nvSpPr>
+          <p:cNvPr id="2" name="Başlık 1">
+            <a:extLst>
+              <a:ext uri="{FF2B5EF4-FFF2-40B4-BE49-F238E27FC236}">
+                <a16:creationId xmlns:a16="http://schemas.microsoft.com/office/drawing/2014/main" id="{29B1BB1A-3D87-45C3-8209-1E22AD755F4F}"/>
+              </a:ext>
+            </a:extLst>
+          </p:cNvPr>
+          <p:cNvSpPr>
+            <a:spLocks noGrp="1"/>
+          </p:cNvSpPr>
+          <p:nvPr>
+            <p:ph type="title"/>
+          </p:nvPr>
+        </p:nvSpPr>
+        <p:spPr/>
+        <p:txBody>
+          <a:bodyPr/>
+          <a:lstStyle/>
+          <a:p>
+            <a:endParaRPr lang="tr-TR"/>
+          </a:p>
+        </p:txBody>
+      </p:sp>
+      <p:sp>
+        <p:nvSpPr>
+          <p:cNvPr id="3" name="İçerik Yer Tutucusu 2">
+            <a:extLst>
+              <a:ext uri="{FF2B5EF4-FFF2-40B4-BE49-F238E27FC236}">
+                <a16:creationId xmlns:a16="http://schemas.microsoft.com/office/drawing/2014/main" id="{2BDFD495-3A8D-4A21-B2C3-CDB5BD321E76}"/>
+              </a:ext>
+            </a:extLst>
+          </p:cNvPr>
+          <p:cNvSpPr>
+            <a:spLocks noGrp="1"/>
+          </p:cNvSpPr>
+          <p:nvPr>
+            <p:ph idx="1"/>
+          </p:nvPr>
+        </p:nvSpPr>
+        <p:spPr/>
+        <p:txBody>
+          <a:bodyPr/>
+          <a:lstStyle/>
+          <a:p>
+            <a:r>
+              <a:rPr lang="tr-TR" dirty="0" err="1"/>
+              <a:t>Jquery</a:t>
+            </a:r>
+            <a:r>
+              <a:rPr lang="tr-TR" dirty="0"/>
+              <a:t> ile bir p </a:t>
+            </a:r>
+            <a:r>
+              <a:rPr lang="tr-TR" dirty="0" err="1"/>
+              <a:t>tag</a:t>
+            </a:r>
+            <a:r>
+              <a:rPr lang="tr-TR" dirty="0"/>
+              <a:t> ine </a:t>
+            </a:r>
+            <a:r>
+              <a:rPr lang="tr-TR" dirty="0" err="1"/>
+              <a:t>class</a:t>
+            </a:r>
+            <a:r>
+              <a:rPr lang="tr-TR" dirty="0"/>
+              <a:t> ekleyin. Ayrıca ayrı bir p </a:t>
+            </a:r>
+            <a:r>
+              <a:rPr lang="tr-TR" dirty="0" err="1"/>
+              <a:t>tag</a:t>
+            </a:r>
+            <a:r>
+              <a:rPr lang="tr-TR" dirty="0"/>
+              <a:t> ine </a:t>
+            </a:r>
+            <a:r>
+              <a:rPr lang="tr-TR" dirty="0" err="1"/>
+              <a:t>css</a:t>
+            </a:r>
+            <a:r>
+              <a:rPr lang="tr-TR" dirty="0"/>
+              <a:t> ekleyiniz.</a:t>
+            </a:r>
+          </a:p>
+          <a:p>
+            <a:r>
+              <a:rPr lang="tr-TR" dirty="0" err="1"/>
+              <a:t>Jquery</a:t>
+            </a:r>
+            <a:r>
+              <a:rPr lang="tr-TR" dirty="0"/>
+              <a:t> ile bir butonun üzerine gelince </a:t>
+            </a:r>
+            <a:r>
+              <a:rPr lang="tr-TR" dirty="0" err="1"/>
+              <a:t>alert</a:t>
+            </a:r>
+            <a:r>
+              <a:rPr lang="tr-TR" dirty="0"/>
+              <a:t> çıkartmayı sağlayınız.</a:t>
+            </a:r>
+          </a:p>
+          <a:p>
+            <a:r>
+              <a:rPr lang="tr-TR" dirty="0" err="1"/>
+              <a:t>Bootstrap</a:t>
+            </a:r>
+            <a:r>
+              <a:rPr lang="tr-TR" dirty="0"/>
+              <a:t> bir </a:t>
+            </a:r>
+            <a:r>
+              <a:rPr lang="tr-TR" dirty="0" err="1"/>
+              <a:t>modal</a:t>
+            </a:r>
+            <a:r>
+              <a:rPr lang="tr-TR" dirty="0"/>
+              <a:t> açma özelliğiyle ilgili örnek yapınız.</a:t>
+            </a:r>
+          </a:p>
+          <a:p>
+            <a:endParaRPr lang="tr-TR" dirty="0"/>
+          </a:p>
+        </p:txBody>
+      </p:sp>
+    </p:spTree>
+    <p:extLst>
+      <p:ext uri="{BB962C8B-B14F-4D97-AF65-F5344CB8AC3E}">
+        <p14:creationId xmlns:p14="http://schemas.microsoft.com/office/powerpoint/2010/main" val="563417707"/>
+      </p:ext>
+    </p:extLst>
+  </p:cSld>
+  <p:clrMapOvr>
+    <a:masterClrMapping/>
+  </p:clrMapOvr>
+</p:sld>
+</file>
+
+<file path=ppt/slides/slide76.xml><?xml version="1.0" encoding="utf-8"?>
+<p:sld xmlns:a="http://schemas.openxmlformats.org/drawingml/2006/main" xmlns:r="http://schemas.openxmlformats.org/officeDocument/2006/relationships" xmlns:p="http://schemas.openxmlformats.org/presentationml/2006/main">
+  <p:cSld>
+    <p:spTree>
+      <p:nvGrpSpPr>
+        <p:cNvPr id="1" name=""/>
+        <p:cNvGrpSpPr/>
+        <p:nvPr/>
+      </p:nvGrpSpPr>
+      <p:grpSpPr>
+        <a:xfrm>
+          <a:off x="0" y="0"/>
+          <a:ext cx="0" cy="0"/>
+          <a:chOff x="0" y="0"/>
+          <a:chExt cx="0" cy="0"/>
+        </a:xfrm>
+      </p:grpSpPr>
+      <p:sp>
+        <p:nvSpPr>
+          <p:cNvPr id="2" name="Başlık 1">
+            <a:extLst>
+              <a:ext uri="{FF2B5EF4-FFF2-40B4-BE49-F238E27FC236}">
+                <a16:creationId xmlns:a16="http://schemas.microsoft.com/office/drawing/2014/main" id="{3232F764-809F-432B-8AE4-682FD4A58E8C}"/>
+              </a:ext>
+            </a:extLst>
+          </p:cNvPr>
+          <p:cNvSpPr>
+            <a:spLocks noGrp="1"/>
+          </p:cNvSpPr>
+          <p:nvPr>
+            <p:ph type="title"/>
+          </p:nvPr>
+        </p:nvSpPr>
+        <p:spPr/>
+        <p:txBody>
+          <a:bodyPr>
+            <a:normAutofit fontScale="90000"/>
+          </a:bodyPr>
+          <a:lstStyle/>
+          <a:p>
+            <a:r>
+              <a:rPr lang="tr-TR" dirty="0" err="1"/>
+              <a:t>Bootstrap</a:t>
+            </a:r>
+            <a:r>
+              <a:rPr lang="tr-TR" dirty="0"/>
+              <a:t> ile aşağıdaki sayfayı tasarlayınız. </a:t>
+            </a:r>
+            <a:r>
+              <a:rPr lang="tr-TR" dirty="0" err="1"/>
+              <a:t>Sign</a:t>
+            </a:r>
+            <a:r>
+              <a:rPr lang="tr-TR" dirty="0"/>
+              <a:t> in butonuna tıklayınca başka bir sayfa açın ve hoş geldiniz yazması yeterli</a:t>
+            </a:r>
+          </a:p>
+        </p:txBody>
+      </p:sp>
+      <p:pic>
+        <p:nvPicPr>
+          <p:cNvPr id="5" name="İçerik Yer Tutucusu 4">
+            <a:extLst>
+              <a:ext uri="{FF2B5EF4-FFF2-40B4-BE49-F238E27FC236}">
+                <a16:creationId xmlns:a16="http://schemas.microsoft.com/office/drawing/2014/main" id="{57386EDC-8B8B-454A-9FDD-B433E8D23009}"/>
+              </a:ext>
+            </a:extLst>
+          </p:cNvPr>
+          <p:cNvPicPr>
+            <a:picLocks noGrp="1" noChangeAspect="1"/>
+          </p:cNvPicPr>
+          <p:nvPr>
+            <p:ph idx="1"/>
+          </p:nvPr>
+        </p:nvPicPr>
+        <p:blipFill>
+          <a:blip r:embed="rId2"/>
+          <a:stretch>
+            <a:fillRect/>
+          </a:stretch>
+        </p:blipFill>
+        <p:spPr>
+          <a:xfrm>
+            <a:off x="1986816" y="2557463"/>
+            <a:ext cx="8218368" cy="3317875"/>
+          </a:xfrm>
+        </p:spPr>
+      </p:pic>
+    </p:spTree>
+    <p:extLst>
+      <p:ext uri="{BB962C8B-B14F-4D97-AF65-F5344CB8AC3E}">
+        <p14:creationId xmlns:p14="http://schemas.microsoft.com/office/powerpoint/2010/main" val="3821294699"/>
+      </p:ext>
+    </p:extLst>
+  </p:cSld>
+  <p:clrMapOvr>
+    <a:masterClrMapping/>
+  </p:clrMapOvr>
+</p:sld>
+</file>
+
+<file path=ppt/slides/slide77.xml><?xml version="1.0" encoding="utf-8"?>
+<p:sld xmlns:a="http://schemas.openxmlformats.org/drawingml/2006/main" xmlns:r="http://schemas.openxmlformats.org/officeDocument/2006/relationships" xmlns:p="http://schemas.openxmlformats.org/presentationml/2006/main">
+  <p:cSld>
+    <p:spTree>
+      <p:nvGrpSpPr>
+        <p:cNvPr id="1" name=""/>
+        <p:cNvGrpSpPr/>
+        <p:nvPr/>
+      </p:nvGrpSpPr>
+      <p:grpSpPr>
+        <a:xfrm>
+          <a:off x="0" y="0"/>
+          <a:ext cx="0" cy="0"/>
+          <a:chOff x="0" y="0"/>
+          <a:chExt cx="0" cy="0"/>
+        </a:xfrm>
+      </p:grpSpPr>
+      <p:sp>
+        <p:nvSpPr>
+          <p:cNvPr id="2" name="Başlık 1">
+            <a:extLst>
+              <a:ext uri="{FF2B5EF4-FFF2-40B4-BE49-F238E27FC236}">
+                <a16:creationId xmlns:a16="http://schemas.microsoft.com/office/drawing/2014/main" id="{79D64AF8-9428-4BB1-B326-0352E54CB49A}"/>
+              </a:ext>
+            </a:extLst>
+          </p:cNvPr>
+          <p:cNvSpPr>
+            <a:spLocks noGrp="1"/>
+          </p:cNvSpPr>
+          <p:nvPr>
+            <p:ph type="title"/>
+          </p:nvPr>
+        </p:nvSpPr>
+        <p:spPr/>
+        <p:txBody>
+          <a:bodyPr/>
+          <a:lstStyle/>
+          <a:p>
+            <a:endParaRPr lang="tr-TR"/>
+          </a:p>
+        </p:txBody>
+      </p:sp>
+      <p:sp>
+        <p:nvSpPr>
+          <p:cNvPr id="3" name="İçerik Yer Tutucusu 2">
+            <a:extLst>
+              <a:ext uri="{FF2B5EF4-FFF2-40B4-BE49-F238E27FC236}">
+                <a16:creationId xmlns:a16="http://schemas.microsoft.com/office/drawing/2014/main" id="{7D364474-23BC-482E-BFFF-AE34D34CBD68}"/>
+              </a:ext>
+            </a:extLst>
+          </p:cNvPr>
+          <p:cNvSpPr>
+            <a:spLocks noGrp="1"/>
+          </p:cNvSpPr>
+          <p:nvPr>
+            <p:ph idx="1"/>
+          </p:nvPr>
+        </p:nvSpPr>
+        <p:spPr/>
+        <p:txBody>
+          <a:bodyPr/>
+          <a:lstStyle/>
+          <a:p>
+            <a:r>
+              <a:rPr lang="tr-TR" dirty="0"/>
+              <a:t>Dinlediğiniz </a:t>
+            </a:r>
+            <a:r>
+              <a:rPr lang="tr-TR"/>
+              <a:t>için teşekkürler</a:t>
+            </a:r>
+          </a:p>
+        </p:txBody>
+      </p:sp>
+    </p:spTree>
+    <p:extLst>
+      <p:ext uri="{BB962C8B-B14F-4D97-AF65-F5344CB8AC3E}">
+        <p14:creationId xmlns:p14="http://schemas.microsoft.com/office/powerpoint/2010/main" val="2526602314"/>
+      </p:ext>
+    </p:extLst>
+  </p:cSld>
+  <p:clrMapOvr>
+    <a:masterClrMapping/>
+  </p:clrMapOvr>
+</p:sld>
+</file>
+
 <file path=ppt/slides/slide8.xml><?xml version="1.0" encoding="utf-8"?>
 <p:sld xmlns:a="http://schemas.openxmlformats.org/drawingml/2006/main" xmlns:r="http://schemas.openxmlformats.org/officeDocument/2006/relationships" xmlns:p="http://schemas.openxmlformats.org/presentationml/2006/main">
   <p:cSld>

--- a/WebProgramlamayaGiriş.pptx
+++ b/WebProgramlamayaGiriş.pptx
@@ -1,8 +1,8 @@
 
 <file path=ppt/presentation.xml><?xml version="1.0" encoding="utf-8"?>
-<p:presentation xmlns:a="http://schemas.openxmlformats.org/drawingml/2006/main" xmlns:r="http://schemas.openxmlformats.org/officeDocument/2006/relationships" xmlns:p="http://schemas.openxmlformats.org/presentationml/2006/main" saveSubsetFonts="1">
+<p:presentation xmlns:a="http://schemas.openxmlformats.org/drawingml/2006/main" xmlns:r="http://schemas.openxmlformats.org/officeDocument/2006/relationships" xmlns:p="http://schemas.openxmlformats.org/presentationml/2006/main">
   <p:sldMasterIdLst>
-    <p:sldMasterId id="2147483660" r:id="rId1"/>
+    <p:sldMasterId id="2147483648" r:id="rId1"/>
   </p:sldMasterIdLst>
   <p:sldIdLst>
     <p:sldId id="256" r:id="rId2"/>
@@ -81,7 +81,12 @@
     <p:sldId id="329" r:id="rId75"/>
     <p:sldId id="330" r:id="rId76"/>
     <p:sldId id="331" r:id="rId77"/>
-    <p:sldId id="332" r:id="rId78"/>
+    <p:sldId id="333" r:id="rId78"/>
+    <p:sldId id="334" r:id="rId79"/>
+    <p:sldId id="335" r:id="rId80"/>
+    <p:sldId id="336" r:id="rId81"/>
+    <p:sldId id="337" r:id="rId82"/>
+    <p:sldId id="332" r:id="rId83"/>
   </p:sldIdLst>
   <p:sldSz cx="12192000" cy="6858000"/>
   <p:notesSz cx="6858000" cy="9144000"/>
@@ -300,7 +305,9 @@
               </a:extLst>
             </a:blip>
             <a:srcRect/>
-            <a:stretch/>
+            <a:stretch>
+              <a:fillRect/>
+            </a:stretch>
           </p:blipFill>
           <p:spPr>
             <a:xfrm>
@@ -329,7 +336,9 @@
               </a:extLst>
             </a:blip>
             <a:srcRect/>
-            <a:stretch/>
+            <a:stretch>
+              <a:fillRect/>
+            </a:stretch>
           </p:blipFill>
           <p:spPr>
             <a:xfrm>
@@ -349,7 +358,7 @@
             <a:spLocks noGrp="1"/>
           </p:cNvSpPr>
           <p:nvPr>
-            <p:ph type="ctrTitle"/>
+            <p:ph type="ctrTitle" hasCustomPrompt="1"/>
           </p:nvPr>
         </p:nvSpPr>
         <p:spPr>
@@ -385,7 +394,7 @@
             <a:spLocks noGrp="1"/>
           </p:cNvSpPr>
           <p:nvPr>
-            <p:ph type="subTitle" idx="1"/>
+            <p:ph type="subTitle" idx="1" hasCustomPrompt="1"/>
           </p:nvPr>
         </p:nvSpPr>
         <p:spPr>
@@ -519,7 +528,7 @@
           <a:p>
             <a:fld id="{63A1C593-65D0-4073-BCC9-577B9352EA97}" type="datetimeFigureOut">
               <a:rPr lang="en-US" smtClean="0"/>
-              <a:t>5/29/2022</a:t>
+              <a:t>6/3/2022</a:t>
             </a:fld>
             <a:endParaRPr lang="en-US"/>
           </a:p>
@@ -608,11 +617,6 @@
         </p:style>
       </p:cxnSp>
     </p:spTree>
-    <p:extLst>
-      <p:ext uri="{BB962C8B-B14F-4D97-AF65-F5344CB8AC3E}">
-        <p14:creationId xmlns:p14="http://schemas.microsoft.com/office/powerpoint/2010/main" val="4005263628"/>
-      </p:ext>
-    </p:extLst>
   </p:cSld>
   <p:clrMapOvr>
     <a:masterClrMapping/>
@@ -644,7 +648,7 @@
             <a:spLocks noGrp="1"/>
           </p:cNvSpPr>
           <p:nvPr>
-            <p:ph type="title"/>
+            <p:ph type="title" hasCustomPrompt="1"/>
           </p:nvPr>
         </p:nvSpPr>
         <p:spPr>
@@ -678,7 +682,7 @@
             <a:spLocks noGrp="1" noChangeAspect="1"/>
           </p:cNvSpPr>
           <p:nvPr>
-            <p:ph type="pic" idx="1"/>
+            <p:ph type="pic" idx="1" hasCustomPrompt="1"/>
           </p:nvPr>
         </p:nvSpPr>
         <p:spPr>
@@ -766,7 +770,7 @@
             <a:spLocks noGrp="1"/>
           </p:cNvSpPr>
           <p:nvPr>
-            <p:ph type="body" sz="half" idx="2"/>
+            <p:ph type="body" sz="half" idx="2" hasCustomPrompt="1"/>
           </p:nvPr>
         </p:nvSpPr>
         <p:spPr>
@@ -843,7 +847,7 @@
           <a:p>
             <a:fld id="{63A1C593-65D0-4073-BCC9-577B9352EA97}" type="datetimeFigureOut">
               <a:rPr lang="en-US" smtClean="0"/>
-              <a:t>5/29/2022</a:t>
+              <a:t>6/3/2022</a:t>
             </a:fld>
             <a:endParaRPr lang="en-US"/>
           </a:p>
@@ -892,11 +896,6 @@
         </p:txBody>
       </p:sp>
     </p:spTree>
-    <p:extLst>
-      <p:ext uri="{BB962C8B-B14F-4D97-AF65-F5344CB8AC3E}">
-        <p14:creationId xmlns:p14="http://schemas.microsoft.com/office/powerpoint/2010/main" val="1250299592"/>
-      </p:ext>
-    </p:extLst>
   </p:cSld>
   <p:clrMapOvr>
     <a:masterClrMapping/>
@@ -928,7 +927,7 @@
             <a:spLocks noGrp="1"/>
           </p:cNvSpPr>
           <p:nvPr>
-            <p:ph type="title"/>
+            <p:ph type="title" hasCustomPrompt="1"/>
           </p:nvPr>
         </p:nvSpPr>
         <p:spPr>
@@ -962,7 +961,7 @@
             <a:spLocks noGrp="1"/>
           </p:cNvSpPr>
           <p:nvPr>
-            <p:ph type="body" idx="1"/>
+            <p:ph type="body" idx="1" hasCustomPrompt="1"/>
           </p:nvPr>
         </p:nvSpPr>
         <p:spPr>
@@ -1091,7 +1090,7 @@
           <a:p>
             <a:fld id="{63A1C593-65D0-4073-BCC9-577B9352EA97}" type="datetimeFigureOut">
               <a:rPr lang="en-US" smtClean="0"/>
-              <a:t>5/29/2022</a:t>
+              <a:t>6/3/2022</a:t>
             </a:fld>
             <a:endParaRPr lang="en-US"/>
           </a:p>
@@ -1171,11 +1170,6 @@
         </p:style>
       </p:cxnSp>
     </p:spTree>
-    <p:extLst>
-      <p:ext uri="{BB962C8B-B14F-4D97-AF65-F5344CB8AC3E}">
-        <p14:creationId xmlns:p14="http://schemas.microsoft.com/office/powerpoint/2010/main" val="1282774075"/>
-      </p:ext>
-    </p:extLst>
   </p:cSld>
   <p:clrMapOvr>
     <a:masterClrMapping/>
@@ -1207,7 +1201,7 @@
             <a:spLocks noGrp="1"/>
           </p:cNvSpPr>
           <p:nvPr>
-            <p:ph type="title"/>
+            <p:ph type="title" hasCustomPrompt="1"/>
           </p:nvPr>
         </p:nvSpPr>
         <p:spPr>
@@ -1245,7 +1239,7 @@
             <a:spLocks noGrp="1"/>
           </p:cNvSpPr>
           <p:nvPr>
-            <p:ph type="body" sz="quarter" idx="13"/>
+            <p:ph type="body" sz="quarter" idx="13" hasCustomPrompt="1"/>
           </p:nvPr>
         </p:nvSpPr>
         <p:spPr>
@@ -1301,7 +1295,7 @@
             <a:spLocks noGrp="1"/>
           </p:cNvSpPr>
           <p:nvPr>
-            <p:ph type="body" idx="1"/>
+            <p:ph type="body" idx="1" hasCustomPrompt="1"/>
           </p:nvPr>
         </p:nvSpPr>
         <p:spPr>
@@ -1430,7 +1424,7 @@
           <a:p>
             <a:fld id="{63A1C593-65D0-4073-BCC9-577B9352EA97}" type="datetimeFigureOut">
               <a:rPr lang="en-US" smtClean="0"/>
-              <a:t>5/29/2022</a:t>
+              <a:t>6/3/2022</a:t>
             </a:fld>
             <a:endParaRPr lang="en-US"/>
           </a:p>
@@ -1578,11 +1572,6 @@
         </p:style>
       </p:cxnSp>
     </p:spTree>
-    <p:extLst>
-      <p:ext uri="{BB962C8B-B14F-4D97-AF65-F5344CB8AC3E}">
-        <p14:creationId xmlns:p14="http://schemas.microsoft.com/office/powerpoint/2010/main" val="824343422"/>
-      </p:ext>
-    </p:extLst>
   </p:cSld>
   <p:clrMapOvr>
     <a:masterClrMapping/>
@@ -1614,7 +1603,7 @@
             <a:spLocks noGrp="1"/>
           </p:cNvSpPr>
           <p:nvPr>
-            <p:ph type="title"/>
+            <p:ph type="title" hasCustomPrompt="1"/>
           </p:nvPr>
         </p:nvSpPr>
         <p:spPr>
@@ -1648,7 +1637,7 @@
             <a:spLocks noGrp="1"/>
           </p:cNvSpPr>
           <p:nvPr>
-            <p:ph type="body" idx="1"/>
+            <p:ph type="body" idx="1" hasCustomPrompt="1"/>
           </p:nvPr>
         </p:nvSpPr>
         <p:spPr>
@@ -1777,7 +1766,7 @@
           <a:p>
             <a:fld id="{63A1C593-65D0-4073-BCC9-577B9352EA97}" type="datetimeFigureOut">
               <a:rPr lang="en-US" smtClean="0"/>
-              <a:t>5/29/2022</a:t>
+              <a:t>6/3/2022</a:t>
             </a:fld>
             <a:endParaRPr lang="en-US"/>
           </a:p>
@@ -1826,11 +1815,6 @@
         </p:txBody>
       </p:sp>
     </p:spTree>
-    <p:extLst>
-      <p:ext uri="{BB962C8B-B14F-4D97-AF65-F5344CB8AC3E}">
-        <p14:creationId xmlns:p14="http://schemas.microsoft.com/office/powerpoint/2010/main" val="982226185"/>
-      </p:ext>
-    </p:extLst>
   </p:cSld>
   <p:clrMapOvr>
     <a:masterClrMapping/>
@@ -1862,7 +1846,7 @@
             <a:spLocks noGrp="1"/>
           </p:cNvSpPr>
           <p:nvPr>
-            <p:ph type="title"/>
+            <p:ph type="title" hasCustomPrompt="1"/>
           </p:nvPr>
         </p:nvSpPr>
         <p:spPr>
@@ -1900,7 +1884,7 @@
             <a:spLocks noGrp="1"/>
           </p:cNvSpPr>
           <p:nvPr>
-            <p:ph type="body" idx="13"/>
+            <p:ph type="body" idx="13" hasCustomPrompt="1"/>
           </p:nvPr>
         </p:nvSpPr>
         <p:spPr>
@@ -2022,7 +2006,7 @@
             <a:spLocks noGrp="1"/>
           </p:cNvSpPr>
           <p:nvPr>
-            <p:ph type="body" idx="1"/>
+            <p:ph type="body" idx="1" hasCustomPrompt="1"/>
           </p:nvPr>
         </p:nvSpPr>
         <p:spPr>
@@ -2151,7 +2135,7 @@
           <a:p>
             <a:fld id="{63A1C593-65D0-4073-BCC9-577B9352EA97}" type="datetimeFigureOut">
               <a:rPr lang="en-US" smtClean="0"/>
-              <a:t>5/29/2022</a:t>
+              <a:t>6/3/2022</a:t>
             </a:fld>
             <a:endParaRPr lang="en-US"/>
           </a:p>
@@ -2299,11 +2283,6 @@
         </p:style>
       </p:cxnSp>
     </p:spTree>
-    <p:extLst>
-      <p:ext uri="{BB962C8B-B14F-4D97-AF65-F5344CB8AC3E}">
-        <p14:creationId xmlns:p14="http://schemas.microsoft.com/office/powerpoint/2010/main" val="1800469208"/>
-      </p:ext>
-    </p:extLst>
   </p:cSld>
   <p:clrMapOvr>
     <a:masterClrMapping/>
@@ -2335,7 +2314,7 @@
             <a:spLocks noGrp="1"/>
           </p:cNvSpPr>
           <p:nvPr>
-            <p:ph type="title"/>
+            <p:ph type="title" hasCustomPrompt="1"/>
           </p:nvPr>
         </p:nvSpPr>
         <p:spPr>
@@ -2370,7 +2349,7 @@
             <a:spLocks noGrp="1"/>
           </p:cNvSpPr>
           <p:nvPr>
-            <p:ph type="body" idx="13"/>
+            <p:ph type="body" idx="13" hasCustomPrompt="1"/>
           </p:nvPr>
         </p:nvSpPr>
         <p:spPr>
@@ -2492,7 +2471,7 @@
             <a:spLocks noGrp="1"/>
           </p:cNvSpPr>
           <p:nvPr>
-            <p:ph type="body" idx="1"/>
+            <p:ph type="body" idx="1" hasCustomPrompt="1"/>
           </p:nvPr>
         </p:nvSpPr>
         <p:spPr>
@@ -2621,7 +2600,7 @@
           <a:p>
             <a:fld id="{63A1C593-65D0-4073-BCC9-577B9352EA97}" type="datetimeFigureOut">
               <a:rPr lang="en-US" smtClean="0"/>
-              <a:t>5/29/2022</a:t>
+              <a:t>6/3/2022</a:t>
             </a:fld>
             <a:endParaRPr lang="en-US"/>
           </a:p>
@@ -2701,11 +2680,6 @@
         </p:style>
       </p:cxnSp>
     </p:spTree>
-    <p:extLst>
-      <p:ext uri="{BB962C8B-B14F-4D97-AF65-F5344CB8AC3E}">
-        <p14:creationId xmlns:p14="http://schemas.microsoft.com/office/powerpoint/2010/main" val="630024859"/>
-      </p:ext>
-    </p:extLst>
   </p:cSld>
   <p:clrMapOvr>
     <a:masterClrMapping/>
@@ -2737,7 +2711,7 @@
             <a:spLocks noGrp="1"/>
           </p:cNvSpPr>
           <p:nvPr>
-            <p:ph type="title"/>
+            <p:ph type="title" hasCustomPrompt="1"/>
           </p:nvPr>
         </p:nvSpPr>
         <p:spPr/>
@@ -2764,7 +2738,7 @@
             <a:spLocks noGrp="1"/>
           </p:cNvSpPr>
           <p:nvPr>
-            <p:ph type="body" orient="vert" idx="1"/>
+            <p:ph type="body" orient="vert" idx="1" hasCustomPrompt="1"/>
           </p:nvPr>
         </p:nvSpPr>
         <p:spPr/>
@@ -2826,7 +2800,7 @@
           <a:p>
             <a:fld id="{63A1C593-65D0-4073-BCC9-577B9352EA97}" type="datetimeFigureOut">
               <a:rPr lang="en-US" smtClean="0"/>
-              <a:t>5/29/2022</a:t>
+              <a:t>6/3/2022</a:t>
             </a:fld>
             <a:endParaRPr lang="en-US"/>
           </a:p>
@@ -2906,11 +2880,6 @@
         </p:style>
       </p:cxnSp>
     </p:spTree>
-    <p:extLst>
-      <p:ext uri="{BB962C8B-B14F-4D97-AF65-F5344CB8AC3E}">
-        <p14:creationId xmlns:p14="http://schemas.microsoft.com/office/powerpoint/2010/main" val="2359811456"/>
-      </p:ext>
-    </p:extLst>
   </p:cSld>
   <p:clrMapOvr>
     <a:masterClrMapping/>
@@ -2942,7 +2911,7 @@
             <a:spLocks noGrp="1"/>
           </p:cNvSpPr>
           <p:nvPr>
-            <p:ph type="title" orient="vert"/>
+            <p:ph type="title" orient="vert" hasCustomPrompt="1"/>
           </p:nvPr>
         </p:nvSpPr>
         <p:spPr>
@@ -2970,7 +2939,7 @@
             <a:spLocks noGrp="1"/>
           </p:cNvSpPr>
           <p:nvPr>
-            <p:ph type="body" orient="vert" idx="1"/>
+            <p:ph type="body" orient="vert" idx="1" hasCustomPrompt="1"/>
           </p:nvPr>
         </p:nvSpPr>
         <p:spPr>
@@ -3037,7 +3006,7 @@
           <a:p>
             <a:fld id="{63A1C593-65D0-4073-BCC9-577B9352EA97}" type="datetimeFigureOut">
               <a:rPr lang="en-US" smtClean="0"/>
-              <a:t>5/29/2022</a:t>
+              <a:t>6/3/2022</a:t>
             </a:fld>
             <a:endParaRPr lang="en-US"/>
           </a:p>
@@ -3117,11 +3086,6 @@
         </p:style>
       </p:cxnSp>
     </p:spTree>
-    <p:extLst>
-      <p:ext uri="{BB962C8B-B14F-4D97-AF65-F5344CB8AC3E}">
-        <p14:creationId xmlns:p14="http://schemas.microsoft.com/office/powerpoint/2010/main" val="2800302101"/>
-      </p:ext>
-    </p:extLst>
   </p:cSld>
   <p:clrMapOvr>
     <a:masterClrMapping/>
@@ -3184,7 +3148,7 @@
             <a:spLocks noGrp="1"/>
           </p:cNvSpPr>
           <p:nvPr>
-            <p:ph type="title"/>
+            <p:ph type="title" hasCustomPrompt="1"/>
           </p:nvPr>
         </p:nvSpPr>
         <p:spPr/>
@@ -3207,7 +3171,7 @@
             <a:spLocks noGrp="1"/>
           </p:cNvSpPr>
           <p:nvPr>
-            <p:ph idx="1"/>
+            <p:ph idx="1" hasCustomPrompt="1"/>
           </p:nvPr>
         </p:nvSpPr>
         <p:spPr/>
@@ -3269,7 +3233,7 @@
           <a:p>
             <a:fld id="{63A1C593-65D0-4073-BCC9-577B9352EA97}" type="datetimeFigureOut">
               <a:rPr lang="en-US" smtClean="0"/>
-              <a:t>5/29/2022</a:t>
+              <a:t>6/3/2022</a:t>
             </a:fld>
             <a:endParaRPr lang="en-US"/>
           </a:p>
@@ -3318,11 +3282,6 @@
         </p:txBody>
       </p:sp>
     </p:spTree>
-    <p:extLst>
-      <p:ext uri="{BB962C8B-B14F-4D97-AF65-F5344CB8AC3E}">
-        <p14:creationId xmlns:p14="http://schemas.microsoft.com/office/powerpoint/2010/main" val="2806957326"/>
-      </p:ext>
-    </p:extLst>
   </p:cSld>
   <p:clrMapOvr>
     <a:masterClrMapping/>
@@ -3354,7 +3313,7 @@
             <a:spLocks noGrp="1"/>
           </p:cNvSpPr>
           <p:nvPr>
-            <p:ph type="title"/>
+            <p:ph type="title" hasCustomPrompt="1"/>
           </p:nvPr>
         </p:nvSpPr>
         <p:spPr>
@@ -3388,7 +3347,7 @@
             <a:spLocks noGrp="1"/>
           </p:cNvSpPr>
           <p:nvPr>
-            <p:ph type="body" idx="1"/>
+            <p:ph type="body" idx="1" hasCustomPrompt="1"/>
           </p:nvPr>
         </p:nvSpPr>
         <p:spPr>
@@ -3517,7 +3476,7 @@
           <a:p>
             <a:fld id="{63A1C593-65D0-4073-BCC9-577B9352EA97}" type="datetimeFigureOut">
               <a:rPr lang="en-US" smtClean="0"/>
-              <a:t>5/29/2022</a:t>
+              <a:t>6/3/2022</a:t>
             </a:fld>
             <a:endParaRPr lang="en-US"/>
           </a:p>
@@ -3597,11 +3556,6 @@
         </p:style>
       </p:cxnSp>
     </p:spTree>
-    <p:extLst>
-      <p:ext uri="{BB962C8B-B14F-4D97-AF65-F5344CB8AC3E}">
-        <p14:creationId xmlns:p14="http://schemas.microsoft.com/office/powerpoint/2010/main" val="1485366246"/>
-      </p:ext>
-    </p:extLst>
   </p:cSld>
   <p:clrMapOvr>
     <a:masterClrMapping/>
@@ -3664,7 +3618,7 @@
             <a:spLocks noGrp="1"/>
           </p:cNvSpPr>
           <p:nvPr>
-            <p:ph type="title"/>
+            <p:ph type="title" hasCustomPrompt="1"/>
           </p:nvPr>
         </p:nvSpPr>
         <p:spPr/>
@@ -3687,7 +3641,7 @@
             <a:spLocks noGrp="1"/>
           </p:cNvSpPr>
           <p:nvPr>
-            <p:ph sz="half" idx="1"/>
+            <p:ph sz="half" idx="1" hasCustomPrompt="1"/>
           </p:nvPr>
         </p:nvSpPr>
         <p:spPr>
@@ -3746,7 +3700,7 @@
             <a:spLocks noGrp="1"/>
           </p:cNvSpPr>
           <p:nvPr>
-            <p:ph sz="half" idx="2"/>
+            <p:ph sz="half" idx="2" hasCustomPrompt="1"/>
           </p:nvPr>
         </p:nvSpPr>
         <p:spPr>
@@ -3815,7 +3769,7 @@
           <a:p>
             <a:fld id="{63A1C593-65D0-4073-BCC9-577B9352EA97}" type="datetimeFigureOut">
               <a:rPr lang="en-US" smtClean="0"/>
-              <a:t>5/29/2022</a:t>
+              <a:t>6/3/2022</a:t>
             </a:fld>
             <a:endParaRPr lang="en-US"/>
           </a:p>
@@ -3864,11 +3818,6 @@
         </p:txBody>
       </p:sp>
     </p:spTree>
-    <p:extLst>
-      <p:ext uri="{BB962C8B-B14F-4D97-AF65-F5344CB8AC3E}">
-        <p14:creationId xmlns:p14="http://schemas.microsoft.com/office/powerpoint/2010/main" val="964405524"/>
-      </p:ext>
-    </p:extLst>
   </p:cSld>
   <p:clrMapOvr>
     <a:masterClrMapping/>
@@ -3900,7 +3849,7 @@
             <a:spLocks noGrp="1"/>
           </p:cNvSpPr>
           <p:nvPr>
-            <p:ph type="title"/>
+            <p:ph type="title" hasCustomPrompt="1"/>
           </p:nvPr>
         </p:nvSpPr>
         <p:spPr/>
@@ -3927,7 +3876,7 @@
             <a:spLocks noGrp="1"/>
           </p:cNvSpPr>
           <p:nvPr>
-            <p:ph type="body" idx="1"/>
+            <p:ph type="body" idx="1" hasCustomPrompt="1"/>
           </p:nvPr>
         </p:nvSpPr>
         <p:spPr>
@@ -3943,7 +3892,7 @@
           <a:lstStyle>
             <a:lvl1pPr marL="0" indent="0">
               <a:spcBef>
-                <a:spcPts val="672"/>
+                <a:spcPts val="670"/>
               </a:spcBef>
               <a:spcAft>
                 <a:spcPts val="600"/>
@@ -4004,7 +3953,7 @@
             <a:spLocks noGrp="1"/>
           </p:cNvSpPr>
           <p:nvPr>
-            <p:ph sz="half" idx="2"/>
+            <p:ph sz="half" idx="2" hasCustomPrompt="1"/>
           </p:nvPr>
         </p:nvSpPr>
         <p:spPr>
@@ -4063,7 +4012,7 @@
             <a:spLocks noGrp="1"/>
           </p:cNvSpPr>
           <p:nvPr>
-            <p:ph type="body" sz="quarter" idx="3"/>
+            <p:ph type="body" sz="quarter" idx="3" hasCustomPrompt="1"/>
           </p:nvPr>
         </p:nvSpPr>
         <p:spPr>
@@ -4079,7 +4028,7 @@
           <a:lstStyle>
             <a:lvl1pPr marL="0" indent="0">
               <a:spcBef>
-                <a:spcPts val="672"/>
+                <a:spcPts val="670"/>
               </a:spcBef>
               <a:spcAft>
                 <a:spcPts val="600"/>
@@ -4140,7 +4089,7 @@
             <a:spLocks noGrp="1"/>
           </p:cNvSpPr>
           <p:nvPr>
-            <p:ph sz="quarter" idx="4"/>
+            <p:ph sz="quarter" idx="4" hasCustomPrompt="1"/>
           </p:nvPr>
         </p:nvSpPr>
         <p:spPr>
@@ -4209,7 +4158,7 @@
           <a:p>
             <a:fld id="{63A1C593-65D0-4073-BCC9-577B9352EA97}" type="datetimeFigureOut">
               <a:rPr lang="en-US" smtClean="0"/>
-              <a:t>5/29/2022</a:t>
+              <a:t>6/3/2022</a:t>
             </a:fld>
             <a:endParaRPr lang="en-US"/>
           </a:p>
@@ -4289,11 +4238,6 @@
         </p:style>
       </p:cxnSp>
     </p:spTree>
-    <p:extLst>
-      <p:ext uri="{BB962C8B-B14F-4D97-AF65-F5344CB8AC3E}">
-        <p14:creationId xmlns:p14="http://schemas.microsoft.com/office/powerpoint/2010/main" val="3119228853"/>
-      </p:ext>
-    </p:extLst>
   </p:cSld>
   <p:clrMapOvr>
     <a:masterClrMapping/>
@@ -4325,7 +4269,7 @@
             <a:spLocks noGrp="1"/>
           </p:cNvSpPr>
           <p:nvPr>
-            <p:ph type="title"/>
+            <p:ph type="title" hasCustomPrompt="1"/>
           </p:nvPr>
         </p:nvSpPr>
         <p:spPr/>
@@ -4358,7 +4302,7 @@
           <a:p>
             <a:fld id="{63A1C593-65D0-4073-BCC9-577B9352EA97}" type="datetimeFigureOut">
               <a:rPr lang="en-US" smtClean="0"/>
-              <a:t>5/29/2022</a:t>
+              <a:t>6/3/2022</a:t>
             </a:fld>
             <a:endParaRPr lang="en-US"/>
           </a:p>
@@ -4438,11 +4382,6 @@
         </p:style>
       </p:cxnSp>
     </p:spTree>
-    <p:extLst>
-      <p:ext uri="{BB962C8B-B14F-4D97-AF65-F5344CB8AC3E}">
-        <p14:creationId xmlns:p14="http://schemas.microsoft.com/office/powerpoint/2010/main" val="2760275762"/>
-      </p:ext>
-    </p:extLst>
   </p:cSld>
   <p:clrMapOvr>
     <a:masterClrMapping/>
@@ -4484,7 +4423,7 @@
           <a:p>
             <a:fld id="{63A1C593-65D0-4073-BCC9-577B9352EA97}" type="datetimeFigureOut">
               <a:rPr lang="en-US" smtClean="0"/>
-              <a:t>5/29/2022</a:t>
+              <a:t>6/3/2022</a:t>
             </a:fld>
             <a:endParaRPr lang="en-US"/>
           </a:p>
@@ -4533,11 +4472,6 @@
         </p:txBody>
       </p:sp>
     </p:spTree>
-    <p:extLst>
-      <p:ext uri="{BB962C8B-B14F-4D97-AF65-F5344CB8AC3E}">
-        <p14:creationId xmlns:p14="http://schemas.microsoft.com/office/powerpoint/2010/main" val="4267599648"/>
-      </p:ext>
-    </p:extLst>
   </p:cSld>
   <p:clrMapOvr>
     <a:masterClrMapping/>
@@ -4569,7 +4503,7 @@
             <a:spLocks noGrp="1"/>
           </p:cNvSpPr>
           <p:nvPr>
-            <p:ph type="title"/>
+            <p:ph type="title" hasCustomPrompt="1"/>
           </p:nvPr>
         </p:nvSpPr>
         <p:spPr>
@@ -4603,7 +4537,7 @@
             <a:spLocks noGrp="1"/>
           </p:cNvSpPr>
           <p:nvPr>
-            <p:ph idx="1"/>
+            <p:ph idx="1" hasCustomPrompt="1"/>
           </p:nvPr>
         </p:nvSpPr>
         <p:spPr>
@@ -4662,7 +4596,7 @@
             <a:spLocks noGrp="1"/>
           </p:cNvSpPr>
           <p:nvPr>
-            <p:ph type="body" sz="half" idx="2"/>
+            <p:ph type="body" sz="half" idx="2" hasCustomPrompt="1"/>
           </p:nvPr>
         </p:nvSpPr>
         <p:spPr>
@@ -4739,7 +4673,7 @@
           <a:p>
             <a:fld id="{63A1C593-65D0-4073-BCC9-577B9352EA97}" type="datetimeFigureOut">
               <a:rPr lang="en-US" smtClean="0"/>
-              <a:t>5/29/2022</a:t>
+              <a:t>6/3/2022</a:t>
             </a:fld>
             <a:endParaRPr lang="en-US"/>
           </a:p>
@@ -4819,11 +4753,6 @@
         </p:style>
       </p:cxnSp>
     </p:spTree>
-    <p:extLst>
-      <p:ext uri="{BB962C8B-B14F-4D97-AF65-F5344CB8AC3E}">
-        <p14:creationId xmlns:p14="http://schemas.microsoft.com/office/powerpoint/2010/main" val="2314167236"/>
-      </p:ext>
-    </p:extLst>
   </p:cSld>
   <p:clrMapOvr>
     <a:masterClrMapping/>
@@ -4855,7 +4784,7 @@
             <a:spLocks noGrp="1"/>
           </p:cNvSpPr>
           <p:nvPr>
-            <p:ph type="title"/>
+            <p:ph type="title" hasCustomPrompt="1"/>
           </p:nvPr>
         </p:nvSpPr>
         <p:spPr>
@@ -4889,7 +4818,7 @@
             <a:spLocks noGrp="1" noChangeAspect="1"/>
           </p:cNvSpPr>
           <p:nvPr>
-            <p:ph type="pic" idx="1"/>
+            <p:ph type="pic" idx="1" hasCustomPrompt="1"/>
           </p:nvPr>
         </p:nvSpPr>
         <p:spPr>
@@ -4977,7 +4906,7 @@
             <a:spLocks noGrp="1"/>
           </p:cNvSpPr>
           <p:nvPr>
-            <p:ph type="body" sz="half" idx="2"/>
+            <p:ph type="body" sz="half" idx="2" hasCustomPrompt="1"/>
           </p:nvPr>
         </p:nvSpPr>
         <p:spPr>
@@ -5054,7 +4983,7 @@
           <a:p>
             <a:fld id="{63A1C593-65D0-4073-BCC9-577B9352EA97}" type="datetimeFigureOut">
               <a:rPr lang="en-US" smtClean="0"/>
-              <a:t>5/29/2022</a:t>
+              <a:t>6/3/2022</a:t>
             </a:fld>
             <a:endParaRPr lang="en-US"/>
           </a:p>
@@ -5103,11 +5032,6 @@
         </p:txBody>
       </p:sp>
     </p:spTree>
-    <p:extLst>
-      <p:ext uri="{BB962C8B-B14F-4D97-AF65-F5344CB8AC3E}">
-        <p14:creationId xmlns:p14="http://schemas.microsoft.com/office/powerpoint/2010/main" val="2519137664"/>
-      </p:ext>
-    </p:extLst>
   </p:cSld>
   <p:clrMapOvr>
     <a:masterClrMapping/>
@@ -5232,7 +5156,9 @@
               </a:extLst>
             </a:blip>
             <a:srcRect/>
-            <a:stretch/>
+            <a:stretch>
+              <a:fillRect/>
+            </a:stretch>
           </p:blipFill>
           <p:spPr>
             <a:xfrm>
@@ -5261,7 +5187,9 @@
               </a:extLst>
             </a:blip>
             <a:srcRect/>
-            <a:stretch/>
+            <a:stretch>
+              <a:fillRect/>
+            </a:stretch>
           </p:blipFill>
           <p:spPr>
             <a:xfrm>
@@ -5405,7 +5333,7 @@
           <a:p>
             <a:fld id="{63A1C593-65D0-4073-BCC9-577B9352EA97}" type="datetimeFigureOut">
               <a:rPr lang="en-US" smtClean="0"/>
-              <a:t>5/29/2022</a:t>
+              <a:t>6/3/2022</a:t>
             </a:fld>
             <a:endParaRPr lang="en-US"/>
           </a:p>
@@ -5490,31 +5418,26 @@
         </p:txBody>
       </p:sp>
     </p:spTree>
-    <p:extLst>
-      <p:ext uri="{BB962C8B-B14F-4D97-AF65-F5344CB8AC3E}">
-        <p14:creationId xmlns:p14="http://schemas.microsoft.com/office/powerpoint/2010/main" val="2924792474"/>
-      </p:ext>
-    </p:extLst>
   </p:cSld>
   <p:clrMap bg1="lt1" tx1="dk1" bg2="lt2" tx2="dk2" accent1="accent1" accent2="accent2" accent3="accent3" accent4="accent4" accent5="accent5" accent6="accent6" hlink="hlink" folHlink="folHlink"/>
   <p:sldLayoutIdLst>
-    <p:sldLayoutId id="2147483661" r:id="rId1"/>
-    <p:sldLayoutId id="2147483662" r:id="rId2"/>
-    <p:sldLayoutId id="2147483663" r:id="rId3"/>
-    <p:sldLayoutId id="2147483664" r:id="rId4"/>
-    <p:sldLayoutId id="2147483665" r:id="rId5"/>
-    <p:sldLayoutId id="2147483666" r:id="rId6"/>
-    <p:sldLayoutId id="2147483667" r:id="rId7"/>
-    <p:sldLayoutId id="2147483668" r:id="rId8"/>
-    <p:sldLayoutId id="2147483669" r:id="rId9"/>
-    <p:sldLayoutId id="2147483670" r:id="rId10"/>
-    <p:sldLayoutId id="2147483671" r:id="rId11"/>
-    <p:sldLayoutId id="2147483672" r:id="rId12"/>
-    <p:sldLayoutId id="2147483673" r:id="rId13"/>
-    <p:sldLayoutId id="2147483674" r:id="rId14"/>
-    <p:sldLayoutId id="2147483675" r:id="rId15"/>
-    <p:sldLayoutId id="2147483676" r:id="rId16"/>
-    <p:sldLayoutId id="2147483677" r:id="rId17"/>
+    <p:sldLayoutId id="2147483649" r:id="rId1"/>
+    <p:sldLayoutId id="2147483650" r:id="rId2"/>
+    <p:sldLayoutId id="2147483651" r:id="rId3"/>
+    <p:sldLayoutId id="2147483652" r:id="rId4"/>
+    <p:sldLayoutId id="2147483653" r:id="rId5"/>
+    <p:sldLayoutId id="2147483654" r:id="rId6"/>
+    <p:sldLayoutId id="2147483655" r:id="rId7"/>
+    <p:sldLayoutId id="2147483656" r:id="rId8"/>
+    <p:sldLayoutId id="2147483657" r:id="rId9"/>
+    <p:sldLayoutId id="2147483658" r:id="rId10"/>
+    <p:sldLayoutId id="2147483659" r:id="rId11"/>
+    <p:sldLayoutId id="2147483660" r:id="rId12"/>
+    <p:sldLayoutId id="2147483661" r:id="rId13"/>
+    <p:sldLayoutId id="2147483662" r:id="rId14"/>
+    <p:sldLayoutId id="2147483663" r:id="rId15"/>
+    <p:sldLayoutId id="2147483664" r:id="rId16"/>
+    <p:sldLayoutId id="2147483665" r:id="rId17"/>
   </p:sldLayoutIdLst>
   <p:txStyles>
     <p:titleStyle>
@@ -5608,7 +5531,7 @@
           <a:schemeClr val="accent1"/>
         </a:buClr>
         <a:buSzPct val="115000"/>
-        <a:buFont typeface="Arial"/>
+        <a:buFont typeface="Arial" panose="020B0604020202020204"/>
         <a:buChar char="•"/>
         <a:defRPr sz="2400" kern="1200" cap="none">
           <a:solidFill>
@@ -5634,7 +5557,7 @@
           <a:schemeClr val="accent1"/>
         </a:buClr>
         <a:buSzPct val="115000"/>
-        <a:buFont typeface="Arial"/>
+        <a:buFont typeface="Arial" panose="020B0604020202020204"/>
         <a:buChar char="•"/>
         <a:defRPr sz="2000" kern="1200" cap="none">
           <a:solidFill>
@@ -5660,7 +5583,7 @@
           <a:schemeClr val="accent1"/>
         </a:buClr>
         <a:buSzPct val="115000"/>
-        <a:buFont typeface="Arial"/>
+        <a:buFont typeface="Arial" panose="020B0604020202020204"/>
         <a:buChar char="•"/>
         <a:defRPr sz="1800" kern="1200" cap="none">
           <a:solidFill>
@@ -5686,7 +5609,7 @@
           <a:schemeClr val="accent1"/>
         </a:buClr>
         <a:buSzPct val="115000"/>
-        <a:buFont typeface="Arial"/>
+        <a:buFont typeface="Arial" panose="020B0604020202020204"/>
         <a:buChar char="•"/>
         <a:defRPr sz="1600" kern="1200" cap="none">
           <a:solidFill>
@@ -5712,7 +5635,7 @@
           <a:schemeClr val="accent1"/>
         </a:buClr>
         <a:buSzPct val="115000"/>
-        <a:buFont typeface="Arial"/>
+        <a:buFont typeface="Arial" panose="020B0604020202020204"/>
         <a:buChar char="•"/>
         <a:defRPr sz="1400" kern="1200" cap="none">
           <a:solidFill>
@@ -5738,7 +5661,7 @@
           <a:schemeClr val="accent1"/>
         </a:buClr>
         <a:buSzPct val="115000"/>
-        <a:buFont typeface="Arial"/>
+        <a:buFont typeface="Arial" panose="020B0604020202020204"/>
         <a:buChar char="•"/>
         <a:defRPr sz="1400" kern="1200" cap="none">
           <a:solidFill>
@@ -5764,7 +5687,7 @@
           <a:schemeClr val="accent1"/>
         </a:buClr>
         <a:buSzPct val="115000"/>
-        <a:buFont typeface="Arial"/>
+        <a:buFont typeface="Arial" panose="020B0604020202020204"/>
         <a:buChar char="•"/>
         <a:defRPr sz="1400" kern="1200" cap="none">
           <a:solidFill>
@@ -5790,7 +5713,7 @@
           <a:schemeClr val="accent1"/>
         </a:buClr>
         <a:buSzPct val="115000"/>
-        <a:buFont typeface="Arial"/>
+        <a:buFont typeface="Arial" panose="020B0604020202020204"/>
         <a:buChar char="•"/>
         <a:defRPr sz="1400" kern="1200" cap="none">
           <a:solidFill>
@@ -5816,7 +5739,7 @@
           <a:schemeClr val="accent1"/>
         </a:buClr>
         <a:buSzPct val="115000"/>
-        <a:buFont typeface="Arial"/>
+        <a:buFont typeface="Arial" panose="020B0604020202020204"/>
         <a:buChar char="•"/>
         <a:defRPr sz="1400" kern="1200" cap="none">
           <a:solidFill>
@@ -5938,7 +5861,9 @@
       <p:bgPr>
         <a:blipFill>
           <a:blip r:embed="rId2"/>
-          <a:stretch/>
+          <a:stretch>
+            <a:fillRect/>
+          </a:stretch>
         </a:blipFill>
         <a:effectLst/>
       </p:bgPr>
@@ -5959,26 +5884,11 @@
       </p:grpSpPr>
       <p:sp>
         <p:nvSpPr>
-          <p:cNvPr id="17" name="Rectangle 7">
-            <a:extLst>
-              <a:ext uri="{FF2B5EF4-FFF2-40B4-BE49-F238E27FC236}">
-                <a16:creationId xmlns:a16="http://schemas.microsoft.com/office/drawing/2014/main" id="{3D6DABB5-1FC3-4E21-AC84-4685B03C9F93}"/>
-              </a:ext>
-              <a:ext uri="{C183D7F6-B498-43B3-948B-1728B52AA6E4}">
-                <adec:decorative xmlns:adec="http://schemas.microsoft.com/office/drawing/2017/decorative" val="1"/>
-              </a:ext>
-            </a:extLst>
-          </p:cNvPr>
+          <p:cNvPr id="17" name="Rectangle 7"/>
           <p:cNvSpPr>
             <a:spLocks noGrp="1" noRot="1" noChangeAspect="1" noMove="1" noResize="1" noEditPoints="1" noAdjustHandles="1" noChangeArrowheads="1" noChangeShapeType="1" noTextEdit="1"/>
           </p:cNvSpPr>
-          <p:nvPr>
-            <p:extLst>
-              <p:ext uri="{386F3935-93C4-4BCD-93E2-E3B085C9AB24}">
-                <p16:designElem xmlns:p16="http://schemas.microsoft.com/office/powerpoint/2015/main" val="1"/>
-              </p:ext>
-            </p:extLst>
-          </p:nvPr>
+          <p:nvPr/>
         </p:nvSpPr>
         <p:spPr>
           <a:xfrm>
@@ -6050,26 +5960,11 @@
       </p:sp>
       <p:sp>
         <p:nvSpPr>
-          <p:cNvPr id="19" name="Rectangle 9">
-            <a:extLst>
-              <a:ext uri="{FF2B5EF4-FFF2-40B4-BE49-F238E27FC236}">
-                <a16:creationId xmlns:a16="http://schemas.microsoft.com/office/drawing/2014/main" id="{FC5790B5-250E-45E6-A05D-C3D1D459BC9D}"/>
-              </a:ext>
-              <a:ext uri="{C183D7F6-B498-43B3-948B-1728B52AA6E4}">
-                <adec:decorative xmlns:adec="http://schemas.microsoft.com/office/drawing/2017/decorative" val="1"/>
-              </a:ext>
-            </a:extLst>
-          </p:cNvPr>
+          <p:cNvPr id="19" name="Rectangle 9"/>
           <p:cNvSpPr>
             <a:spLocks noGrp="1" noRot="1" noChangeAspect="1" noMove="1" noResize="1" noEditPoints="1" noAdjustHandles="1" noChangeArrowheads="1" noChangeShapeType="1" noTextEdit="1"/>
           </p:cNvSpPr>
-          <p:nvPr>
-            <p:extLst>
-              <p:ext uri="{386F3935-93C4-4BCD-93E2-E3B085C9AB24}">
-                <p16:designElem xmlns:p16="http://schemas.microsoft.com/office/powerpoint/2015/main" val="1"/>
-              </p:ext>
-            </p:extLst>
-          </p:nvPr>
+          <p:nvPr/>
         </p:nvSpPr>
         <p:spPr>
           <a:xfrm>
@@ -6101,26 +5996,11 @@
       </p:sp>
       <p:grpSp>
         <p:nvGrpSpPr>
-          <p:cNvPr id="20" name="Group 11">
-            <a:extLst>
-              <a:ext uri="{FF2B5EF4-FFF2-40B4-BE49-F238E27FC236}">
-                <a16:creationId xmlns:a16="http://schemas.microsoft.com/office/drawing/2014/main" id="{68158C4B-1BFE-4F6D-B2C1-0066FA11935A}"/>
-              </a:ext>
-              <a:ext uri="{C183D7F6-B498-43B3-948B-1728B52AA6E4}">
-                <adec:decorative xmlns:adec="http://schemas.microsoft.com/office/drawing/2017/decorative" val="1"/>
-              </a:ext>
-            </a:extLst>
-          </p:cNvPr>
+          <p:cNvPr id="20" name="Group 11"/>
           <p:cNvGrpSpPr>
             <a:grpSpLocks noGrp="1" noUngrp="1" noRot="1" noChangeAspect="1" noMove="1" noResize="1"/>
           </p:cNvGrpSpPr>
-          <p:nvPr>
-            <p:extLst>
-              <p:ext uri="{386F3935-93C4-4BCD-93E2-E3B085C9AB24}">
-                <p16:designElem xmlns:p16="http://schemas.microsoft.com/office/powerpoint/2015/main" val="1"/>
-              </p:ext>
-            </p:extLst>
-          </p:nvPr>
+          <p:nvPr/>
         </p:nvGrpSpPr>
         <p:grpSpPr>
           <a:xfrm>
@@ -6132,24 +6012,9 @@
         </p:grpSpPr>
         <p:sp>
           <p:nvSpPr>
-            <p:cNvPr id="13" name="Rounded Rectangle 17">
-              <a:extLst>
-                <a:ext uri="{FF2B5EF4-FFF2-40B4-BE49-F238E27FC236}">
-                  <a16:creationId xmlns:a16="http://schemas.microsoft.com/office/drawing/2014/main" id="{4A8E3562-03A2-4AF3-89BB-B227ED3261A7}"/>
-                </a:ext>
-                <a:ext uri="{C183D7F6-B498-43B3-948B-1728B52AA6E4}">
-                  <adec:decorative xmlns:adec="http://schemas.microsoft.com/office/drawing/2017/decorative" val="1"/>
-                </a:ext>
-              </a:extLst>
-            </p:cNvPr>
+            <p:cNvPr id="13" name="Rounded Rectangle 17"/>
             <p:cNvSpPr/>
-            <p:nvPr>
-              <p:extLst>
-                <p:ext uri="{386F3935-93C4-4BCD-93E2-E3B085C9AB24}">
-                  <p16:designElem xmlns:p16="http://schemas.microsoft.com/office/powerpoint/2015/main" val="1"/>
-                </p:ext>
-              </p:extLst>
-            </p:nvPr>
+            <p:nvPr/>
           </p:nvSpPr>
           <p:spPr>
             <a:xfrm>
@@ -6204,26 +6069,11 @@
         </p:sp>
         <p:pic>
           <p:nvPicPr>
-            <p:cNvPr id="21" name="Picture 13">
-              <a:extLst>
-                <a:ext uri="{FF2B5EF4-FFF2-40B4-BE49-F238E27FC236}">
-                  <a16:creationId xmlns:a16="http://schemas.microsoft.com/office/drawing/2014/main" id="{BD9DF111-5BF8-4312-BECB-94BBCF29ECC3}"/>
-                </a:ext>
-                <a:ext uri="{C183D7F6-B498-43B3-948B-1728B52AA6E4}">
-                  <adec:decorative xmlns:adec="http://schemas.microsoft.com/office/drawing/2017/decorative" val="1"/>
-                </a:ext>
-              </a:extLst>
-            </p:cNvPr>
+            <p:cNvPr id="21" name="Picture 13"/>
             <p:cNvPicPr>
               <a:picLocks noChangeAspect="1"/>
             </p:cNvPicPr>
-            <p:nvPr>
-              <p:extLst>
-                <p:ext uri="{386F3935-93C4-4BCD-93E2-E3B085C9AB24}">
-                  <p16:designElem xmlns:p16="http://schemas.microsoft.com/office/powerpoint/2015/main" val="1"/>
-                </p:ext>
-              </p:extLst>
-            </p:nvPr>
+            <p:nvPr/>
           </p:nvPicPr>
           <p:blipFill rotWithShape="1">
             <a:blip r:embed="rId4">
@@ -6234,7 +6084,9 @@
               </a:extLst>
             </a:blip>
             <a:srcRect/>
-            <a:stretch/>
+            <a:stretch>
+              <a:fillRect/>
+            </a:stretch>
           </p:blipFill>
           <p:spPr>
             <a:xfrm>
@@ -6248,24 +6100,9 @@
         </p:pic>
         <p:sp>
           <p:nvSpPr>
-            <p:cNvPr id="15" name="Rounded Rectangle 20">
-              <a:extLst>
-                <a:ext uri="{FF2B5EF4-FFF2-40B4-BE49-F238E27FC236}">
-                  <a16:creationId xmlns:a16="http://schemas.microsoft.com/office/drawing/2014/main" id="{9EEB3A31-82B4-41D6-BEAB-3CC49BBCBEF1}"/>
-                </a:ext>
-                <a:ext uri="{C183D7F6-B498-43B3-948B-1728B52AA6E4}">
-                  <adec:decorative xmlns:adec="http://schemas.microsoft.com/office/drawing/2017/decorative" val="1"/>
-                </a:ext>
-              </a:extLst>
-            </p:cNvPr>
+            <p:cNvPr id="15" name="Rounded Rectangle 20"/>
             <p:cNvSpPr/>
-            <p:nvPr>
-              <p:extLst>
-                <p:ext uri="{386F3935-93C4-4BCD-93E2-E3B085C9AB24}">
-                  <p16:designElem xmlns:p16="http://schemas.microsoft.com/office/powerpoint/2015/main" val="1"/>
-                </p:ext>
-              </p:extLst>
-            </p:nvPr>
+            <p:nvPr/>
           </p:nvSpPr>
           <p:spPr>
             <a:xfrm>
@@ -6320,26 +6157,11 @@
         </p:sp>
         <p:pic>
           <p:nvPicPr>
-            <p:cNvPr id="16" name="Picture 15">
-              <a:extLst>
-                <a:ext uri="{FF2B5EF4-FFF2-40B4-BE49-F238E27FC236}">
-                  <a16:creationId xmlns:a16="http://schemas.microsoft.com/office/drawing/2014/main" id="{28C66B30-E9F1-40DD-A809-6A1282E237D4}"/>
-                </a:ext>
-                <a:ext uri="{C183D7F6-B498-43B3-948B-1728B52AA6E4}">
-                  <adec:decorative xmlns:adec="http://schemas.microsoft.com/office/drawing/2017/decorative" val="1"/>
-                </a:ext>
-              </a:extLst>
-            </p:cNvPr>
+            <p:cNvPr id="16" name="Picture 15"/>
             <p:cNvPicPr>
               <a:picLocks noChangeAspect="1"/>
             </p:cNvPicPr>
-            <p:nvPr>
-              <p:extLst>
-                <p:ext uri="{386F3935-93C4-4BCD-93E2-E3B085C9AB24}">
-                  <p16:designElem xmlns:p16="http://schemas.microsoft.com/office/powerpoint/2015/main" val="1"/>
-                </p:ext>
-              </p:extLst>
-            </p:nvPr>
+            <p:nvPr/>
           </p:nvPicPr>
           <p:blipFill rotWithShape="1">
             <a:blip r:embed="rId4">
@@ -6350,7 +6172,9 @@
               </a:extLst>
             </a:blip>
             <a:srcRect/>
-            <a:stretch/>
+            <a:stretch>
+              <a:fillRect/>
+            </a:stretch>
           </p:blipFill>
           <p:spPr>
             <a:xfrm>
@@ -6429,26 +6253,11 @@
       </p:sp>
       <p:cxnSp>
         <p:nvCxnSpPr>
-          <p:cNvPr id="18" name="Straight Connector 17">
-            <a:extLst>
-              <a:ext uri="{FF2B5EF4-FFF2-40B4-BE49-F238E27FC236}">
-                <a16:creationId xmlns:a16="http://schemas.microsoft.com/office/drawing/2014/main" id="{14319AF2-886A-4C5D-B34C-17FCB0267EEB}"/>
-              </a:ext>
-              <a:ext uri="{C183D7F6-B498-43B3-948B-1728B52AA6E4}">
-                <adec:decorative xmlns:adec="http://schemas.microsoft.com/office/drawing/2017/decorative" val="1"/>
-              </a:ext>
-            </a:extLst>
-          </p:cNvPr>
+          <p:cNvPr id="18" name="Straight Connector 17"/>
           <p:cNvCxnSpPr>
             <a:cxnSpLocks noGrp="1" noRot="1" noChangeAspect="1" noMove="1" noResize="1" noEditPoints="1" noAdjustHandles="1" noChangeArrowheads="1" noChangeShapeType="1"/>
           </p:cNvCxnSpPr>
-          <p:nvPr>
-            <p:extLst>
-              <p:ext uri="{386F3935-93C4-4BCD-93E2-E3B085C9AB24}">
-                <p16:designElem xmlns:p16="http://schemas.microsoft.com/office/powerpoint/2015/main" val="1"/>
-              </p:ext>
-            </p:extLst>
-          </p:nvPr>
+          <p:nvPr/>
         </p:nvCxnSpPr>
         <p:spPr>
           <a:xfrm>
@@ -6475,11 +6284,6 @@
         </p:style>
       </p:cxnSp>
     </p:spTree>
-    <p:extLst>
-      <p:ext uri="{BB962C8B-B14F-4D97-AF65-F5344CB8AC3E}">
-        <p14:creationId xmlns:p14="http://schemas.microsoft.com/office/powerpoint/2010/main" val="3072013332"/>
-      </p:ext>
-    </p:extLst>
   </p:cSld>
   <p:clrMapOvr>
     <a:masterClrMapping/>
@@ -6598,13 +6402,7 @@
       </p:grpSpPr>
       <p:sp>
         <p:nvSpPr>
-          <p:cNvPr id="2" name="Başlık 1">
-            <a:extLst>
-              <a:ext uri="{FF2B5EF4-FFF2-40B4-BE49-F238E27FC236}">
-                <a16:creationId xmlns:a16="http://schemas.microsoft.com/office/drawing/2014/main" id="{88A70406-D29A-4C82-947A-AA2E022766CC}"/>
-              </a:ext>
-            </a:extLst>
-          </p:cNvPr>
+          <p:cNvPr id="2" name="Başlık 1"/>
           <p:cNvSpPr>
             <a:spLocks noGrp="1"/>
           </p:cNvSpPr>
@@ -6623,13 +6421,7 @@
       </p:sp>
       <p:sp>
         <p:nvSpPr>
-          <p:cNvPr id="3" name="İçerik Yer Tutucusu 2">
-            <a:extLst>
-              <a:ext uri="{FF2B5EF4-FFF2-40B4-BE49-F238E27FC236}">
-                <a16:creationId xmlns:a16="http://schemas.microsoft.com/office/drawing/2014/main" id="{3965E8E4-88E8-4759-B209-3B37A9968D01}"/>
-              </a:ext>
-            </a:extLst>
-          </p:cNvPr>
+          <p:cNvPr id="3" name="İçerik Yer Tutucusu 2"/>
           <p:cNvSpPr>
             <a:spLocks noGrp="1"/>
           </p:cNvSpPr>
@@ -6797,11 +6589,6 @@
         </p:txBody>
       </p:sp>
     </p:spTree>
-    <p:extLst>
-      <p:ext uri="{BB962C8B-B14F-4D97-AF65-F5344CB8AC3E}">
-        <p14:creationId xmlns:p14="http://schemas.microsoft.com/office/powerpoint/2010/main" val="2708596008"/>
-      </p:ext>
-    </p:extLst>
   </p:cSld>
   <p:clrMapOvr>
     <a:masterClrMapping/>
@@ -6828,13 +6615,7 @@
       </p:grpSpPr>
       <p:sp>
         <p:nvSpPr>
-          <p:cNvPr id="2" name="Başlık 1">
-            <a:extLst>
-              <a:ext uri="{FF2B5EF4-FFF2-40B4-BE49-F238E27FC236}">
-                <a16:creationId xmlns:a16="http://schemas.microsoft.com/office/drawing/2014/main" id="{01FB46AC-D1F3-4FCC-9C1F-0C67038CD272}"/>
-              </a:ext>
-            </a:extLst>
-          </p:cNvPr>
+          <p:cNvPr id="2" name="Başlık 1"/>
           <p:cNvSpPr>
             <a:spLocks noGrp="1"/>
           </p:cNvSpPr>
@@ -6853,13 +6634,7 @@
       </p:sp>
       <p:sp>
         <p:nvSpPr>
-          <p:cNvPr id="3" name="İçerik Yer Tutucusu 2">
-            <a:extLst>
-              <a:ext uri="{FF2B5EF4-FFF2-40B4-BE49-F238E27FC236}">
-                <a16:creationId xmlns:a16="http://schemas.microsoft.com/office/drawing/2014/main" id="{E0070DAA-49C9-4167-8762-4D774BC82F23}"/>
-              </a:ext>
-            </a:extLst>
-          </p:cNvPr>
+          <p:cNvPr id="3" name="İçerik Yer Tutucusu 2"/>
           <p:cNvSpPr>
             <a:spLocks noGrp="1"/>
           </p:cNvSpPr>
@@ -6986,11 +6761,6 @@
         </p:txBody>
       </p:sp>
     </p:spTree>
-    <p:extLst>
-      <p:ext uri="{BB962C8B-B14F-4D97-AF65-F5344CB8AC3E}">
-        <p14:creationId xmlns:p14="http://schemas.microsoft.com/office/powerpoint/2010/main" val="1198866403"/>
-      </p:ext>
-    </p:extLst>
   </p:cSld>
   <p:clrMapOvr>
     <a:masterClrMapping/>
@@ -7017,13 +6787,7 @@
       </p:grpSpPr>
       <p:sp>
         <p:nvSpPr>
-          <p:cNvPr id="2" name="Başlık 1">
-            <a:extLst>
-              <a:ext uri="{FF2B5EF4-FFF2-40B4-BE49-F238E27FC236}">
-                <a16:creationId xmlns:a16="http://schemas.microsoft.com/office/drawing/2014/main" id="{CA5BE202-5F40-40E4-954A-4A5F4DB9FA2C}"/>
-              </a:ext>
-            </a:extLst>
-          </p:cNvPr>
+          <p:cNvPr id="2" name="Başlık 1"/>
           <p:cNvSpPr>
             <a:spLocks noGrp="1"/>
           </p:cNvSpPr>
@@ -7045,13 +6809,7 @@
       </p:sp>
       <p:sp>
         <p:nvSpPr>
-          <p:cNvPr id="3" name="İçerik Yer Tutucusu 2">
-            <a:extLst>
-              <a:ext uri="{FF2B5EF4-FFF2-40B4-BE49-F238E27FC236}">
-                <a16:creationId xmlns:a16="http://schemas.microsoft.com/office/drawing/2014/main" id="{41FEB603-8424-45FC-AECC-C7EB52B907EA}"/>
-              </a:ext>
-            </a:extLst>
-          </p:cNvPr>
+          <p:cNvPr id="3" name="İçerik Yer Tutucusu 2"/>
           <p:cNvSpPr>
             <a:spLocks noGrp="1"/>
           </p:cNvSpPr>
@@ -7358,11 +7116,6 @@
         </p:txBody>
       </p:sp>
     </p:spTree>
-    <p:extLst>
-      <p:ext uri="{BB962C8B-B14F-4D97-AF65-F5344CB8AC3E}">
-        <p14:creationId xmlns:p14="http://schemas.microsoft.com/office/powerpoint/2010/main" val="2349789983"/>
-      </p:ext>
-    </p:extLst>
   </p:cSld>
   <p:clrMapOvr>
     <a:masterClrMapping/>
@@ -7389,13 +7142,7 @@
       </p:grpSpPr>
       <p:sp>
         <p:nvSpPr>
-          <p:cNvPr id="3" name="İçerik Yer Tutucusu 2">
-            <a:extLst>
-              <a:ext uri="{FF2B5EF4-FFF2-40B4-BE49-F238E27FC236}">
-                <a16:creationId xmlns:a16="http://schemas.microsoft.com/office/drawing/2014/main" id="{E05938BA-D8B4-4A3A-B85F-DAD7273B1175}"/>
-              </a:ext>
-            </a:extLst>
-          </p:cNvPr>
+          <p:cNvPr id="3" name="İçerik Yer Tutucusu 2"/>
           <p:cNvSpPr>
             <a:spLocks noGrp="1"/>
           </p:cNvSpPr>
@@ -7582,13 +7329,7 @@
       </p:sp>
       <p:sp>
         <p:nvSpPr>
-          <p:cNvPr id="5" name="İçerik Yer Tutucusu 4">
-            <a:extLst>
-              <a:ext uri="{FF2B5EF4-FFF2-40B4-BE49-F238E27FC236}">
-                <a16:creationId xmlns:a16="http://schemas.microsoft.com/office/drawing/2014/main" id="{EAA76F68-5225-49DA-8BEB-5E91961E5E4E}"/>
-              </a:ext>
-            </a:extLst>
-          </p:cNvPr>
+          <p:cNvPr id="5" name="İçerik Yer Tutucusu 4"/>
           <p:cNvSpPr>
             <a:spLocks noGrp="1"/>
           </p:cNvSpPr>
@@ -7856,11 +7597,6 @@
         </p:txBody>
       </p:sp>
     </p:spTree>
-    <p:extLst>
-      <p:ext uri="{BB962C8B-B14F-4D97-AF65-F5344CB8AC3E}">
-        <p14:creationId xmlns:p14="http://schemas.microsoft.com/office/powerpoint/2010/main" val="1910944543"/>
-      </p:ext>
-    </p:extLst>
   </p:cSld>
   <p:clrMapOvr>
     <a:masterClrMapping/>
@@ -7887,13 +7623,7 @@
       </p:grpSpPr>
       <p:sp>
         <p:nvSpPr>
-          <p:cNvPr id="3" name="İçerik Yer Tutucusu 2">
-            <a:extLst>
-              <a:ext uri="{FF2B5EF4-FFF2-40B4-BE49-F238E27FC236}">
-                <a16:creationId xmlns:a16="http://schemas.microsoft.com/office/drawing/2014/main" id="{B1FE2BD9-7B23-4DC9-BD4C-1B9ACD377C46}"/>
-              </a:ext>
-            </a:extLst>
-          </p:cNvPr>
+          <p:cNvPr id="3" name="İçerik Yer Tutucusu 2"/>
           <p:cNvSpPr>
             <a:spLocks noGrp="1"/>
           </p:cNvSpPr>
@@ -8121,13 +7851,7 @@
       </p:sp>
       <p:sp>
         <p:nvSpPr>
-          <p:cNvPr id="4" name="İçerik Yer Tutucusu 3">
-            <a:extLst>
-              <a:ext uri="{FF2B5EF4-FFF2-40B4-BE49-F238E27FC236}">
-                <a16:creationId xmlns:a16="http://schemas.microsoft.com/office/drawing/2014/main" id="{2076BA5E-F382-4B4B-AE78-8C2DA0F8289D}"/>
-              </a:ext>
-            </a:extLst>
-          </p:cNvPr>
+          <p:cNvPr id="4" name="İçerik Yer Tutucusu 3"/>
           <p:cNvSpPr>
             <a:spLocks noGrp="1"/>
           </p:cNvSpPr>
@@ -8334,11 +8058,6 @@
         </p:txBody>
       </p:sp>
     </p:spTree>
-    <p:extLst>
-      <p:ext uri="{BB962C8B-B14F-4D97-AF65-F5344CB8AC3E}">
-        <p14:creationId xmlns:p14="http://schemas.microsoft.com/office/powerpoint/2010/main" val="2177813491"/>
-      </p:ext>
-    </p:extLst>
   </p:cSld>
   <p:clrMapOvr>
     <a:masterClrMapping/>
@@ -8365,13 +8084,7 @@
       </p:grpSpPr>
       <p:sp>
         <p:nvSpPr>
-          <p:cNvPr id="3" name="İçerik Yer Tutucusu 2">
-            <a:extLst>
-              <a:ext uri="{FF2B5EF4-FFF2-40B4-BE49-F238E27FC236}">
-                <a16:creationId xmlns:a16="http://schemas.microsoft.com/office/drawing/2014/main" id="{B4914FFD-86CA-4D08-BF0A-DD5BD19F39F9}"/>
-              </a:ext>
-            </a:extLst>
-          </p:cNvPr>
+          <p:cNvPr id="3" name="İçerik Yer Tutucusu 2"/>
           <p:cNvSpPr>
             <a:spLocks noGrp="1"/>
           </p:cNvSpPr>
@@ -8506,13 +8219,7 @@
       </p:sp>
       <p:sp>
         <p:nvSpPr>
-          <p:cNvPr id="4" name="İçerik Yer Tutucusu 3">
-            <a:extLst>
-              <a:ext uri="{FF2B5EF4-FFF2-40B4-BE49-F238E27FC236}">
-                <a16:creationId xmlns:a16="http://schemas.microsoft.com/office/drawing/2014/main" id="{272A6493-8FC9-4517-98F7-7934470A0C3F}"/>
-              </a:ext>
-            </a:extLst>
-          </p:cNvPr>
+          <p:cNvPr id="4" name="İçerik Yer Tutucusu 3"/>
           <p:cNvSpPr>
             <a:spLocks noGrp="1"/>
           </p:cNvSpPr>
@@ -8901,11 +8608,6 @@
         </p:txBody>
       </p:sp>
     </p:spTree>
-    <p:extLst>
-      <p:ext uri="{BB962C8B-B14F-4D97-AF65-F5344CB8AC3E}">
-        <p14:creationId xmlns:p14="http://schemas.microsoft.com/office/powerpoint/2010/main" val="3742173467"/>
-      </p:ext>
-    </p:extLst>
   </p:cSld>
   <p:clrMapOvr>
     <a:masterClrMapping/>
@@ -8932,13 +8634,7 @@
       </p:grpSpPr>
       <p:sp>
         <p:nvSpPr>
-          <p:cNvPr id="2" name="Başlık 1">
-            <a:extLst>
-              <a:ext uri="{FF2B5EF4-FFF2-40B4-BE49-F238E27FC236}">
-                <a16:creationId xmlns:a16="http://schemas.microsoft.com/office/drawing/2014/main" id="{6A198AAC-3EBE-472F-998C-8C17328F7C60}"/>
-              </a:ext>
-            </a:extLst>
-          </p:cNvPr>
+          <p:cNvPr id="2" name="Başlık 1"/>
           <p:cNvSpPr>
             <a:spLocks noGrp="1"/>
           </p:cNvSpPr>
@@ -8957,13 +8653,7 @@
       </p:sp>
       <p:sp>
         <p:nvSpPr>
-          <p:cNvPr id="3" name="İçerik Yer Tutucusu 2">
-            <a:extLst>
-              <a:ext uri="{FF2B5EF4-FFF2-40B4-BE49-F238E27FC236}">
-                <a16:creationId xmlns:a16="http://schemas.microsoft.com/office/drawing/2014/main" id="{60E5B794-9C03-4FC3-9840-8A313B5DC5BC}"/>
-              </a:ext>
-            </a:extLst>
-          </p:cNvPr>
+          <p:cNvPr id="3" name="İçerik Yer Tutucusu 2"/>
           <p:cNvSpPr>
             <a:spLocks noGrp="1"/>
           </p:cNvSpPr>
@@ -9036,13 +8726,7 @@
       </p:sp>
       <p:sp>
         <p:nvSpPr>
-          <p:cNvPr id="4" name="İçerik Yer Tutucusu 3">
-            <a:extLst>
-              <a:ext uri="{FF2B5EF4-FFF2-40B4-BE49-F238E27FC236}">
-                <a16:creationId xmlns:a16="http://schemas.microsoft.com/office/drawing/2014/main" id="{CD24439B-2C40-4B14-B17D-105ECFD384FE}"/>
-              </a:ext>
-            </a:extLst>
-          </p:cNvPr>
+          <p:cNvPr id="4" name="İçerik Yer Tutucusu 3"/>
           <p:cNvSpPr>
             <a:spLocks noGrp="1"/>
           </p:cNvSpPr>
@@ -9062,11 +8746,6 @@
         </p:txBody>
       </p:sp>
     </p:spTree>
-    <p:extLst>
-      <p:ext uri="{BB962C8B-B14F-4D97-AF65-F5344CB8AC3E}">
-        <p14:creationId xmlns:p14="http://schemas.microsoft.com/office/powerpoint/2010/main" val="1621397420"/>
-      </p:ext>
-    </p:extLst>
   </p:cSld>
   <p:clrMapOvr>
     <a:masterClrMapping/>
@@ -9093,13 +8772,7 @@
       </p:grpSpPr>
       <p:sp>
         <p:nvSpPr>
-          <p:cNvPr id="2" name="Başlık 1">
-            <a:extLst>
-              <a:ext uri="{FF2B5EF4-FFF2-40B4-BE49-F238E27FC236}">
-                <a16:creationId xmlns:a16="http://schemas.microsoft.com/office/drawing/2014/main" id="{A1AD946A-9668-4935-B52F-0133AAB8B653}"/>
-              </a:ext>
-            </a:extLst>
-          </p:cNvPr>
+          <p:cNvPr id="2" name="Başlık 1"/>
           <p:cNvSpPr>
             <a:spLocks noGrp="1"/>
           </p:cNvSpPr>
@@ -9121,13 +8794,7 @@
       </p:sp>
       <p:sp>
         <p:nvSpPr>
-          <p:cNvPr id="3" name="İçerik Yer Tutucusu 2">
-            <a:extLst>
-              <a:ext uri="{FF2B5EF4-FFF2-40B4-BE49-F238E27FC236}">
-                <a16:creationId xmlns:a16="http://schemas.microsoft.com/office/drawing/2014/main" id="{1753283D-8CA0-4208-9017-11F16DBAD968}"/>
-              </a:ext>
-            </a:extLst>
-          </p:cNvPr>
+          <p:cNvPr id="3" name="İçerik Yer Tutucusu 2"/>
           <p:cNvSpPr>
             <a:spLocks noGrp="1"/>
           </p:cNvSpPr>
@@ -9157,13 +8824,7 @@
       </p:sp>
       <p:sp>
         <p:nvSpPr>
-          <p:cNvPr id="4" name="İçerik Yer Tutucusu 3">
-            <a:extLst>
-              <a:ext uri="{FF2B5EF4-FFF2-40B4-BE49-F238E27FC236}">
-                <a16:creationId xmlns:a16="http://schemas.microsoft.com/office/drawing/2014/main" id="{B0E1B016-97FD-473C-8E68-4303A117DDFF}"/>
-              </a:ext>
-            </a:extLst>
-          </p:cNvPr>
+          <p:cNvPr id="4" name="İçerik Yer Tutucusu 3"/>
           <p:cNvSpPr>
             <a:spLocks noGrp="1"/>
           </p:cNvSpPr>
@@ -9181,11 +8842,6 @@
         </p:txBody>
       </p:sp>
     </p:spTree>
-    <p:extLst>
-      <p:ext uri="{BB962C8B-B14F-4D97-AF65-F5344CB8AC3E}">
-        <p14:creationId xmlns:p14="http://schemas.microsoft.com/office/powerpoint/2010/main" val="3432811140"/>
-      </p:ext>
-    </p:extLst>
   </p:cSld>
   <p:clrMapOvr>
     <a:masterClrMapping/>
@@ -9212,13 +8868,7 @@
       </p:grpSpPr>
       <p:sp>
         <p:nvSpPr>
-          <p:cNvPr id="2" name="Başlık 1">
-            <a:extLst>
-              <a:ext uri="{FF2B5EF4-FFF2-40B4-BE49-F238E27FC236}">
-                <a16:creationId xmlns:a16="http://schemas.microsoft.com/office/drawing/2014/main" id="{DA480255-1B45-4CE2-9D1F-9643F9F15294}"/>
-              </a:ext>
-            </a:extLst>
-          </p:cNvPr>
+          <p:cNvPr id="2" name="Başlık 1"/>
           <p:cNvSpPr>
             <a:spLocks noGrp="1"/>
           </p:cNvSpPr>
@@ -9240,13 +8890,7 @@
       </p:sp>
       <p:sp>
         <p:nvSpPr>
-          <p:cNvPr id="3" name="İçerik Yer Tutucusu 2">
-            <a:extLst>
-              <a:ext uri="{FF2B5EF4-FFF2-40B4-BE49-F238E27FC236}">
-                <a16:creationId xmlns:a16="http://schemas.microsoft.com/office/drawing/2014/main" id="{118433F6-6DE8-4FFA-8F28-9691E9C12166}"/>
-              </a:ext>
-            </a:extLst>
-          </p:cNvPr>
+          <p:cNvPr id="3" name="İçerik Yer Tutucusu 2"/>
           <p:cNvSpPr>
             <a:spLocks noGrp="1"/>
           </p:cNvSpPr>
@@ -9291,13 +8935,7 @@
       </p:sp>
       <p:sp>
         <p:nvSpPr>
-          <p:cNvPr id="4" name="İçerik Yer Tutucusu 3">
-            <a:extLst>
-              <a:ext uri="{FF2B5EF4-FFF2-40B4-BE49-F238E27FC236}">
-                <a16:creationId xmlns:a16="http://schemas.microsoft.com/office/drawing/2014/main" id="{FFDF5279-F69B-4C98-BB78-73591D3D5381}"/>
-              </a:ext>
-            </a:extLst>
-          </p:cNvPr>
+          <p:cNvPr id="4" name="İçerik Yer Tutucusu 3"/>
           <p:cNvSpPr>
             <a:spLocks noGrp="1"/>
           </p:cNvSpPr>
@@ -9340,11 +8978,6 @@
         </p:txBody>
       </p:sp>
     </p:spTree>
-    <p:extLst>
-      <p:ext uri="{BB962C8B-B14F-4D97-AF65-F5344CB8AC3E}">
-        <p14:creationId xmlns:p14="http://schemas.microsoft.com/office/powerpoint/2010/main" val="1843767628"/>
-      </p:ext>
-    </p:extLst>
   </p:cSld>
   <p:clrMapOvr>
     <a:masterClrMapping/>
@@ -9371,13 +9004,7 @@
       </p:grpSpPr>
       <p:sp>
         <p:nvSpPr>
-          <p:cNvPr id="2" name="Başlık 1">
-            <a:extLst>
-              <a:ext uri="{FF2B5EF4-FFF2-40B4-BE49-F238E27FC236}">
-                <a16:creationId xmlns:a16="http://schemas.microsoft.com/office/drawing/2014/main" id="{C3F3A1F6-5C3A-46C1-952A-259CE7AE1B87}"/>
-              </a:ext>
-            </a:extLst>
-          </p:cNvPr>
+          <p:cNvPr id="2" name="Başlık 1"/>
           <p:cNvSpPr>
             <a:spLocks noGrp="1"/>
           </p:cNvSpPr>
@@ -9399,13 +9026,7 @@
       </p:sp>
       <p:sp>
         <p:nvSpPr>
-          <p:cNvPr id="3" name="İçerik Yer Tutucusu 2">
-            <a:extLst>
-              <a:ext uri="{FF2B5EF4-FFF2-40B4-BE49-F238E27FC236}">
-                <a16:creationId xmlns:a16="http://schemas.microsoft.com/office/drawing/2014/main" id="{7DA65096-9244-4F58-88F3-401B5902F35E}"/>
-              </a:ext>
-            </a:extLst>
-          </p:cNvPr>
+          <p:cNvPr id="3" name="İçerik Yer Tutucusu 2"/>
           <p:cNvSpPr>
             <a:spLocks noGrp="1"/>
           </p:cNvSpPr>
@@ -9459,13 +9080,7 @@
       </p:sp>
       <p:sp>
         <p:nvSpPr>
-          <p:cNvPr id="4" name="İçerik Yer Tutucusu 3">
-            <a:extLst>
-              <a:ext uri="{FF2B5EF4-FFF2-40B4-BE49-F238E27FC236}">
-                <a16:creationId xmlns:a16="http://schemas.microsoft.com/office/drawing/2014/main" id="{54E0566F-0DE0-4421-ADB5-918824934C8B}"/>
-              </a:ext>
-            </a:extLst>
-          </p:cNvPr>
+          <p:cNvPr id="4" name="İçerik Yer Tutucusu 3"/>
           <p:cNvSpPr>
             <a:spLocks noGrp="1"/>
           </p:cNvSpPr>
@@ -9518,11 +9133,6 @@
         </p:txBody>
       </p:sp>
     </p:spTree>
-    <p:extLst>
-      <p:ext uri="{BB962C8B-B14F-4D97-AF65-F5344CB8AC3E}">
-        <p14:creationId xmlns:p14="http://schemas.microsoft.com/office/powerpoint/2010/main" val="2892023075"/>
-      </p:ext>
-    </p:extLst>
   </p:cSld>
   <p:clrMapOvr>
     <a:masterClrMapping/>
@@ -9537,7 +9147,9 @@
       <p:bgPr>
         <a:blipFill>
           <a:blip r:embed="rId2"/>
-          <a:stretch/>
+          <a:stretch>
+            <a:fillRect/>
+          </a:stretch>
         </a:blipFill>
         <a:effectLst/>
       </p:bgPr>
@@ -9558,26 +9170,11 @@
       </p:grpSpPr>
       <p:sp useBgFill="1">
         <p:nvSpPr>
-          <p:cNvPr id="12" name="Rectangle 11">
-            <a:extLst>
-              <a:ext uri="{FF2B5EF4-FFF2-40B4-BE49-F238E27FC236}">
-                <a16:creationId xmlns:a16="http://schemas.microsoft.com/office/drawing/2014/main" id="{22AC0F86-9A78-4E84-A4B4-ADB8B2629A0C}"/>
-              </a:ext>
-              <a:ext uri="{C183D7F6-B498-43B3-948B-1728B52AA6E4}">
-                <adec:decorative xmlns:adec="http://schemas.microsoft.com/office/drawing/2017/decorative" val="1"/>
-              </a:ext>
-            </a:extLst>
-          </p:cNvPr>
+          <p:cNvPr id="12" name="Rectangle 11"/>
           <p:cNvSpPr>
             <a:spLocks noGrp="1" noRot="1" noChangeAspect="1" noMove="1" noResize="1" noEditPoints="1" noAdjustHandles="1" noChangeArrowheads="1" noChangeShapeType="1" noTextEdit="1"/>
           </p:cNvSpPr>
-          <p:nvPr>
-            <p:extLst>
-              <p:ext uri="{386F3935-93C4-4BCD-93E2-E3B085C9AB24}">
-                <p16:designElem xmlns:p16="http://schemas.microsoft.com/office/powerpoint/2015/main" val="1"/>
-              </p:ext>
-            </p:extLst>
-          </p:nvPr>
+          <p:nvPr/>
         </p:nvSpPr>
         <p:spPr>
           <a:xfrm>
@@ -9618,26 +9215,11 @@
       </p:sp>
       <p:grpSp>
         <p:nvGrpSpPr>
-          <p:cNvPr id="14" name="Group 13">
-            <a:extLst>
-              <a:ext uri="{FF2B5EF4-FFF2-40B4-BE49-F238E27FC236}">
-                <a16:creationId xmlns:a16="http://schemas.microsoft.com/office/drawing/2014/main" id="{4AF78B9E-8BE2-4706-9377-A05FA25ABABF}"/>
-              </a:ext>
-              <a:ext uri="{C183D7F6-B498-43B3-948B-1728B52AA6E4}">
-                <adec:decorative xmlns:adec="http://schemas.microsoft.com/office/drawing/2017/decorative" val="1"/>
-              </a:ext>
-            </a:extLst>
-          </p:cNvPr>
+          <p:cNvPr id="14" name="Group 13"/>
           <p:cNvGrpSpPr>
             <a:grpSpLocks noGrp="1" noUngrp="1" noRot="1" noChangeAspect="1" noMove="1" noResize="1"/>
           </p:cNvGrpSpPr>
-          <p:nvPr>
-            <p:extLst>
-              <p:ext uri="{386F3935-93C4-4BCD-93E2-E3B085C9AB24}">
-                <p16:designElem xmlns:p16="http://schemas.microsoft.com/office/powerpoint/2015/main" val="1"/>
-              </p:ext>
-            </p:extLst>
-          </p:nvPr>
+          <p:nvPr/>
         </p:nvGrpSpPr>
         <p:grpSpPr>
           <a:xfrm>
@@ -9649,26 +9231,11 @@
         </p:grpSpPr>
         <p:pic>
           <p:nvPicPr>
-            <p:cNvPr id="15" name="Picture 14">
-              <a:extLst>
-                <a:ext uri="{FF2B5EF4-FFF2-40B4-BE49-F238E27FC236}">
-                  <a16:creationId xmlns:a16="http://schemas.microsoft.com/office/drawing/2014/main" id="{32CDFDE2-4DB3-4623-BA21-187D1B710FB9}"/>
-                </a:ext>
-                <a:ext uri="{C183D7F6-B498-43B3-948B-1728B52AA6E4}">
-                  <adec:decorative xmlns:adec="http://schemas.microsoft.com/office/drawing/2017/decorative" val="1"/>
-                </a:ext>
-              </a:extLst>
-            </p:cNvPr>
+            <p:cNvPr id="15" name="Picture 14"/>
             <p:cNvPicPr>
               <a:picLocks noChangeAspect="1"/>
             </p:cNvPicPr>
-            <p:nvPr>
-              <p:extLst>
-                <p:ext uri="{386F3935-93C4-4BCD-93E2-E3B085C9AB24}">
-                  <p16:designElem xmlns:p16="http://schemas.microsoft.com/office/powerpoint/2015/main" val="1"/>
-                </p:ext>
-              </p:extLst>
-            </p:nvPr>
+            <p:nvPr/>
           </p:nvPicPr>
           <p:blipFill>
             <a:blip r:embed="rId3">
@@ -9694,24 +9261,9 @@
         </p:pic>
         <p:sp>
           <p:nvSpPr>
-            <p:cNvPr id="16" name="Rectangle 15">
-              <a:extLst>
-                <a:ext uri="{FF2B5EF4-FFF2-40B4-BE49-F238E27FC236}">
-                  <a16:creationId xmlns:a16="http://schemas.microsoft.com/office/drawing/2014/main" id="{ED74B2AA-1443-4E9B-8462-F7F5B8525908}"/>
-                </a:ext>
-                <a:ext uri="{C183D7F6-B498-43B3-948B-1728B52AA6E4}">
-                  <adec:decorative xmlns:adec="http://schemas.microsoft.com/office/drawing/2017/decorative" val="1"/>
-                </a:ext>
-              </a:extLst>
-            </p:cNvPr>
+            <p:cNvPr id="16" name="Rectangle 15"/>
             <p:cNvSpPr/>
-            <p:nvPr>
-              <p:extLst>
-                <p:ext uri="{386F3935-93C4-4BCD-93E2-E3B085C9AB24}">
-                  <p16:designElem xmlns:p16="http://schemas.microsoft.com/office/powerpoint/2015/main" val="1"/>
-                </p:ext>
-              </p:extLst>
-            </p:nvPr>
+            <p:nvPr/>
           </p:nvSpPr>
           <p:spPr>
             <a:xfrm>
@@ -9743,26 +9295,11 @@
         </p:sp>
         <p:pic>
           <p:nvPicPr>
-            <p:cNvPr id="17" name="Picture 16">
-              <a:extLst>
-                <a:ext uri="{FF2B5EF4-FFF2-40B4-BE49-F238E27FC236}">
-                  <a16:creationId xmlns:a16="http://schemas.microsoft.com/office/drawing/2014/main" id="{9BB652B6-7300-49EC-9422-EF5342492AF1}"/>
-                </a:ext>
-                <a:ext uri="{C183D7F6-B498-43B3-948B-1728B52AA6E4}">
-                  <adec:decorative xmlns:adec="http://schemas.microsoft.com/office/drawing/2017/decorative" val="1"/>
-                </a:ext>
-              </a:extLst>
-            </p:cNvPr>
+            <p:cNvPr id="17" name="Picture 16"/>
             <p:cNvPicPr>
               <a:picLocks noChangeAspect="1"/>
             </p:cNvPicPr>
-            <p:nvPr>
-              <p:extLst>
-                <p:ext uri="{386F3935-93C4-4BCD-93E2-E3B085C9AB24}">
-                  <p16:designElem xmlns:p16="http://schemas.microsoft.com/office/powerpoint/2015/main" val="1"/>
-                </p:ext>
-              </p:extLst>
-            </p:nvPr>
+            <p:nvPr/>
           </p:nvPicPr>
           <p:blipFill rotWithShape="1">
             <a:blip r:embed="rId4">
@@ -9773,7 +9310,9 @@
               </a:extLst>
             </a:blip>
             <a:srcRect/>
-            <a:stretch/>
+            <a:stretch>
+              <a:fillRect/>
+            </a:stretch>
           </p:blipFill>
           <p:spPr>
             <a:xfrm>
@@ -9787,26 +9326,11 @@
         </p:pic>
         <p:pic>
           <p:nvPicPr>
-            <p:cNvPr id="18" name="Picture 17">
-              <a:extLst>
-                <a:ext uri="{FF2B5EF4-FFF2-40B4-BE49-F238E27FC236}">
-                  <a16:creationId xmlns:a16="http://schemas.microsoft.com/office/drawing/2014/main" id="{D0909587-01DE-424D-A15F-DAA28CF2CD38}"/>
-                </a:ext>
-                <a:ext uri="{C183D7F6-B498-43B3-948B-1728B52AA6E4}">
-                  <adec:decorative xmlns:adec="http://schemas.microsoft.com/office/drawing/2017/decorative" val="1"/>
-                </a:ext>
-              </a:extLst>
-            </p:cNvPr>
+            <p:cNvPr id="18" name="Picture 17"/>
             <p:cNvPicPr>
               <a:picLocks noChangeAspect="1"/>
             </p:cNvPicPr>
-            <p:nvPr>
-              <p:extLst>
-                <p:ext uri="{386F3935-93C4-4BCD-93E2-E3B085C9AB24}">
-                  <p16:designElem xmlns:p16="http://schemas.microsoft.com/office/powerpoint/2015/main" val="1"/>
-                </p:ext>
-              </p:extLst>
-            </p:nvPr>
+            <p:nvPr/>
           </p:nvPicPr>
           <p:blipFill rotWithShape="1">
             <a:blip r:embed="rId4">
@@ -9817,7 +9341,9 @@
               </a:extLst>
             </a:blip>
             <a:srcRect/>
-            <a:stretch/>
+            <a:stretch>
+              <a:fillRect/>
+            </a:stretch>
           </p:blipFill>
           <p:spPr>
             <a:xfrm>
@@ -9832,13 +9358,7 @@
       </p:grpSp>
       <p:sp>
         <p:nvSpPr>
-          <p:cNvPr id="2" name="Başlık 1">
-            <a:extLst>
-              <a:ext uri="{FF2B5EF4-FFF2-40B4-BE49-F238E27FC236}">
-                <a16:creationId xmlns:a16="http://schemas.microsoft.com/office/drawing/2014/main" id="{8B040C3B-7350-482C-97D8-C55F20DC838B}"/>
-              </a:ext>
-            </a:extLst>
-          </p:cNvPr>
+          <p:cNvPr id="2" name="Başlık 1"/>
           <p:cNvSpPr>
             <a:spLocks noGrp="1"/>
           </p:cNvSpPr>
@@ -9887,26 +9407,11 @@
       </p:sp>
       <p:sp>
         <p:nvSpPr>
-          <p:cNvPr id="20" name="Rectangle 19">
-            <a:extLst>
-              <a:ext uri="{FF2B5EF4-FFF2-40B4-BE49-F238E27FC236}">
-                <a16:creationId xmlns:a16="http://schemas.microsoft.com/office/drawing/2014/main" id="{69A54E25-1C05-48E5-A5CC-3778C1D3632D}"/>
-              </a:ext>
-              <a:ext uri="{C183D7F6-B498-43B3-948B-1728B52AA6E4}">
-                <adec:decorative xmlns:adec="http://schemas.microsoft.com/office/drawing/2017/decorative" val="1"/>
-              </a:ext>
-            </a:extLst>
-          </p:cNvPr>
+          <p:cNvPr id="20" name="Rectangle 19"/>
           <p:cNvSpPr>
             <a:spLocks noGrp="1" noRot="1" noChangeAspect="1" noMove="1" noResize="1" noEditPoints="1" noAdjustHandles="1" noChangeArrowheads="1" noChangeShapeType="1" noTextEdit="1"/>
           </p:cNvSpPr>
-          <p:nvPr>
-            <p:extLst>
-              <p:ext uri="{386F3935-93C4-4BCD-93E2-E3B085C9AB24}">
-                <p16:designElem xmlns:p16="http://schemas.microsoft.com/office/powerpoint/2015/main" val="1"/>
-              </p:ext>
-            </p:extLst>
-          </p:nvPr>
+          <p:nvPr/>
         </p:nvSpPr>
         <p:spPr>
           <a:xfrm>
@@ -9956,13 +9461,7 @@
       </p:sp>
       <p:pic>
         <p:nvPicPr>
-          <p:cNvPr id="5" name="İçerik Yer Tutucusu 4">
-            <a:extLst>
-              <a:ext uri="{FF2B5EF4-FFF2-40B4-BE49-F238E27FC236}">
-                <a16:creationId xmlns:a16="http://schemas.microsoft.com/office/drawing/2014/main" id="{55852C22-C877-492F-9B2D-7AF879050147}"/>
-              </a:ext>
-            </a:extLst>
-          </p:cNvPr>
+          <p:cNvPr id="5" name="İçerik Yer Tutucusu 4"/>
           <p:cNvPicPr>
             <a:picLocks noChangeAspect="1"/>
           </p:cNvPicPr>
@@ -9971,7 +9470,9 @@
         <p:blipFill rotWithShape="1">
           <a:blip r:embed="rId5"/>
           <a:srcRect t="18717" b="11655"/>
-          <a:stretch/>
+          <a:stretch>
+            <a:fillRect/>
+          </a:stretch>
         </p:blipFill>
         <p:spPr>
           <a:xfrm>
@@ -9985,26 +9486,11 @@
       </p:pic>
       <p:cxnSp>
         <p:nvCxnSpPr>
-          <p:cNvPr id="22" name="Straight Connector 21">
-            <a:extLst>
-              <a:ext uri="{FF2B5EF4-FFF2-40B4-BE49-F238E27FC236}">
-                <a16:creationId xmlns:a16="http://schemas.microsoft.com/office/drawing/2014/main" id="{0E5D0023-B23E-4823-8D72-B07FFF8CAE96}"/>
-              </a:ext>
-              <a:ext uri="{C183D7F6-B498-43B3-948B-1728B52AA6E4}">
-                <adec:decorative xmlns:adec="http://schemas.microsoft.com/office/drawing/2017/decorative" val="1"/>
-              </a:ext>
-            </a:extLst>
-          </p:cNvPr>
+          <p:cNvPr id="22" name="Straight Connector 21"/>
           <p:cNvCxnSpPr>
             <a:cxnSpLocks noGrp="1" noRot="1" noChangeAspect="1" noMove="1" noResize="1" noEditPoints="1" noAdjustHandles="1" noChangeArrowheads="1" noChangeShapeType="1"/>
           </p:cNvCxnSpPr>
-          <p:nvPr>
-            <p:extLst>
-              <p:ext uri="{386F3935-93C4-4BCD-93E2-E3B085C9AB24}">
-                <p16:designElem xmlns:p16="http://schemas.microsoft.com/office/powerpoint/2015/main" val="1"/>
-              </p:ext>
-            </p:extLst>
-          </p:nvPr>
+          <p:nvPr/>
         </p:nvCxnSpPr>
         <p:spPr>
           <a:xfrm>
@@ -10032,13 +9518,7 @@
       </p:cxnSp>
       <p:sp>
         <p:nvSpPr>
-          <p:cNvPr id="9" name="Content Placeholder 8">
-            <a:extLst>
-              <a:ext uri="{FF2B5EF4-FFF2-40B4-BE49-F238E27FC236}">
-                <a16:creationId xmlns:a16="http://schemas.microsoft.com/office/drawing/2014/main" id="{266D6337-BB38-D43F-3390-3075BB31CA7B}"/>
-              </a:ext>
-            </a:extLst>
-          </p:cNvPr>
+          <p:cNvPr id="9" name="Content Placeholder 8"/>
           <p:cNvSpPr>
             <a:spLocks noGrp="1"/>
           </p:cNvSpPr>
@@ -10063,11 +9543,6 @@
         </p:txBody>
       </p:sp>
     </p:spTree>
-    <p:extLst>
-      <p:ext uri="{BB962C8B-B14F-4D97-AF65-F5344CB8AC3E}">
-        <p14:creationId xmlns:p14="http://schemas.microsoft.com/office/powerpoint/2010/main" val="1641142847"/>
-      </p:ext>
-    </p:extLst>
   </p:cSld>
   <p:clrMapOvr>
     <a:masterClrMapping/>
@@ -10094,13 +9569,7 @@
       </p:grpSpPr>
       <p:sp>
         <p:nvSpPr>
-          <p:cNvPr id="2" name="Başlık 1">
-            <a:extLst>
-              <a:ext uri="{FF2B5EF4-FFF2-40B4-BE49-F238E27FC236}">
-                <a16:creationId xmlns:a16="http://schemas.microsoft.com/office/drawing/2014/main" id="{67302413-11DE-47A0-B530-543680943F45}"/>
-              </a:ext>
-            </a:extLst>
-          </p:cNvPr>
+          <p:cNvPr id="2" name="Başlık 1"/>
           <p:cNvSpPr>
             <a:spLocks noGrp="1"/>
           </p:cNvSpPr>
@@ -10122,13 +9591,7 @@
       </p:sp>
       <p:sp>
         <p:nvSpPr>
-          <p:cNvPr id="3" name="İçerik Yer Tutucusu 2">
-            <a:extLst>
-              <a:ext uri="{FF2B5EF4-FFF2-40B4-BE49-F238E27FC236}">
-                <a16:creationId xmlns:a16="http://schemas.microsoft.com/office/drawing/2014/main" id="{6E551AA5-85AE-4C4B-A270-1E3F7CD193F7}"/>
-              </a:ext>
-            </a:extLst>
-          </p:cNvPr>
+          <p:cNvPr id="3" name="İçerik Yer Tutucusu 2"/>
           <p:cNvSpPr>
             <a:spLocks noGrp="1"/>
           </p:cNvSpPr>
@@ -10150,13 +9613,7 @@
       </p:sp>
       <p:sp>
         <p:nvSpPr>
-          <p:cNvPr id="4" name="İçerik Yer Tutucusu 3">
-            <a:extLst>
-              <a:ext uri="{FF2B5EF4-FFF2-40B4-BE49-F238E27FC236}">
-                <a16:creationId xmlns:a16="http://schemas.microsoft.com/office/drawing/2014/main" id="{B081DB95-3887-4140-86A6-F42BB1E6629B}"/>
-              </a:ext>
-            </a:extLst>
-          </p:cNvPr>
+          <p:cNvPr id="4" name="İçerik Yer Tutucusu 3"/>
           <p:cNvSpPr>
             <a:spLocks noGrp="1"/>
           </p:cNvSpPr>
@@ -10177,11 +9634,6 @@
         </p:txBody>
       </p:sp>
     </p:spTree>
-    <p:extLst>
-      <p:ext uri="{BB962C8B-B14F-4D97-AF65-F5344CB8AC3E}">
-        <p14:creationId xmlns:p14="http://schemas.microsoft.com/office/powerpoint/2010/main" val="2210245495"/>
-      </p:ext>
-    </p:extLst>
   </p:cSld>
   <p:clrMapOvr>
     <a:masterClrMapping/>
@@ -10208,13 +9660,7 @@
       </p:grpSpPr>
       <p:sp>
         <p:nvSpPr>
-          <p:cNvPr id="2" name="Başlık 1">
-            <a:extLst>
-              <a:ext uri="{FF2B5EF4-FFF2-40B4-BE49-F238E27FC236}">
-                <a16:creationId xmlns:a16="http://schemas.microsoft.com/office/drawing/2014/main" id="{DE9F2AB4-F837-4744-B891-A4D193BF1A6B}"/>
-              </a:ext>
-            </a:extLst>
-          </p:cNvPr>
+          <p:cNvPr id="2" name="Başlık 1"/>
           <p:cNvSpPr>
             <a:spLocks noGrp="1"/>
           </p:cNvSpPr>
@@ -10261,13 +9707,7 @@
       </p:sp>
       <p:sp>
         <p:nvSpPr>
-          <p:cNvPr id="3" name="İçerik Yer Tutucusu 2">
-            <a:extLst>
-              <a:ext uri="{FF2B5EF4-FFF2-40B4-BE49-F238E27FC236}">
-                <a16:creationId xmlns:a16="http://schemas.microsoft.com/office/drawing/2014/main" id="{286E29E7-07A7-498B-81E5-F202151EB90E}"/>
-              </a:ext>
-            </a:extLst>
-          </p:cNvPr>
+          <p:cNvPr id="3" name="İçerik Yer Tutucusu 2"/>
           <p:cNvSpPr>
             <a:spLocks noGrp="1"/>
           </p:cNvSpPr>
@@ -10301,13 +9741,7 @@
       </p:sp>
       <p:sp>
         <p:nvSpPr>
-          <p:cNvPr id="4" name="İçerik Yer Tutucusu 3">
-            <a:extLst>
-              <a:ext uri="{FF2B5EF4-FFF2-40B4-BE49-F238E27FC236}">
-                <a16:creationId xmlns:a16="http://schemas.microsoft.com/office/drawing/2014/main" id="{2F2EEA3B-52CE-4ABF-9B64-4B6E7CED152F}"/>
-              </a:ext>
-            </a:extLst>
-          </p:cNvPr>
+          <p:cNvPr id="4" name="İçerik Yer Tutucusu 3"/>
           <p:cNvSpPr>
             <a:spLocks noGrp="1"/>
           </p:cNvSpPr>
@@ -10332,11 +9766,6 @@
         </p:txBody>
       </p:sp>
     </p:spTree>
-    <p:extLst>
-      <p:ext uri="{BB962C8B-B14F-4D97-AF65-F5344CB8AC3E}">
-        <p14:creationId xmlns:p14="http://schemas.microsoft.com/office/powerpoint/2010/main" val="1435496515"/>
-      </p:ext>
-    </p:extLst>
   </p:cSld>
   <p:clrMapOvr>
     <a:masterClrMapping/>
@@ -10363,13 +9792,7 @@
       </p:grpSpPr>
       <p:sp>
         <p:nvSpPr>
-          <p:cNvPr id="2" name="Başlık 1">
-            <a:extLst>
-              <a:ext uri="{FF2B5EF4-FFF2-40B4-BE49-F238E27FC236}">
-                <a16:creationId xmlns:a16="http://schemas.microsoft.com/office/drawing/2014/main" id="{C5F19A2A-0D42-40B8-81DF-3160C1BF2A3A}"/>
-              </a:ext>
-            </a:extLst>
-          </p:cNvPr>
+          <p:cNvPr id="2" name="Başlık 1"/>
           <p:cNvSpPr>
             <a:spLocks noGrp="1"/>
           </p:cNvSpPr>
@@ -10393,13 +9816,7 @@
       </p:sp>
       <p:sp>
         <p:nvSpPr>
-          <p:cNvPr id="3" name="İçerik Yer Tutucusu 2">
-            <a:extLst>
-              <a:ext uri="{FF2B5EF4-FFF2-40B4-BE49-F238E27FC236}">
-                <a16:creationId xmlns:a16="http://schemas.microsoft.com/office/drawing/2014/main" id="{4EAEC5EA-B076-45D4-9326-A42FD687BD16}"/>
-              </a:ext>
-            </a:extLst>
-          </p:cNvPr>
+          <p:cNvPr id="3" name="İçerik Yer Tutucusu 2"/>
           <p:cNvSpPr>
             <a:spLocks noGrp="1"/>
           </p:cNvSpPr>
@@ -10429,13 +9846,7 @@
       </p:sp>
       <p:sp>
         <p:nvSpPr>
-          <p:cNvPr id="4" name="İçerik Yer Tutucusu 3">
-            <a:extLst>
-              <a:ext uri="{FF2B5EF4-FFF2-40B4-BE49-F238E27FC236}">
-                <a16:creationId xmlns:a16="http://schemas.microsoft.com/office/drawing/2014/main" id="{F36CF3D4-189B-4C25-84BB-5F627DEE16CA}"/>
-              </a:ext>
-            </a:extLst>
-          </p:cNvPr>
+          <p:cNvPr id="4" name="İçerik Yer Tutucusu 3"/>
           <p:cNvSpPr>
             <a:spLocks noGrp="1"/>
           </p:cNvSpPr>
@@ -10456,11 +9867,6 @@
         </p:txBody>
       </p:sp>
     </p:spTree>
-    <p:extLst>
-      <p:ext uri="{BB962C8B-B14F-4D97-AF65-F5344CB8AC3E}">
-        <p14:creationId xmlns:p14="http://schemas.microsoft.com/office/powerpoint/2010/main" val="4488818"/>
-      </p:ext>
-    </p:extLst>
   </p:cSld>
   <p:clrMapOvr>
     <a:masterClrMapping/>
@@ -10487,13 +9893,7 @@
       </p:grpSpPr>
       <p:sp>
         <p:nvSpPr>
-          <p:cNvPr id="2" name="Başlık 1">
-            <a:extLst>
-              <a:ext uri="{FF2B5EF4-FFF2-40B4-BE49-F238E27FC236}">
-                <a16:creationId xmlns:a16="http://schemas.microsoft.com/office/drawing/2014/main" id="{A8B36C33-2C4F-49A6-9A38-E36EF606ECFA}"/>
-              </a:ext>
-            </a:extLst>
-          </p:cNvPr>
+          <p:cNvPr id="2" name="Başlık 1"/>
           <p:cNvSpPr>
             <a:spLocks noGrp="1"/>
           </p:cNvSpPr>
@@ -10516,13 +9916,7 @@
       </p:sp>
       <p:sp>
         <p:nvSpPr>
-          <p:cNvPr id="3" name="İçerik Yer Tutucusu 2">
-            <a:extLst>
-              <a:ext uri="{FF2B5EF4-FFF2-40B4-BE49-F238E27FC236}">
-                <a16:creationId xmlns:a16="http://schemas.microsoft.com/office/drawing/2014/main" id="{2109DA87-575C-4C0B-BEFB-B7024E99FE19}"/>
-              </a:ext>
-            </a:extLst>
-          </p:cNvPr>
+          <p:cNvPr id="3" name="İçerik Yer Tutucusu 2"/>
           <p:cNvSpPr>
             <a:spLocks noGrp="1"/>
           </p:cNvSpPr>
@@ -10573,13 +9967,7 @@
       </p:sp>
       <p:sp>
         <p:nvSpPr>
-          <p:cNvPr id="4" name="İçerik Yer Tutucusu 3">
-            <a:extLst>
-              <a:ext uri="{FF2B5EF4-FFF2-40B4-BE49-F238E27FC236}">
-                <a16:creationId xmlns:a16="http://schemas.microsoft.com/office/drawing/2014/main" id="{D55FF48D-E3E2-45AE-BD82-84C57FCD785C}"/>
-              </a:ext>
-            </a:extLst>
-          </p:cNvPr>
+          <p:cNvPr id="4" name="İçerik Yer Tutucusu 3"/>
           <p:cNvSpPr>
             <a:spLocks noGrp="1"/>
           </p:cNvSpPr>
@@ -10710,11 +10098,6 @@
         </p:txBody>
       </p:sp>
     </p:spTree>
-    <p:extLst>
-      <p:ext uri="{BB962C8B-B14F-4D97-AF65-F5344CB8AC3E}">
-        <p14:creationId xmlns:p14="http://schemas.microsoft.com/office/powerpoint/2010/main" val="1880554509"/>
-      </p:ext>
-    </p:extLst>
   </p:cSld>
   <p:clrMapOvr>
     <a:masterClrMapping/>
@@ -10741,13 +10124,7 @@
       </p:grpSpPr>
       <p:sp>
         <p:nvSpPr>
-          <p:cNvPr id="2" name="Başlık 1">
-            <a:extLst>
-              <a:ext uri="{FF2B5EF4-FFF2-40B4-BE49-F238E27FC236}">
-                <a16:creationId xmlns:a16="http://schemas.microsoft.com/office/drawing/2014/main" id="{5E6FE89C-59F6-4D4B-BC45-BBE7723D992F}"/>
-              </a:ext>
-            </a:extLst>
-          </p:cNvPr>
+          <p:cNvPr id="2" name="Başlık 1"/>
           <p:cNvSpPr>
             <a:spLocks noGrp="1"/>
           </p:cNvSpPr>
@@ -10766,13 +10143,7 @@
       </p:sp>
       <p:sp>
         <p:nvSpPr>
-          <p:cNvPr id="3" name="İçerik Yer Tutucusu 2">
-            <a:extLst>
-              <a:ext uri="{FF2B5EF4-FFF2-40B4-BE49-F238E27FC236}">
-                <a16:creationId xmlns:a16="http://schemas.microsoft.com/office/drawing/2014/main" id="{AE1B3AC4-2ABB-4918-95B7-DF3348AE747B}"/>
-              </a:ext>
-            </a:extLst>
-          </p:cNvPr>
+          <p:cNvPr id="3" name="İçerik Yer Tutucusu 2"/>
           <p:cNvSpPr>
             <a:spLocks noGrp="1"/>
           </p:cNvSpPr>
@@ -10803,13 +10174,7 @@
       </p:sp>
       <p:sp>
         <p:nvSpPr>
-          <p:cNvPr id="4" name="İçerik Yer Tutucusu 3">
-            <a:extLst>
-              <a:ext uri="{FF2B5EF4-FFF2-40B4-BE49-F238E27FC236}">
-                <a16:creationId xmlns:a16="http://schemas.microsoft.com/office/drawing/2014/main" id="{55BEE0F2-F9F0-458E-AE36-42CE62118B5E}"/>
-              </a:ext>
-            </a:extLst>
-          </p:cNvPr>
+          <p:cNvPr id="4" name="İçerik Yer Tutucusu 3"/>
           <p:cNvSpPr>
             <a:spLocks noGrp="1"/>
           </p:cNvSpPr>
@@ -10937,11 +10302,6 @@
         </p:txBody>
       </p:sp>
     </p:spTree>
-    <p:extLst>
-      <p:ext uri="{BB962C8B-B14F-4D97-AF65-F5344CB8AC3E}">
-        <p14:creationId xmlns:p14="http://schemas.microsoft.com/office/powerpoint/2010/main" val="1424008857"/>
-      </p:ext>
-    </p:extLst>
   </p:cSld>
   <p:clrMapOvr>
     <a:masterClrMapping/>
@@ -10968,13 +10328,7 @@
       </p:grpSpPr>
       <p:sp>
         <p:nvSpPr>
-          <p:cNvPr id="2" name="Başlık 1">
-            <a:extLst>
-              <a:ext uri="{FF2B5EF4-FFF2-40B4-BE49-F238E27FC236}">
-                <a16:creationId xmlns:a16="http://schemas.microsoft.com/office/drawing/2014/main" id="{1C9937F7-6D3D-44A8-8C97-E4756DF53E1A}"/>
-              </a:ext>
-            </a:extLst>
-          </p:cNvPr>
+          <p:cNvPr id="2" name="Başlık 1"/>
           <p:cNvSpPr>
             <a:spLocks noGrp="1"/>
           </p:cNvSpPr>
@@ -10993,13 +10347,7 @@
       </p:sp>
       <p:sp>
         <p:nvSpPr>
-          <p:cNvPr id="3" name="İçerik Yer Tutucusu 2">
-            <a:extLst>
-              <a:ext uri="{FF2B5EF4-FFF2-40B4-BE49-F238E27FC236}">
-                <a16:creationId xmlns:a16="http://schemas.microsoft.com/office/drawing/2014/main" id="{28B75CEA-1881-4297-9B55-B161009D8AAB}"/>
-              </a:ext>
-            </a:extLst>
-          </p:cNvPr>
+          <p:cNvPr id="3" name="İçerik Yer Tutucusu 2"/>
           <p:cNvSpPr>
             <a:spLocks noGrp="1"/>
           </p:cNvSpPr>
@@ -11143,13 +10491,7 @@
       </p:sp>
       <p:sp>
         <p:nvSpPr>
-          <p:cNvPr id="4" name="İçerik Yer Tutucusu 3">
-            <a:extLst>
-              <a:ext uri="{FF2B5EF4-FFF2-40B4-BE49-F238E27FC236}">
-                <a16:creationId xmlns:a16="http://schemas.microsoft.com/office/drawing/2014/main" id="{CE084827-D62B-4957-B311-C4A07DA58B63}"/>
-              </a:ext>
-            </a:extLst>
-          </p:cNvPr>
+          <p:cNvPr id="4" name="İçerik Yer Tutucusu 3"/>
           <p:cNvSpPr>
             <a:spLocks noGrp="1"/>
           </p:cNvSpPr>
@@ -11362,11 +10704,6 @@
         </p:txBody>
       </p:sp>
     </p:spTree>
-    <p:extLst>
-      <p:ext uri="{BB962C8B-B14F-4D97-AF65-F5344CB8AC3E}">
-        <p14:creationId xmlns:p14="http://schemas.microsoft.com/office/powerpoint/2010/main" val="3101481398"/>
-      </p:ext>
-    </p:extLst>
   </p:cSld>
   <p:clrMapOvr>
     <a:masterClrMapping/>
@@ -11393,13 +10730,7 @@
       </p:grpSpPr>
       <p:sp>
         <p:nvSpPr>
-          <p:cNvPr id="2" name="Başlık 1">
-            <a:extLst>
-              <a:ext uri="{FF2B5EF4-FFF2-40B4-BE49-F238E27FC236}">
-                <a16:creationId xmlns:a16="http://schemas.microsoft.com/office/drawing/2014/main" id="{B65A826A-4201-4630-B954-CD03FBB48BDB}"/>
-              </a:ext>
-            </a:extLst>
-          </p:cNvPr>
+          <p:cNvPr id="2" name="Başlık 1"/>
           <p:cNvSpPr>
             <a:spLocks noGrp="1"/>
           </p:cNvSpPr>
@@ -11418,13 +10749,7 @@
       </p:sp>
       <p:sp>
         <p:nvSpPr>
-          <p:cNvPr id="3" name="İçerik Yer Tutucusu 2">
-            <a:extLst>
-              <a:ext uri="{FF2B5EF4-FFF2-40B4-BE49-F238E27FC236}">
-                <a16:creationId xmlns:a16="http://schemas.microsoft.com/office/drawing/2014/main" id="{17CB0E8B-02C8-48F4-8432-1A471531D4CB}"/>
-              </a:ext>
-            </a:extLst>
-          </p:cNvPr>
+          <p:cNvPr id="3" name="İçerik Yer Tutucusu 2"/>
           <p:cNvSpPr>
             <a:spLocks noGrp="1"/>
           </p:cNvSpPr>
@@ -11485,13 +10810,7 @@
       </p:sp>
       <p:sp>
         <p:nvSpPr>
-          <p:cNvPr id="4" name="İçerik Yer Tutucusu 3">
-            <a:extLst>
-              <a:ext uri="{FF2B5EF4-FFF2-40B4-BE49-F238E27FC236}">
-                <a16:creationId xmlns:a16="http://schemas.microsoft.com/office/drawing/2014/main" id="{97FF2DD6-B703-486A-84CD-9045B0759460}"/>
-              </a:ext>
-            </a:extLst>
-          </p:cNvPr>
+          <p:cNvPr id="4" name="İçerik Yer Tutucusu 3"/>
           <p:cNvSpPr>
             <a:spLocks noGrp="1"/>
           </p:cNvSpPr>
@@ -11643,11 +10962,6 @@
         </p:txBody>
       </p:sp>
     </p:spTree>
-    <p:extLst>
-      <p:ext uri="{BB962C8B-B14F-4D97-AF65-F5344CB8AC3E}">
-        <p14:creationId xmlns:p14="http://schemas.microsoft.com/office/powerpoint/2010/main" val="1031945082"/>
-      </p:ext>
-    </p:extLst>
   </p:cSld>
   <p:clrMapOvr>
     <a:masterClrMapping/>
@@ -11674,13 +10988,7 @@
       </p:grpSpPr>
       <p:sp>
         <p:nvSpPr>
-          <p:cNvPr id="2" name="Başlık 1">
-            <a:extLst>
-              <a:ext uri="{FF2B5EF4-FFF2-40B4-BE49-F238E27FC236}">
-                <a16:creationId xmlns:a16="http://schemas.microsoft.com/office/drawing/2014/main" id="{CF6DCAED-45C9-4861-BB88-61194B7857C8}"/>
-              </a:ext>
-            </a:extLst>
-          </p:cNvPr>
+          <p:cNvPr id="2" name="Başlık 1"/>
           <p:cNvSpPr>
             <a:spLocks noGrp="1"/>
           </p:cNvSpPr>
@@ -11699,13 +11007,7 @@
       </p:sp>
       <p:sp>
         <p:nvSpPr>
-          <p:cNvPr id="3" name="İçerik Yer Tutucusu 2">
-            <a:extLst>
-              <a:ext uri="{FF2B5EF4-FFF2-40B4-BE49-F238E27FC236}">
-                <a16:creationId xmlns:a16="http://schemas.microsoft.com/office/drawing/2014/main" id="{E4EE93F7-86EE-4612-9455-01F48DC14442}"/>
-              </a:ext>
-            </a:extLst>
-          </p:cNvPr>
+          <p:cNvPr id="3" name="İçerik Yer Tutucusu 2"/>
           <p:cNvSpPr>
             <a:spLocks noGrp="1"/>
           </p:cNvSpPr>
@@ -11844,13 +11146,7 @@
       </p:sp>
       <p:sp>
         <p:nvSpPr>
-          <p:cNvPr id="4" name="İçerik Yer Tutucusu 3">
-            <a:extLst>
-              <a:ext uri="{FF2B5EF4-FFF2-40B4-BE49-F238E27FC236}">
-                <a16:creationId xmlns:a16="http://schemas.microsoft.com/office/drawing/2014/main" id="{CFA22FEA-FA7D-420A-892A-1F4FCB0A19DC}"/>
-              </a:ext>
-            </a:extLst>
-          </p:cNvPr>
+          <p:cNvPr id="4" name="İçerik Yer Tutucusu 3"/>
           <p:cNvSpPr>
             <a:spLocks noGrp="1"/>
           </p:cNvSpPr>
@@ -12008,11 +11304,6 @@
         </p:txBody>
       </p:sp>
     </p:spTree>
-    <p:extLst>
-      <p:ext uri="{BB962C8B-B14F-4D97-AF65-F5344CB8AC3E}">
-        <p14:creationId xmlns:p14="http://schemas.microsoft.com/office/powerpoint/2010/main" val="3935438314"/>
-      </p:ext>
-    </p:extLst>
   </p:cSld>
   <p:clrMapOvr>
     <a:masterClrMapping/>
@@ -12039,13 +11330,7 @@
       </p:grpSpPr>
       <p:sp>
         <p:nvSpPr>
-          <p:cNvPr id="2" name="Başlık 1">
-            <a:extLst>
-              <a:ext uri="{FF2B5EF4-FFF2-40B4-BE49-F238E27FC236}">
-                <a16:creationId xmlns:a16="http://schemas.microsoft.com/office/drawing/2014/main" id="{A841BA90-A914-4463-B75E-ECCADBE10518}"/>
-              </a:ext>
-            </a:extLst>
-          </p:cNvPr>
+          <p:cNvPr id="2" name="Başlık 1"/>
           <p:cNvSpPr>
             <a:spLocks noGrp="1"/>
           </p:cNvSpPr>
@@ -12095,13 +11380,7 @@
       </p:sp>
       <p:sp>
         <p:nvSpPr>
-          <p:cNvPr id="3" name="İçerik Yer Tutucusu 2">
-            <a:extLst>
-              <a:ext uri="{FF2B5EF4-FFF2-40B4-BE49-F238E27FC236}">
-                <a16:creationId xmlns:a16="http://schemas.microsoft.com/office/drawing/2014/main" id="{A795A280-20FB-4D40-8373-D41BE80CD4E7}"/>
-              </a:ext>
-            </a:extLst>
-          </p:cNvPr>
+          <p:cNvPr id="3" name="İçerik Yer Tutucusu 2"/>
           <p:cNvSpPr>
             <a:spLocks noGrp="1"/>
           </p:cNvSpPr>
@@ -12234,13 +11513,7 @@
       </p:sp>
       <p:sp>
         <p:nvSpPr>
-          <p:cNvPr id="4" name="İçerik Yer Tutucusu 3">
-            <a:extLst>
-              <a:ext uri="{FF2B5EF4-FFF2-40B4-BE49-F238E27FC236}">
-                <a16:creationId xmlns:a16="http://schemas.microsoft.com/office/drawing/2014/main" id="{BEAE612C-2B8E-4A1E-9A8E-92A90D20A569}"/>
-              </a:ext>
-            </a:extLst>
-          </p:cNvPr>
+          <p:cNvPr id="4" name="İçerik Yer Tutucusu 3"/>
           <p:cNvSpPr>
             <a:spLocks noGrp="1"/>
           </p:cNvSpPr>
@@ -12352,11 +11625,6 @@
         </p:txBody>
       </p:sp>
     </p:spTree>
-    <p:extLst>
-      <p:ext uri="{BB962C8B-B14F-4D97-AF65-F5344CB8AC3E}">
-        <p14:creationId xmlns:p14="http://schemas.microsoft.com/office/powerpoint/2010/main" val="4075559605"/>
-      </p:ext>
-    </p:extLst>
   </p:cSld>
   <p:clrMapOvr>
     <a:masterClrMapping/>
@@ -12383,13 +11651,7 @@
       </p:grpSpPr>
       <p:sp>
         <p:nvSpPr>
-          <p:cNvPr id="2" name="Başlık 1">
-            <a:extLst>
-              <a:ext uri="{FF2B5EF4-FFF2-40B4-BE49-F238E27FC236}">
-                <a16:creationId xmlns:a16="http://schemas.microsoft.com/office/drawing/2014/main" id="{EFE34A5B-B5E0-45D3-8049-28967DF5F42A}"/>
-              </a:ext>
-            </a:extLst>
-          </p:cNvPr>
+          <p:cNvPr id="2" name="Başlık 1"/>
           <p:cNvSpPr>
             <a:spLocks noGrp="1"/>
           </p:cNvSpPr>
@@ -12408,13 +11670,7 @@
       </p:sp>
       <p:sp>
         <p:nvSpPr>
-          <p:cNvPr id="3" name="İçerik Yer Tutucusu 2">
-            <a:extLst>
-              <a:ext uri="{FF2B5EF4-FFF2-40B4-BE49-F238E27FC236}">
-                <a16:creationId xmlns:a16="http://schemas.microsoft.com/office/drawing/2014/main" id="{6F74F099-5915-47F2-B8C6-809705A6EBDA}"/>
-              </a:ext>
-            </a:extLst>
-          </p:cNvPr>
+          <p:cNvPr id="3" name="İçerik Yer Tutucusu 2"/>
           <p:cNvSpPr>
             <a:spLocks noGrp="1"/>
           </p:cNvSpPr>
@@ -12475,13 +11731,7 @@
       </p:sp>
       <p:sp>
         <p:nvSpPr>
-          <p:cNvPr id="4" name="İçerik Yer Tutucusu 3">
-            <a:extLst>
-              <a:ext uri="{FF2B5EF4-FFF2-40B4-BE49-F238E27FC236}">
-                <a16:creationId xmlns:a16="http://schemas.microsoft.com/office/drawing/2014/main" id="{E8D02D03-C986-45C2-A489-6594C7790964}"/>
-              </a:ext>
-            </a:extLst>
-          </p:cNvPr>
+          <p:cNvPr id="4" name="İçerik Yer Tutucusu 3"/>
           <p:cNvSpPr>
             <a:spLocks noGrp="1"/>
           </p:cNvSpPr>
@@ -12541,11 +11791,6 @@
         </p:txBody>
       </p:sp>
     </p:spTree>
-    <p:extLst>
-      <p:ext uri="{BB962C8B-B14F-4D97-AF65-F5344CB8AC3E}">
-        <p14:creationId xmlns:p14="http://schemas.microsoft.com/office/powerpoint/2010/main" val="404056752"/>
-      </p:ext>
-    </p:extLst>
   </p:cSld>
   <p:clrMapOvr>
     <a:masterClrMapping/>
@@ -12572,13 +11817,7 @@
       </p:grpSpPr>
       <p:sp>
         <p:nvSpPr>
-          <p:cNvPr id="3" name="İçerik Yer Tutucusu 2">
-            <a:extLst>
-              <a:ext uri="{FF2B5EF4-FFF2-40B4-BE49-F238E27FC236}">
-                <a16:creationId xmlns:a16="http://schemas.microsoft.com/office/drawing/2014/main" id="{30C0F69B-CF67-461D-9193-A85787C03B11}"/>
-              </a:ext>
-            </a:extLst>
-          </p:cNvPr>
+          <p:cNvPr id="3" name="İçerik Yer Tutucusu 2"/>
           <p:cNvSpPr>
             <a:spLocks noGrp="1"/>
           </p:cNvSpPr>
@@ -12788,11 +12027,6 @@
         </p:txBody>
       </p:sp>
     </p:spTree>
-    <p:extLst>
-      <p:ext uri="{BB962C8B-B14F-4D97-AF65-F5344CB8AC3E}">
-        <p14:creationId xmlns:p14="http://schemas.microsoft.com/office/powerpoint/2010/main" val="402105805"/>
-      </p:ext>
-    </p:extLst>
   </p:cSld>
   <p:clrMapOvr>
     <a:masterClrMapping/>
@@ -12819,13 +12053,7 @@
       </p:grpSpPr>
       <p:sp>
         <p:nvSpPr>
-          <p:cNvPr id="2" name="Başlık 1">
-            <a:extLst>
-              <a:ext uri="{FF2B5EF4-FFF2-40B4-BE49-F238E27FC236}">
-                <a16:creationId xmlns:a16="http://schemas.microsoft.com/office/drawing/2014/main" id="{2BE103E5-C1A1-4610-A105-82665C20A947}"/>
-              </a:ext>
-            </a:extLst>
-          </p:cNvPr>
+          <p:cNvPr id="2" name="Başlık 1"/>
           <p:cNvSpPr>
             <a:spLocks noGrp="1"/>
           </p:cNvSpPr>
@@ -12875,13 +12103,7 @@
       </p:sp>
       <p:sp>
         <p:nvSpPr>
-          <p:cNvPr id="3" name="İçerik Yer Tutucusu 2">
-            <a:extLst>
-              <a:ext uri="{FF2B5EF4-FFF2-40B4-BE49-F238E27FC236}">
-                <a16:creationId xmlns:a16="http://schemas.microsoft.com/office/drawing/2014/main" id="{567DFE2B-4DA9-4BD4-8239-0E6ED9BB4375}"/>
-              </a:ext>
-            </a:extLst>
-          </p:cNvPr>
+          <p:cNvPr id="3" name="İçerik Yer Tutucusu 2"/>
           <p:cNvSpPr>
             <a:spLocks noGrp="1"/>
           </p:cNvSpPr>
@@ -12982,13 +12204,7 @@
       </p:sp>
       <p:sp>
         <p:nvSpPr>
-          <p:cNvPr id="4" name="İçerik Yer Tutucusu 3">
-            <a:extLst>
-              <a:ext uri="{FF2B5EF4-FFF2-40B4-BE49-F238E27FC236}">
-                <a16:creationId xmlns:a16="http://schemas.microsoft.com/office/drawing/2014/main" id="{D92EC4C0-66E4-4EBF-BA3F-6AA6387014EA}"/>
-              </a:ext>
-            </a:extLst>
-          </p:cNvPr>
+          <p:cNvPr id="4" name="İçerik Yer Tutucusu 3"/>
           <p:cNvSpPr>
             <a:spLocks noGrp="1"/>
           </p:cNvSpPr>
@@ -13008,11 +12224,6 @@
         </p:txBody>
       </p:sp>
     </p:spTree>
-    <p:extLst>
-      <p:ext uri="{BB962C8B-B14F-4D97-AF65-F5344CB8AC3E}">
-        <p14:creationId xmlns:p14="http://schemas.microsoft.com/office/powerpoint/2010/main" val="3643084855"/>
-      </p:ext>
-    </p:extLst>
   </p:cSld>
   <p:clrMapOvr>
     <a:masterClrMapping/>
@@ -13039,13 +12250,7 @@
       </p:grpSpPr>
       <p:sp>
         <p:nvSpPr>
-          <p:cNvPr id="2" name="Başlık 1">
-            <a:extLst>
-              <a:ext uri="{FF2B5EF4-FFF2-40B4-BE49-F238E27FC236}">
-                <a16:creationId xmlns:a16="http://schemas.microsoft.com/office/drawing/2014/main" id="{540C1057-DAC0-451E-A173-2721766C64E2}"/>
-              </a:ext>
-            </a:extLst>
-          </p:cNvPr>
+          <p:cNvPr id="2" name="Başlık 1"/>
           <p:cNvSpPr>
             <a:spLocks noGrp="1"/>
           </p:cNvSpPr>
@@ -13105,13 +12310,7 @@
       </p:sp>
       <p:sp>
         <p:nvSpPr>
-          <p:cNvPr id="3" name="İçerik Yer Tutucusu 2">
-            <a:extLst>
-              <a:ext uri="{FF2B5EF4-FFF2-40B4-BE49-F238E27FC236}">
-                <a16:creationId xmlns:a16="http://schemas.microsoft.com/office/drawing/2014/main" id="{35BA39F6-8628-45A3-B60F-0CAA5C2BCB64}"/>
-              </a:ext>
-            </a:extLst>
-          </p:cNvPr>
+          <p:cNvPr id="3" name="İçerik Yer Tutucusu 2"/>
           <p:cNvSpPr>
             <a:spLocks noGrp="1"/>
           </p:cNvSpPr>
@@ -13262,13 +12461,7 @@
       </p:sp>
       <p:sp>
         <p:nvSpPr>
-          <p:cNvPr id="4" name="İçerik Yer Tutucusu 3">
-            <a:extLst>
-              <a:ext uri="{FF2B5EF4-FFF2-40B4-BE49-F238E27FC236}">
-                <a16:creationId xmlns:a16="http://schemas.microsoft.com/office/drawing/2014/main" id="{DA70853B-2CEA-4F44-9844-D79AB5F702AC}"/>
-              </a:ext>
-            </a:extLst>
-          </p:cNvPr>
+          <p:cNvPr id="4" name="İçerik Yer Tutucusu 3"/>
           <p:cNvSpPr>
             <a:spLocks noGrp="1"/>
           </p:cNvSpPr>
@@ -13418,11 +12611,6 @@
         </p:txBody>
       </p:sp>
     </p:spTree>
-    <p:extLst>
-      <p:ext uri="{BB962C8B-B14F-4D97-AF65-F5344CB8AC3E}">
-        <p14:creationId xmlns:p14="http://schemas.microsoft.com/office/powerpoint/2010/main" val="549098438"/>
-      </p:ext>
-    </p:extLst>
   </p:cSld>
   <p:clrMapOvr>
     <a:masterClrMapping/>
@@ -13449,13 +12637,7 @@
       </p:grpSpPr>
       <p:sp>
         <p:nvSpPr>
-          <p:cNvPr id="2" name="Başlık 1">
-            <a:extLst>
-              <a:ext uri="{FF2B5EF4-FFF2-40B4-BE49-F238E27FC236}">
-                <a16:creationId xmlns:a16="http://schemas.microsoft.com/office/drawing/2014/main" id="{C30620AB-9A41-48AE-817E-A9749129AAC1}"/>
-              </a:ext>
-            </a:extLst>
-          </p:cNvPr>
+          <p:cNvPr id="2" name="Başlık 1"/>
           <p:cNvSpPr>
             <a:spLocks noGrp="1"/>
           </p:cNvSpPr>
@@ -13474,13 +12656,7 @@
       </p:sp>
       <p:sp>
         <p:nvSpPr>
-          <p:cNvPr id="3" name="İçerik Yer Tutucusu 2">
-            <a:extLst>
-              <a:ext uri="{FF2B5EF4-FFF2-40B4-BE49-F238E27FC236}">
-                <a16:creationId xmlns:a16="http://schemas.microsoft.com/office/drawing/2014/main" id="{ECDE88CA-863B-4D4C-A688-3CEA67260F67}"/>
-              </a:ext>
-            </a:extLst>
-          </p:cNvPr>
+          <p:cNvPr id="3" name="İçerik Yer Tutucusu 2"/>
           <p:cNvSpPr>
             <a:spLocks noGrp="1"/>
           </p:cNvSpPr>
@@ -13529,13 +12705,7 @@
       </p:sp>
       <p:sp>
         <p:nvSpPr>
-          <p:cNvPr id="4" name="İçerik Yer Tutucusu 3">
-            <a:extLst>
-              <a:ext uri="{FF2B5EF4-FFF2-40B4-BE49-F238E27FC236}">
-                <a16:creationId xmlns:a16="http://schemas.microsoft.com/office/drawing/2014/main" id="{A5EEE5BB-7D2F-440F-AE5B-DE4F460B366A}"/>
-              </a:ext>
-            </a:extLst>
-          </p:cNvPr>
+          <p:cNvPr id="4" name="İçerik Yer Tutucusu 3"/>
           <p:cNvSpPr>
             <a:spLocks noGrp="1"/>
           </p:cNvSpPr>
@@ -13563,11 +12733,6 @@
         </p:txBody>
       </p:sp>
     </p:spTree>
-    <p:extLst>
-      <p:ext uri="{BB962C8B-B14F-4D97-AF65-F5344CB8AC3E}">
-        <p14:creationId xmlns:p14="http://schemas.microsoft.com/office/powerpoint/2010/main" val="327498191"/>
-      </p:ext>
-    </p:extLst>
   </p:cSld>
   <p:clrMapOvr>
     <a:masterClrMapping/>
@@ -13594,13 +12759,7 @@
       </p:grpSpPr>
       <p:sp>
         <p:nvSpPr>
-          <p:cNvPr id="2" name="Başlık 1">
-            <a:extLst>
-              <a:ext uri="{FF2B5EF4-FFF2-40B4-BE49-F238E27FC236}">
-                <a16:creationId xmlns:a16="http://schemas.microsoft.com/office/drawing/2014/main" id="{4A69B284-5F11-41B5-85CA-EC264C2310D7}"/>
-              </a:ext>
-            </a:extLst>
-          </p:cNvPr>
+          <p:cNvPr id="2" name="Başlık 1"/>
           <p:cNvSpPr>
             <a:spLocks noGrp="1"/>
           </p:cNvSpPr>
@@ -13619,13 +12778,7 @@
       </p:sp>
       <p:sp>
         <p:nvSpPr>
-          <p:cNvPr id="3" name="İçerik Yer Tutucusu 2">
-            <a:extLst>
-              <a:ext uri="{FF2B5EF4-FFF2-40B4-BE49-F238E27FC236}">
-                <a16:creationId xmlns:a16="http://schemas.microsoft.com/office/drawing/2014/main" id="{CE014D86-0464-4C25-8AD7-0DC256367BFC}"/>
-              </a:ext>
-            </a:extLst>
-          </p:cNvPr>
+          <p:cNvPr id="3" name="İçerik Yer Tutucusu 2"/>
           <p:cNvSpPr>
             <a:spLocks noGrp="1"/>
           </p:cNvSpPr>
@@ -13674,13 +12827,7 @@
       </p:sp>
       <p:sp>
         <p:nvSpPr>
-          <p:cNvPr id="4" name="İçerik Yer Tutucusu 3">
-            <a:extLst>
-              <a:ext uri="{FF2B5EF4-FFF2-40B4-BE49-F238E27FC236}">
-                <a16:creationId xmlns:a16="http://schemas.microsoft.com/office/drawing/2014/main" id="{69DF8096-5122-4695-9C31-F60B0228ADE4}"/>
-              </a:ext>
-            </a:extLst>
-          </p:cNvPr>
+          <p:cNvPr id="4" name="İçerik Yer Tutucusu 3"/>
           <p:cNvSpPr>
             <a:spLocks noGrp="1"/>
           </p:cNvSpPr>
@@ -13812,11 +12959,6 @@
         </p:txBody>
       </p:sp>
     </p:spTree>
-    <p:extLst>
-      <p:ext uri="{BB962C8B-B14F-4D97-AF65-F5344CB8AC3E}">
-        <p14:creationId xmlns:p14="http://schemas.microsoft.com/office/powerpoint/2010/main" val="141743734"/>
-      </p:ext>
-    </p:extLst>
   </p:cSld>
   <p:clrMapOvr>
     <a:masterClrMapping/>
@@ -13843,13 +12985,7 @@
       </p:grpSpPr>
       <p:sp>
         <p:nvSpPr>
-          <p:cNvPr id="3" name="İçerik Yer Tutucusu 2">
-            <a:extLst>
-              <a:ext uri="{FF2B5EF4-FFF2-40B4-BE49-F238E27FC236}">
-                <a16:creationId xmlns:a16="http://schemas.microsoft.com/office/drawing/2014/main" id="{872415AF-D926-4EB6-9BAE-BA9FF50B8AD4}"/>
-              </a:ext>
-            </a:extLst>
-          </p:cNvPr>
+          <p:cNvPr id="3" name="İçerik Yer Tutucusu 2"/>
           <p:cNvSpPr>
             <a:spLocks noGrp="1"/>
           </p:cNvSpPr>
@@ -14072,13 +13208,7 @@
       </p:sp>
       <p:sp>
         <p:nvSpPr>
-          <p:cNvPr id="4" name="İçerik Yer Tutucusu 3">
-            <a:extLst>
-              <a:ext uri="{FF2B5EF4-FFF2-40B4-BE49-F238E27FC236}">
-                <a16:creationId xmlns:a16="http://schemas.microsoft.com/office/drawing/2014/main" id="{9DDF11B4-F63C-459D-9CFF-071D3C41A3E8}"/>
-              </a:ext>
-            </a:extLst>
-          </p:cNvPr>
+          <p:cNvPr id="4" name="İçerik Yer Tutucusu 3"/>
           <p:cNvSpPr>
             <a:spLocks noGrp="1"/>
           </p:cNvSpPr>
@@ -14114,11 +13244,6 @@
         </p:txBody>
       </p:sp>
     </p:spTree>
-    <p:extLst>
-      <p:ext uri="{BB962C8B-B14F-4D97-AF65-F5344CB8AC3E}">
-        <p14:creationId xmlns:p14="http://schemas.microsoft.com/office/powerpoint/2010/main" val="2880214772"/>
-      </p:ext>
-    </p:extLst>
   </p:cSld>
   <p:clrMapOvr>
     <a:masterClrMapping/>
@@ -14145,13 +13270,7 @@
       </p:grpSpPr>
       <p:sp>
         <p:nvSpPr>
-          <p:cNvPr id="2" name="Başlık 1">
-            <a:extLst>
-              <a:ext uri="{FF2B5EF4-FFF2-40B4-BE49-F238E27FC236}">
-                <a16:creationId xmlns:a16="http://schemas.microsoft.com/office/drawing/2014/main" id="{C9B52AC8-752B-449F-9B09-5F31D3242DC7}"/>
-              </a:ext>
-            </a:extLst>
-          </p:cNvPr>
+          <p:cNvPr id="2" name="Başlık 1"/>
           <p:cNvSpPr>
             <a:spLocks noGrp="1"/>
           </p:cNvSpPr>
@@ -14170,13 +13289,7 @@
       </p:sp>
       <p:sp>
         <p:nvSpPr>
-          <p:cNvPr id="3" name="İçerik Yer Tutucusu 2">
-            <a:extLst>
-              <a:ext uri="{FF2B5EF4-FFF2-40B4-BE49-F238E27FC236}">
-                <a16:creationId xmlns:a16="http://schemas.microsoft.com/office/drawing/2014/main" id="{707F3BE5-803B-4A52-8F65-5865A4EB3085}"/>
-              </a:ext>
-            </a:extLst>
-          </p:cNvPr>
+          <p:cNvPr id="3" name="İçerik Yer Tutucusu 2"/>
           <p:cNvSpPr>
             <a:spLocks noGrp="1"/>
           </p:cNvSpPr>
@@ -14298,13 +13411,7 @@
       </p:sp>
       <p:sp>
         <p:nvSpPr>
-          <p:cNvPr id="4" name="İçerik Yer Tutucusu 3">
-            <a:extLst>
-              <a:ext uri="{FF2B5EF4-FFF2-40B4-BE49-F238E27FC236}">
-                <a16:creationId xmlns:a16="http://schemas.microsoft.com/office/drawing/2014/main" id="{0290B708-4CBC-4648-ADAE-BC1490DD779D}"/>
-              </a:ext>
-            </a:extLst>
-          </p:cNvPr>
+          <p:cNvPr id="4" name="İçerik Yer Tutucusu 3"/>
           <p:cNvSpPr>
             <a:spLocks noGrp="1"/>
           </p:cNvSpPr>
@@ -14423,11 +13530,6 @@
         </p:txBody>
       </p:sp>
     </p:spTree>
-    <p:extLst>
-      <p:ext uri="{BB962C8B-B14F-4D97-AF65-F5344CB8AC3E}">
-        <p14:creationId xmlns:p14="http://schemas.microsoft.com/office/powerpoint/2010/main" val="2717052774"/>
-      </p:ext>
-    </p:extLst>
   </p:cSld>
   <p:clrMapOvr>
     <a:masterClrMapping/>
@@ -14454,13 +13556,7 @@
       </p:grpSpPr>
       <p:sp>
         <p:nvSpPr>
-          <p:cNvPr id="2" name="Başlık 1">
-            <a:extLst>
-              <a:ext uri="{FF2B5EF4-FFF2-40B4-BE49-F238E27FC236}">
-                <a16:creationId xmlns:a16="http://schemas.microsoft.com/office/drawing/2014/main" id="{A13FD845-FE05-43AB-96C9-B763D94817A1}"/>
-              </a:ext>
-            </a:extLst>
-          </p:cNvPr>
+          <p:cNvPr id="2" name="Başlık 1"/>
           <p:cNvSpPr>
             <a:spLocks noGrp="1"/>
           </p:cNvSpPr>
@@ -14479,13 +13575,7 @@
       </p:sp>
       <p:sp>
         <p:nvSpPr>
-          <p:cNvPr id="3" name="İçerik Yer Tutucusu 2">
-            <a:extLst>
-              <a:ext uri="{FF2B5EF4-FFF2-40B4-BE49-F238E27FC236}">
-                <a16:creationId xmlns:a16="http://schemas.microsoft.com/office/drawing/2014/main" id="{24DD3BEC-6640-4B83-B94C-4447F904D95B}"/>
-              </a:ext>
-            </a:extLst>
-          </p:cNvPr>
+          <p:cNvPr id="3" name="İçerik Yer Tutucusu 2"/>
           <p:cNvSpPr>
             <a:spLocks noGrp="1"/>
           </p:cNvSpPr>
@@ -14671,13 +13761,7 @@
       </p:sp>
       <p:sp>
         <p:nvSpPr>
-          <p:cNvPr id="4" name="İçerik Yer Tutucusu 3">
-            <a:extLst>
-              <a:ext uri="{FF2B5EF4-FFF2-40B4-BE49-F238E27FC236}">
-                <a16:creationId xmlns:a16="http://schemas.microsoft.com/office/drawing/2014/main" id="{4F279435-12F1-4C22-AAFD-B539D567DE96}"/>
-              </a:ext>
-            </a:extLst>
-          </p:cNvPr>
+          <p:cNvPr id="4" name="İçerik Yer Tutucusu 3"/>
           <p:cNvSpPr>
             <a:spLocks noGrp="1"/>
           </p:cNvSpPr>
@@ -14812,11 +13896,6 @@
         </p:txBody>
       </p:sp>
     </p:spTree>
-    <p:extLst>
-      <p:ext uri="{BB962C8B-B14F-4D97-AF65-F5344CB8AC3E}">
-        <p14:creationId xmlns:p14="http://schemas.microsoft.com/office/powerpoint/2010/main" val="2810398926"/>
-      </p:ext>
-    </p:extLst>
   </p:cSld>
   <p:clrMapOvr>
     <a:masterClrMapping/>
@@ -14843,13 +13922,7 @@
       </p:grpSpPr>
       <p:sp>
         <p:nvSpPr>
-          <p:cNvPr id="2" name="Başlık 1">
-            <a:extLst>
-              <a:ext uri="{FF2B5EF4-FFF2-40B4-BE49-F238E27FC236}">
-                <a16:creationId xmlns:a16="http://schemas.microsoft.com/office/drawing/2014/main" id="{F9477C52-E190-4699-9701-1CA5FBDDCF95}"/>
-              </a:ext>
-            </a:extLst>
-          </p:cNvPr>
+          <p:cNvPr id="2" name="Başlık 1"/>
           <p:cNvSpPr>
             <a:spLocks noGrp="1"/>
           </p:cNvSpPr>
@@ -14868,13 +13941,7 @@
       </p:sp>
       <p:sp>
         <p:nvSpPr>
-          <p:cNvPr id="3" name="İçerik Yer Tutucusu 2">
-            <a:extLst>
-              <a:ext uri="{FF2B5EF4-FFF2-40B4-BE49-F238E27FC236}">
-                <a16:creationId xmlns:a16="http://schemas.microsoft.com/office/drawing/2014/main" id="{6317E12A-FA03-49B5-8262-D5E23C3F3EEE}"/>
-              </a:ext>
-            </a:extLst>
-          </p:cNvPr>
+          <p:cNvPr id="3" name="İçerik Yer Tutucusu 2"/>
           <p:cNvSpPr>
             <a:spLocks noGrp="1"/>
           </p:cNvSpPr>
@@ -15082,13 +14149,7 @@
       </p:sp>
       <p:sp>
         <p:nvSpPr>
-          <p:cNvPr id="4" name="İçerik Yer Tutucusu 3">
-            <a:extLst>
-              <a:ext uri="{FF2B5EF4-FFF2-40B4-BE49-F238E27FC236}">
-                <a16:creationId xmlns:a16="http://schemas.microsoft.com/office/drawing/2014/main" id="{08DCDC59-9679-41FC-B3D1-0F12877C385F}"/>
-              </a:ext>
-            </a:extLst>
-          </p:cNvPr>
+          <p:cNvPr id="4" name="İçerik Yer Tutucusu 3"/>
           <p:cNvSpPr>
             <a:spLocks noGrp="1"/>
           </p:cNvSpPr>
@@ -15216,11 +14277,6 @@
         </p:txBody>
       </p:sp>
     </p:spTree>
-    <p:extLst>
-      <p:ext uri="{BB962C8B-B14F-4D97-AF65-F5344CB8AC3E}">
-        <p14:creationId xmlns:p14="http://schemas.microsoft.com/office/powerpoint/2010/main" val="1304062650"/>
-      </p:ext>
-    </p:extLst>
   </p:cSld>
   <p:clrMapOvr>
     <a:masterClrMapping/>
@@ -15247,13 +14303,7 @@
       </p:grpSpPr>
       <p:sp>
         <p:nvSpPr>
-          <p:cNvPr id="2" name="Başlık 1">
-            <a:extLst>
-              <a:ext uri="{FF2B5EF4-FFF2-40B4-BE49-F238E27FC236}">
-                <a16:creationId xmlns:a16="http://schemas.microsoft.com/office/drawing/2014/main" id="{DA54E889-37FF-4B9B-A090-8768A9D227AB}"/>
-              </a:ext>
-            </a:extLst>
-          </p:cNvPr>
+          <p:cNvPr id="2" name="Başlık 1"/>
           <p:cNvSpPr>
             <a:spLocks noGrp="1"/>
           </p:cNvSpPr>
@@ -15275,13 +14325,7 @@
       </p:sp>
       <p:sp>
         <p:nvSpPr>
-          <p:cNvPr id="3" name="İçerik Yer Tutucusu 2">
-            <a:extLst>
-              <a:ext uri="{FF2B5EF4-FFF2-40B4-BE49-F238E27FC236}">
-                <a16:creationId xmlns:a16="http://schemas.microsoft.com/office/drawing/2014/main" id="{D78FA918-8732-48A6-8006-340EB8C78F9D}"/>
-              </a:ext>
-            </a:extLst>
-          </p:cNvPr>
+          <p:cNvPr id="3" name="İçerik Yer Tutucusu 2"/>
           <p:cNvSpPr>
             <a:spLocks noGrp="1"/>
           </p:cNvSpPr>
@@ -15454,11 +14498,6 @@
         </p:txBody>
       </p:sp>
     </p:spTree>
-    <p:extLst>
-      <p:ext uri="{BB962C8B-B14F-4D97-AF65-F5344CB8AC3E}">
-        <p14:creationId xmlns:p14="http://schemas.microsoft.com/office/powerpoint/2010/main" val="3260779707"/>
-      </p:ext>
-    </p:extLst>
   </p:cSld>
   <p:clrMapOvr>
     <a:masterClrMapping/>
@@ -15485,13 +14524,7 @@
       </p:grpSpPr>
       <p:sp>
         <p:nvSpPr>
-          <p:cNvPr id="2" name="Başlık 1">
-            <a:extLst>
-              <a:ext uri="{FF2B5EF4-FFF2-40B4-BE49-F238E27FC236}">
-                <a16:creationId xmlns:a16="http://schemas.microsoft.com/office/drawing/2014/main" id="{1A064807-32A0-48C7-A112-B76096077B5E}"/>
-              </a:ext>
-            </a:extLst>
-          </p:cNvPr>
+          <p:cNvPr id="2" name="Başlık 1"/>
           <p:cNvSpPr>
             <a:spLocks noGrp="1"/>
           </p:cNvSpPr>
@@ -15510,13 +14543,7 @@
       </p:sp>
       <p:sp>
         <p:nvSpPr>
-          <p:cNvPr id="3" name="İçerik Yer Tutucusu 2">
-            <a:extLst>
-              <a:ext uri="{FF2B5EF4-FFF2-40B4-BE49-F238E27FC236}">
-                <a16:creationId xmlns:a16="http://schemas.microsoft.com/office/drawing/2014/main" id="{0E68DA9F-4278-4329-A011-4BCD2D0596C6}"/>
-              </a:ext>
-            </a:extLst>
-          </p:cNvPr>
+          <p:cNvPr id="3" name="İçerik Yer Tutucusu 2"/>
           <p:cNvSpPr>
             <a:spLocks noGrp="1"/>
           </p:cNvSpPr>
@@ -15579,11 +14606,6 @@
         </p:txBody>
       </p:sp>
     </p:spTree>
-    <p:extLst>
-      <p:ext uri="{BB962C8B-B14F-4D97-AF65-F5344CB8AC3E}">
-        <p14:creationId xmlns:p14="http://schemas.microsoft.com/office/powerpoint/2010/main" val="1392776622"/>
-      </p:ext>
-    </p:extLst>
   </p:cSld>
   <p:clrMapOvr>
     <a:masterClrMapping/>
@@ -15610,13 +14632,7 @@
       </p:grpSpPr>
       <p:sp>
         <p:nvSpPr>
-          <p:cNvPr id="2" name="Başlık 1">
-            <a:extLst>
-              <a:ext uri="{FF2B5EF4-FFF2-40B4-BE49-F238E27FC236}">
-                <a16:creationId xmlns:a16="http://schemas.microsoft.com/office/drawing/2014/main" id="{836E36EB-F830-4AD0-AA5D-0C9452E33719}"/>
-              </a:ext>
-            </a:extLst>
-          </p:cNvPr>
+          <p:cNvPr id="2" name="Başlık 1"/>
           <p:cNvSpPr>
             <a:spLocks noGrp="1"/>
           </p:cNvSpPr>
@@ -15635,13 +14651,7 @@
       </p:sp>
       <p:sp>
         <p:nvSpPr>
-          <p:cNvPr id="3" name="İçerik Yer Tutucusu 2">
-            <a:extLst>
-              <a:ext uri="{FF2B5EF4-FFF2-40B4-BE49-F238E27FC236}">
-                <a16:creationId xmlns:a16="http://schemas.microsoft.com/office/drawing/2014/main" id="{D6F10571-B8FF-44F3-94FD-8FDB751BD55B}"/>
-              </a:ext>
-            </a:extLst>
-          </p:cNvPr>
+          <p:cNvPr id="3" name="İçerik Yer Tutucusu 2"/>
           <p:cNvSpPr>
             <a:spLocks noGrp="1"/>
           </p:cNvSpPr>
@@ -15729,11 +14739,6 @@
         </p:txBody>
       </p:sp>
     </p:spTree>
-    <p:extLst>
-      <p:ext uri="{BB962C8B-B14F-4D97-AF65-F5344CB8AC3E}">
-        <p14:creationId xmlns:p14="http://schemas.microsoft.com/office/powerpoint/2010/main" val="4234208997"/>
-      </p:ext>
-    </p:extLst>
   </p:cSld>
   <p:clrMapOvr>
     <a:masterClrMapping/>
@@ -15760,13 +14765,7 @@
       </p:grpSpPr>
       <p:sp>
         <p:nvSpPr>
-          <p:cNvPr id="2" name="Başlık 1">
-            <a:extLst>
-              <a:ext uri="{FF2B5EF4-FFF2-40B4-BE49-F238E27FC236}">
-                <a16:creationId xmlns:a16="http://schemas.microsoft.com/office/drawing/2014/main" id="{1B1BAD6C-0998-41D0-971B-2D35FC8883C6}"/>
-              </a:ext>
-            </a:extLst>
-          </p:cNvPr>
+          <p:cNvPr id="2" name="Başlık 1"/>
           <p:cNvSpPr>
             <a:spLocks noGrp="1"/>
           </p:cNvSpPr>
@@ -15785,13 +14784,7 @@
       </p:sp>
       <p:sp>
         <p:nvSpPr>
-          <p:cNvPr id="3" name="İçerik Yer Tutucusu 2">
-            <a:extLst>
-              <a:ext uri="{FF2B5EF4-FFF2-40B4-BE49-F238E27FC236}">
-                <a16:creationId xmlns:a16="http://schemas.microsoft.com/office/drawing/2014/main" id="{29084291-4055-4A19-90AA-2F6753F653A8}"/>
-              </a:ext>
-            </a:extLst>
-          </p:cNvPr>
+          <p:cNvPr id="3" name="İçerik Yer Tutucusu 2"/>
           <p:cNvSpPr>
             <a:spLocks noGrp="1"/>
           </p:cNvSpPr>
@@ -15854,11 +14847,6 @@
         </p:txBody>
       </p:sp>
     </p:spTree>
-    <p:extLst>
-      <p:ext uri="{BB962C8B-B14F-4D97-AF65-F5344CB8AC3E}">
-        <p14:creationId xmlns:p14="http://schemas.microsoft.com/office/powerpoint/2010/main" val="1713676189"/>
-      </p:ext>
-    </p:extLst>
   </p:cSld>
   <p:clrMapOvr>
     <a:masterClrMapping/>
@@ -15885,13 +14873,7 @@
       </p:grpSpPr>
       <p:sp>
         <p:nvSpPr>
-          <p:cNvPr id="2" name="Başlık 1">
-            <a:extLst>
-              <a:ext uri="{FF2B5EF4-FFF2-40B4-BE49-F238E27FC236}">
-                <a16:creationId xmlns:a16="http://schemas.microsoft.com/office/drawing/2014/main" id="{8B5C9C4F-0D83-4EB0-AAB3-ACF478B60FF1}"/>
-              </a:ext>
-            </a:extLst>
-          </p:cNvPr>
+          <p:cNvPr id="2" name="Başlık 1"/>
           <p:cNvSpPr>
             <a:spLocks noGrp="1"/>
           </p:cNvSpPr>
@@ -15922,13 +14904,7 @@
       </p:sp>
       <p:sp>
         <p:nvSpPr>
-          <p:cNvPr id="3" name="İçerik Yer Tutucusu 2">
-            <a:extLst>
-              <a:ext uri="{FF2B5EF4-FFF2-40B4-BE49-F238E27FC236}">
-                <a16:creationId xmlns:a16="http://schemas.microsoft.com/office/drawing/2014/main" id="{56861123-C270-43A2-A4C7-83B24F0AB13A}"/>
-              </a:ext>
-            </a:extLst>
-          </p:cNvPr>
+          <p:cNvPr id="3" name="İçerik Yer Tutucusu 2"/>
           <p:cNvSpPr>
             <a:spLocks noGrp="1"/>
           </p:cNvSpPr>
@@ -16071,11 +15047,6 @@
         </p:txBody>
       </p:sp>
     </p:spTree>
-    <p:extLst>
-      <p:ext uri="{BB962C8B-B14F-4D97-AF65-F5344CB8AC3E}">
-        <p14:creationId xmlns:p14="http://schemas.microsoft.com/office/powerpoint/2010/main" val="43880050"/>
-      </p:ext>
-    </p:extLst>
   </p:cSld>
   <p:clrMapOvr>
     <a:masterClrMapping/>
@@ -16102,13 +15073,7 @@
       </p:grpSpPr>
       <p:sp>
         <p:nvSpPr>
-          <p:cNvPr id="2" name="Başlık 1">
-            <a:extLst>
-              <a:ext uri="{FF2B5EF4-FFF2-40B4-BE49-F238E27FC236}">
-                <a16:creationId xmlns:a16="http://schemas.microsoft.com/office/drawing/2014/main" id="{88B14C60-3545-4B61-A5BB-7BC500A39890}"/>
-              </a:ext>
-            </a:extLst>
-          </p:cNvPr>
+          <p:cNvPr id="2" name="Başlık 1"/>
           <p:cNvSpPr>
             <a:spLocks noGrp="1"/>
           </p:cNvSpPr>
@@ -16127,13 +15092,7 @@
       </p:sp>
       <p:sp>
         <p:nvSpPr>
-          <p:cNvPr id="3" name="İçerik Yer Tutucusu 2">
-            <a:extLst>
-              <a:ext uri="{FF2B5EF4-FFF2-40B4-BE49-F238E27FC236}">
-                <a16:creationId xmlns:a16="http://schemas.microsoft.com/office/drawing/2014/main" id="{04CB3A5C-9070-462F-AC55-FB265B791BE3}"/>
-              </a:ext>
-            </a:extLst>
-          </p:cNvPr>
+          <p:cNvPr id="3" name="İçerik Yer Tutucusu 2"/>
           <p:cNvSpPr>
             <a:spLocks noGrp="1"/>
           </p:cNvSpPr>
@@ -16206,11 +15165,6 @@
         </p:txBody>
       </p:sp>
     </p:spTree>
-    <p:extLst>
-      <p:ext uri="{BB962C8B-B14F-4D97-AF65-F5344CB8AC3E}">
-        <p14:creationId xmlns:p14="http://schemas.microsoft.com/office/powerpoint/2010/main" val="2684555263"/>
-      </p:ext>
-    </p:extLst>
   </p:cSld>
   <p:clrMapOvr>
     <a:masterClrMapping/>
@@ -16237,13 +15191,7 @@
       </p:grpSpPr>
       <p:sp>
         <p:nvSpPr>
-          <p:cNvPr id="2" name="Başlık 1">
-            <a:extLst>
-              <a:ext uri="{FF2B5EF4-FFF2-40B4-BE49-F238E27FC236}">
-                <a16:creationId xmlns:a16="http://schemas.microsoft.com/office/drawing/2014/main" id="{574DAEE1-0295-480C-8D20-61B8212F2B67}"/>
-              </a:ext>
-            </a:extLst>
-          </p:cNvPr>
+          <p:cNvPr id="2" name="Başlık 1"/>
           <p:cNvSpPr>
             <a:spLocks noGrp="1"/>
           </p:cNvSpPr>
@@ -16262,13 +15210,7 @@
       </p:sp>
       <p:sp>
         <p:nvSpPr>
-          <p:cNvPr id="3" name="İçerik Yer Tutucusu 2">
-            <a:extLst>
-              <a:ext uri="{FF2B5EF4-FFF2-40B4-BE49-F238E27FC236}">
-                <a16:creationId xmlns:a16="http://schemas.microsoft.com/office/drawing/2014/main" id="{62453476-CBA4-4BBF-87D2-2B61D3774AD7}"/>
-              </a:ext>
-            </a:extLst>
-          </p:cNvPr>
+          <p:cNvPr id="3" name="İçerik Yer Tutucusu 2"/>
           <p:cNvSpPr>
             <a:spLocks noGrp="1"/>
           </p:cNvSpPr>
@@ -16371,11 +15313,6 @@
         </p:txBody>
       </p:sp>
     </p:spTree>
-    <p:extLst>
-      <p:ext uri="{BB962C8B-B14F-4D97-AF65-F5344CB8AC3E}">
-        <p14:creationId xmlns:p14="http://schemas.microsoft.com/office/powerpoint/2010/main" val="4132573135"/>
-      </p:ext>
-    </p:extLst>
   </p:cSld>
   <p:clrMapOvr>
     <a:masterClrMapping/>
@@ -16402,13 +15339,7 @@
       </p:grpSpPr>
       <p:sp>
         <p:nvSpPr>
-          <p:cNvPr id="2" name="Başlık 1">
-            <a:extLst>
-              <a:ext uri="{FF2B5EF4-FFF2-40B4-BE49-F238E27FC236}">
-                <a16:creationId xmlns:a16="http://schemas.microsoft.com/office/drawing/2014/main" id="{80BFDED2-7335-4A0B-854F-F8B12CCCD35D}"/>
-              </a:ext>
-            </a:extLst>
-          </p:cNvPr>
+          <p:cNvPr id="2" name="Başlık 1"/>
           <p:cNvSpPr>
             <a:spLocks noGrp="1"/>
           </p:cNvSpPr>
@@ -16427,13 +15358,7 @@
       </p:sp>
       <p:sp>
         <p:nvSpPr>
-          <p:cNvPr id="3" name="İçerik Yer Tutucusu 2">
-            <a:extLst>
-              <a:ext uri="{FF2B5EF4-FFF2-40B4-BE49-F238E27FC236}">
-                <a16:creationId xmlns:a16="http://schemas.microsoft.com/office/drawing/2014/main" id="{7FD56771-61A6-48C7-9CEC-7236464ED881}"/>
-              </a:ext>
-            </a:extLst>
-          </p:cNvPr>
+          <p:cNvPr id="3" name="İçerik Yer Tutucusu 2"/>
           <p:cNvSpPr>
             <a:spLocks noGrp="1"/>
           </p:cNvSpPr>
@@ -16538,11 +15463,6 @@
         </p:txBody>
       </p:sp>
     </p:spTree>
-    <p:extLst>
-      <p:ext uri="{BB962C8B-B14F-4D97-AF65-F5344CB8AC3E}">
-        <p14:creationId xmlns:p14="http://schemas.microsoft.com/office/powerpoint/2010/main" val="2362430580"/>
-      </p:ext>
-    </p:extLst>
   </p:cSld>
   <p:clrMapOvr>
     <a:masterClrMapping/>
@@ -16569,13 +15489,7 @@
       </p:grpSpPr>
       <p:sp>
         <p:nvSpPr>
-          <p:cNvPr id="2" name="Başlık 1">
-            <a:extLst>
-              <a:ext uri="{FF2B5EF4-FFF2-40B4-BE49-F238E27FC236}">
-                <a16:creationId xmlns:a16="http://schemas.microsoft.com/office/drawing/2014/main" id="{7E612389-905F-476A-8B7A-8663E4BB0F64}"/>
-              </a:ext>
-            </a:extLst>
-          </p:cNvPr>
+          <p:cNvPr id="2" name="Başlık 1"/>
           <p:cNvSpPr>
             <a:spLocks noGrp="1"/>
           </p:cNvSpPr>
@@ -16594,13 +15508,7 @@
       </p:sp>
       <p:sp>
         <p:nvSpPr>
-          <p:cNvPr id="3" name="İçerik Yer Tutucusu 2">
-            <a:extLst>
-              <a:ext uri="{FF2B5EF4-FFF2-40B4-BE49-F238E27FC236}">
-                <a16:creationId xmlns:a16="http://schemas.microsoft.com/office/drawing/2014/main" id="{5423DB5F-54CD-460D-982F-0459F749C92E}"/>
-              </a:ext>
-            </a:extLst>
-          </p:cNvPr>
+          <p:cNvPr id="3" name="İçerik Yer Tutucusu 2"/>
           <p:cNvSpPr>
             <a:spLocks noGrp="1"/>
           </p:cNvSpPr>
@@ -16754,13 +15662,7 @@
       </p:sp>
       <p:sp>
         <p:nvSpPr>
-          <p:cNvPr id="4" name="İçerik Yer Tutucusu 3">
-            <a:extLst>
-              <a:ext uri="{FF2B5EF4-FFF2-40B4-BE49-F238E27FC236}">
-                <a16:creationId xmlns:a16="http://schemas.microsoft.com/office/drawing/2014/main" id="{0E3CF65C-5E24-4DF8-81D3-94241A9F98FA}"/>
-              </a:ext>
-            </a:extLst>
-          </p:cNvPr>
+          <p:cNvPr id="4" name="İçerik Yer Tutucusu 3"/>
           <p:cNvSpPr>
             <a:spLocks noGrp="1"/>
           </p:cNvSpPr>
@@ -16911,11 +15813,6 @@
         </p:txBody>
       </p:sp>
     </p:spTree>
-    <p:extLst>
-      <p:ext uri="{BB962C8B-B14F-4D97-AF65-F5344CB8AC3E}">
-        <p14:creationId xmlns:p14="http://schemas.microsoft.com/office/powerpoint/2010/main" val="2689738337"/>
-      </p:ext>
-    </p:extLst>
   </p:cSld>
   <p:clrMapOvr>
     <a:masterClrMapping/>
@@ -16942,13 +15839,7 @@
       </p:grpSpPr>
       <p:sp>
         <p:nvSpPr>
-          <p:cNvPr id="2" name="Başlık 1">
-            <a:extLst>
-              <a:ext uri="{FF2B5EF4-FFF2-40B4-BE49-F238E27FC236}">
-                <a16:creationId xmlns:a16="http://schemas.microsoft.com/office/drawing/2014/main" id="{2DDDF515-C9B5-465D-A798-2A8790276A97}"/>
-              </a:ext>
-            </a:extLst>
-          </p:cNvPr>
+          <p:cNvPr id="2" name="Başlık 1"/>
           <p:cNvSpPr>
             <a:spLocks noGrp="1"/>
           </p:cNvSpPr>
@@ -16967,13 +15858,7 @@
       </p:sp>
       <p:sp>
         <p:nvSpPr>
-          <p:cNvPr id="3" name="İçerik Yer Tutucusu 2">
-            <a:extLst>
-              <a:ext uri="{FF2B5EF4-FFF2-40B4-BE49-F238E27FC236}">
-                <a16:creationId xmlns:a16="http://schemas.microsoft.com/office/drawing/2014/main" id="{2D95E9AB-A4C2-4407-A9A5-A9ABB0822220}"/>
-              </a:ext>
-            </a:extLst>
-          </p:cNvPr>
+          <p:cNvPr id="3" name="İçerik Yer Tutucusu 2"/>
           <p:cNvSpPr>
             <a:spLocks noGrp="1"/>
           </p:cNvSpPr>
@@ -17089,13 +15974,7 @@
       </p:sp>
       <p:sp>
         <p:nvSpPr>
-          <p:cNvPr id="4" name="İçerik Yer Tutucusu 3">
-            <a:extLst>
-              <a:ext uri="{FF2B5EF4-FFF2-40B4-BE49-F238E27FC236}">
-                <a16:creationId xmlns:a16="http://schemas.microsoft.com/office/drawing/2014/main" id="{4466010C-508E-4C2C-85EB-BB2D4E2DE183}"/>
-              </a:ext>
-            </a:extLst>
-          </p:cNvPr>
+          <p:cNvPr id="4" name="İçerik Yer Tutucusu 3"/>
           <p:cNvSpPr>
             <a:spLocks noGrp="1"/>
           </p:cNvSpPr>
@@ -17378,11 +16257,6 @@
         </p:txBody>
       </p:sp>
     </p:spTree>
-    <p:extLst>
-      <p:ext uri="{BB962C8B-B14F-4D97-AF65-F5344CB8AC3E}">
-        <p14:creationId xmlns:p14="http://schemas.microsoft.com/office/powerpoint/2010/main" val="4214816306"/>
-      </p:ext>
-    </p:extLst>
   </p:cSld>
   <p:clrMapOvr>
     <a:masterClrMapping/>
@@ -17409,13 +16283,7 @@
       </p:grpSpPr>
       <p:sp>
         <p:nvSpPr>
-          <p:cNvPr id="2" name="Başlık 1">
-            <a:extLst>
-              <a:ext uri="{FF2B5EF4-FFF2-40B4-BE49-F238E27FC236}">
-                <a16:creationId xmlns:a16="http://schemas.microsoft.com/office/drawing/2014/main" id="{FCB96686-3389-4F1D-85A0-59F225A82DFA}"/>
-              </a:ext>
-            </a:extLst>
-          </p:cNvPr>
+          <p:cNvPr id="2" name="Başlık 1"/>
           <p:cNvSpPr>
             <a:spLocks noGrp="1"/>
           </p:cNvSpPr>
@@ -17434,13 +16302,7 @@
       </p:sp>
       <p:sp>
         <p:nvSpPr>
-          <p:cNvPr id="3" name="İçerik Yer Tutucusu 2">
-            <a:extLst>
-              <a:ext uri="{FF2B5EF4-FFF2-40B4-BE49-F238E27FC236}">
-                <a16:creationId xmlns:a16="http://schemas.microsoft.com/office/drawing/2014/main" id="{7698839A-4362-43F8-9268-F368406EBB62}"/>
-              </a:ext>
-            </a:extLst>
-          </p:cNvPr>
+          <p:cNvPr id="3" name="İçerik Yer Tutucusu 2"/>
           <p:cNvSpPr>
             <a:spLocks noGrp="1"/>
           </p:cNvSpPr>
@@ -17641,13 +16503,7 @@
       </p:sp>
       <p:sp>
         <p:nvSpPr>
-          <p:cNvPr id="4" name="İçerik Yer Tutucusu 3">
-            <a:extLst>
-              <a:ext uri="{FF2B5EF4-FFF2-40B4-BE49-F238E27FC236}">
-                <a16:creationId xmlns:a16="http://schemas.microsoft.com/office/drawing/2014/main" id="{9469C8E1-F8DC-45D4-8056-BDB7396D411D}"/>
-              </a:ext>
-            </a:extLst>
-          </p:cNvPr>
+          <p:cNvPr id="4" name="İçerik Yer Tutucusu 3"/>
           <p:cNvSpPr>
             <a:spLocks noGrp="1"/>
           </p:cNvSpPr>
@@ -17667,11 +16523,6 @@
         </p:txBody>
       </p:sp>
     </p:spTree>
-    <p:extLst>
-      <p:ext uri="{BB962C8B-B14F-4D97-AF65-F5344CB8AC3E}">
-        <p14:creationId xmlns:p14="http://schemas.microsoft.com/office/powerpoint/2010/main" val="3124978033"/>
-      </p:ext>
-    </p:extLst>
   </p:cSld>
   <p:clrMapOvr>
     <a:masterClrMapping/>
@@ -17698,13 +16549,7 @@
       </p:grpSpPr>
       <p:sp>
         <p:nvSpPr>
-          <p:cNvPr id="2" name="Başlık 1">
-            <a:extLst>
-              <a:ext uri="{FF2B5EF4-FFF2-40B4-BE49-F238E27FC236}">
-                <a16:creationId xmlns:a16="http://schemas.microsoft.com/office/drawing/2014/main" id="{5E3ABA09-EA76-4F0C-A05A-8919A084BE85}"/>
-              </a:ext>
-            </a:extLst>
-          </p:cNvPr>
+          <p:cNvPr id="2" name="Başlık 1"/>
           <p:cNvSpPr>
             <a:spLocks noGrp="1"/>
           </p:cNvSpPr>
@@ -17723,13 +16568,7 @@
       </p:sp>
       <p:sp>
         <p:nvSpPr>
-          <p:cNvPr id="3" name="İçerik Yer Tutucusu 2">
-            <a:extLst>
-              <a:ext uri="{FF2B5EF4-FFF2-40B4-BE49-F238E27FC236}">
-                <a16:creationId xmlns:a16="http://schemas.microsoft.com/office/drawing/2014/main" id="{B6940C90-D34E-4D0A-AC6E-C39DBFE4BD4F}"/>
-              </a:ext>
-            </a:extLst>
-          </p:cNvPr>
+          <p:cNvPr id="3" name="İçerik Yer Tutucusu 2"/>
           <p:cNvSpPr>
             <a:spLocks noGrp="1"/>
           </p:cNvSpPr>
@@ -17868,13 +16707,7 @@
       </p:sp>
       <p:sp>
         <p:nvSpPr>
-          <p:cNvPr id="4" name="İçerik Yer Tutucusu 3">
-            <a:extLst>
-              <a:ext uri="{FF2B5EF4-FFF2-40B4-BE49-F238E27FC236}">
-                <a16:creationId xmlns:a16="http://schemas.microsoft.com/office/drawing/2014/main" id="{8E87E807-EB0A-4848-A161-B2BD8BFC535A}"/>
-              </a:ext>
-            </a:extLst>
-          </p:cNvPr>
+          <p:cNvPr id="4" name="İçerik Yer Tutucusu 3"/>
           <p:cNvSpPr>
             <a:spLocks noGrp="1"/>
           </p:cNvSpPr>
@@ -17894,11 +16727,6 @@
         </p:txBody>
       </p:sp>
     </p:spTree>
-    <p:extLst>
-      <p:ext uri="{BB962C8B-B14F-4D97-AF65-F5344CB8AC3E}">
-        <p14:creationId xmlns:p14="http://schemas.microsoft.com/office/powerpoint/2010/main" val="2588754253"/>
-      </p:ext>
-    </p:extLst>
   </p:cSld>
   <p:clrMapOvr>
     <a:masterClrMapping/>
@@ -17925,13 +16753,7 @@
       </p:grpSpPr>
       <p:sp>
         <p:nvSpPr>
-          <p:cNvPr id="2" name="Başlık 1">
-            <a:extLst>
-              <a:ext uri="{FF2B5EF4-FFF2-40B4-BE49-F238E27FC236}">
-                <a16:creationId xmlns:a16="http://schemas.microsoft.com/office/drawing/2014/main" id="{6DB38818-68F3-46F7-8ABC-8AA5025973CE}"/>
-              </a:ext>
-            </a:extLst>
-          </p:cNvPr>
+          <p:cNvPr id="2" name="Başlık 1"/>
           <p:cNvSpPr>
             <a:spLocks noGrp="1"/>
           </p:cNvSpPr>
@@ -17954,13 +16776,7 @@
       </p:sp>
       <p:sp>
         <p:nvSpPr>
-          <p:cNvPr id="3" name="İçerik Yer Tutucusu 2">
-            <a:extLst>
-              <a:ext uri="{FF2B5EF4-FFF2-40B4-BE49-F238E27FC236}">
-                <a16:creationId xmlns:a16="http://schemas.microsoft.com/office/drawing/2014/main" id="{48F39BCD-22D6-401B-B612-B4AD668F47F0}"/>
-              </a:ext>
-            </a:extLst>
-          </p:cNvPr>
+          <p:cNvPr id="3" name="İçerik Yer Tutucusu 2"/>
           <p:cNvSpPr>
             <a:spLocks noGrp="1"/>
           </p:cNvSpPr>
@@ -18081,13 +16897,7 @@
       </p:sp>
       <p:sp>
         <p:nvSpPr>
-          <p:cNvPr id="4" name="İçerik Yer Tutucusu 3">
-            <a:extLst>
-              <a:ext uri="{FF2B5EF4-FFF2-40B4-BE49-F238E27FC236}">
-                <a16:creationId xmlns:a16="http://schemas.microsoft.com/office/drawing/2014/main" id="{CC134576-0175-4DE8-BE37-F349CC9E4858}"/>
-              </a:ext>
-            </a:extLst>
-          </p:cNvPr>
+          <p:cNvPr id="4" name="İçerik Yer Tutucusu 3"/>
           <p:cNvSpPr>
             <a:spLocks noGrp="1"/>
           </p:cNvSpPr>
@@ -18157,11 +16967,6 @@
         </p:txBody>
       </p:sp>
     </p:spTree>
-    <p:extLst>
-      <p:ext uri="{BB962C8B-B14F-4D97-AF65-F5344CB8AC3E}">
-        <p14:creationId xmlns:p14="http://schemas.microsoft.com/office/powerpoint/2010/main" val="3027100345"/>
-      </p:ext>
-    </p:extLst>
   </p:cSld>
   <p:clrMapOvr>
     <a:masterClrMapping/>
@@ -18188,13 +16993,7 @@
       </p:grpSpPr>
       <p:sp>
         <p:nvSpPr>
-          <p:cNvPr id="2" name="Başlık 1">
-            <a:extLst>
-              <a:ext uri="{FF2B5EF4-FFF2-40B4-BE49-F238E27FC236}">
-                <a16:creationId xmlns:a16="http://schemas.microsoft.com/office/drawing/2014/main" id="{F22A5BE1-9DF9-423B-A398-1B8B08FF2AD1}"/>
-              </a:ext>
-            </a:extLst>
-          </p:cNvPr>
+          <p:cNvPr id="2" name="Başlık 1"/>
           <p:cNvSpPr>
             <a:spLocks noGrp="1"/>
           </p:cNvSpPr>
@@ -18213,13 +17012,7 @@
       </p:sp>
       <p:sp>
         <p:nvSpPr>
-          <p:cNvPr id="3" name="İçerik Yer Tutucusu 2">
-            <a:extLst>
-              <a:ext uri="{FF2B5EF4-FFF2-40B4-BE49-F238E27FC236}">
-                <a16:creationId xmlns:a16="http://schemas.microsoft.com/office/drawing/2014/main" id="{A41DFB50-82EF-4603-B886-06358FFD939F}"/>
-              </a:ext>
-            </a:extLst>
-          </p:cNvPr>
+          <p:cNvPr id="3" name="İçerik Yer Tutucusu 2"/>
           <p:cNvSpPr>
             <a:spLocks noGrp="1"/>
           </p:cNvSpPr>
@@ -18327,11 +17120,6 @@
         </p:txBody>
       </p:sp>
     </p:spTree>
-    <p:extLst>
-      <p:ext uri="{BB962C8B-B14F-4D97-AF65-F5344CB8AC3E}">
-        <p14:creationId xmlns:p14="http://schemas.microsoft.com/office/powerpoint/2010/main" val="3419812378"/>
-      </p:ext>
-    </p:extLst>
   </p:cSld>
   <p:clrMapOvr>
     <a:masterClrMapping/>
@@ -18358,13 +17146,7 @@
       </p:grpSpPr>
       <p:sp>
         <p:nvSpPr>
-          <p:cNvPr id="2" name="Başlık 1">
-            <a:extLst>
-              <a:ext uri="{FF2B5EF4-FFF2-40B4-BE49-F238E27FC236}">
-                <a16:creationId xmlns:a16="http://schemas.microsoft.com/office/drawing/2014/main" id="{06758BBD-F252-4EBB-838A-AE56D89350E2}"/>
-              </a:ext>
-            </a:extLst>
-          </p:cNvPr>
+          <p:cNvPr id="2" name="Başlık 1"/>
           <p:cNvSpPr>
             <a:spLocks noGrp="1"/>
           </p:cNvSpPr>
@@ -18405,13 +17187,7 @@
       </p:sp>
       <p:sp>
         <p:nvSpPr>
-          <p:cNvPr id="3" name="İçerik Yer Tutucusu 2">
-            <a:extLst>
-              <a:ext uri="{FF2B5EF4-FFF2-40B4-BE49-F238E27FC236}">
-                <a16:creationId xmlns:a16="http://schemas.microsoft.com/office/drawing/2014/main" id="{E3CF33C8-8814-4607-97BF-D64325BF1B57}"/>
-              </a:ext>
-            </a:extLst>
-          </p:cNvPr>
+          <p:cNvPr id="3" name="İçerik Yer Tutucusu 2"/>
           <p:cNvSpPr>
             <a:spLocks noGrp="1"/>
           </p:cNvSpPr>
@@ -18532,13 +17308,7 @@
       </p:sp>
       <p:sp>
         <p:nvSpPr>
-          <p:cNvPr id="4" name="İçerik Yer Tutucusu 3">
-            <a:extLst>
-              <a:ext uri="{FF2B5EF4-FFF2-40B4-BE49-F238E27FC236}">
-                <a16:creationId xmlns:a16="http://schemas.microsoft.com/office/drawing/2014/main" id="{AE5C7588-8CB0-4101-B0E0-F4AF7F82733A}"/>
-              </a:ext>
-            </a:extLst>
-          </p:cNvPr>
+          <p:cNvPr id="4" name="İçerik Yer Tutucusu 3"/>
           <p:cNvSpPr>
             <a:spLocks noGrp="1"/>
           </p:cNvSpPr>
@@ -18598,11 +17368,6 @@
         </p:txBody>
       </p:sp>
     </p:spTree>
-    <p:extLst>
-      <p:ext uri="{BB962C8B-B14F-4D97-AF65-F5344CB8AC3E}">
-        <p14:creationId xmlns:p14="http://schemas.microsoft.com/office/powerpoint/2010/main" val="2118008005"/>
-      </p:ext>
-    </p:extLst>
   </p:cSld>
   <p:clrMapOvr>
     <a:masterClrMapping/>
@@ -18629,13 +17394,7 @@
       </p:grpSpPr>
       <p:sp>
         <p:nvSpPr>
-          <p:cNvPr id="2" name="Başlık 1">
-            <a:extLst>
-              <a:ext uri="{FF2B5EF4-FFF2-40B4-BE49-F238E27FC236}">
-                <a16:creationId xmlns:a16="http://schemas.microsoft.com/office/drawing/2014/main" id="{71A5BFC3-A5F2-4A63-8D96-00792E581CD8}"/>
-              </a:ext>
-            </a:extLst>
-          </p:cNvPr>
+          <p:cNvPr id="2" name="Başlık 1"/>
           <p:cNvSpPr>
             <a:spLocks noGrp="1"/>
           </p:cNvSpPr>
@@ -18654,13 +17413,7 @@
       </p:sp>
       <p:sp>
         <p:nvSpPr>
-          <p:cNvPr id="3" name="İçerik Yer Tutucusu 2">
-            <a:extLst>
-              <a:ext uri="{FF2B5EF4-FFF2-40B4-BE49-F238E27FC236}">
-                <a16:creationId xmlns:a16="http://schemas.microsoft.com/office/drawing/2014/main" id="{29BF6EF9-6C73-406B-B363-04DF11AA0E4D}"/>
-              </a:ext>
-            </a:extLst>
-          </p:cNvPr>
+          <p:cNvPr id="3" name="İçerik Yer Tutucusu 2"/>
           <p:cNvSpPr>
             <a:spLocks noGrp="1"/>
           </p:cNvSpPr>
@@ -18729,13 +17482,7 @@
       </p:sp>
       <p:sp>
         <p:nvSpPr>
-          <p:cNvPr id="4" name="İçerik Yer Tutucusu 3">
-            <a:extLst>
-              <a:ext uri="{FF2B5EF4-FFF2-40B4-BE49-F238E27FC236}">
-                <a16:creationId xmlns:a16="http://schemas.microsoft.com/office/drawing/2014/main" id="{86FBAEDD-DA0E-472E-9539-9ADB2251404F}"/>
-              </a:ext>
-            </a:extLst>
-          </p:cNvPr>
+          <p:cNvPr id="4" name="İçerik Yer Tutucusu 3"/>
           <p:cNvSpPr>
             <a:spLocks noGrp="1"/>
           </p:cNvSpPr>
@@ -18803,11 +17550,6 @@
         </p:txBody>
       </p:sp>
     </p:spTree>
-    <p:extLst>
-      <p:ext uri="{BB962C8B-B14F-4D97-AF65-F5344CB8AC3E}">
-        <p14:creationId xmlns:p14="http://schemas.microsoft.com/office/powerpoint/2010/main" val="82808671"/>
-      </p:ext>
-    </p:extLst>
   </p:cSld>
   <p:clrMapOvr>
     <a:masterClrMapping/>
@@ -18834,13 +17576,7 @@
       </p:grpSpPr>
       <p:sp>
         <p:nvSpPr>
-          <p:cNvPr id="2" name="Başlık 1">
-            <a:extLst>
-              <a:ext uri="{FF2B5EF4-FFF2-40B4-BE49-F238E27FC236}">
-                <a16:creationId xmlns:a16="http://schemas.microsoft.com/office/drawing/2014/main" id="{C24968D7-4DE7-4050-A11D-D827F714E364}"/>
-              </a:ext>
-            </a:extLst>
-          </p:cNvPr>
+          <p:cNvPr id="2" name="Başlık 1"/>
           <p:cNvSpPr>
             <a:spLocks noGrp="1"/>
           </p:cNvSpPr>
@@ -18859,13 +17595,7 @@
       </p:sp>
       <p:sp>
         <p:nvSpPr>
-          <p:cNvPr id="3" name="İçerik Yer Tutucusu 2">
-            <a:extLst>
-              <a:ext uri="{FF2B5EF4-FFF2-40B4-BE49-F238E27FC236}">
-                <a16:creationId xmlns:a16="http://schemas.microsoft.com/office/drawing/2014/main" id="{BCFBCDCE-42D0-470C-8DE7-9232C81D2BAB}"/>
-              </a:ext>
-            </a:extLst>
-          </p:cNvPr>
+          <p:cNvPr id="3" name="İçerik Yer Tutucusu 2"/>
           <p:cNvSpPr>
             <a:spLocks noGrp="1"/>
           </p:cNvSpPr>
@@ -18946,13 +17676,7 @@
       </p:sp>
       <p:sp>
         <p:nvSpPr>
-          <p:cNvPr id="4" name="İçerik Yer Tutucusu 3">
-            <a:extLst>
-              <a:ext uri="{FF2B5EF4-FFF2-40B4-BE49-F238E27FC236}">
-                <a16:creationId xmlns:a16="http://schemas.microsoft.com/office/drawing/2014/main" id="{4200CF22-CB1C-4BFF-B54C-1E2E8BE81A5C}"/>
-              </a:ext>
-            </a:extLst>
-          </p:cNvPr>
+          <p:cNvPr id="4" name="İçerik Yer Tutucusu 3"/>
           <p:cNvSpPr>
             <a:spLocks noGrp="1"/>
           </p:cNvSpPr>
@@ -18986,11 +17710,6 @@
         </p:txBody>
       </p:sp>
     </p:spTree>
-    <p:extLst>
-      <p:ext uri="{BB962C8B-B14F-4D97-AF65-F5344CB8AC3E}">
-        <p14:creationId xmlns:p14="http://schemas.microsoft.com/office/powerpoint/2010/main" val="2913451464"/>
-      </p:ext>
-    </p:extLst>
   </p:cSld>
   <p:clrMapOvr>
     <a:masterClrMapping/>
@@ -19017,13 +17736,7 @@
       </p:grpSpPr>
       <p:sp>
         <p:nvSpPr>
-          <p:cNvPr id="2" name="Başlık 1">
-            <a:extLst>
-              <a:ext uri="{FF2B5EF4-FFF2-40B4-BE49-F238E27FC236}">
-                <a16:creationId xmlns:a16="http://schemas.microsoft.com/office/drawing/2014/main" id="{6815C702-2EAA-4BDB-9305-EBD75E54E2D9}"/>
-              </a:ext>
-            </a:extLst>
-          </p:cNvPr>
+          <p:cNvPr id="2" name="Başlık 1"/>
           <p:cNvSpPr>
             <a:spLocks noGrp="1"/>
           </p:cNvSpPr>
@@ -19064,13 +17777,7 @@
       </p:sp>
       <p:sp>
         <p:nvSpPr>
-          <p:cNvPr id="3" name="İçerik Yer Tutucusu 2">
-            <a:extLst>
-              <a:ext uri="{FF2B5EF4-FFF2-40B4-BE49-F238E27FC236}">
-                <a16:creationId xmlns:a16="http://schemas.microsoft.com/office/drawing/2014/main" id="{F0AACC7E-9E44-4FF6-9B23-AE507C3C7F55}"/>
-              </a:ext>
-            </a:extLst>
-          </p:cNvPr>
+          <p:cNvPr id="3" name="İçerik Yer Tutucusu 2"/>
           <p:cNvSpPr>
             <a:spLocks noGrp="1"/>
           </p:cNvSpPr>
@@ -19111,13 +17818,7 @@
       </p:sp>
       <p:sp>
         <p:nvSpPr>
-          <p:cNvPr id="4" name="İçerik Yer Tutucusu 3">
-            <a:extLst>
-              <a:ext uri="{FF2B5EF4-FFF2-40B4-BE49-F238E27FC236}">
-                <a16:creationId xmlns:a16="http://schemas.microsoft.com/office/drawing/2014/main" id="{636AA873-4828-4638-B649-C6E803BB10E1}"/>
-              </a:ext>
-            </a:extLst>
-          </p:cNvPr>
+          <p:cNvPr id="4" name="İçerik Yer Tutucusu 3"/>
           <p:cNvSpPr>
             <a:spLocks noGrp="1"/>
           </p:cNvSpPr>
@@ -19197,11 +17898,6 @@
         </p:txBody>
       </p:sp>
     </p:spTree>
-    <p:extLst>
-      <p:ext uri="{BB962C8B-B14F-4D97-AF65-F5344CB8AC3E}">
-        <p14:creationId xmlns:p14="http://schemas.microsoft.com/office/powerpoint/2010/main" val="1554857439"/>
-      </p:ext>
-    </p:extLst>
   </p:cSld>
   <p:clrMapOvr>
     <a:masterClrMapping/>
@@ -19228,13 +17924,7 @@
       </p:grpSpPr>
       <p:sp>
         <p:nvSpPr>
-          <p:cNvPr id="2" name="Başlık 1">
-            <a:extLst>
-              <a:ext uri="{FF2B5EF4-FFF2-40B4-BE49-F238E27FC236}">
-                <a16:creationId xmlns:a16="http://schemas.microsoft.com/office/drawing/2014/main" id="{71AEA759-3A50-4E6F-B5F1-543B3CD38563}"/>
-              </a:ext>
-            </a:extLst>
-          </p:cNvPr>
+          <p:cNvPr id="2" name="Başlık 1"/>
           <p:cNvSpPr>
             <a:spLocks noGrp="1"/>
           </p:cNvSpPr>
@@ -19253,13 +17943,7 @@
       </p:sp>
       <p:sp>
         <p:nvSpPr>
-          <p:cNvPr id="3" name="İçerik Yer Tutucusu 2">
-            <a:extLst>
-              <a:ext uri="{FF2B5EF4-FFF2-40B4-BE49-F238E27FC236}">
-                <a16:creationId xmlns:a16="http://schemas.microsoft.com/office/drawing/2014/main" id="{78F56B11-6642-4AAC-AE28-6F8A433EDD9B}"/>
-              </a:ext>
-            </a:extLst>
-          </p:cNvPr>
+          <p:cNvPr id="3" name="İçerik Yer Tutucusu 2"/>
           <p:cNvSpPr>
             <a:spLocks noGrp="1"/>
           </p:cNvSpPr>
@@ -19328,13 +18012,7 @@
       </p:sp>
       <p:sp>
         <p:nvSpPr>
-          <p:cNvPr id="4" name="İçerik Yer Tutucusu 3">
-            <a:extLst>
-              <a:ext uri="{FF2B5EF4-FFF2-40B4-BE49-F238E27FC236}">
-                <a16:creationId xmlns:a16="http://schemas.microsoft.com/office/drawing/2014/main" id="{C1C27D43-9660-4AEB-83C6-D6D3798C673A}"/>
-              </a:ext>
-            </a:extLst>
-          </p:cNvPr>
+          <p:cNvPr id="4" name="İçerik Yer Tutucusu 3"/>
           <p:cNvSpPr>
             <a:spLocks noGrp="1"/>
           </p:cNvSpPr>
@@ -19352,11 +18030,6 @@
         </p:txBody>
       </p:sp>
     </p:spTree>
-    <p:extLst>
-      <p:ext uri="{BB962C8B-B14F-4D97-AF65-F5344CB8AC3E}">
-        <p14:creationId xmlns:p14="http://schemas.microsoft.com/office/powerpoint/2010/main" val="3952024448"/>
-      </p:ext>
-    </p:extLst>
   </p:cSld>
   <p:clrMapOvr>
     <a:masterClrMapping/>
@@ -19383,13 +18056,7 @@
       </p:grpSpPr>
       <p:sp>
         <p:nvSpPr>
-          <p:cNvPr id="2" name="Başlık 1">
-            <a:extLst>
-              <a:ext uri="{FF2B5EF4-FFF2-40B4-BE49-F238E27FC236}">
-                <a16:creationId xmlns:a16="http://schemas.microsoft.com/office/drawing/2014/main" id="{7EC717FC-EF71-41E1-92D0-5EFA08764B64}"/>
-              </a:ext>
-            </a:extLst>
-          </p:cNvPr>
+          <p:cNvPr id="2" name="Başlık 1"/>
           <p:cNvSpPr>
             <a:spLocks noGrp="1"/>
           </p:cNvSpPr>
@@ -19450,13 +18117,7 @@
       </p:sp>
       <p:sp>
         <p:nvSpPr>
-          <p:cNvPr id="3" name="İçerik Yer Tutucusu 2">
-            <a:extLst>
-              <a:ext uri="{FF2B5EF4-FFF2-40B4-BE49-F238E27FC236}">
-                <a16:creationId xmlns:a16="http://schemas.microsoft.com/office/drawing/2014/main" id="{D6507F9B-9F87-4518-989B-540DBCFEB04E}"/>
-              </a:ext>
-            </a:extLst>
-          </p:cNvPr>
+          <p:cNvPr id="3" name="İçerik Yer Tutucusu 2"/>
           <p:cNvSpPr>
             <a:spLocks noGrp="1"/>
           </p:cNvSpPr>
@@ -19495,13 +18156,7 @@
       </p:sp>
       <p:sp>
         <p:nvSpPr>
-          <p:cNvPr id="4" name="İçerik Yer Tutucusu 3">
-            <a:extLst>
-              <a:ext uri="{FF2B5EF4-FFF2-40B4-BE49-F238E27FC236}">
-                <a16:creationId xmlns:a16="http://schemas.microsoft.com/office/drawing/2014/main" id="{288A14C2-70E6-42C7-8D78-5B986819F2E3}"/>
-              </a:ext>
-            </a:extLst>
-          </p:cNvPr>
+          <p:cNvPr id="4" name="İçerik Yer Tutucusu 3"/>
           <p:cNvSpPr>
             <a:spLocks noGrp="1"/>
           </p:cNvSpPr>
@@ -19519,11 +18174,6 @@
         </p:txBody>
       </p:sp>
     </p:spTree>
-    <p:extLst>
-      <p:ext uri="{BB962C8B-B14F-4D97-AF65-F5344CB8AC3E}">
-        <p14:creationId xmlns:p14="http://schemas.microsoft.com/office/powerpoint/2010/main" val="3184474911"/>
-      </p:ext>
-    </p:extLst>
   </p:cSld>
   <p:clrMapOvr>
     <a:masterClrMapping/>
@@ -19550,13 +18200,7 @@
       </p:grpSpPr>
       <p:sp>
         <p:nvSpPr>
-          <p:cNvPr id="2" name="Başlık 1">
-            <a:extLst>
-              <a:ext uri="{FF2B5EF4-FFF2-40B4-BE49-F238E27FC236}">
-                <a16:creationId xmlns:a16="http://schemas.microsoft.com/office/drawing/2014/main" id="{D372636A-46DB-4CF2-981F-39ADD2F6555D}"/>
-              </a:ext>
-            </a:extLst>
-          </p:cNvPr>
+          <p:cNvPr id="2" name="Başlık 1"/>
           <p:cNvSpPr>
             <a:spLocks noGrp="1"/>
           </p:cNvSpPr>
@@ -19617,13 +18261,7 @@
       </p:sp>
       <p:sp>
         <p:nvSpPr>
-          <p:cNvPr id="3" name="İçerik Yer Tutucusu 2">
-            <a:extLst>
-              <a:ext uri="{FF2B5EF4-FFF2-40B4-BE49-F238E27FC236}">
-                <a16:creationId xmlns:a16="http://schemas.microsoft.com/office/drawing/2014/main" id="{6C946635-4C01-491D-8432-907899D250DC}"/>
-              </a:ext>
-            </a:extLst>
-          </p:cNvPr>
+          <p:cNvPr id="3" name="İçerik Yer Tutucusu 2"/>
           <p:cNvSpPr>
             <a:spLocks noGrp="1"/>
           </p:cNvSpPr>
@@ -19732,13 +18370,7 @@
       </p:sp>
       <p:sp>
         <p:nvSpPr>
-          <p:cNvPr id="4" name="İçerik Yer Tutucusu 3">
-            <a:extLst>
-              <a:ext uri="{FF2B5EF4-FFF2-40B4-BE49-F238E27FC236}">
-                <a16:creationId xmlns:a16="http://schemas.microsoft.com/office/drawing/2014/main" id="{6BE24E16-94F4-4B3C-B0DD-251FA8131777}"/>
-              </a:ext>
-            </a:extLst>
-          </p:cNvPr>
+          <p:cNvPr id="4" name="İçerik Yer Tutucusu 3"/>
           <p:cNvSpPr>
             <a:spLocks noGrp="1"/>
           </p:cNvSpPr>
@@ -19756,11 +18388,6 @@
         </p:txBody>
       </p:sp>
     </p:spTree>
-    <p:extLst>
-      <p:ext uri="{BB962C8B-B14F-4D97-AF65-F5344CB8AC3E}">
-        <p14:creationId xmlns:p14="http://schemas.microsoft.com/office/powerpoint/2010/main" val="2387289748"/>
-      </p:ext>
-    </p:extLst>
   </p:cSld>
   <p:clrMapOvr>
     <a:masterClrMapping/>
@@ -19787,13 +18414,7 @@
       </p:grpSpPr>
       <p:sp>
         <p:nvSpPr>
-          <p:cNvPr id="2" name="Başlık 1">
-            <a:extLst>
-              <a:ext uri="{FF2B5EF4-FFF2-40B4-BE49-F238E27FC236}">
-                <a16:creationId xmlns:a16="http://schemas.microsoft.com/office/drawing/2014/main" id="{FD87F78B-A37A-4847-BD1F-83199B01BB6E}"/>
-              </a:ext>
-            </a:extLst>
-          </p:cNvPr>
+          <p:cNvPr id="2" name="Başlık 1"/>
           <p:cNvSpPr>
             <a:spLocks noGrp="1"/>
           </p:cNvSpPr>
@@ -19854,13 +18475,7 @@
       </p:sp>
       <p:sp>
         <p:nvSpPr>
-          <p:cNvPr id="3" name="İçerik Yer Tutucusu 2">
-            <a:extLst>
-              <a:ext uri="{FF2B5EF4-FFF2-40B4-BE49-F238E27FC236}">
-                <a16:creationId xmlns:a16="http://schemas.microsoft.com/office/drawing/2014/main" id="{31399D4B-A3F1-4004-9B63-A6D221271E56}"/>
-              </a:ext>
-            </a:extLst>
-          </p:cNvPr>
+          <p:cNvPr id="3" name="İçerik Yer Tutucusu 2"/>
           <p:cNvSpPr>
             <a:spLocks noGrp="1"/>
           </p:cNvSpPr>
@@ -19914,13 +18529,7 @@
       </p:sp>
       <p:sp>
         <p:nvSpPr>
-          <p:cNvPr id="4" name="İçerik Yer Tutucusu 3">
-            <a:extLst>
-              <a:ext uri="{FF2B5EF4-FFF2-40B4-BE49-F238E27FC236}">
-                <a16:creationId xmlns:a16="http://schemas.microsoft.com/office/drawing/2014/main" id="{59D9F1B8-5A44-4429-B35E-463AE7268DEB}"/>
-              </a:ext>
-            </a:extLst>
-          </p:cNvPr>
+          <p:cNvPr id="4" name="İçerik Yer Tutucusu 3"/>
           <p:cNvSpPr>
             <a:spLocks noGrp="1"/>
           </p:cNvSpPr>
@@ -19972,11 +18581,6 @@
         </p:txBody>
       </p:sp>
     </p:spTree>
-    <p:extLst>
-      <p:ext uri="{BB962C8B-B14F-4D97-AF65-F5344CB8AC3E}">
-        <p14:creationId xmlns:p14="http://schemas.microsoft.com/office/powerpoint/2010/main" val="3804453860"/>
-      </p:ext>
-    </p:extLst>
   </p:cSld>
   <p:clrMapOvr>
     <a:masterClrMapping/>
@@ -20003,13 +18607,7 @@
       </p:grpSpPr>
       <p:sp>
         <p:nvSpPr>
-          <p:cNvPr id="2" name="Başlık 1">
-            <a:extLst>
-              <a:ext uri="{FF2B5EF4-FFF2-40B4-BE49-F238E27FC236}">
-                <a16:creationId xmlns:a16="http://schemas.microsoft.com/office/drawing/2014/main" id="{3D3AE42E-A122-409C-B7C9-7E3811B83C61}"/>
-              </a:ext>
-            </a:extLst>
-          </p:cNvPr>
+          <p:cNvPr id="2" name="Başlık 1"/>
           <p:cNvSpPr>
             <a:spLocks noGrp="1"/>
           </p:cNvSpPr>
@@ -20070,13 +18668,7 @@
       </p:sp>
       <p:sp>
         <p:nvSpPr>
-          <p:cNvPr id="3" name="İçerik Yer Tutucusu 2">
-            <a:extLst>
-              <a:ext uri="{FF2B5EF4-FFF2-40B4-BE49-F238E27FC236}">
-                <a16:creationId xmlns:a16="http://schemas.microsoft.com/office/drawing/2014/main" id="{1A782F68-20B9-462F-87BB-9386F313F518}"/>
-              </a:ext>
-            </a:extLst>
-          </p:cNvPr>
+          <p:cNvPr id="3" name="İçerik Yer Tutucusu 2"/>
           <p:cNvSpPr>
             <a:spLocks noGrp="1"/>
           </p:cNvSpPr>
@@ -20145,13 +18737,7 @@
       </p:sp>
       <p:sp>
         <p:nvSpPr>
-          <p:cNvPr id="4" name="İçerik Yer Tutucusu 3">
-            <a:extLst>
-              <a:ext uri="{FF2B5EF4-FFF2-40B4-BE49-F238E27FC236}">
-                <a16:creationId xmlns:a16="http://schemas.microsoft.com/office/drawing/2014/main" id="{B7FBE866-DF3F-497A-8DC0-1CD0C3224311}"/>
-              </a:ext>
-            </a:extLst>
-          </p:cNvPr>
+          <p:cNvPr id="4" name="İçerik Yer Tutucusu 3"/>
           <p:cNvSpPr>
             <a:spLocks noGrp="1"/>
           </p:cNvSpPr>
@@ -20169,11 +18755,6 @@
         </p:txBody>
       </p:sp>
     </p:spTree>
-    <p:extLst>
-      <p:ext uri="{BB962C8B-B14F-4D97-AF65-F5344CB8AC3E}">
-        <p14:creationId xmlns:p14="http://schemas.microsoft.com/office/powerpoint/2010/main" val="1750751909"/>
-      </p:ext>
-    </p:extLst>
   </p:cSld>
   <p:clrMapOvr>
     <a:masterClrMapping/>
@@ -20200,13 +18781,7 @@
       </p:grpSpPr>
       <p:sp>
         <p:nvSpPr>
-          <p:cNvPr id="2" name="Başlık 1">
-            <a:extLst>
-              <a:ext uri="{FF2B5EF4-FFF2-40B4-BE49-F238E27FC236}">
-                <a16:creationId xmlns:a16="http://schemas.microsoft.com/office/drawing/2014/main" id="{6A8BDAC2-3CCF-4C35-8D07-08E712085D7C}"/>
-              </a:ext>
-            </a:extLst>
-          </p:cNvPr>
+          <p:cNvPr id="2" name="Başlık 1"/>
           <p:cNvSpPr>
             <a:spLocks noGrp="1"/>
           </p:cNvSpPr>
@@ -20267,13 +18842,7 @@
       </p:sp>
       <p:sp>
         <p:nvSpPr>
-          <p:cNvPr id="3" name="İçerik Yer Tutucusu 2">
-            <a:extLst>
-              <a:ext uri="{FF2B5EF4-FFF2-40B4-BE49-F238E27FC236}">
-                <a16:creationId xmlns:a16="http://schemas.microsoft.com/office/drawing/2014/main" id="{6E1ADBEC-20EB-43D0-B657-44AE2046C6F2}"/>
-              </a:ext>
-            </a:extLst>
-          </p:cNvPr>
+          <p:cNvPr id="3" name="İçerik Yer Tutucusu 2"/>
           <p:cNvSpPr>
             <a:spLocks noGrp="1"/>
           </p:cNvSpPr>
@@ -20472,13 +19041,7 @@
       </p:sp>
       <p:sp>
         <p:nvSpPr>
-          <p:cNvPr id="4" name="İçerik Yer Tutucusu 3">
-            <a:extLst>
-              <a:ext uri="{FF2B5EF4-FFF2-40B4-BE49-F238E27FC236}">
-                <a16:creationId xmlns:a16="http://schemas.microsoft.com/office/drawing/2014/main" id="{5273A11D-F53F-46ED-BD73-4C28DD346567}"/>
-              </a:ext>
-            </a:extLst>
-          </p:cNvPr>
+          <p:cNvPr id="4" name="İçerik Yer Tutucusu 3"/>
           <p:cNvSpPr>
             <a:spLocks noGrp="1"/>
           </p:cNvSpPr>
@@ -20496,11 +19059,6 @@
         </p:txBody>
       </p:sp>
     </p:spTree>
-    <p:extLst>
-      <p:ext uri="{BB962C8B-B14F-4D97-AF65-F5344CB8AC3E}">
-        <p14:creationId xmlns:p14="http://schemas.microsoft.com/office/powerpoint/2010/main" val="2706010988"/>
-      </p:ext>
-    </p:extLst>
   </p:cSld>
   <p:clrMapOvr>
     <a:masterClrMapping/>
@@ -20527,13 +19085,7 @@
       </p:grpSpPr>
       <p:sp>
         <p:nvSpPr>
-          <p:cNvPr id="2" name="Başlık 1">
-            <a:extLst>
-              <a:ext uri="{FF2B5EF4-FFF2-40B4-BE49-F238E27FC236}">
-                <a16:creationId xmlns:a16="http://schemas.microsoft.com/office/drawing/2014/main" id="{D2DF9927-23E0-4039-B276-E5F4EBF5ED1E}"/>
-              </a:ext>
-            </a:extLst>
-          </p:cNvPr>
+          <p:cNvPr id="2" name="Başlık 1"/>
           <p:cNvSpPr>
             <a:spLocks noGrp="1"/>
           </p:cNvSpPr>
@@ -20552,13 +19104,7 @@
       </p:sp>
       <p:sp>
         <p:nvSpPr>
-          <p:cNvPr id="3" name="İçerik Yer Tutucusu 2">
-            <a:extLst>
-              <a:ext uri="{FF2B5EF4-FFF2-40B4-BE49-F238E27FC236}">
-                <a16:creationId xmlns:a16="http://schemas.microsoft.com/office/drawing/2014/main" id="{49DE0380-5A5F-40C9-86D0-3B2C8436B581}"/>
-              </a:ext>
-            </a:extLst>
-          </p:cNvPr>
+          <p:cNvPr id="3" name="İçerik Yer Tutucusu 2"/>
           <p:cNvSpPr>
             <a:spLocks noGrp="1"/>
           </p:cNvSpPr>
@@ -20626,11 +19172,6 @@
         </p:txBody>
       </p:sp>
     </p:spTree>
-    <p:extLst>
-      <p:ext uri="{BB962C8B-B14F-4D97-AF65-F5344CB8AC3E}">
-        <p14:creationId xmlns:p14="http://schemas.microsoft.com/office/powerpoint/2010/main" val="1007538823"/>
-      </p:ext>
-    </p:extLst>
   </p:cSld>
   <p:clrMapOvr>
     <a:masterClrMapping/>
@@ -20657,13 +19198,7 @@
       </p:grpSpPr>
       <p:sp>
         <p:nvSpPr>
-          <p:cNvPr id="2" name="Başlık 1">
-            <a:extLst>
-              <a:ext uri="{FF2B5EF4-FFF2-40B4-BE49-F238E27FC236}">
-                <a16:creationId xmlns:a16="http://schemas.microsoft.com/office/drawing/2014/main" id="{2085C5D3-A480-4049-9ABD-745759E50A4D}"/>
-              </a:ext>
-            </a:extLst>
-          </p:cNvPr>
+          <p:cNvPr id="2" name="Başlık 1"/>
           <p:cNvSpPr>
             <a:spLocks noGrp="1"/>
           </p:cNvSpPr>
@@ -20724,13 +19259,7 @@
       </p:sp>
       <p:sp>
         <p:nvSpPr>
-          <p:cNvPr id="3" name="İçerik Yer Tutucusu 2">
-            <a:extLst>
-              <a:ext uri="{FF2B5EF4-FFF2-40B4-BE49-F238E27FC236}">
-                <a16:creationId xmlns:a16="http://schemas.microsoft.com/office/drawing/2014/main" id="{8821D556-44BC-4E7D-863A-0C35161E0A78}"/>
-              </a:ext>
-            </a:extLst>
-          </p:cNvPr>
+          <p:cNvPr id="3" name="İçerik Yer Tutucusu 2"/>
           <p:cNvSpPr>
             <a:spLocks noGrp="1"/>
           </p:cNvSpPr>
@@ -20809,13 +19338,7 @@
       </p:sp>
       <p:sp>
         <p:nvSpPr>
-          <p:cNvPr id="4" name="İçerik Yer Tutucusu 3">
-            <a:extLst>
-              <a:ext uri="{FF2B5EF4-FFF2-40B4-BE49-F238E27FC236}">
-                <a16:creationId xmlns:a16="http://schemas.microsoft.com/office/drawing/2014/main" id="{569BCEF7-CCA2-4E0C-99EB-30682C21FD43}"/>
-              </a:ext>
-            </a:extLst>
-          </p:cNvPr>
+          <p:cNvPr id="4" name="İçerik Yer Tutucusu 3"/>
           <p:cNvSpPr>
             <a:spLocks noGrp="1"/>
           </p:cNvSpPr>
@@ -20833,11 +19356,6 @@
         </p:txBody>
       </p:sp>
     </p:spTree>
-    <p:extLst>
-      <p:ext uri="{BB962C8B-B14F-4D97-AF65-F5344CB8AC3E}">
-        <p14:creationId xmlns:p14="http://schemas.microsoft.com/office/powerpoint/2010/main" val="3209577261"/>
-      </p:ext>
-    </p:extLst>
   </p:cSld>
   <p:clrMapOvr>
     <a:masterClrMapping/>
@@ -20864,13 +19382,7 @@
       </p:grpSpPr>
       <p:sp>
         <p:nvSpPr>
-          <p:cNvPr id="2" name="Başlık 1">
-            <a:extLst>
-              <a:ext uri="{FF2B5EF4-FFF2-40B4-BE49-F238E27FC236}">
-                <a16:creationId xmlns:a16="http://schemas.microsoft.com/office/drawing/2014/main" id="{5C457B1D-79AA-4021-A20B-736B46E9E7CF}"/>
-              </a:ext>
-            </a:extLst>
-          </p:cNvPr>
+          <p:cNvPr id="2" name="Başlık 1"/>
           <p:cNvSpPr>
             <a:spLocks noGrp="1"/>
           </p:cNvSpPr>
@@ -20931,13 +19443,7 @@
       </p:sp>
       <p:sp>
         <p:nvSpPr>
-          <p:cNvPr id="3" name="İçerik Yer Tutucusu 2">
-            <a:extLst>
-              <a:ext uri="{FF2B5EF4-FFF2-40B4-BE49-F238E27FC236}">
-                <a16:creationId xmlns:a16="http://schemas.microsoft.com/office/drawing/2014/main" id="{5F25559D-EA4A-4169-B777-BB0F015A1F3C}"/>
-              </a:ext>
-            </a:extLst>
-          </p:cNvPr>
+          <p:cNvPr id="3" name="İçerik Yer Tutucusu 2"/>
           <p:cNvSpPr>
             <a:spLocks noGrp="1"/>
           </p:cNvSpPr>
@@ -20996,13 +19502,7 @@
       </p:sp>
       <p:sp>
         <p:nvSpPr>
-          <p:cNvPr id="4" name="İçerik Yer Tutucusu 3">
-            <a:extLst>
-              <a:ext uri="{FF2B5EF4-FFF2-40B4-BE49-F238E27FC236}">
-                <a16:creationId xmlns:a16="http://schemas.microsoft.com/office/drawing/2014/main" id="{8E673C4D-E124-430E-9A1C-0B8BCA6AFDCC}"/>
-              </a:ext>
-            </a:extLst>
-          </p:cNvPr>
+          <p:cNvPr id="4" name="İçerik Yer Tutucusu 3"/>
           <p:cNvSpPr>
             <a:spLocks noGrp="1"/>
           </p:cNvSpPr>
@@ -21020,11 +19520,6 @@
         </p:txBody>
       </p:sp>
     </p:spTree>
-    <p:extLst>
-      <p:ext uri="{BB962C8B-B14F-4D97-AF65-F5344CB8AC3E}">
-        <p14:creationId xmlns:p14="http://schemas.microsoft.com/office/powerpoint/2010/main" val="932101303"/>
-      </p:ext>
-    </p:extLst>
   </p:cSld>
   <p:clrMapOvr>
     <a:masterClrMapping/>
@@ -21051,13 +19546,7 @@
       </p:grpSpPr>
       <p:sp>
         <p:nvSpPr>
-          <p:cNvPr id="2" name="Başlık 1">
-            <a:extLst>
-              <a:ext uri="{FF2B5EF4-FFF2-40B4-BE49-F238E27FC236}">
-                <a16:creationId xmlns:a16="http://schemas.microsoft.com/office/drawing/2014/main" id="{D2417188-563D-430B-BD7C-272BBDCB7489}"/>
-              </a:ext>
-            </a:extLst>
-          </p:cNvPr>
+          <p:cNvPr id="2" name="Başlık 1"/>
           <p:cNvSpPr>
             <a:spLocks noGrp="1"/>
           </p:cNvSpPr>
@@ -21127,13 +19616,7 @@
       </p:sp>
       <p:sp>
         <p:nvSpPr>
-          <p:cNvPr id="3" name="İçerik Yer Tutucusu 2">
-            <a:extLst>
-              <a:ext uri="{FF2B5EF4-FFF2-40B4-BE49-F238E27FC236}">
-                <a16:creationId xmlns:a16="http://schemas.microsoft.com/office/drawing/2014/main" id="{3C0198D9-BDCC-4B1D-98CD-C8AEBACED3C2}"/>
-              </a:ext>
-            </a:extLst>
-          </p:cNvPr>
+          <p:cNvPr id="3" name="İçerik Yer Tutucusu 2"/>
           <p:cNvSpPr>
             <a:spLocks noGrp="1"/>
           </p:cNvSpPr>
@@ -21182,13 +19665,7 @@
       </p:sp>
       <p:sp>
         <p:nvSpPr>
-          <p:cNvPr id="4" name="İçerik Yer Tutucusu 3">
-            <a:extLst>
-              <a:ext uri="{FF2B5EF4-FFF2-40B4-BE49-F238E27FC236}">
-                <a16:creationId xmlns:a16="http://schemas.microsoft.com/office/drawing/2014/main" id="{E1018447-62C1-413D-A6B9-467729BC6DAF}"/>
-              </a:ext>
-            </a:extLst>
-          </p:cNvPr>
+          <p:cNvPr id="4" name="İçerik Yer Tutucusu 3"/>
           <p:cNvSpPr>
             <a:spLocks noGrp="1"/>
           </p:cNvSpPr>
@@ -21206,11 +19683,6 @@
         </p:txBody>
       </p:sp>
     </p:spTree>
-    <p:extLst>
-      <p:ext uri="{BB962C8B-B14F-4D97-AF65-F5344CB8AC3E}">
-        <p14:creationId xmlns:p14="http://schemas.microsoft.com/office/powerpoint/2010/main" val="508411900"/>
-      </p:ext>
-    </p:extLst>
   </p:cSld>
   <p:clrMapOvr>
     <a:masterClrMapping/>
@@ -21237,13 +19709,7 @@
       </p:grpSpPr>
       <p:sp>
         <p:nvSpPr>
-          <p:cNvPr id="2" name="Başlık 1">
-            <a:extLst>
-              <a:ext uri="{FF2B5EF4-FFF2-40B4-BE49-F238E27FC236}">
-                <a16:creationId xmlns:a16="http://schemas.microsoft.com/office/drawing/2014/main" id="{43A2F634-6B55-457D-A93C-D479BF1370F9}"/>
-              </a:ext>
-            </a:extLst>
-          </p:cNvPr>
+          <p:cNvPr id="2" name="Başlık 1"/>
           <p:cNvSpPr>
             <a:spLocks noGrp="1"/>
           </p:cNvSpPr>
@@ -21304,13 +19770,7 @@
       </p:sp>
       <p:sp>
         <p:nvSpPr>
-          <p:cNvPr id="3" name="İçerik Yer Tutucusu 2">
-            <a:extLst>
-              <a:ext uri="{FF2B5EF4-FFF2-40B4-BE49-F238E27FC236}">
-                <a16:creationId xmlns:a16="http://schemas.microsoft.com/office/drawing/2014/main" id="{D6AE8539-A40A-442E-81A2-98DB8E72ACDA}"/>
-              </a:ext>
-            </a:extLst>
-          </p:cNvPr>
+          <p:cNvPr id="3" name="İçerik Yer Tutucusu 2"/>
           <p:cNvSpPr>
             <a:spLocks noGrp="1"/>
           </p:cNvSpPr>
@@ -21419,13 +19879,7 @@
       </p:sp>
       <p:sp>
         <p:nvSpPr>
-          <p:cNvPr id="4" name="İçerik Yer Tutucusu 3">
-            <a:extLst>
-              <a:ext uri="{FF2B5EF4-FFF2-40B4-BE49-F238E27FC236}">
-                <a16:creationId xmlns:a16="http://schemas.microsoft.com/office/drawing/2014/main" id="{DF823640-D576-4ADB-824E-7D364F5AB571}"/>
-              </a:ext>
-            </a:extLst>
-          </p:cNvPr>
+          <p:cNvPr id="4" name="İçerik Yer Tutucusu 3"/>
           <p:cNvSpPr>
             <a:spLocks noGrp="1"/>
           </p:cNvSpPr>
@@ -21443,11 +19897,6 @@
         </p:txBody>
       </p:sp>
     </p:spTree>
-    <p:extLst>
-      <p:ext uri="{BB962C8B-B14F-4D97-AF65-F5344CB8AC3E}">
-        <p14:creationId xmlns:p14="http://schemas.microsoft.com/office/powerpoint/2010/main" val="3210530071"/>
-      </p:ext>
-    </p:extLst>
   </p:cSld>
   <p:clrMapOvr>
     <a:masterClrMapping/>
@@ -21474,13 +19923,7 @@
       </p:grpSpPr>
       <p:sp>
         <p:nvSpPr>
-          <p:cNvPr id="2" name="Başlık 1">
-            <a:extLst>
-              <a:ext uri="{FF2B5EF4-FFF2-40B4-BE49-F238E27FC236}">
-                <a16:creationId xmlns:a16="http://schemas.microsoft.com/office/drawing/2014/main" id="{2F8C224D-628E-4263-B5C9-0ECF676E0A54}"/>
-              </a:ext>
-            </a:extLst>
-          </p:cNvPr>
+          <p:cNvPr id="2" name="Başlık 1"/>
           <p:cNvSpPr>
             <a:spLocks noGrp="1"/>
           </p:cNvSpPr>
@@ -21541,13 +19984,7 @@
       </p:sp>
       <p:sp>
         <p:nvSpPr>
-          <p:cNvPr id="3" name="İçerik Yer Tutucusu 2">
-            <a:extLst>
-              <a:ext uri="{FF2B5EF4-FFF2-40B4-BE49-F238E27FC236}">
-                <a16:creationId xmlns:a16="http://schemas.microsoft.com/office/drawing/2014/main" id="{C0727E67-017D-49AB-A210-210D2696A6F0}"/>
-              </a:ext>
-            </a:extLst>
-          </p:cNvPr>
+          <p:cNvPr id="3" name="İçerik Yer Tutucusu 2"/>
           <p:cNvSpPr>
             <a:spLocks noGrp="1"/>
           </p:cNvSpPr>
@@ -21601,13 +20038,7 @@
       </p:sp>
       <p:sp>
         <p:nvSpPr>
-          <p:cNvPr id="4" name="İçerik Yer Tutucusu 3">
-            <a:extLst>
-              <a:ext uri="{FF2B5EF4-FFF2-40B4-BE49-F238E27FC236}">
-                <a16:creationId xmlns:a16="http://schemas.microsoft.com/office/drawing/2014/main" id="{19B5F996-4C0E-4C09-8A8D-3A59AA9922A6}"/>
-              </a:ext>
-            </a:extLst>
-          </p:cNvPr>
+          <p:cNvPr id="4" name="İçerik Yer Tutucusu 3"/>
           <p:cNvSpPr>
             <a:spLocks noGrp="1"/>
           </p:cNvSpPr>
@@ -21719,11 +20150,6 @@
         </p:txBody>
       </p:sp>
     </p:spTree>
-    <p:extLst>
-      <p:ext uri="{BB962C8B-B14F-4D97-AF65-F5344CB8AC3E}">
-        <p14:creationId xmlns:p14="http://schemas.microsoft.com/office/powerpoint/2010/main" val="2349048260"/>
-      </p:ext>
-    </p:extLst>
   </p:cSld>
   <p:clrMapOvr>
     <a:masterClrMapping/>
@@ -21750,13 +20176,7 @@
       </p:grpSpPr>
       <p:sp>
         <p:nvSpPr>
-          <p:cNvPr id="3" name="İçerik Yer Tutucusu 2">
-            <a:extLst>
-              <a:ext uri="{FF2B5EF4-FFF2-40B4-BE49-F238E27FC236}">
-                <a16:creationId xmlns:a16="http://schemas.microsoft.com/office/drawing/2014/main" id="{B62CA12A-C88C-4EFF-9C95-A3C1A1F8FC27}"/>
-              </a:ext>
-            </a:extLst>
-          </p:cNvPr>
+          <p:cNvPr id="3" name="İçerik Yer Tutucusu 2"/>
           <p:cNvSpPr>
             <a:spLocks noGrp="1"/>
           </p:cNvSpPr>
@@ -21994,13 +20414,7 @@
       </p:sp>
       <p:sp>
         <p:nvSpPr>
-          <p:cNvPr id="4" name="İçerik Yer Tutucusu 3">
-            <a:extLst>
-              <a:ext uri="{FF2B5EF4-FFF2-40B4-BE49-F238E27FC236}">
-                <a16:creationId xmlns:a16="http://schemas.microsoft.com/office/drawing/2014/main" id="{A444BD08-7752-4951-9CC6-A39D955932FD}"/>
-              </a:ext>
-            </a:extLst>
-          </p:cNvPr>
+          <p:cNvPr id="4" name="İçerik Yer Tutucusu 3"/>
           <p:cNvSpPr>
             <a:spLocks noGrp="1"/>
           </p:cNvSpPr>
@@ -22071,11 +20485,6 @@
         </p:txBody>
       </p:sp>
     </p:spTree>
-    <p:extLst>
-      <p:ext uri="{BB962C8B-B14F-4D97-AF65-F5344CB8AC3E}">
-        <p14:creationId xmlns:p14="http://schemas.microsoft.com/office/powerpoint/2010/main" val="1474683369"/>
-      </p:ext>
-    </p:extLst>
   </p:cSld>
   <p:clrMapOvr>
     <a:masterClrMapping/>
@@ -22102,13 +20511,7 @@
       </p:grpSpPr>
       <p:sp>
         <p:nvSpPr>
-          <p:cNvPr id="2" name="Başlık 1">
-            <a:extLst>
-              <a:ext uri="{FF2B5EF4-FFF2-40B4-BE49-F238E27FC236}">
-                <a16:creationId xmlns:a16="http://schemas.microsoft.com/office/drawing/2014/main" id="{9FCF8A96-A247-43F5-9A28-260CB94052EC}"/>
-              </a:ext>
-            </a:extLst>
-          </p:cNvPr>
+          <p:cNvPr id="2" name="Başlık 1"/>
           <p:cNvSpPr>
             <a:spLocks noGrp="1"/>
           </p:cNvSpPr>
@@ -22127,13 +20530,7 @@
       </p:sp>
       <p:sp>
         <p:nvSpPr>
-          <p:cNvPr id="3" name="İçerik Yer Tutucusu 2">
-            <a:extLst>
-              <a:ext uri="{FF2B5EF4-FFF2-40B4-BE49-F238E27FC236}">
-                <a16:creationId xmlns:a16="http://schemas.microsoft.com/office/drawing/2014/main" id="{BEAA72B6-ADA9-4988-8DBC-F6B5B92616DB}"/>
-              </a:ext>
-            </a:extLst>
-          </p:cNvPr>
+          <p:cNvPr id="3" name="İçerik Yer Tutucusu 2"/>
           <p:cNvSpPr>
             <a:spLocks noGrp="1"/>
           </p:cNvSpPr>
@@ -22321,13 +20718,7 @@
       </p:sp>
       <p:sp>
         <p:nvSpPr>
-          <p:cNvPr id="4" name="İçerik Yer Tutucusu 3">
-            <a:extLst>
-              <a:ext uri="{FF2B5EF4-FFF2-40B4-BE49-F238E27FC236}">
-                <a16:creationId xmlns:a16="http://schemas.microsoft.com/office/drawing/2014/main" id="{094C6C9B-BBF3-47F3-8884-E27DE23D24F9}"/>
-              </a:ext>
-            </a:extLst>
-          </p:cNvPr>
+          <p:cNvPr id="4" name="İçerik Yer Tutucusu 3"/>
           <p:cNvSpPr>
             <a:spLocks noGrp="1"/>
           </p:cNvSpPr>
@@ -22635,11 +21026,6 @@
         </p:txBody>
       </p:sp>
     </p:spTree>
-    <p:extLst>
-      <p:ext uri="{BB962C8B-B14F-4D97-AF65-F5344CB8AC3E}">
-        <p14:creationId xmlns:p14="http://schemas.microsoft.com/office/powerpoint/2010/main" val="4101346071"/>
-      </p:ext>
-    </p:extLst>
   </p:cSld>
   <p:clrMapOvr>
     <a:masterClrMapping/>
@@ -22666,13 +21052,7 @@
       </p:grpSpPr>
       <p:sp>
         <p:nvSpPr>
-          <p:cNvPr id="2" name="Başlık 1">
-            <a:extLst>
-              <a:ext uri="{FF2B5EF4-FFF2-40B4-BE49-F238E27FC236}">
-                <a16:creationId xmlns:a16="http://schemas.microsoft.com/office/drawing/2014/main" id="{332669B2-854D-4B66-B6D7-D0E96B7C487E}"/>
-              </a:ext>
-            </a:extLst>
-          </p:cNvPr>
+          <p:cNvPr id="2" name="Başlık 1"/>
           <p:cNvSpPr>
             <a:spLocks noGrp="1"/>
           </p:cNvSpPr>
@@ -22691,13 +21071,7 @@
       </p:sp>
       <p:sp>
         <p:nvSpPr>
-          <p:cNvPr id="3" name="İçerik Yer Tutucusu 2">
-            <a:extLst>
-              <a:ext uri="{FF2B5EF4-FFF2-40B4-BE49-F238E27FC236}">
-                <a16:creationId xmlns:a16="http://schemas.microsoft.com/office/drawing/2014/main" id="{A2FD9196-0F0F-464A-B00E-F67CF971A6C4}"/>
-              </a:ext>
-            </a:extLst>
-          </p:cNvPr>
+          <p:cNvPr id="3" name="İçerik Yer Tutucusu 2"/>
           <p:cNvSpPr>
             <a:spLocks noGrp="1"/>
           </p:cNvSpPr>
@@ -22927,13 +21301,7 @@
       </p:sp>
       <p:sp>
         <p:nvSpPr>
-          <p:cNvPr id="4" name="İçerik Yer Tutucusu 3">
-            <a:extLst>
-              <a:ext uri="{FF2B5EF4-FFF2-40B4-BE49-F238E27FC236}">
-                <a16:creationId xmlns:a16="http://schemas.microsoft.com/office/drawing/2014/main" id="{63A400EF-9461-4154-ABB4-7A2A74CCFF4F}"/>
-              </a:ext>
-            </a:extLst>
-          </p:cNvPr>
+          <p:cNvPr id="4" name="İçerik Yer Tutucusu 3"/>
           <p:cNvSpPr>
             <a:spLocks noGrp="1"/>
           </p:cNvSpPr>
@@ -23178,11 +21546,6 @@
         </p:txBody>
       </p:sp>
     </p:spTree>
-    <p:extLst>
-      <p:ext uri="{BB962C8B-B14F-4D97-AF65-F5344CB8AC3E}">
-        <p14:creationId xmlns:p14="http://schemas.microsoft.com/office/powerpoint/2010/main" val="3879050475"/>
-      </p:ext>
-    </p:extLst>
   </p:cSld>
   <p:clrMapOvr>
     <a:masterClrMapping/>
@@ -23209,13 +21572,7 @@
       </p:grpSpPr>
       <p:sp>
         <p:nvSpPr>
-          <p:cNvPr id="2" name="Başlık 1">
-            <a:extLst>
-              <a:ext uri="{FF2B5EF4-FFF2-40B4-BE49-F238E27FC236}">
-                <a16:creationId xmlns:a16="http://schemas.microsoft.com/office/drawing/2014/main" id="{D6CB5D3A-1891-4360-9EAE-C9BFC3C67C99}"/>
-              </a:ext>
-            </a:extLst>
-          </p:cNvPr>
+          <p:cNvPr id="2" name="Başlık 1"/>
           <p:cNvSpPr>
             <a:spLocks noGrp="1"/>
           </p:cNvSpPr>
@@ -23234,13 +21591,7 @@
       </p:sp>
       <p:sp>
         <p:nvSpPr>
-          <p:cNvPr id="3" name="İçerik Yer Tutucusu 2">
-            <a:extLst>
-              <a:ext uri="{FF2B5EF4-FFF2-40B4-BE49-F238E27FC236}">
-                <a16:creationId xmlns:a16="http://schemas.microsoft.com/office/drawing/2014/main" id="{D405FC10-4EAB-40CC-AF7C-6C5F78ECE701}"/>
-              </a:ext>
-            </a:extLst>
-          </p:cNvPr>
+          <p:cNvPr id="3" name="İçerik Yer Tutucusu 2"/>
           <p:cNvSpPr>
             <a:spLocks noGrp="1"/>
           </p:cNvSpPr>
@@ -23355,13 +21706,7 @@
       </p:sp>
       <p:sp>
         <p:nvSpPr>
-          <p:cNvPr id="4" name="İçerik Yer Tutucusu 3">
-            <a:extLst>
-              <a:ext uri="{FF2B5EF4-FFF2-40B4-BE49-F238E27FC236}">
-                <a16:creationId xmlns:a16="http://schemas.microsoft.com/office/drawing/2014/main" id="{B02A8B30-06A8-47AB-B278-57581644B6EA}"/>
-              </a:ext>
-            </a:extLst>
-          </p:cNvPr>
+          <p:cNvPr id="4" name="İçerik Yer Tutucusu 3"/>
           <p:cNvSpPr>
             <a:spLocks noGrp="1"/>
           </p:cNvSpPr>
@@ -23448,11 +21793,6 @@
         </p:txBody>
       </p:sp>
     </p:spTree>
-    <p:extLst>
-      <p:ext uri="{BB962C8B-B14F-4D97-AF65-F5344CB8AC3E}">
-        <p14:creationId xmlns:p14="http://schemas.microsoft.com/office/powerpoint/2010/main" val="30029033"/>
-      </p:ext>
-    </p:extLst>
   </p:cSld>
   <p:clrMapOvr>
     <a:masterClrMapping/>
@@ -23479,13 +21819,7 @@
       </p:grpSpPr>
       <p:sp>
         <p:nvSpPr>
-          <p:cNvPr id="2" name="Başlık 1">
-            <a:extLst>
-              <a:ext uri="{FF2B5EF4-FFF2-40B4-BE49-F238E27FC236}">
-                <a16:creationId xmlns:a16="http://schemas.microsoft.com/office/drawing/2014/main" id="{7F57CD21-90A9-4A24-B1E7-89CF402E6719}"/>
-              </a:ext>
-            </a:extLst>
-          </p:cNvPr>
+          <p:cNvPr id="2" name="Başlık 1"/>
           <p:cNvSpPr>
             <a:spLocks noGrp="1"/>
           </p:cNvSpPr>
@@ -23504,13 +21838,7 @@
       </p:sp>
       <p:sp>
         <p:nvSpPr>
-          <p:cNvPr id="3" name="İçerik Yer Tutucusu 2">
-            <a:extLst>
-              <a:ext uri="{FF2B5EF4-FFF2-40B4-BE49-F238E27FC236}">
-                <a16:creationId xmlns:a16="http://schemas.microsoft.com/office/drawing/2014/main" id="{DF28F050-A913-442B-8BA5-A0839D0066B7}"/>
-              </a:ext>
-            </a:extLst>
-          </p:cNvPr>
+          <p:cNvPr id="3" name="İçerik Yer Tutucusu 2"/>
           <p:cNvSpPr>
             <a:spLocks noGrp="1"/>
           </p:cNvSpPr>
@@ -23583,11 +21911,6 @@
         </p:txBody>
       </p:sp>
     </p:spTree>
-    <p:extLst>
-      <p:ext uri="{BB962C8B-B14F-4D97-AF65-F5344CB8AC3E}">
-        <p14:creationId xmlns:p14="http://schemas.microsoft.com/office/powerpoint/2010/main" val="1038048099"/>
-      </p:ext>
-    </p:extLst>
   </p:cSld>
   <p:clrMapOvr>
     <a:masterClrMapping/>
@@ -23614,13 +21937,7 @@
       </p:grpSpPr>
       <p:sp>
         <p:nvSpPr>
-          <p:cNvPr id="2" name="Başlık 1">
-            <a:extLst>
-              <a:ext uri="{FF2B5EF4-FFF2-40B4-BE49-F238E27FC236}">
-                <a16:creationId xmlns:a16="http://schemas.microsoft.com/office/drawing/2014/main" id="{C42A397F-DD85-4F5B-9418-FE9250C9A855}"/>
-              </a:ext>
-            </a:extLst>
-          </p:cNvPr>
+          <p:cNvPr id="2" name="Başlık 1"/>
           <p:cNvSpPr>
             <a:spLocks noGrp="1"/>
           </p:cNvSpPr>
@@ -23660,13 +21977,7 @@
       </p:sp>
       <p:sp>
         <p:nvSpPr>
-          <p:cNvPr id="3" name="İçerik Yer Tutucusu 2">
-            <a:extLst>
-              <a:ext uri="{FF2B5EF4-FFF2-40B4-BE49-F238E27FC236}">
-                <a16:creationId xmlns:a16="http://schemas.microsoft.com/office/drawing/2014/main" id="{E783B0C1-E5CF-4F71-B0C2-5FE8478A09F1}"/>
-              </a:ext>
-            </a:extLst>
-          </p:cNvPr>
+          <p:cNvPr id="3" name="İçerik Yer Tutucusu 2"/>
           <p:cNvSpPr>
             <a:spLocks noGrp="1"/>
           </p:cNvSpPr>
@@ -23839,11 +22150,6 @@
         </p:txBody>
       </p:sp>
     </p:spTree>
-    <p:extLst>
-      <p:ext uri="{BB962C8B-B14F-4D97-AF65-F5344CB8AC3E}">
-        <p14:creationId xmlns:p14="http://schemas.microsoft.com/office/powerpoint/2010/main" val="4252333388"/>
-      </p:ext>
-    </p:extLst>
   </p:cSld>
   <p:clrMapOvr>
     <a:masterClrMapping/>
@@ -23870,13 +22176,7 @@
       </p:grpSpPr>
       <p:sp>
         <p:nvSpPr>
-          <p:cNvPr id="2" name="Başlık 1">
-            <a:extLst>
-              <a:ext uri="{FF2B5EF4-FFF2-40B4-BE49-F238E27FC236}">
-                <a16:creationId xmlns:a16="http://schemas.microsoft.com/office/drawing/2014/main" id="{D5905D80-78F1-41C7-98F7-8DC7F50029B2}"/>
-              </a:ext>
-            </a:extLst>
-          </p:cNvPr>
+          <p:cNvPr id="2" name="Başlık 1"/>
           <p:cNvSpPr>
             <a:spLocks noGrp="1"/>
           </p:cNvSpPr>
@@ -23898,13 +22198,7 @@
       </p:sp>
       <p:sp>
         <p:nvSpPr>
-          <p:cNvPr id="3" name="İçerik Yer Tutucusu 2">
-            <a:extLst>
-              <a:ext uri="{FF2B5EF4-FFF2-40B4-BE49-F238E27FC236}">
-                <a16:creationId xmlns:a16="http://schemas.microsoft.com/office/drawing/2014/main" id="{E7F31583-7E15-4A32-AC3D-EF85AEB1AEBD}"/>
-              </a:ext>
-            </a:extLst>
-          </p:cNvPr>
+          <p:cNvPr id="3" name="İçerik Yer Tutucusu 2"/>
           <p:cNvSpPr>
             <a:spLocks noGrp="1"/>
           </p:cNvSpPr>
@@ -24019,11 +22313,6 @@
         </p:txBody>
       </p:sp>
     </p:spTree>
-    <p:extLst>
-      <p:ext uri="{BB962C8B-B14F-4D97-AF65-F5344CB8AC3E}">
-        <p14:creationId xmlns:p14="http://schemas.microsoft.com/office/powerpoint/2010/main" val="3799862074"/>
-      </p:ext>
-    </p:extLst>
   </p:cSld>
   <p:clrMapOvr>
     <a:masterClrMapping/>
@@ -24050,13 +22339,7 @@
       </p:grpSpPr>
       <p:sp>
         <p:nvSpPr>
-          <p:cNvPr id="2" name="Başlık 1">
-            <a:extLst>
-              <a:ext uri="{FF2B5EF4-FFF2-40B4-BE49-F238E27FC236}">
-                <a16:creationId xmlns:a16="http://schemas.microsoft.com/office/drawing/2014/main" id="{511B97BD-7BE5-4895-8B72-BC0A19549CC9}"/>
-              </a:ext>
-            </a:extLst>
-          </p:cNvPr>
+          <p:cNvPr id="2" name="Başlık 1"/>
           <p:cNvSpPr>
             <a:spLocks noGrp="1"/>
           </p:cNvSpPr>
@@ -24075,13 +22358,7 @@
       </p:sp>
       <p:sp>
         <p:nvSpPr>
-          <p:cNvPr id="3" name="İçerik Yer Tutucusu 2">
-            <a:extLst>
-              <a:ext uri="{FF2B5EF4-FFF2-40B4-BE49-F238E27FC236}">
-                <a16:creationId xmlns:a16="http://schemas.microsoft.com/office/drawing/2014/main" id="{5FC30D71-4DD4-43EF-B197-7B658DF414E5}"/>
-              </a:ext>
-            </a:extLst>
-          </p:cNvPr>
+          <p:cNvPr id="3" name="İçerik Yer Tutucusu 2"/>
           <p:cNvSpPr>
             <a:spLocks noGrp="1"/>
           </p:cNvSpPr>
@@ -24421,11 +22698,6 @@
         </p:txBody>
       </p:sp>
     </p:spTree>
-    <p:extLst>
-      <p:ext uri="{BB962C8B-B14F-4D97-AF65-F5344CB8AC3E}">
-        <p14:creationId xmlns:p14="http://schemas.microsoft.com/office/powerpoint/2010/main" val="3711885704"/>
-      </p:ext>
-    </p:extLst>
   </p:cSld>
   <p:clrMapOvr>
     <a:masterClrMapping/>
@@ -24452,13 +22724,7 @@
       </p:grpSpPr>
       <p:sp>
         <p:nvSpPr>
-          <p:cNvPr id="2" name="Başlık 1">
-            <a:extLst>
-              <a:ext uri="{FF2B5EF4-FFF2-40B4-BE49-F238E27FC236}">
-                <a16:creationId xmlns:a16="http://schemas.microsoft.com/office/drawing/2014/main" id="{99FAB383-4B69-4072-934D-114556EC4016}"/>
-              </a:ext>
-            </a:extLst>
-          </p:cNvPr>
+          <p:cNvPr id="2" name="Başlık 1"/>
           <p:cNvSpPr>
             <a:spLocks noGrp="1"/>
           </p:cNvSpPr>
@@ -24477,13 +22743,7 @@
       </p:sp>
       <p:sp>
         <p:nvSpPr>
-          <p:cNvPr id="3" name="İçerik Yer Tutucusu 2">
-            <a:extLst>
-              <a:ext uri="{FF2B5EF4-FFF2-40B4-BE49-F238E27FC236}">
-                <a16:creationId xmlns:a16="http://schemas.microsoft.com/office/drawing/2014/main" id="{0FA54800-B9A4-4729-A7DC-27D1ACA9C33B}"/>
-              </a:ext>
-            </a:extLst>
-          </p:cNvPr>
+          <p:cNvPr id="3" name="İçerik Yer Tutucusu 2"/>
           <p:cNvSpPr>
             <a:spLocks noGrp="1"/>
           </p:cNvSpPr>
@@ -24512,11 +22772,6 @@
         </p:txBody>
       </p:sp>
     </p:spTree>
-    <p:extLst>
-      <p:ext uri="{BB962C8B-B14F-4D97-AF65-F5344CB8AC3E}">
-        <p14:creationId xmlns:p14="http://schemas.microsoft.com/office/powerpoint/2010/main" val="4245038702"/>
-      </p:ext>
-    </p:extLst>
   </p:cSld>
   <p:clrMapOvr>
     <a:masterClrMapping/>
@@ -24543,13 +22798,7 @@
       </p:grpSpPr>
       <p:sp>
         <p:nvSpPr>
-          <p:cNvPr id="3" name="İçerik Yer Tutucusu 2">
-            <a:extLst>
-              <a:ext uri="{FF2B5EF4-FFF2-40B4-BE49-F238E27FC236}">
-                <a16:creationId xmlns:a16="http://schemas.microsoft.com/office/drawing/2014/main" id="{847E75DF-D152-442A-8DB8-EAF91BC45E5B}"/>
-              </a:ext>
-            </a:extLst>
-          </p:cNvPr>
+          <p:cNvPr id="3" name="İçerik Yer Tutucusu 2"/>
           <p:cNvSpPr>
             <a:spLocks noGrp="1"/>
           </p:cNvSpPr>
@@ -24583,7 +22832,6 @@
               <a:buSzTx/>
               <a:buFontTx/>
               <a:buNone/>
-              <a:tabLst/>
             </a:pPr>
             <a:r>
               <a:rPr kumimoji="0" lang="tr-TR" altLang="tr-TR" sz="2400" b="0" i="0" u="none" strike="noStrike" cap="none" normalizeH="0" baseline="0" dirty="0">
@@ -24623,7 +22871,6 @@
               <a:buSzTx/>
               <a:buFontTx/>
               <a:buNone/>
-              <a:tabLst/>
             </a:pPr>
             <a:r>
               <a:rPr kumimoji="0" lang="tr-TR" altLang="tr-TR" sz="2400" b="0" i="0" u="none" strike="noStrike" cap="none" normalizeH="0" baseline="0" dirty="0">
@@ -24689,7 +22936,6 @@
               <a:buSzTx/>
               <a:buFontTx/>
               <a:buNone/>
-              <a:tabLst/>
             </a:pPr>
             <a:r>
               <a:rPr kumimoji="0" lang="tr-TR" altLang="tr-TR" sz="2400" b="0" i="0" u="none" strike="noStrike" cap="none" normalizeH="0" baseline="0" dirty="0">
@@ -24742,7 +22988,6 @@
               <a:buSzTx/>
               <a:buFontTx/>
               <a:buNone/>
-              <a:tabLst/>
             </a:pPr>
             <a:r>
               <a:rPr kumimoji="0" lang="tr-TR" altLang="tr-TR" sz="2400" b="0" i="0" u="none" strike="noStrike" cap="none" normalizeH="0" baseline="0" dirty="0">
@@ -24808,7 +23053,6 @@
               <a:buSzTx/>
               <a:buFontTx/>
               <a:buNone/>
-              <a:tabLst/>
             </a:pPr>
             <a:r>
               <a:rPr kumimoji="0" lang="tr-TR" altLang="tr-TR" sz="2400" b="0" i="0" u="none" strike="noStrike" cap="none" normalizeH="0" baseline="0" dirty="0">
@@ -24887,7 +23131,6 @@
               <a:buSzTx/>
               <a:buFontTx/>
               <a:buNone/>
-              <a:tabLst/>
             </a:pPr>
             <a:r>
               <a:rPr kumimoji="0" lang="tr-TR" altLang="tr-TR" sz="2400" b="0" i="0" u="none" strike="noStrike" cap="none" normalizeH="0" baseline="0" dirty="0">
@@ -25070,7 +23313,6 @@
               <a:buSzTx/>
               <a:buFontTx/>
               <a:buNone/>
-              <a:tabLst/>
             </a:pPr>
             <a:r>
               <a:rPr kumimoji="0" lang="tr-TR" altLang="tr-TR" sz="2400" b="0" i="0" u="none" strike="noStrike" cap="none" normalizeH="0" baseline="0" dirty="0">
@@ -25149,7 +23391,6 @@
               <a:buSzTx/>
               <a:buFontTx/>
               <a:buNone/>
-              <a:tabLst/>
             </a:pPr>
             <a:r>
               <a:rPr kumimoji="0" lang="tr-TR" altLang="tr-TR" sz="2400" b="0" i="0" u="none" strike="noStrike" cap="none" normalizeH="0" baseline="0" dirty="0">
@@ -25202,7 +23443,6 @@
               <a:buSzTx/>
               <a:buFontTx/>
               <a:buNone/>
-              <a:tabLst/>
             </a:pPr>
             <a:r>
               <a:rPr kumimoji="0" lang="tr-TR" altLang="tr-TR" sz="2400" b="0" i="0" u="none" strike="noStrike" cap="none" normalizeH="0" baseline="0" dirty="0">
@@ -25307,7 +23547,6 @@
               <a:buSzTx/>
               <a:buFontTx/>
               <a:buNone/>
-              <a:tabLst/>
             </a:pPr>
             <a:r>
               <a:rPr kumimoji="0" lang="tr-TR" altLang="tr-TR" sz="2400" b="0" i="0" u="none" strike="noStrike" cap="none" normalizeH="0" baseline="0" dirty="0">
@@ -25387,7 +23626,6 @@
               <a:buSzTx/>
               <a:buFontTx/>
               <a:buNone/>
-              <a:tabLst/>
             </a:pPr>
             <a:r>
               <a:rPr kumimoji="0" lang="tr-TR" altLang="tr-TR" sz="2400" b="0" i="0" u="none" strike="noStrike" cap="none" normalizeH="0" baseline="0" dirty="0">
@@ -25466,7 +23704,6 @@
               <a:buSzTx/>
               <a:buFontTx/>
               <a:buNone/>
-              <a:tabLst/>
             </a:pPr>
             <a:r>
               <a:rPr kumimoji="0" lang="tr-TR" altLang="tr-TR" sz="2400" b="0" i="0" u="none" strike="noStrike" cap="none" normalizeH="0" baseline="0" dirty="0">
@@ -25519,7 +23756,6 @@
               <a:buSzTx/>
               <a:buFontTx/>
               <a:buNone/>
-              <a:tabLst/>
             </a:pPr>
             <a:r>
               <a:rPr kumimoji="0" lang="tr-TR" altLang="tr-TR" sz="2400" b="0" i="0" u="none" strike="noStrike" cap="none" normalizeH="0" baseline="0" dirty="0">
@@ -25598,7 +23834,6 @@
               <a:buSzTx/>
               <a:buFontTx/>
               <a:buNone/>
-              <a:tabLst/>
             </a:pPr>
             <a:r>
               <a:rPr kumimoji="0" lang="tr-TR" altLang="tr-TR" sz="2400" b="0" i="0" u="none" strike="noStrike" cap="none" normalizeH="0" baseline="0" dirty="0">
@@ -25664,7 +23899,6 @@
               <a:buSzTx/>
               <a:buFontTx/>
               <a:buNone/>
-              <a:tabLst/>
             </a:pPr>
             <a:r>
               <a:rPr kumimoji="0" lang="tr-TR" altLang="tr-TR" sz="2400" b="0" i="0" u="none" strike="noStrike" cap="none" normalizeH="0" baseline="0" dirty="0">
@@ -25730,7 +23964,6 @@
               <a:buSzTx/>
               <a:buFontTx/>
               <a:buNone/>
-              <a:tabLst/>
             </a:pPr>
             <a:r>
               <a:rPr kumimoji="0" lang="tr-TR" altLang="tr-TR" sz="2400" b="0" i="0" u="none" strike="noStrike" cap="none" normalizeH="0" baseline="0" dirty="0">
@@ -25796,7 +24029,6 @@
               <a:buSzTx/>
               <a:buFontTx/>
               <a:buNone/>
-              <a:tabLst/>
             </a:pPr>
             <a:r>
               <a:rPr kumimoji="0" lang="tr-TR" altLang="tr-TR" sz="2400" b="0" i="0" u="none" strike="noStrike" cap="none" normalizeH="0" baseline="0" dirty="0">
@@ -25849,7 +24081,6 @@
               <a:buSzTx/>
               <a:buFontTx/>
               <a:buNone/>
-              <a:tabLst/>
             </a:pPr>
             <a:r>
               <a:rPr kumimoji="0" lang="tr-TR" altLang="tr-TR" sz="2400" b="0" i="0" u="none" strike="noStrike" cap="none" normalizeH="0" baseline="0" dirty="0">
@@ -25902,7 +24133,6 @@
               <a:buSzTx/>
               <a:buFontTx/>
               <a:buNone/>
-              <a:tabLst/>
             </a:pPr>
             <a:r>
               <a:rPr kumimoji="0" lang="tr-TR" altLang="tr-TR" sz="2400" b="0" i="0" u="none" strike="noStrike" cap="none" normalizeH="0" baseline="0" dirty="0">
@@ -26046,7 +24276,6 @@
               <a:buSzTx/>
               <a:buFontTx/>
               <a:buNone/>
-              <a:tabLst/>
             </a:pPr>
             <a:r>
               <a:rPr kumimoji="0" lang="tr-TR" altLang="tr-TR" sz="2400" b="0" i="0" u="none" strike="noStrike" cap="none" normalizeH="0" baseline="0" dirty="0">
@@ -26112,7 +24341,6 @@
               <a:buSzTx/>
               <a:buFontTx/>
               <a:buNone/>
-              <a:tabLst/>
             </a:pPr>
             <a:r>
               <a:rPr kumimoji="0" lang="tr-TR" altLang="tr-TR" sz="2400" b="0" i="0" u="none" strike="noStrike" cap="none" normalizeH="0" baseline="0" dirty="0">
@@ -26204,7 +24432,6 @@
               <a:buSzTx/>
               <a:buFontTx/>
               <a:buNone/>
-              <a:tabLst/>
             </a:pPr>
             <a:r>
               <a:rPr kumimoji="0" lang="tr-TR" altLang="tr-TR" sz="2400" b="0" i="0" u="none" strike="noStrike" cap="none" normalizeH="0" baseline="0" dirty="0">
@@ -26257,7 +24484,6 @@
               <a:buSzTx/>
               <a:buFontTx/>
               <a:buNone/>
-              <a:tabLst/>
             </a:pPr>
             <a:r>
               <a:rPr kumimoji="0" lang="tr-TR" altLang="tr-TR" sz="2400" b="0" i="0" u="none" strike="noStrike" cap="none" normalizeH="0" baseline="0" dirty="0">
@@ -26310,7 +24536,6 @@
               <a:buSzTx/>
               <a:buFontTx/>
               <a:buNone/>
-              <a:tabLst/>
             </a:pPr>
             <a:r>
               <a:rPr kumimoji="0" lang="tr-TR" altLang="tr-TR" sz="2400" b="0" i="0" u="none" strike="noStrike" cap="none" normalizeH="0" baseline="0" dirty="0">
@@ -26428,7 +24653,6 @@
               <a:buSzTx/>
               <a:buFontTx/>
               <a:buNone/>
-              <a:tabLst/>
             </a:pPr>
             <a:r>
               <a:rPr kumimoji="0" lang="tr-TR" altLang="tr-TR" sz="2400" b="0" i="0" u="none" strike="noStrike" cap="none" normalizeH="0" baseline="0" dirty="0">
@@ -26520,7 +24744,6 @@
               <a:buSzTx/>
               <a:buFontTx/>
               <a:buNone/>
-              <a:tabLst/>
             </a:pPr>
             <a:r>
               <a:rPr kumimoji="0" lang="tr-TR" altLang="tr-TR" sz="2400" b="0" i="0" u="none" strike="noStrike" cap="none" normalizeH="0" baseline="0" dirty="0">
@@ -26573,7 +24796,6 @@
               <a:buSzTx/>
               <a:buFontTx/>
               <a:buNone/>
-              <a:tabLst/>
             </a:pPr>
             <a:r>
               <a:rPr kumimoji="0" lang="tr-TR" altLang="tr-TR" sz="2400" b="0" i="0" u="none" strike="noStrike" cap="none" normalizeH="0" baseline="0" dirty="0">
@@ -26652,7 +24874,6 @@
               <a:buSzTx/>
               <a:buFontTx/>
               <a:buNone/>
-              <a:tabLst/>
             </a:pPr>
             <a:r>
               <a:rPr kumimoji="0" lang="tr-TR" altLang="tr-TR" sz="2400" b="0" i="0" u="none" strike="noStrike" cap="none" normalizeH="0" baseline="0" dirty="0">
@@ -26712,11 +24933,6 @@
         </p:txBody>
       </p:sp>
     </p:spTree>
-    <p:extLst>
-      <p:ext uri="{BB962C8B-B14F-4D97-AF65-F5344CB8AC3E}">
-        <p14:creationId xmlns:p14="http://schemas.microsoft.com/office/powerpoint/2010/main" val="4052404535"/>
-      </p:ext>
-    </p:extLst>
   </p:cSld>
   <p:clrMapOvr>
     <a:masterClrMapping/>
@@ -26743,13 +24959,7 @@
       </p:grpSpPr>
       <p:sp>
         <p:nvSpPr>
-          <p:cNvPr id="3" name="İçerik Yer Tutucusu 2">
-            <a:extLst>
-              <a:ext uri="{FF2B5EF4-FFF2-40B4-BE49-F238E27FC236}">
-                <a16:creationId xmlns:a16="http://schemas.microsoft.com/office/drawing/2014/main" id="{70614D5D-D566-46F4-A83D-99D7C658539C}"/>
-              </a:ext>
-            </a:extLst>
-          </p:cNvPr>
+          <p:cNvPr id="3" name="İçerik Yer Tutucusu 2"/>
           <p:cNvSpPr>
             <a:spLocks noGrp="1"/>
           </p:cNvSpPr>
@@ -26783,7 +24993,6 @@
               <a:buSzTx/>
               <a:buFontTx/>
               <a:buNone/>
-              <a:tabLst/>
             </a:pPr>
             <a:r>
               <a:rPr kumimoji="0" lang="tr-TR" altLang="tr-TR" sz="2400" b="0" i="0" u="none" strike="noStrike" cap="none" normalizeH="0" baseline="0" dirty="0">
@@ -26836,7 +25045,6 @@
               <a:buSzTx/>
               <a:buFontTx/>
               <a:buNone/>
-              <a:tabLst/>
             </a:pPr>
             <a:r>
               <a:rPr kumimoji="0" lang="tr-TR" altLang="tr-TR" sz="2400" b="0" i="0" u="none" strike="noStrike" cap="none" normalizeH="0" baseline="0" dirty="0">
@@ -26902,7 +25110,6 @@
               <a:buSzTx/>
               <a:buFontTx/>
               <a:buNone/>
-              <a:tabLst/>
             </a:pPr>
             <a:r>
               <a:rPr kumimoji="0" lang="tr-TR" altLang="tr-TR" sz="2400" b="0" i="0" u="none" strike="noStrike" cap="none" normalizeH="0" baseline="0" dirty="0">
@@ -27085,7 +25292,6 @@
               <a:buSzTx/>
               <a:buFontTx/>
               <a:buNone/>
-              <a:tabLst/>
             </a:pPr>
             <a:r>
               <a:rPr kumimoji="0" lang="tr-TR" altLang="tr-TR" sz="2400" b="0" i="0" u="none" strike="noStrike" cap="none" normalizeH="0" baseline="0" dirty="0">
@@ -27138,7 +25344,6 @@
               <a:buSzTx/>
               <a:buFontTx/>
               <a:buNone/>
-              <a:tabLst/>
             </a:pPr>
             <a:r>
               <a:rPr kumimoji="0" lang="tr-TR" altLang="tr-TR" sz="2400" b="0" i="0" u="none" strike="noStrike" cap="none" normalizeH="0" baseline="0" dirty="0">
@@ -27217,7 +25422,6 @@
               <a:buSzTx/>
               <a:buFontTx/>
               <a:buNone/>
-              <a:tabLst/>
             </a:pPr>
             <a:r>
               <a:rPr kumimoji="0" lang="tr-TR" altLang="tr-TR" sz="2400" b="0" i="0" u="none" strike="noStrike" cap="none" normalizeH="0" baseline="0" dirty="0">
@@ -27270,7 +25474,6 @@
               <a:buSzTx/>
               <a:buFontTx/>
               <a:buNone/>
-              <a:tabLst/>
             </a:pPr>
             <a:r>
               <a:rPr kumimoji="0" lang="tr-TR" altLang="tr-TR" sz="2400" b="0" i="0" u="none" strike="noStrike" cap="none" normalizeH="0" baseline="0" dirty="0">
@@ -27505,7 +25708,6 @@
               <a:buSzTx/>
               <a:buFontTx/>
               <a:buNone/>
-              <a:tabLst/>
             </a:pPr>
             <a:r>
               <a:rPr kumimoji="0" lang="tr-TR" altLang="tr-TR" sz="2400" b="0" i="0" u="none" strike="noStrike" cap="none" normalizeH="0" baseline="0" dirty="0">
@@ -27558,7 +25760,6 @@
               <a:buSzTx/>
               <a:buFontTx/>
               <a:buNone/>
-              <a:tabLst/>
             </a:pPr>
             <a:r>
               <a:rPr kumimoji="0" lang="tr-TR" altLang="tr-TR" sz="2400" b="0" i="0" u="none" strike="noStrike" cap="none" normalizeH="0" baseline="0" dirty="0">
@@ -27637,7 +25838,6 @@
               <a:buSzTx/>
               <a:buFontTx/>
               <a:buNone/>
-              <a:tabLst/>
             </a:pPr>
             <a:r>
               <a:rPr kumimoji="0" lang="tr-TR" altLang="tr-TR" sz="2400" b="0" i="0" u="none" strike="noStrike" cap="none" normalizeH="0" baseline="0" dirty="0">
@@ -27794,7 +25994,6 @@
               <a:buSzTx/>
               <a:buFontTx/>
               <a:buNone/>
-              <a:tabLst/>
             </a:pPr>
             <a:r>
               <a:rPr kumimoji="0" lang="tr-TR" altLang="tr-TR" sz="2400" b="0" i="0" u="none" strike="noStrike" cap="none" normalizeH="0" baseline="0" dirty="0">
@@ -27951,7 +26150,6 @@
               <a:buSzTx/>
               <a:buFontTx/>
               <a:buNone/>
-              <a:tabLst/>
             </a:pPr>
             <a:r>
               <a:rPr kumimoji="0" lang="tr-TR" altLang="tr-TR" sz="2400" b="0" i="0" u="none" strike="noStrike" cap="none" normalizeH="0" baseline="0" dirty="0">
@@ -28030,7 +26228,6 @@
               <a:buSzTx/>
               <a:buFontTx/>
               <a:buNone/>
-              <a:tabLst/>
             </a:pPr>
             <a:r>
               <a:rPr kumimoji="0" lang="tr-TR" altLang="tr-TR" sz="2400" b="0" i="0" u="none" strike="noStrike" cap="none" normalizeH="0" baseline="0" dirty="0">
@@ -28083,7 +26280,6 @@
               <a:buSzTx/>
               <a:buFontTx/>
               <a:buNone/>
-              <a:tabLst/>
             </a:pPr>
             <a:r>
               <a:rPr kumimoji="0" lang="tr-TR" altLang="tr-TR" sz="2400" b="0" i="0" u="none" strike="noStrike" cap="none" normalizeH="0" baseline="0" dirty="0">
@@ -28240,7 +26436,6 @@
               <a:buSzTx/>
               <a:buFontTx/>
               <a:buNone/>
-              <a:tabLst/>
             </a:pPr>
             <a:r>
               <a:rPr kumimoji="0" lang="tr-TR" altLang="tr-TR" sz="2400" b="0" i="0" u="none" strike="noStrike" cap="none" normalizeH="0" baseline="0" dirty="0">
@@ -28319,7 +26514,6 @@
               <a:buSzTx/>
               <a:buFontTx/>
               <a:buNone/>
-              <a:tabLst/>
             </a:pPr>
             <a:r>
               <a:rPr kumimoji="0" lang="tr-TR" altLang="tr-TR" sz="2400" b="0" i="0" u="none" strike="noStrike" cap="none" normalizeH="0" baseline="0" dirty="0">
@@ -28398,7 +26592,6 @@
               <a:buSzTx/>
               <a:buFontTx/>
               <a:buNone/>
-              <a:tabLst/>
             </a:pPr>
             <a:r>
               <a:rPr kumimoji="0" lang="tr-TR" altLang="tr-TR" sz="2400" b="0" i="0" u="none" strike="noStrike" cap="none" normalizeH="0" baseline="0" dirty="0">
@@ -28451,7 +26644,6 @@
               <a:buSzTx/>
               <a:buFontTx/>
               <a:buNone/>
-              <a:tabLst/>
             </a:pPr>
             <a:r>
               <a:rPr kumimoji="0" lang="tr-TR" altLang="tr-TR" sz="2400" b="0" i="0" u="none" strike="noStrike" cap="none" normalizeH="0" baseline="0" dirty="0">
@@ -28530,7 +26722,6 @@
               <a:buSzTx/>
               <a:buFontTx/>
               <a:buNone/>
-              <a:tabLst/>
             </a:pPr>
             <a:r>
               <a:rPr kumimoji="0" lang="tr-TR" altLang="tr-TR" sz="2400" b="0" i="0" u="none" strike="noStrike" cap="none" normalizeH="0" baseline="0" dirty="0">
@@ -28609,7 +26800,6 @@
               <a:buSzTx/>
               <a:buFontTx/>
               <a:buNone/>
-              <a:tabLst/>
             </a:pPr>
             <a:r>
               <a:rPr kumimoji="0" lang="tr-TR" altLang="tr-TR" sz="2400" b="0" i="0" u="none" strike="noStrike" cap="none" normalizeH="0" baseline="0" dirty="0">
@@ -28688,7 +26878,6 @@
               <a:buSzTx/>
               <a:buFontTx/>
               <a:buNone/>
-              <a:tabLst/>
             </a:pPr>
             <a:r>
               <a:rPr kumimoji="0" lang="tr-TR" altLang="tr-TR" sz="2400" b="0" i="0" u="none" strike="noStrike" cap="none" normalizeH="0" baseline="0" dirty="0">
@@ -28819,7 +27008,6 @@
               <a:buSzTx/>
               <a:buFontTx/>
               <a:buNone/>
-              <a:tabLst/>
             </a:pPr>
             <a:r>
               <a:rPr kumimoji="0" lang="tr-TR" altLang="tr-TR" sz="2400" b="0" i="0" u="none" strike="noStrike" cap="none" normalizeH="0" baseline="0" dirty="0">
@@ -28898,7 +27086,6 @@
               <a:buSzTx/>
               <a:buFontTx/>
               <a:buNone/>
-              <a:tabLst/>
             </a:pPr>
             <a:r>
               <a:rPr kumimoji="0" lang="tr-TR" altLang="tr-TR" sz="2400" b="0" i="0" u="none" strike="noStrike" cap="none" normalizeH="0" baseline="0" dirty="0">
@@ -28977,7 +27164,6 @@
               <a:buSzTx/>
               <a:buFontTx/>
               <a:buNone/>
-              <a:tabLst/>
             </a:pPr>
             <a:r>
               <a:rPr kumimoji="0" lang="tr-TR" altLang="tr-TR" sz="2400" b="0" i="0" u="none" strike="noStrike" cap="none" normalizeH="0" baseline="0" dirty="0">
@@ -29056,7 +27242,6 @@
               <a:buSzTx/>
               <a:buFontTx/>
               <a:buNone/>
-              <a:tabLst/>
             </a:pPr>
             <a:r>
               <a:rPr kumimoji="0" lang="tr-TR" altLang="tr-TR" sz="2400" b="0" i="0" u="none" strike="noStrike" cap="none" normalizeH="0" baseline="0" dirty="0">
@@ -29135,7 +27320,6 @@
               <a:buSzTx/>
               <a:buFontTx/>
               <a:buNone/>
-              <a:tabLst/>
             </a:pPr>
             <a:r>
               <a:rPr kumimoji="0" lang="tr-TR" altLang="tr-TR" sz="2400" b="0" i="0" u="none" strike="noStrike" cap="none" normalizeH="0" baseline="0" dirty="0">
@@ -29292,7 +27476,6 @@
               <a:buSzTx/>
               <a:buFontTx/>
               <a:buNone/>
-              <a:tabLst/>
             </a:pPr>
             <a:r>
               <a:rPr kumimoji="0" lang="tr-TR" altLang="tr-TR" sz="2400" b="0" i="0" u="none" strike="noStrike" cap="none" normalizeH="0" baseline="0" dirty="0">
@@ -29371,7 +27554,6 @@
               <a:buSzTx/>
               <a:buFontTx/>
               <a:buNone/>
-              <a:tabLst/>
             </a:pPr>
             <a:r>
               <a:rPr kumimoji="0" lang="tr-TR" altLang="tr-TR" sz="2400" b="0" i="0" u="none" strike="noStrike" cap="none" normalizeH="0" baseline="0" dirty="0">
@@ -29450,7 +27632,6 @@
               <a:buSzTx/>
               <a:buFontTx/>
               <a:buNone/>
-              <a:tabLst/>
             </a:pPr>
             <a:r>
               <a:rPr kumimoji="0" lang="tr-TR" altLang="tr-TR" sz="2400" b="0" i="0" u="none" strike="noStrike" cap="none" normalizeH="0" baseline="0" dirty="0">
@@ -29529,7 +27710,6 @@
               <a:buSzTx/>
               <a:buFontTx/>
               <a:buNone/>
-              <a:tabLst/>
             </a:pPr>
             <a:r>
               <a:rPr kumimoji="0" lang="tr-TR" altLang="tr-TR" sz="2400" b="0" i="0" u="none" strike="noStrike" cap="none" normalizeH="0" baseline="0" dirty="0">
@@ -29582,7 +27762,6 @@
               <a:buSzTx/>
               <a:buFontTx/>
               <a:buNone/>
-              <a:tabLst/>
             </a:pPr>
             <a:r>
               <a:rPr kumimoji="0" lang="tr-TR" altLang="tr-TR" sz="2400" b="0" i="0" u="none" strike="noStrike" cap="none" normalizeH="0" baseline="0" dirty="0">
@@ -29765,7 +27944,6 @@
               <a:buSzTx/>
               <a:buFontTx/>
               <a:buNone/>
-              <a:tabLst/>
             </a:pPr>
             <a:r>
               <a:rPr kumimoji="0" lang="tr-TR" altLang="tr-TR" sz="2400" b="0" i="0" u="none" strike="noStrike" cap="none" normalizeH="0" baseline="0" dirty="0">
@@ -29844,7 +28022,6 @@
               <a:buSzTx/>
               <a:buFontTx/>
               <a:buNone/>
-              <a:tabLst/>
             </a:pPr>
             <a:r>
               <a:rPr kumimoji="0" lang="tr-TR" altLang="tr-TR" sz="2400" b="0" i="0" u="none" strike="noStrike" cap="none" normalizeH="0" baseline="0" dirty="0">
@@ -29936,7 +28113,6 @@
               <a:buSzTx/>
               <a:buFontTx/>
               <a:buNone/>
-              <a:tabLst/>
             </a:pPr>
             <a:r>
               <a:rPr kumimoji="0" lang="tr-TR" altLang="tr-TR" sz="2400" b="0" i="0" u="none" strike="noStrike" cap="none" normalizeH="0" baseline="0" dirty="0">
@@ -30067,7 +28243,6 @@
               <a:buSzTx/>
               <a:buFontTx/>
               <a:buNone/>
-              <a:tabLst/>
             </a:pPr>
             <a:r>
               <a:rPr kumimoji="0" lang="tr-TR" altLang="tr-TR" sz="2400" b="0" i="0" u="none" strike="noStrike" cap="none" normalizeH="0" baseline="0" dirty="0">
@@ -30198,7 +28373,6 @@
               <a:buSzTx/>
               <a:buFontTx/>
               <a:buNone/>
-              <a:tabLst/>
             </a:pPr>
             <a:r>
               <a:rPr kumimoji="0" lang="tr-TR" altLang="tr-TR" sz="2400" b="0" i="0" u="none" strike="noStrike" cap="none" normalizeH="0" baseline="0" dirty="0">
@@ -30368,7 +28542,6 @@
               <a:buSzTx/>
               <a:buFontTx/>
               <a:buNone/>
-              <a:tabLst/>
             </a:pPr>
             <a:r>
               <a:rPr kumimoji="0" lang="tr-TR" altLang="tr-TR" sz="2400" b="0" i="0" u="none" strike="noStrike" cap="none" normalizeH="0" baseline="0" dirty="0">
@@ -30499,7 +28672,6 @@
               <a:buSzTx/>
               <a:buFontTx/>
               <a:buNone/>
-              <a:tabLst/>
             </a:pPr>
             <a:r>
               <a:rPr kumimoji="0" lang="tr-TR" altLang="tr-TR" sz="2400" b="0" i="0" u="none" strike="noStrike" cap="none" normalizeH="0" baseline="0" dirty="0">
@@ -30617,7 +28789,6 @@
               <a:buSzTx/>
               <a:buFontTx/>
               <a:buNone/>
-              <a:tabLst/>
             </a:pPr>
             <a:r>
               <a:rPr kumimoji="0" lang="tr-TR" altLang="tr-TR" sz="2400" b="0" i="0" u="none" strike="noStrike" cap="none" normalizeH="0" baseline="0" dirty="0">
@@ -30709,7 +28880,6 @@
               <a:buSzTx/>
               <a:buFontTx/>
               <a:buNone/>
-              <a:tabLst/>
             </a:pPr>
             <a:r>
               <a:rPr kumimoji="0" lang="tr-TR" altLang="tr-TR" sz="2400" b="0" i="0" u="none" strike="noStrike" cap="none" normalizeH="0" baseline="0" dirty="0">
@@ -30775,7 +28945,6 @@
               <a:buSzTx/>
               <a:buFontTx/>
               <a:buNone/>
-              <a:tabLst/>
             </a:pPr>
             <a:r>
               <a:rPr kumimoji="0" lang="tr-TR" altLang="tr-TR" sz="2400" b="0" i="0" u="none" strike="noStrike" cap="none" normalizeH="0" baseline="0" dirty="0">
@@ -30828,7 +28997,6 @@
               <a:buSzTx/>
               <a:buFontTx/>
               <a:buNone/>
-              <a:tabLst/>
             </a:pPr>
             <a:r>
               <a:rPr kumimoji="0" lang="tr-TR" altLang="tr-TR" sz="2400" b="0" i="0" u="none" strike="noStrike" cap="none" normalizeH="0" baseline="0" dirty="0">
@@ -30881,7 +29049,6 @@
               <a:buSzTx/>
               <a:buFontTx/>
               <a:buNone/>
-              <a:tabLst/>
             </a:pPr>
             <a:r>
               <a:rPr kumimoji="0" lang="tr-TR" altLang="tr-TR" sz="2400" b="0" i="0" u="none" strike="noStrike" cap="none" normalizeH="0" baseline="0" dirty="0">
@@ -30960,7 +29127,6 @@
               <a:buSzTx/>
               <a:buFontTx/>
               <a:buNone/>
-              <a:tabLst/>
             </a:pPr>
             <a:r>
               <a:rPr kumimoji="0" lang="tr-TR" altLang="tr-TR" sz="2400" b="0" i="0" u="none" strike="noStrike" cap="none" normalizeH="0" baseline="0" dirty="0">
@@ -31026,7 +29192,6 @@
               <a:buSzTx/>
               <a:buFontTx/>
               <a:buNone/>
-              <a:tabLst/>
             </a:pPr>
             <a:r>
               <a:rPr kumimoji="0" lang="tr-TR" altLang="tr-TR" sz="2400" b="0" i="0" u="none" strike="noStrike" cap="none" normalizeH="0" baseline="0" dirty="0">
@@ -31084,11 +29249,6 @@
         </p:txBody>
       </p:sp>
     </p:spTree>
-    <p:extLst>
-      <p:ext uri="{BB962C8B-B14F-4D97-AF65-F5344CB8AC3E}">
-        <p14:creationId xmlns:p14="http://schemas.microsoft.com/office/powerpoint/2010/main" val="3857507436"/>
-      </p:ext>
-    </p:extLst>
   </p:cSld>
   <p:clrMapOvr>
     <a:masterClrMapping/>
@@ -31115,13 +29275,7 @@
       </p:grpSpPr>
       <p:sp>
         <p:nvSpPr>
-          <p:cNvPr id="2" name="Başlık 1">
-            <a:extLst>
-              <a:ext uri="{FF2B5EF4-FFF2-40B4-BE49-F238E27FC236}">
-                <a16:creationId xmlns:a16="http://schemas.microsoft.com/office/drawing/2014/main" id="{29B1BB1A-3D87-45C3-8209-1E22AD755F4F}"/>
-              </a:ext>
-            </a:extLst>
-          </p:cNvPr>
+          <p:cNvPr id="2" name="Başlık 1"/>
           <p:cNvSpPr>
             <a:spLocks noGrp="1"/>
           </p:cNvSpPr>
@@ -31140,13 +29294,7 @@
       </p:sp>
       <p:sp>
         <p:nvSpPr>
-          <p:cNvPr id="3" name="İçerik Yer Tutucusu 2">
-            <a:extLst>
-              <a:ext uri="{FF2B5EF4-FFF2-40B4-BE49-F238E27FC236}">
-                <a16:creationId xmlns:a16="http://schemas.microsoft.com/office/drawing/2014/main" id="{2BDFD495-3A8D-4A21-B2C3-CDB5BD321E76}"/>
-              </a:ext>
-            </a:extLst>
-          </p:cNvPr>
+          <p:cNvPr id="3" name="İçerik Yer Tutucusu 2"/>
           <p:cNvSpPr>
             <a:spLocks noGrp="1"/>
           </p:cNvSpPr>
@@ -31242,11 +29390,6 @@
         </p:txBody>
       </p:sp>
     </p:spTree>
-    <p:extLst>
-      <p:ext uri="{BB962C8B-B14F-4D97-AF65-F5344CB8AC3E}">
-        <p14:creationId xmlns:p14="http://schemas.microsoft.com/office/powerpoint/2010/main" val="563417707"/>
-      </p:ext>
-    </p:extLst>
   </p:cSld>
   <p:clrMapOvr>
     <a:masterClrMapping/>
@@ -31273,13 +29416,7 @@
       </p:grpSpPr>
       <p:sp>
         <p:nvSpPr>
-          <p:cNvPr id="2" name="Başlık 1">
-            <a:extLst>
-              <a:ext uri="{FF2B5EF4-FFF2-40B4-BE49-F238E27FC236}">
-                <a16:creationId xmlns:a16="http://schemas.microsoft.com/office/drawing/2014/main" id="{3232F764-809F-432B-8AE4-682FD4A58E8C}"/>
-              </a:ext>
-            </a:extLst>
-          </p:cNvPr>
+          <p:cNvPr id="2" name="Başlık 1"/>
           <p:cNvSpPr>
             <a:spLocks noGrp="1"/>
           </p:cNvSpPr>
@@ -31315,13 +29452,7 @@
       </p:sp>
       <p:pic>
         <p:nvPicPr>
-          <p:cNvPr id="5" name="İçerik Yer Tutucusu 4">
-            <a:extLst>
-              <a:ext uri="{FF2B5EF4-FFF2-40B4-BE49-F238E27FC236}">
-                <a16:creationId xmlns:a16="http://schemas.microsoft.com/office/drawing/2014/main" id="{57386EDC-8B8B-454A-9FDD-B433E8D23009}"/>
-              </a:ext>
-            </a:extLst>
-          </p:cNvPr>
+          <p:cNvPr id="5" name="İçerik Yer Tutucusu 4"/>
           <p:cNvPicPr>
             <a:picLocks noGrp="1" noChangeAspect="1"/>
           </p:cNvPicPr>
@@ -31343,11 +29474,6 @@
         </p:spPr>
       </p:pic>
     </p:spTree>
-    <p:extLst>
-      <p:ext uri="{BB962C8B-B14F-4D97-AF65-F5344CB8AC3E}">
-        <p14:creationId xmlns:p14="http://schemas.microsoft.com/office/powerpoint/2010/main" val="3821294699"/>
-      </p:ext>
-    </p:extLst>
   </p:cSld>
   <p:clrMapOvr>
     <a:masterClrMapping/>
@@ -31374,10 +29500,351 @@
       </p:grpSpPr>
       <p:sp>
         <p:nvSpPr>
+          <p:cNvPr id="2" name="Başlık 1"/>
+          <p:cNvSpPr>
+            <a:spLocks noGrp="1"/>
+          </p:cNvSpPr>
+          <p:nvPr>
+            <p:ph type="title"/>
+          </p:nvPr>
+        </p:nvSpPr>
+        <p:spPr/>
+        <p:txBody>
+          <a:bodyPr/>
+          <a:lstStyle/>
+          <a:p>
+            <a:r>
+              <a:rPr lang="tr-TR" dirty="0"/>
+              <a:t>Dikkat Edilmesi Gereken Noktalar</a:t>
+            </a:r>
+          </a:p>
+        </p:txBody>
+      </p:sp>
+      <p:sp>
+        <p:nvSpPr>
+          <p:cNvPr id="3" name="İçerik Yer Tutucusu 2"/>
+          <p:cNvSpPr>
+            <a:spLocks noGrp="1"/>
+          </p:cNvSpPr>
+          <p:nvPr>
+            <p:ph idx="1"/>
+          </p:nvPr>
+        </p:nvSpPr>
+        <p:spPr/>
+        <p:txBody>
+          <a:bodyPr>
+            <a:normAutofit fontScale="92500" lnSpcReduction="20000"/>
+          </a:bodyPr>
+          <a:lstStyle/>
+          <a:p>
+            <a:r>
+              <a:rPr lang="tr-TR" dirty="0" err="1"/>
+              <a:t>Javascript</a:t>
+            </a:r>
+            <a:r>
+              <a:rPr lang="tr-TR" dirty="0"/>
+              <a:t> de == ile === eşittir arasında fark vardır. Fark: iki eşittir de data tipleri </a:t>
+            </a:r>
+            <a:r>
+              <a:rPr lang="tr-TR" dirty="0" err="1"/>
+              <a:t>ignore</a:t>
+            </a:r>
+            <a:r>
+              <a:rPr lang="tr-TR" dirty="0"/>
+              <a:t> edilerek karşılaştırma yapılır. Fakat üç eşittir de data </a:t>
+            </a:r>
+            <a:r>
+              <a:rPr lang="tr-TR" dirty="0" err="1"/>
+              <a:t>tipleride</a:t>
+            </a:r>
+            <a:r>
+              <a:rPr lang="tr-TR" dirty="0"/>
+              <a:t> önemlidir.</a:t>
+            </a:r>
+          </a:p>
+          <a:p>
+            <a:r>
+              <a:rPr lang="en-US" dirty="0"/>
+              <a:t>var test='2’</a:t>
+            </a:r>
+            <a:endParaRPr lang="tr-TR" dirty="0"/>
+          </a:p>
+          <a:p>
+            <a:r>
+              <a:rPr lang="en-US" dirty="0"/>
+              <a:t>var test2=2</a:t>
+            </a:r>
+            <a:endParaRPr lang="tr-TR" dirty="0"/>
+          </a:p>
+          <a:p>
+            <a:r>
+              <a:rPr lang="en-US" dirty="0"/>
+              <a:t>test==test2</a:t>
+            </a:r>
+            <a:endParaRPr lang="tr-TR" dirty="0"/>
+          </a:p>
+          <a:p>
+            <a:r>
+              <a:rPr lang="en-US" dirty="0"/>
+              <a:t>True</a:t>
+            </a:r>
+            <a:endParaRPr lang="tr-TR" dirty="0"/>
+          </a:p>
+          <a:p>
+            <a:r>
+              <a:rPr lang="en-US" dirty="0"/>
+              <a:t>test===test2</a:t>
+            </a:r>
+            <a:endParaRPr lang="tr-TR" dirty="0"/>
+          </a:p>
+          <a:p>
+            <a:r>
+              <a:rPr lang="en-US" dirty="0"/>
+              <a:t>false</a:t>
+            </a:r>
+            <a:endParaRPr lang="tr-TR" dirty="0"/>
+          </a:p>
+        </p:txBody>
+      </p:sp>
+    </p:spTree>
+  </p:cSld>
+  <p:clrMapOvr>
+    <a:masterClrMapping/>
+  </p:clrMapOvr>
+</p:sld>
+</file>
+
+<file path=ppt/slides/slide78.xml><?xml version="1.0" encoding="utf-8"?>
+<p:sld xmlns:a="http://schemas.openxmlformats.org/drawingml/2006/main" xmlns:r="http://schemas.openxmlformats.org/officeDocument/2006/relationships" xmlns:p="http://schemas.openxmlformats.org/presentationml/2006/main">
+  <p:cSld>
+    <p:spTree>
+      <p:nvGrpSpPr>
+        <p:cNvPr id="1" name=""/>
+        <p:cNvGrpSpPr/>
+        <p:nvPr/>
+      </p:nvGrpSpPr>
+      <p:grpSpPr>
+        <a:xfrm>
+          <a:off x="0" y="0"/>
+          <a:ext cx="0" cy="0"/>
+          <a:chOff x="0" y="0"/>
+          <a:chExt cx="0" cy="0"/>
+        </a:xfrm>
+      </p:grpSpPr>
+      <p:sp>
+        <p:nvSpPr>
+          <p:cNvPr id="2" name="Başlık 1"/>
+          <p:cNvSpPr>
+            <a:spLocks noGrp="1"/>
+          </p:cNvSpPr>
+          <p:nvPr>
+            <p:ph type="title"/>
+          </p:nvPr>
+        </p:nvSpPr>
+        <p:spPr/>
+        <p:txBody>
+          <a:bodyPr/>
+          <a:lstStyle/>
+          <a:p>
+            <a:endParaRPr lang="tr-TR"/>
+          </a:p>
+        </p:txBody>
+      </p:sp>
+      <p:sp>
+        <p:nvSpPr>
+          <p:cNvPr id="3" name="İçerik Yer Tutucusu 2"/>
+          <p:cNvSpPr>
+            <a:spLocks noGrp="1"/>
+          </p:cNvSpPr>
+          <p:nvPr>
+            <p:ph idx="1"/>
+          </p:nvPr>
+        </p:nvSpPr>
+        <p:spPr/>
+        <p:txBody>
+          <a:bodyPr/>
+          <a:lstStyle/>
+          <a:p>
+            <a:r>
+              <a:rPr lang="tr-TR" dirty="0"/>
+              <a:t>Var : </a:t>
+            </a:r>
+            <a:r>
+              <a:rPr lang="tr-TR" b="0" i="0" dirty="0">
+                <a:solidFill>
+                  <a:srgbClr val="292929"/>
+                </a:solidFill>
+                <a:effectLst/>
+                <a:latin typeface="charter"/>
+              </a:rPr>
+              <a:t>Eğer </a:t>
+            </a:r>
+            <a:r>
+              <a:rPr lang="tr-TR" b="1" i="0" dirty="0">
+                <a:solidFill>
+                  <a:srgbClr val="292929"/>
+                </a:solidFill>
+                <a:effectLst/>
+                <a:latin typeface="charter"/>
+              </a:rPr>
+              <a:t>var </a:t>
+            </a:r>
+            <a:r>
+              <a:rPr lang="tr-TR" b="0" i="0" dirty="0">
+                <a:solidFill>
+                  <a:srgbClr val="292929"/>
+                </a:solidFill>
+                <a:effectLst/>
+                <a:latin typeface="charter"/>
+              </a:rPr>
+              <a:t>ile tanımlanan bir değişken, bir fonksiyon içerisinde oluşturulmuş ise, sadece o ve </a:t>
+            </a:r>
+            <a:r>
+              <a:rPr lang="tr-TR" b="1" i="0" dirty="0" err="1">
+                <a:solidFill>
+                  <a:srgbClr val="292929"/>
+                </a:solidFill>
+                <a:effectLst/>
+                <a:latin typeface="charter"/>
+              </a:rPr>
+              <a:t>nested</a:t>
+            </a:r>
+            <a:r>
+              <a:rPr lang="tr-TR" b="0" i="0" dirty="0">
+                <a:solidFill>
+                  <a:srgbClr val="292929"/>
+                </a:solidFill>
+                <a:effectLst/>
+                <a:latin typeface="charter"/>
+              </a:rPr>
+              <a:t> dediğimiz fonksiyon içerisinde bulunan diğer fonksiyonlar içerisinde çağırılıp kullanılabilir.</a:t>
+            </a:r>
+          </a:p>
+          <a:p>
+            <a:r>
+              <a:rPr lang="tr-TR" dirty="0" err="1">
+                <a:solidFill>
+                  <a:srgbClr val="292929"/>
+                </a:solidFill>
+                <a:latin typeface="charter"/>
+              </a:rPr>
+              <a:t>Let</a:t>
+            </a:r>
+            <a:r>
+              <a:rPr lang="tr-TR" dirty="0">
+                <a:solidFill>
+                  <a:srgbClr val="292929"/>
+                </a:solidFill>
+                <a:latin typeface="charter"/>
+              </a:rPr>
+              <a:t> :</a:t>
+            </a:r>
+            <a:r>
+              <a:rPr lang="tr-TR" b="0" i="0" dirty="0">
+                <a:solidFill>
+                  <a:srgbClr val="292929"/>
+                </a:solidFill>
+                <a:effectLst/>
+                <a:latin typeface="charter"/>
+              </a:rPr>
+              <a:t> Oluşturulan bir değişken sadece oluşturulduğu yerdeki süslü parantezler içerisinde erişilebilirdir ve dışarısında kullanılamaz.</a:t>
+            </a:r>
+          </a:p>
+          <a:p>
+            <a:r>
+              <a:rPr lang="tr-TR" dirty="0" err="1">
+                <a:solidFill>
+                  <a:srgbClr val="292929"/>
+                </a:solidFill>
+                <a:latin typeface="charter"/>
+              </a:rPr>
+              <a:t>Const</a:t>
+            </a:r>
+            <a:r>
+              <a:rPr lang="tr-TR" dirty="0">
+                <a:solidFill>
+                  <a:srgbClr val="292929"/>
+                </a:solidFill>
+                <a:latin typeface="charter"/>
+              </a:rPr>
+              <a:t>: </a:t>
+            </a:r>
+            <a:r>
+              <a:rPr lang="tr-TR" dirty="0" err="1">
+                <a:solidFill>
+                  <a:srgbClr val="292929"/>
+                </a:solidFill>
+                <a:latin typeface="charter"/>
+              </a:rPr>
+              <a:t>Let</a:t>
+            </a:r>
+            <a:r>
+              <a:rPr lang="tr-TR" dirty="0">
+                <a:solidFill>
+                  <a:srgbClr val="292929"/>
+                </a:solidFill>
+                <a:latin typeface="charter"/>
+              </a:rPr>
+              <a:t> gibi fakat </a:t>
+            </a:r>
+            <a:r>
+              <a:rPr lang="tr-TR" b="1" i="0" dirty="0" err="1">
+                <a:solidFill>
+                  <a:srgbClr val="292929"/>
+                </a:solidFill>
+                <a:effectLst/>
+                <a:latin typeface="charter"/>
+              </a:rPr>
+              <a:t>const</a:t>
+            </a:r>
+            <a:r>
+              <a:rPr lang="tr-TR" b="0" i="0" dirty="0">
+                <a:solidFill>
+                  <a:srgbClr val="292929"/>
+                </a:solidFill>
+                <a:effectLst/>
+                <a:latin typeface="charter"/>
+              </a:rPr>
+              <a:t> ile oluşturulan bir değişkene daha sonrasında tekrar değer ataması yapılamaz.</a:t>
+            </a:r>
+            <a:r>
+              <a:rPr lang="tr-TR" dirty="0"/>
+              <a:t> </a:t>
+            </a:r>
+          </a:p>
+        </p:txBody>
+      </p:sp>
+    </p:spTree>
+  </p:cSld>
+  <p:clrMapOvr>
+    <a:masterClrMapping/>
+  </p:clrMapOvr>
+</p:sld>
+</file>
+
+<file path=ppt/slides/slide79.xml><?xml version="1.0" encoding="utf-8"?>
+<p:sld xmlns:a="http://schemas.openxmlformats.org/drawingml/2006/main" xmlns:r="http://schemas.openxmlformats.org/officeDocument/2006/relationships" xmlns:p="http://schemas.openxmlformats.org/presentationml/2006/main">
+  <p:cSld>
+    <p:spTree>
+      <p:nvGrpSpPr>
+        <p:cNvPr id="1" name=""/>
+        <p:cNvGrpSpPr/>
+        <p:nvPr/>
+      </p:nvGrpSpPr>
+      <p:grpSpPr>
+        <a:xfrm>
+          <a:off x="0" y="0"/>
+          <a:ext cx="0" cy="0"/>
+          <a:chOff x="0" y="0"/>
+          <a:chExt cx="0" cy="0"/>
+        </a:xfrm>
+      </p:grpSpPr>
+      <p:sp>
+        <p:nvSpPr>
           <p:cNvPr id="2" name="Başlık 1">
             <a:extLst>
               <a:ext uri="{FF2B5EF4-FFF2-40B4-BE49-F238E27FC236}">
-                <a16:creationId xmlns:a16="http://schemas.microsoft.com/office/drawing/2014/main" id="{79D64AF8-9428-4BB1-B326-0352E54CB49A}"/>
+                <a16:creationId xmlns:a16="http://schemas.microsoft.com/office/drawing/2014/main" id="{59C12372-FCAF-40F9-A5F5-D41283524AA7}"/>
               </a:ext>
             </a:extLst>
           </p:cNvPr>
@@ -31402,7 +29869,7 @@
           <p:cNvPr id="3" name="İçerik Yer Tutucusu 2">
             <a:extLst>
               <a:ext uri="{FF2B5EF4-FFF2-40B4-BE49-F238E27FC236}">
-                <a16:creationId xmlns:a16="http://schemas.microsoft.com/office/drawing/2014/main" id="{7D364474-23BC-482E-BFFF-AE34D34CBD68}"/>
+                <a16:creationId xmlns:a16="http://schemas.microsoft.com/office/drawing/2014/main" id="{FCDE864A-56C3-4DD4-A19E-B49DEF0984E7}"/>
               </a:ext>
             </a:extLst>
           </p:cNvPr>
@@ -31419,20 +29886,93 @@
           <a:lstStyle/>
           <a:p>
             <a:r>
-              <a:rPr lang="tr-TR" dirty="0"/>
-              <a:t>Dinlediğiniz </a:t>
-            </a:r>
-            <a:r>
-              <a:rPr lang="tr-TR"/>
-              <a:t>için teşekkürler</a:t>
-            </a:r>
+              <a:rPr lang="tr-TR" b="1" i="0" dirty="0" err="1">
+                <a:solidFill>
+                  <a:srgbClr val="222222"/>
+                </a:solidFill>
+                <a:effectLst/>
+                <a:latin typeface="Google Lato"/>
+              </a:rPr>
+              <a:t>Margin</a:t>
+            </a:r>
+            <a:r>
+              <a:rPr lang="tr-TR" b="0" i="0" dirty="0">
+                <a:solidFill>
+                  <a:srgbClr val="222222"/>
+                </a:solidFill>
+                <a:effectLst/>
+                <a:latin typeface="Google Lato"/>
+              </a:rPr>
+              <a:t>  “</a:t>
+            </a:r>
+            <a:r>
+              <a:rPr lang="tr-TR" b="1" i="0" dirty="0">
+                <a:solidFill>
+                  <a:srgbClr val="222222"/>
+                </a:solidFill>
+                <a:effectLst/>
+                <a:latin typeface="Google Lato"/>
+              </a:rPr>
+              <a:t>dış kenar boşluğudur</a:t>
+            </a:r>
+            <a:r>
+              <a:rPr lang="tr-TR" b="0" i="0" dirty="0">
+                <a:solidFill>
+                  <a:srgbClr val="222222"/>
+                </a:solidFill>
+                <a:effectLst/>
+                <a:latin typeface="Google Lato"/>
+              </a:rPr>
+              <a:t>”. </a:t>
+            </a:r>
+            <a:r>
+              <a:rPr lang="tr-TR" b="1" i="0" dirty="0" err="1">
+                <a:solidFill>
+                  <a:srgbClr val="222222"/>
+                </a:solidFill>
+                <a:effectLst/>
+                <a:latin typeface="Google Lato"/>
+              </a:rPr>
+              <a:t>Padding</a:t>
+            </a:r>
+            <a:r>
+              <a:rPr lang="tr-TR" b="0" i="0" dirty="0">
+                <a:solidFill>
+                  <a:srgbClr val="222222"/>
+                </a:solidFill>
+                <a:effectLst/>
+                <a:latin typeface="Google Lato"/>
+              </a:rPr>
+              <a:t> ise “</a:t>
+            </a:r>
+            <a:r>
+              <a:rPr lang="tr-TR" b="1" i="0" dirty="0">
+                <a:solidFill>
+                  <a:srgbClr val="222222"/>
+                </a:solidFill>
+                <a:effectLst/>
+                <a:latin typeface="Google Lato"/>
+              </a:rPr>
+              <a:t>iç kenar boşluğu</a:t>
+            </a:r>
+            <a:r>
+              <a:rPr lang="tr-TR" b="0" i="0" dirty="0">
+                <a:solidFill>
+                  <a:srgbClr val="222222"/>
+                </a:solidFill>
+                <a:effectLst/>
+                <a:latin typeface="Google Lato"/>
+              </a:rPr>
+              <a:t>” olarak tanımlanabilir.</a:t>
+            </a:r>
+            <a:endParaRPr lang="tr-TR" dirty="0"/>
           </a:p>
         </p:txBody>
       </p:sp>
     </p:spTree>
     <p:extLst>
       <p:ext uri="{BB962C8B-B14F-4D97-AF65-F5344CB8AC3E}">
-        <p14:creationId xmlns:p14="http://schemas.microsoft.com/office/powerpoint/2010/main" val="2526602314"/>
+        <p14:creationId xmlns:p14="http://schemas.microsoft.com/office/powerpoint/2010/main" val="369527564"/>
       </p:ext>
     </p:extLst>
   </p:cSld>
@@ -31461,10 +30001,269 @@
       </p:grpSpPr>
       <p:sp>
         <p:nvSpPr>
+          <p:cNvPr id="2" name="Başlık 1"/>
+          <p:cNvSpPr>
+            <a:spLocks noGrp="1"/>
+          </p:cNvSpPr>
+          <p:nvPr>
+            <p:ph type="title"/>
+          </p:nvPr>
+        </p:nvSpPr>
+        <p:spPr/>
+        <p:txBody>
+          <a:bodyPr/>
+          <a:lstStyle/>
+          <a:p>
+            <a:endParaRPr lang="tr-TR" dirty="0"/>
+          </a:p>
+        </p:txBody>
+      </p:sp>
+      <p:sp>
+        <p:nvSpPr>
+          <p:cNvPr id="3" name="İçerik Yer Tutucusu 2"/>
+          <p:cNvSpPr>
+            <a:spLocks noGrp="1"/>
+          </p:cNvSpPr>
+          <p:nvPr>
+            <p:ph idx="1"/>
+          </p:nvPr>
+        </p:nvSpPr>
+        <p:spPr/>
+        <p:txBody>
+          <a:bodyPr>
+            <a:normAutofit fontScale="92500" lnSpcReduction="10000"/>
+          </a:bodyPr>
+          <a:lstStyle/>
+          <a:p>
+            <a:r>
+              <a:rPr lang="tr-TR" b="0" i="0" dirty="0">
+                <a:solidFill>
+                  <a:srgbClr val="000000"/>
+                </a:solidFill>
+                <a:effectLst/>
+                <a:latin typeface="Poppins" panose="00000500000000000000" pitchFamily="2" charset="-94"/>
+              </a:rPr>
+              <a:t>Üstteki örnekte ilk satırda yazan </a:t>
+            </a:r>
+            <a:r>
+              <a:rPr lang="tr-TR" b="1" i="0" dirty="0">
+                <a:solidFill>
+                  <a:srgbClr val="000000"/>
+                </a:solidFill>
+                <a:effectLst/>
+                <a:latin typeface="Poppins" panose="00000500000000000000" pitchFamily="2" charset="-94"/>
+              </a:rPr>
+              <a:t>&lt;!DOCTYPE html&gt; </a:t>
+            </a:r>
+            <a:r>
+              <a:rPr lang="tr-TR" b="0" i="0" dirty="0">
+                <a:solidFill>
+                  <a:srgbClr val="000000"/>
+                </a:solidFill>
+                <a:effectLst/>
+                <a:latin typeface="Poppins" panose="00000500000000000000" pitchFamily="2" charset="-94"/>
+              </a:rPr>
+              <a:t>belgenin türünü bildiren bir HTML etiketidir.</a:t>
+            </a:r>
+          </a:p>
+          <a:p>
+            <a:r>
+              <a:rPr lang="tr-TR" b="1" i="0" dirty="0">
+                <a:solidFill>
+                  <a:srgbClr val="000000"/>
+                </a:solidFill>
+                <a:effectLst/>
+                <a:latin typeface="Poppins" panose="00000500000000000000" pitchFamily="2" charset="-94"/>
+              </a:rPr>
+              <a:t>&lt;html&gt;</a:t>
+            </a:r>
+            <a:r>
+              <a:rPr lang="tr-TR" b="0" i="0" dirty="0">
+                <a:solidFill>
+                  <a:srgbClr val="000000"/>
+                </a:solidFill>
+                <a:effectLst/>
+                <a:latin typeface="Poppins" panose="00000500000000000000" pitchFamily="2" charset="-94"/>
+              </a:rPr>
+              <a:t> ve </a:t>
+            </a:r>
+            <a:r>
+              <a:rPr lang="tr-TR" b="1" i="0" dirty="0">
+                <a:solidFill>
+                  <a:srgbClr val="000000"/>
+                </a:solidFill>
+                <a:effectLst/>
+                <a:latin typeface="Poppins" panose="00000500000000000000" pitchFamily="2" charset="-94"/>
+              </a:rPr>
+              <a:t>&lt;/html&gt; </a:t>
+            </a:r>
+            <a:r>
+              <a:rPr lang="tr-TR" b="0" i="0" dirty="0">
+                <a:solidFill>
+                  <a:srgbClr val="000000"/>
+                </a:solidFill>
+                <a:effectLst/>
+                <a:latin typeface="Poppins" panose="00000500000000000000" pitchFamily="2" charset="-94"/>
+              </a:rPr>
+              <a:t>etiketleri, html dosyanızın başlangıç ve bitişini gösterir.</a:t>
+            </a:r>
+            <a:endParaRPr lang="tr-TR" dirty="0">
+              <a:solidFill>
+                <a:srgbClr val="000000"/>
+              </a:solidFill>
+              <a:latin typeface="Poppins" panose="00000500000000000000" pitchFamily="2" charset="-94"/>
+            </a:endParaRPr>
+          </a:p>
+          <a:p>
+            <a:r>
+              <a:rPr lang="tr-TR" b="1" i="0" dirty="0">
+                <a:solidFill>
+                  <a:srgbClr val="000000"/>
+                </a:solidFill>
+                <a:effectLst/>
+                <a:latin typeface="Poppins" panose="00000500000000000000" pitchFamily="2" charset="-94"/>
+              </a:rPr>
+              <a:t>&lt;body&gt;</a:t>
+            </a:r>
+            <a:r>
+              <a:rPr lang="tr-TR" b="0" i="0" dirty="0">
+                <a:solidFill>
+                  <a:srgbClr val="000000"/>
+                </a:solidFill>
+                <a:effectLst/>
+                <a:latin typeface="Poppins" panose="00000500000000000000" pitchFamily="2" charset="-94"/>
+              </a:rPr>
+              <a:t> ve </a:t>
+            </a:r>
+            <a:r>
+              <a:rPr lang="tr-TR" b="1" i="0" dirty="0">
+                <a:solidFill>
+                  <a:srgbClr val="000000"/>
+                </a:solidFill>
+                <a:effectLst/>
+                <a:latin typeface="Poppins" panose="00000500000000000000" pitchFamily="2" charset="-94"/>
+              </a:rPr>
+              <a:t>&lt;/body&gt;</a:t>
+            </a:r>
+            <a:r>
+              <a:rPr lang="tr-TR" b="0" i="0" dirty="0">
+                <a:solidFill>
+                  <a:srgbClr val="000000"/>
+                </a:solidFill>
+                <a:effectLst/>
+                <a:latin typeface="Poppins" panose="00000500000000000000" pitchFamily="2" charset="-94"/>
+              </a:rPr>
+              <a:t> etiketleri arasına tarayıcıda görüntülenecek ana içeriğe dair kodlar yazılır.</a:t>
+            </a:r>
+          </a:p>
+          <a:p>
+            <a:r>
+              <a:rPr lang="tr-TR" b="1" i="0" dirty="0">
+                <a:solidFill>
+                  <a:srgbClr val="000000"/>
+                </a:solidFill>
+                <a:effectLst/>
+                <a:latin typeface="Poppins" panose="00000500000000000000" pitchFamily="2" charset="-94"/>
+              </a:rPr>
+              <a:t>&lt;</a:t>
+            </a:r>
+            <a:r>
+              <a:rPr lang="tr-TR" b="1" i="0" dirty="0" err="1">
+                <a:solidFill>
+                  <a:srgbClr val="000000"/>
+                </a:solidFill>
+                <a:effectLst/>
+                <a:latin typeface="Poppins" panose="00000500000000000000" pitchFamily="2" charset="-94"/>
+              </a:rPr>
+              <a:t>head</a:t>
+            </a:r>
+            <a:r>
+              <a:rPr lang="tr-TR" b="0" i="0" dirty="0">
+                <a:solidFill>
+                  <a:srgbClr val="000000"/>
+                </a:solidFill>
+                <a:effectLst/>
+                <a:latin typeface="Poppins" panose="00000500000000000000" pitchFamily="2" charset="-94"/>
+              </a:rPr>
+              <a:t>&gt; ve </a:t>
+            </a:r>
+            <a:r>
+              <a:rPr lang="tr-TR" b="1" i="0" dirty="0">
+                <a:solidFill>
+                  <a:srgbClr val="000000"/>
+                </a:solidFill>
+                <a:effectLst/>
+                <a:latin typeface="Poppins" panose="00000500000000000000" pitchFamily="2" charset="-94"/>
+              </a:rPr>
+              <a:t>&lt;/</a:t>
+            </a:r>
+            <a:r>
+              <a:rPr lang="tr-TR" b="1" i="0" dirty="0" err="1">
+                <a:solidFill>
+                  <a:srgbClr val="000000"/>
+                </a:solidFill>
+                <a:effectLst/>
+                <a:latin typeface="Poppins" panose="00000500000000000000" pitchFamily="2" charset="-94"/>
+              </a:rPr>
+              <a:t>head</a:t>
+            </a:r>
+            <a:r>
+              <a:rPr lang="tr-TR" b="1" i="0" dirty="0">
+                <a:solidFill>
+                  <a:srgbClr val="000000"/>
+                </a:solidFill>
+                <a:effectLst/>
+                <a:latin typeface="Poppins" panose="00000500000000000000" pitchFamily="2" charset="-94"/>
+              </a:rPr>
+              <a:t>&gt;</a:t>
+            </a:r>
+            <a:r>
+              <a:rPr lang="tr-TR" b="0" i="0" dirty="0">
+                <a:solidFill>
+                  <a:srgbClr val="000000"/>
+                </a:solidFill>
+                <a:effectLst/>
+                <a:latin typeface="Poppins" panose="00000500000000000000" pitchFamily="2" charset="-94"/>
+              </a:rPr>
+              <a:t> etiketleri arasına yazılan kodlar web sayfanızda görünmez. Bu bölüm tüm içeriğin fontu ve arka planı gibi tüm sayfayı etkileyen genel özellikleri kapsar.</a:t>
+            </a:r>
+          </a:p>
+          <a:p>
+            <a:endParaRPr lang="tr-TR" dirty="0"/>
+          </a:p>
+        </p:txBody>
+      </p:sp>
+    </p:spTree>
+  </p:cSld>
+  <p:clrMapOvr>
+    <a:masterClrMapping/>
+  </p:clrMapOvr>
+</p:sld>
+</file>
+
+<file path=ppt/slides/slide80.xml><?xml version="1.0" encoding="utf-8"?>
+<p:sld xmlns:a="http://schemas.openxmlformats.org/drawingml/2006/main" xmlns:r="http://schemas.openxmlformats.org/officeDocument/2006/relationships" xmlns:p="http://schemas.openxmlformats.org/presentationml/2006/main">
+  <p:cSld>
+    <p:spTree>
+      <p:nvGrpSpPr>
+        <p:cNvPr id="1" name=""/>
+        <p:cNvGrpSpPr/>
+        <p:nvPr/>
+      </p:nvGrpSpPr>
+      <p:grpSpPr>
+        <a:xfrm>
+          <a:off x="0" y="0"/>
+          <a:ext cx="0" cy="0"/>
+          <a:chOff x="0" y="0"/>
+          <a:chExt cx="0" cy="0"/>
+        </a:xfrm>
+      </p:grpSpPr>
+      <p:sp>
+        <p:nvSpPr>
           <p:cNvPr id="2" name="Başlık 1">
             <a:extLst>
               <a:ext uri="{FF2B5EF4-FFF2-40B4-BE49-F238E27FC236}">
-                <a16:creationId xmlns:a16="http://schemas.microsoft.com/office/drawing/2014/main" id="{D61CE0EC-DCDC-442C-87C2-C9587E91C467}"/>
+                <a16:creationId xmlns:a16="http://schemas.microsoft.com/office/drawing/2014/main" id="{74D3F3A0-573E-4A3C-ADBB-8C9EE16414AB}"/>
               </a:ext>
             </a:extLst>
           </p:cNvPr>
@@ -31480,19 +30279,175 @@
           <a:bodyPr/>
           <a:lstStyle/>
           <a:p>
-            <a:endParaRPr lang="tr-TR" dirty="0"/>
+            <a:endParaRPr lang="tr-TR"/>
+          </a:p>
+        </p:txBody>
+      </p:sp>
+      <p:pic>
+        <p:nvPicPr>
+          <p:cNvPr id="5" name="İçerik Yer Tutucusu 4">
+            <a:extLst>
+              <a:ext uri="{FF2B5EF4-FFF2-40B4-BE49-F238E27FC236}">
+                <a16:creationId xmlns:a16="http://schemas.microsoft.com/office/drawing/2014/main" id="{47B0B1E2-B5E4-4002-A3BD-6E578AFC6ACD}"/>
+              </a:ext>
+            </a:extLst>
+          </p:cNvPr>
+          <p:cNvPicPr>
+            <a:picLocks noGrp="1" noChangeAspect="1"/>
+          </p:cNvPicPr>
+          <p:nvPr>
+            <p:ph idx="1"/>
+          </p:nvPr>
+        </p:nvPicPr>
+        <p:blipFill>
+          <a:blip r:embed="rId2"/>
+          <a:stretch>
+            <a:fillRect/>
+          </a:stretch>
+        </p:blipFill>
+        <p:spPr>
+          <a:xfrm>
+            <a:off x="3084505" y="2557463"/>
+            <a:ext cx="6022989" cy="3317875"/>
+          </a:xfrm>
+        </p:spPr>
+      </p:pic>
+    </p:spTree>
+    <p:extLst>
+      <p:ext uri="{BB962C8B-B14F-4D97-AF65-F5344CB8AC3E}">
+        <p14:creationId xmlns:p14="http://schemas.microsoft.com/office/powerpoint/2010/main" val="3652332876"/>
+      </p:ext>
+    </p:extLst>
+  </p:cSld>
+  <p:clrMapOvr>
+    <a:masterClrMapping/>
+  </p:clrMapOvr>
+</p:sld>
+</file>
+
+<file path=ppt/slides/slide81.xml><?xml version="1.0" encoding="utf-8"?>
+<p:sld xmlns:a="http://schemas.openxmlformats.org/drawingml/2006/main" xmlns:r="http://schemas.openxmlformats.org/officeDocument/2006/relationships" xmlns:p="http://schemas.openxmlformats.org/presentationml/2006/main">
+  <p:cSld>
+    <p:spTree>
+      <p:nvGrpSpPr>
+        <p:cNvPr id="1" name=""/>
+        <p:cNvGrpSpPr/>
+        <p:nvPr/>
+      </p:nvGrpSpPr>
+      <p:grpSpPr>
+        <a:xfrm>
+          <a:off x="0" y="0"/>
+          <a:ext cx="0" cy="0"/>
+          <a:chOff x="0" y="0"/>
+          <a:chExt cx="0" cy="0"/>
+        </a:xfrm>
+      </p:grpSpPr>
+      <p:sp>
+        <p:nvSpPr>
+          <p:cNvPr id="2" name="Başlık 1">
+            <a:extLst>
+              <a:ext uri="{FF2B5EF4-FFF2-40B4-BE49-F238E27FC236}">
+                <a16:creationId xmlns:a16="http://schemas.microsoft.com/office/drawing/2014/main" id="{C41900DF-D1C7-4EE3-B601-6D6B6FE45B1D}"/>
+              </a:ext>
+            </a:extLst>
+          </p:cNvPr>
+          <p:cNvSpPr>
+            <a:spLocks noGrp="1"/>
+          </p:cNvSpPr>
+          <p:nvPr>
+            <p:ph type="title"/>
+          </p:nvPr>
+        </p:nvSpPr>
+        <p:spPr/>
+        <p:txBody>
+          <a:bodyPr/>
+          <a:lstStyle/>
+          <a:p>
+            <a:endParaRPr lang="tr-TR"/>
+          </a:p>
+        </p:txBody>
+      </p:sp>
+      <p:pic>
+        <p:nvPicPr>
+          <p:cNvPr id="5" name="İçerik Yer Tutucusu 4">
+            <a:extLst>
+              <a:ext uri="{FF2B5EF4-FFF2-40B4-BE49-F238E27FC236}">
+                <a16:creationId xmlns:a16="http://schemas.microsoft.com/office/drawing/2014/main" id="{9BF238E0-6037-40C2-B347-5890DE1C7E9A}"/>
+              </a:ext>
+            </a:extLst>
+          </p:cNvPr>
+          <p:cNvPicPr>
+            <a:picLocks noGrp="1" noChangeAspect="1"/>
+          </p:cNvPicPr>
+          <p:nvPr>
+            <p:ph idx="1"/>
+          </p:nvPr>
+        </p:nvPicPr>
+        <p:blipFill>
+          <a:blip r:embed="rId2"/>
+          <a:stretch>
+            <a:fillRect/>
+          </a:stretch>
+        </p:blipFill>
+        <p:spPr>
+          <a:xfrm>
+            <a:off x="3070879" y="2557463"/>
+            <a:ext cx="6050242" cy="3317875"/>
+          </a:xfrm>
+        </p:spPr>
+      </p:pic>
+    </p:spTree>
+    <p:extLst>
+      <p:ext uri="{BB962C8B-B14F-4D97-AF65-F5344CB8AC3E}">
+        <p14:creationId xmlns:p14="http://schemas.microsoft.com/office/powerpoint/2010/main" val="1787275059"/>
+      </p:ext>
+    </p:extLst>
+  </p:cSld>
+  <p:clrMapOvr>
+    <a:masterClrMapping/>
+  </p:clrMapOvr>
+</p:sld>
+</file>
+
+<file path=ppt/slides/slide82.xml><?xml version="1.0" encoding="utf-8"?>
+<p:sld xmlns:a="http://schemas.openxmlformats.org/drawingml/2006/main" xmlns:r="http://schemas.openxmlformats.org/officeDocument/2006/relationships" xmlns:p="http://schemas.openxmlformats.org/presentationml/2006/main">
+  <p:cSld>
+    <p:spTree>
+      <p:nvGrpSpPr>
+        <p:cNvPr id="1" name=""/>
+        <p:cNvGrpSpPr/>
+        <p:nvPr/>
+      </p:nvGrpSpPr>
+      <p:grpSpPr>
+        <a:xfrm>
+          <a:off x="0" y="0"/>
+          <a:ext cx="0" cy="0"/>
+          <a:chOff x="0" y="0"/>
+          <a:chExt cx="0" cy="0"/>
+        </a:xfrm>
+      </p:grpSpPr>
+      <p:sp>
+        <p:nvSpPr>
+          <p:cNvPr id="2" name="Başlık 1"/>
+          <p:cNvSpPr>
+            <a:spLocks noGrp="1"/>
+          </p:cNvSpPr>
+          <p:nvPr>
+            <p:ph type="title"/>
+          </p:nvPr>
+        </p:nvSpPr>
+        <p:spPr/>
+        <p:txBody>
+          <a:bodyPr/>
+          <a:lstStyle/>
+          <a:p>
+            <a:endParaRPr lang="tr-TR"/>
           </a:p>
         </p:txBody>
       </p:sp>
       <p:sp>
         <p:nvSpPr>
-          <p:cNvPr id="3" name="İçerik Yer Tutucusu 2">
-            <a:extLst>
-              <a:ext uri="{FF2B5EF4-FFF2-40B4-BE49-F238E27FC236}">
-                <a16:creationId xmlns:a16="http://schemas.microsoft.com/office/drawing/2014/main" id="{06915721-FBF6-43A3-9491-92DEEF01B05A}"/>
-              </a:ext>
-            </a:extLst>
-          </p:cNvPr>
+          <p:cNvPr id="3" name="İçerik Yer Tutucusu 2"/>
           <p:cNvSpPr>
             <a:spLocks noGrp="1"/>
           </p:cNvSpPr>
@@ -31502,215 +30457,21 @@
         </p:nvSpPr>
         <p:spPr/>
         <p:txBody>
-          <a:bodyPr>
-            <a:normAutofit fontScale="92500" lnSpcReduction="10000"/>
-          </a:bodyPr>
+          <a:bodyPr/>
           <a:lstStyle/>
           <a:p>
             <a:r>
-              <a:rPr lang="tr-TR" b="0" i="0" dirty="0">
-                <a:solidFill>
-                  <a:srgbClr val="000000"/>
-                </a:solidFill>
-                <a:effectLst/>
-                <a:latin typeface="Poppins" panose="00000500000000000000" pitchFamily="2" charset="-94"/>
-              </a:rPr>
-              <a:t>Üstteki örnekte ilk satırda yazan </a:t>
-            </a:r>
-            <a:r>
-              <a:rPr lang="tr-TR" b="1" i="0" dirty="0">
-                <a:solidFill>
-                  <a:srgbClr val="000000"/>
-                </a:solidFill>
-                <a:effectLst/>
-                <a:latin typeface="Poppins" panose="00000500000000000000" pitchFamily="2" charset="-94"/>
-              </a:rPr>
-              <a:t>&lt;!DOCTYPE html&gt; </a:t>
-            </a:r>
-            <a:r>
-              <a:rPr lang="tr-TR" b="0" i="0" dirty="0">
-                <a:solidFill>
-                  <a:srgbClr val="000000"/>
-                </a:solidFill>
-                <a:effectLst/>
-                <a:latin typeface="Poppins" panose="00000500000000000000" pitchFamily="2" charset="-94"/>
-              </a:rPr>
-              <a:t>belgenin türünü bildiren bir HTML etiketidir.</a:t>
-            </a:r>
-          </a:p>
-          <a:p>
-            <a:r>
-              <a:rPr lang="tr-TR" b="1" i="0" dirty="0">
-                <a:solidFill>
-                  <a:srgbClr val="000000"/>
-                </a:solidFill>
-                <a:effectLst/>
-                <a:latin typeface="Poppins" panose="00000500000000000000" pitchFamily="2" charset="-94"/>
-              </a:rPr>
-              <a:t>&lt;html&gt;</a:t>
-            </a:r>
-            <a:r>
-              <a:rPr lang="tr-TR" b="0" i="0" dirty="0">
-                <a:solidFill>
-                  <a:srgbClr val="000000"/>
-                </a:solidFill>
-                <a:effectLst/>
-                <a:latin typeface="Poppins" panose="00000500000000000000" pitchFamily="2" charset="-94"/>
-              </a:rPr>
-              <a:t> ve </a:t>
-            </a:r>
-            <a:r>
-              <a:rPr lang="tr-TR" b="1" i="0" dirty="0">
-                <a:solidFill>
-                  <a:srgbClr val="000000"/>
-                </a:solidFill>
-                <a:effectLst/>
-                <a:latin typeface="Poppins" panose="00000500000000000000" pitchFamily="2" charset="-94"/>
-              </a:rPr>
-              <a:t>&lt;/html&gt; </a:t>
-            </a:r>
-            <a:r>
-              <a:rPr lang="tr-TR" b="0" i="0" dirty="0">
-                <a:solidFill>
-                  <a:srgbClr val="000000"/>
-                </a:solidFill>
-                <a:effectLst/>
-                <a:latin typeface="Poppins" panose="00000500000000000000" pitchFamily="2" charset="-94"/>
-              </a:rPr>
-              <a:t>etiketleri, html dosyanızın başlangıç ve bitişini gösterir.</a:t>
-            </a:r>
-            <a:endParaRPr lang="tr-TR" dirty="0">
-              <a:solidFill>
-                <a:srgbClr val="000000"/>
-              </a:solidFill>
-              <a:latin typeface="Poppins" panose="00000500000000000000" pitchFamily="2" charset="-94"/>
-            </a:endParaRPr>
-          </a:p>
-          <a:p>
-            <a:r>
-              <a:rPr lang="tr-TR" b="1" i="0" dirty="0">
-                <a:solidFill>
-                  <a:srgbClr val="000000"/>
-                </a:solidFill>
-                <a:effectLst/>
-                <a:latin typeface="Poppins" panose="00000500000000000000" pitchFamily="2" charset="-94"/>
-              </a:rPr>
-              <a:t>&lt;body&gt;</a:t>
-            </a:r>
-            <a:r>
-              <a:rPr lang="tr-TR" b="0" i="0" dirty="0">
-                <a:solidFill>
-                  <a:srgbClr val="000000"/>
-                </a:solidFill>
-                <a:effectLst/>
-                <a:latin typeface="Poppins" panose="00000500000000000000" pitchFamily="2" charset="-94"/>
-              </a:rPr>
-              <a:t> ve </a:t>
-            </a:r>
-            <a:r>
-              <a:rPr lang="tr-TR" b="1" i="0" dirty="0">
-                <a:solidFill>
-                  <a:srgbClr val="000000"/>
-                </a:solidFill>
-                <a:effectLst/>
-                <a:latin typeface="Poppins" panose="00000500000000000000" pitchFamily="2" charset="-94"/>
-              </a:rPr>
-              <a:t>&lt;/body&gt;</a:t>
-            </a:r>
-            <a:r>
-              <a:rPr lang="tr-TR" b="0" i="0" dirty="0">
-                <a:solidFill>
-                  <a:srgbClr val="000000"/>
-                </a:solidFill>
-                <a:effectLst/>
-                <a:latin typeface="Poppins" panose="00000500000000000000" pitchFamily="2" charset="-94"/>
-              </a:rPr>
-              <a:t> etiketleri arasına tarayıcıda görüntülenecek ana içeriğe dair kodlar yazılır.</a:t>
-            </a:r>
-          </a:p>
-          <a:p>
-            <a:r>
-              <a:rPr lang="tr-TR" b="1" i="0" dirty="0">
-                <a:solidFill>
-                  <a:srgbClr val="000000"/>
-                </a:solidFill>
-                <a:effectLst/>
-                <a:latin typeface="Poppins" panose="00000500000000000000" pitchFamily="2" charset="-94"/>
-              </a:rPr>
-              <a:t>&lt;</a:t>
-            </a:r>
-            <a:r>
-              <a:rPr lang="tr-TR" b="1" i="0" dirty="0" err="1">
-                <a:solidFill>
-                  <a:srgbClr val="000000"/>
-                </a:solidFill>
-                <a:effectLst/>
-                <a:latin typeface="Poppins" panose="00000500000000000000" pitchFamily="2" charset="-94"/>
-              </a:rPr>
-              <a:t>head</a:t>
-            </a:r>
-            <a:r>
-              <a:rPr lang="tr-TR" b="0" i="0" dirty="0">
-                <a:solidFill>
-                  <a:srgbClr val="000000"/>
-                </a:solidFill>
-                <a:effectLst/>
-                <a:latin typeface="Poppins" panose="00000500000000000000" pitchFamily="2" charset="-94"/>
-              </a:rPr>
-              <a:t>&gt; ve </a:t>
-            </a:r>
-            <a:r>
-              <a:rPr lang="tr-TR" b="1" i="0" dirty="0">
-                <a:solidFill>
-                  <a:srgbClr val="000000"/>
-                </a:solidFill>
-                <a:effectLst/>
-                <a:latin typeface="Poppins" panose="00000500000000000000" pitchFamily="2" charset="-94"/>
-              </a:rPr>
-              <a:t>&lt;/</a:t>
-            </a:r>
-            <a:r>
-              <a:rPr lang="tr-TR" b="1" i="0" dirty="0" err="1">
-                <a:solidFill>
-                  <a:srgbClr val="000000"/>
-                </a:solidFill>
-                <a:effectLst/>
-                <a:latin typeface="Poppins" panose="00000500000000000000" pitchFamily="2" charset="-94"/>
-              </a:rPr>
-              <a:t>head</a:t>
-            </a:r>
-            <a:r>
-              <a:rPr lang="tr-TR" b="1" i="0" dirty="0">
-                <a:solidFill>
-                  <a:srgbClr val="000000"/>
-                </a:solidFill>
-                <a:effectLst/>
-                <a:latin typeface="Poppins" panose="00000500000000000000" pitchFamily="2" charset="-94"/>
-              </a:rPr>
-              <a:t>&gt;</a:t>
-            </a:r>
-            <a:r>
-              <a:rPr lang="tr-TR" b="0" i="0" dirty="0">
-                <a:solidFill>
-                  <a:srgbClr val="000000"/>
-                </a:solidFill>
-                <a:effectLst/>
-                <a:latin typeface="Poppins" panose="00000500000000000000" pitchFamily="2" charset="-94"/>
-              </a:rPr>
-              <a:t> etiketleri arasına yazılan kodlar web sayfanızda görünmez. Bu bölüm tüm içeriğin fontu ve arka planı gibi tüm sayfayı etkileyen genel özellikleri kapsar.</a:t>
-            </a:r>
-          </a:p>
-          <a:p>
-            <a:endParaRPr lang="tr-TR" dirty="0"/>
+              <a:rPr lang="tr-TR" dirty="0"/>
+              <a:t>Dinlediğiniz </a:t>
+            </a:r>
+            <a:r>
+              <a:rPr lang="tr-TR"/>
+              <a:t>için teşekkürler</a:t>
+            </a:r>
           </a:p>
         </p:txBody>
       </p:sp>
     </p:spTree>
-    <p:extLst>
-      <p:ext uri="{BB962C8B-B14F-4D97-AF65-F5344CB8AC3E}">
-        <p14:creationId xmlns:p14="http://schemas.microsoft.com/office/powerpoint/2010/main" val="1037023285"/>
-      </p:ext>
-    </p:extLst>
   </p:cSld>
   <p:clrMapOvr>
     <a:masterClrMapping/>
@@ -31737,13 +30498,7 @@
       </p:grpSpPr>
       <p:sp>
         <p:nvSpPr>
-          <p:cNvPr id="2" name="Başlık 1">
-            <a:extLst>
-              <a:ext uri="{FF2B5EF4-FFF2-40B4-BE49-F238E27FC236}">
-                <a16:creationId xmlns:a16="http://schemas.microsoft.com/office/drawing/2014/main" id="{2AE0729C-1759-4BB7-B1B9-99050428FAC7}"/>
-              </a:ext>
-            </a:extLst>
-          </p:cNvPr>
+          <p:cNvPr id="2" name="Başlık 1"/>
           <p:cNvSpPr>
             <a:spLocks noGrp="1"/>
           </p:cNvSpPr>
@@ -31762,13 +30517,7 @@
       </p:sp>
       <p:sp>
         <p:nvSpPr>
-          <p:cNvPr id="3" name="İçerik Yer Tutucusu 2">
-            <a:extLst>
-              <a:ext uri="{FF2B5EF4-FFF2-40B4-BE49-F238E27FC236}">
-                <a16:creationId xmlns:a16="http://schemas.microsoft.com/office/drawing/2014/main" id="{15B9E4CB-D46F-4478-8902-F88629313E86}"/>
-              </a:ext>
-            </a:extLst>
-          </p:cNvPr>
+          <p:cNvPr id="3" name="İçerik Yer Tutucusu 2"/>
           <p:cNvSpPr>
             <a:spLocks noGrp="1"/>
           </p:cNvSpPr>
@@ -31938,11 +30687,6 @@
         </p:txBody>
       </p:sp>
     </p:spTree>
-    <p:extLst>
-      <p:ext uri="{BB962C8B-B14F-4D97-AF65-F5344CB8AC3E}">
-        <p14:creationId xmlns:p14="http://schemas.microsoft.com/office/powerpoint/2010/main" val="1547014011"/>
-      </p:ext>
-    </p:extLst>
   </p:cSld>
   <p:clrMapOvr>
     <a:masterClrMapping/>
@@ -31993,7 +30737,7 @@
     </a:clrScheme>
     <a:fontScheme name="Organik">
       <a:majorFont>
-        <a:latin typeface="Garamond" panose="02020404030301010803"/>
+        <a:latin typeface="Garamond"/>
         <a:ea typeface=""/>
         <a:cs typeface=""/>
         <a:font script="Jpan" typeface="ＭＳ Ｐゴシック"/>
@@ -32028,7 +30772,7 @@
         <a:font script="Geor" typeface="Sylfaen"/>
       </a:majorFont>
       <a:minorFont>
-        <a:latin typeface="Garamond" panose="02020404030301010803"/>
+        <a:latin typeface="Garamond"/>
         <a:ea typeface=""/>
         <a:cs typeface=""/>
         <a:font script="Jpan" typeface="ＭＳ Ｐ明朝"/>
@@ -32168,7 +30912,9 @@
         </a:gradFill>
         <a:blipFill>
           <a:blip xmlns:r="http://schemas.openxmlformats.org/officeDocument/2006/relationships" r:embed="rId2"/>
-          <a:stretch/>
+          <a:stretch>
+            <a:fillRect/>
+          </a:stretch>
         </a:blipFill>
       </a:bgFillStyleLst>
     </a:fmtScheme>
@@ -32177,7 +30923,7 @@
   <a:extraClrSchemeLst/>
   <a:extLst>
     <a:ext uri="{05A4C25C-085E-4340-85A3-A5531E510DB2}">
-      <thm15:themeFamily xmlns:thm15="http://schemas.microsoft.com/office/thememl/2012/main" name="Organic" id="{28CDC826-8792-45C0-861B-85EB3ADEDA33}" vid="{7DAC20F1-423D-49E2-BD0B-50532748BAD0}"/>
+      <thm15:themeFamily xmlns:thm15="http://schemas.microsoft.com/office/thememl/2012/main" name="Office Theme" id="{62F939B6-93AF-4DB8-9C6B-D6C7DFDC589F}" vid="{4A3C46E8-61CC-4603-A589-7422A47A8E4A}"/>
     </a:ext>
   </a:extLst>
 </a:theme>
